--- a/presentation.pptx
+++ b/presentation.pptx
@@ -3,18 +3,20 @@
 <p:presentation xmlns:a="http://schemas.openxmlformats.org/drawingml/2006/main" xmlns:p="http://schemas.openxmlformats.org/presentationml/2006/main" xmlns:r="http://schemas.openxmlformats.org/officeDocument/2006/relationships">
   <p:sldMasterIdLst>
     <p:sldMasterId id="2147483648" r:id="rId2"/>
+    <p:sldMasterId id="2147483661" r:id="rId3"/>
+    <p:sldMasterId id="2147483674" r:id="rId4"/>
   </p:sldMasterIdLst>
   <p:sldIdLst>
-    <p:sldId id="256" r:id="rId3"/>
-    <p:sldId id="257" r:id="rId4"/>
-    <p:sldId id="258" r:id="rId5"/>
-    <p:sldId id="259" r:id="rId6"/>
-    <p:sldId id="260" r:id="rId7"/>
-    <p:sldId id="261" r:id="rId8"/>
-    <p:sldId id="262" r:id="rId9"/>
-    <p:sldId id="263" r:id="rId10"/>
-    <p:sldId id="264" r:id="rId11"/>
-    <p:sldId id="265" r:id="rId12"/>
+    <p:sldId id="256" r:id="rId5"/>
+    <p:sldId id="257" r:id="rId6"/>
+    <p:sldId id="258" r:id="rId7"/>
+    <p:sldId id="259" r:id="rId8"/>
+    <p:sldId id="260" r:id="rId9"/>
+    <p:sldId id="261" r:id="rId10"/>
+    <p:sldId id="262" r:id="rId11"/>
+    <p:sldId id="263" r:id="rId12"/>
+    <p:sldId id="264" r:id="rId13"/>
+    <p:sldId id="265" r:id="rId14"/>
   </p:sldIdLst>
   <p:sldSz cx="10080625" cy="7559675"/>
   <p:notesSz cx="7772400" cy="10058400"/>
@@ -62,7 +64,7 @@
       </p:grpSpPr>
       <p:sp>
         <p:nvSpPr>
-          <p:cNvPr id="26" name="PlaceHolder 1"/>
+          <p:cNvPr id="23" name="PlaceHolder 1"/>
           <p:cNvSpPr>
             <a:spLocks noGrp="1"/>
           </p:cNvSpPr>
@@ -73,7 +75,7 @@
         <p:spPr>
           <a:xfrm>
             <a:off x="504000" y="301320"/>
-            <a:ext cx="9071640" cy="1262160"/>
+            <a:ext cx="9071280" cy="1261800"/>
           </a:xfrm>
           <a:prstGeom prst="rect">
             <a:avLst/>
@@ -89,7 +91,7 @@
       </p:sp>
       <p:sp>
         <p:nvSpPr>
-          <p:cNvPr id="27" name="PlaceHolder 2"/>
+          <p:cNvPr id="24" name="PlaceHolder 2"/>
           <p:cNvSpPr>
             <a:spLocks noGrp="1"/>
           </p:cNvSpPr>
@@ -100,22 +102,22 @@
         <p:spPr>
           <a:xfrm>
             <a:off x="504000" y="1769040"/>
-            <a:ext cx="9071640" cy="2091240"/>
-          </a:xfrm>
-          <a:prstGeom prst="rect">
-            <a:avLst/>
-          </a:prstGeom>
-        </p:spPr>
-        <p:txBody>
-          <a:bodyPr lIns="0" rIns="0" tIns="0" bIns="0"/>
-          <a:p>
-            <a:endParaRPr/>
-          </a:p>
-        </p:txBody>
-      </p:sp>
-      <p:sp>
-        <p:nvSpPr>
-          <p:cNvPr id="28" name="PlaceHolder 3"/>
+            <a:ext cx="9071280" cy="2090880"/>
+          </a:xfrm>
+          <a:prstGeom prst="rect">
+            <a:avLst/>
+          </a:prstGeom>
+        </p:spPr>
+        <p:txBody>
+          <a:bodyPr lIns="0" rIns="0" tIns="0" bIns="0"/>
+          <a:p>
+            <a:endParaRPr/>
+          </a:p>
+        </p:txBody>
+      </p:sp>
+      <p:sp>
+        <p:nvSpPr>
+          <p:cNvPr id="25" name="PlaceHolder 3"/>
           <p:cNvSpPr>
             <a:spLocks noGrp="1"/>
           </p:cNvSpPr>
@@ -125,8 +127,8 @@
         </p:nvSpPr>
         <p:spPr>
           <a:xfrm>
-            <a:off x="504000" y="4059360"/>
-            <a:ext cx="9071640" cy="2091240"/>
+            <a:off x="504000" y="4059000"/>
+            <a:ext cx="9071280" cy="2090880"/>
           </a:xfrm>
           <a:prstGeom prst="rect">
             <a:avLst/>
@@ -163,7 +165,7 @@
       </p:grpSpPr>
       <p:sp>
         <p:nvSpPr>
-          <p:cNvPr id="29" name="PlaceHolder 1"/>
+          <p:cNvPr id="26" name="PlaceHolder 1"/>
           <p:cNvSpPr>
             <a:spLocks noGrp="1"/>
           </p:cNvSpPr>
@@ -174,7 +176,7 @@
         <p:spPr>
           <a:xfrm>
             <a:off x="504000" y="301320"/>
-            <a:ext cx="9071640" cy="1262160"/>
+            <a:ext cx="9071280" cy="1261800"/>
           </a:xfrm>
           <a:prstGeom prst="rect">
             <a:avLst/>
@@ -190,7 +192,7 @@
       </p:sp>
       <p:sp>
         <p:nvSpPr>
-          <p:cNvPr id="30" name="PlaceHolder 2"/>
+          <p:cNvPr id="27" name="PlaceHolder 2"/>
           <p:cNvSpPr>
             <a:spLocks noGrp="1"/>
           </p:cNvSpPr>
@@ -201,22 +203,22 @@
         <p:spPr>
           <a:xfrm>
             <a:off x="504000" y="1769040"/>
-            <a:ext cx="4426920" cy="2091240"/>
-          </a:xfrm>
-          <a:prstGeom prst="rect">
-            <a:avLst/>
-          </a:prstGeom>
-        </p:spPr>
-        <p:txBody>
-          <a:bodyPr lIns="0" rIns="0" tIns="0" bIns="0"/>
-          <a:p>
-            <a:endParaRPr/>
-          </a:p>
-        </p:txBody>
-      </p:sp>
-      <p:sp>
-        <p:nvSpPr>
-          <p:cNvPr id="31" name="PlaceHolder 3"/>
+            <a:ext cx="4426560" cy="2090880"/>
+          </a:xfrm>
+          <a:prstGeom prst="rect">
+            <a:avLst/>
+          </a:prstGeom>
+        </p:spPr>
+        <p:txBody>
+          <a:bodyPr lIns="0" rIns="0" tIns="0" bIns="0"/>
+          <a:p>
+            <a:endParaRPr/>
+          </a:p>
+        </p:txBody>
+      </p:sp>
+      <p:sp>
+        <p:nvSpPr>
+          <p:cNvPr id="28" name="PlaceHolder 3"/>
           <p:cNvSpPr>
             <a:spLocks noGrp="1"/>
           </p:cNvSpPr>
@@ -226,23 +228,23 @@
         </p:nvSpPr>
         <p:spPr>
           <a:xfrm>
-            <a:off x="5152680" y="1769040"/>
-            <a:ext cx="4426920" cy="2091240"/>
-          </a:xfrm>
-          <a:prstGeom prst="rect">
-            <a:avLst/>
-          </a:prstGeom>
-        </p:spPr>
-        <p:txBody>
-          <a:bodyPr lIns="0" rIns="0" tIns="0" bIns="0"/>
-          <a:p>
-            <a:endParaRPr/>
-          </a:p>
-        </p:txBody>
-      </p:sp>
-      <p:sp>
-        <p:nvSpPr>
-          <p:cNvPr id="32" name="PlaceHolder 4"/>
+            <a:off x="5152320" y="1769040"/>
+            <a:ext cx="4426560" cy="2090880"/>
+          </a:xfrm>
+          <a:prstGeom prst="rect">
+            <a:avLst/>
+          </a:prstGeom>
+        </p:spPr>
+        <p:txBody>
+          <a:bodyPr lIns="0" rIns="0" tIns="0" bIns="0"/>
+          <a:p>
+            <a:endParaRPr/>
+          </a:p>
+        </p:txBody>
+      </p:sp>
+      <p:sp>
+        <p:nvSpPr>
+          <p:cNvPr id="29" name="PlaceHolder 4"/>
           <p:cNvSpPr>
             <a:spLocks noGrp="1"/>
           </p:cNvSpPr>
@@ -252,23 +254,23 @@
         </p:nvSpPr>
         <p:spPr>
           <a:xfrm>
-            <a:off x="5152680" y="4059360"/>
-            <a:ext cx="4426920" cy="2091240"/>
-          </a:xfrm>
-          <a:prstGeom prst="rect">
-            <a:avLst/>
-          </a:prstGeom>
-        </p:spPr>
-        <p:txBody>
-          <a:bodyPr lIns="0" rIns="0" tIns="0" bIns="0"/>
-          <a:p>
-            <a:endParaRPr/>
-          </a:p>
-        </p:txBody>
-      </p:sp>
-      <p:sp>
-        <p:nvSpPr>
-          <p:cNvPr id="33" name="PlaceHolder 5"/>
+            <a:off x="5152320" y="4059000"/>
+            <a:ext cx="4426560" cy="2090880"/>
+          </a:xfrm>
+          <a:prstGeom prst="rect">
+            <a:avLst/>
+          </a:prstGeom>
+        </p:spPr>
+        <p:txBody>
+          <a:bodyPr lIns="0" rIns="0" tIns="0" bIns="0"/>
+          <a:p>
+            <a:endParaRPr/>
+          </a:p>
+        </p:txBody>
+      </p:sp>
+      <p:sp>
+        <p:nvSpPr>
+          <p:cNvPr id="30" name="PlaceHolder 5"/>
           <p:cNvSpPr>
             <a:spLocks noGrp="1"/>
           </p:cNvSpPr>
@@ -278,8 +280,8 @@
         </p:nvSpPr>
         <p:spPr>
           <a:xfrm>
-            <a:off x="504000" y="4059360"/>
-            <a:ext cx="4426920" cy="2091240"/>
+            <a:off x="504000" y="4059000"/>
+            <a:ext cx="4426560" cy="2090880"/>
           </a:xfrm>
           <a:prstGeom prst="rect">
             <a:avLst/>
@@ -316,7 +318,7 @@
       </p:grpSpPr>
       <p:sp>
         <p:nvSpPr>
-          <p:cNvPr id="34" name="PlaceHolder 1"/>
+          <p:cNvPr id="31" name="PlaceHolder 1"/>
           <p:cNvSpPr>
             <a:spLocks noGrp="1"/>
           </p:cNvSpPr>
@@ -327,7 +329,7 @@
         <p:spPr>
           <a:xfrm>
             <a:off x="504000" y="301320"/>
-            <a:ext cx="9071640" cy="1262160"/>
+            <a:ext cx="9071280" cy="1261800"/>
           </a:xfrm>
           <a:prstGeom prst="rect">
             <a:avLst/>
@@ -343,7 +345,7 @@
       </p:sp>
       <p:sp>
         <p:nvSpPr>
-          <p:cNvPr id="35" name="PlaceHolder 2"/>
+          <p:cNvPr id="32" name="PlaceHolder 2"/>
           <p:cNvSpPr>
             <a:spLocks noGrp="1"/>
           </p:cNvSpPr>
@@ -354,22 +356,22 @@
         <p:spPr>
           <a:xfrm>
             <a:off x="504000" y="1769040"/>
-            <a:ext cx="9071640" cy="4384440"/>
-          </a:xfrm>
-          <a:prstGeom prst="rect">
-            <a:avLst/>
-          </a:prstGeom>
-        </p:spPr>
-        <p:txBody>
-          <a:bodyPr lIns="0" rIns="0" tIns="0" bIns="0"/>
-          <a:p>
-            <a:endParaRPr/>
-          </a:p>
-        </p:txBody>
-      </p:sp>
-      <p:sp>
-        <p:nvSpPr>
-          <p:cNvPr id="36" name="PlaceHolder 3"/>
+            <a:ext cx="9071280" cy="4384080"/>
+          </a:xfrm>
+          <a:prstGeom prst="rect">
+            <a:avLst/>
+          </a:prstGeom>
+        </p:spPr>
+        <p:txBody>
+          <a:bodyPr lIns="0" rIns="0" tIns="0" bIns="0"/>
+          <a:p>
+            <a:endParaRPr/>
+          </a:p>
+        </p:txBody>
+      </p:sp>
+      <p:sp>
+        <p:nvSpPr>
+          <p:cNvPr id="33" name="PlaceHolder 3"/>
           <p:cNvSpPr>
             <a:spLocks noGrp="1"/>
           </p:cNvSpPr>
@@ -380,7 +382,7 @@
         <p:spPr>
           <a:xfrm>
             <a:off x="504000" y="1769040"/>
-            <a:ext cx="9071640" cy="4384440"/>
+            <a:ext cx="9071280" cy="4384080"/>
           </a:xfrm>
           <a:prstGeom prst="rect">
             <a:avLst/>
@@ -395,7 +397,7 @@
       </p:sp>
       <p:pic>
         <p:nvPicPr>
-          <p:cNvPr id="37" name="" descr=""/>
+          <p:cNvPr id="34" name="" descr=""/>
           <p:cNvPicPr/>
           <p:nvPr/>
         </p:nvPicPr>
@@ -405,8 +407,8 @@
         </p:blipFill>
         <p:spPr>
           <a:xfrm>
-            <a:off x="2292120" y="1768680"/>
-            <a:ext cx="5495040" cy="4384440"/>
+            <a:off x="2292120" y="1769040"/>
+            <a:ext cx="5494680" cy="4384080"/>
           </a:xfrm>
           <a:prstGeom prst="rect">
             <a:avLst/>
@@ -418,7 +420,7 @@
       </p:pic>
       <p:pic>
         <p:nvPicPr>
-          <p:cNvPr id="38" name="" descr=""/>
+          <p:cNvPr id="35" name="" descr=""/>
           <p:cNvPicPr/>
           <p:nvPr/>
         </p:nvPicPr>
@@ -428,8 +430,8 @@
         </p:blipFill>
         <p:spPr>
           <a:xfrm>
-            <a:off x="2292120" y="1768680"/>
-            <a:ext cx="5495040" cy="4384440"/>
+            <a:off x="2292120" y="1769040"/>
+            <a:ext cx="5494680" cy="4384080"/>
           </a:xfrm>
           <a:prstGeom prst="rect">
             <a:avLst/>
@@ -439,6 +441,505 @@
           </a:ln>
         </p:spPr>
       </p:pic>
+    </p:spTree>
+  </p:cSld>
+</p:sldLayout>
+</file>
+
+<file path=ppt/slideLayouts/slideLayout13.xml><?xml version="1.0" encoding="utf-8"?>
+<p:sldLayout xmlns:a="http://schemas.openxmlformats.org/drawingml/2006/main" xmlns:p="http://schemas.openxmlformats.org/presentationml/2006/main" xmlns:r="http://schemas.openxmlformats.org/officeDocument/2006/relationships" type="blank" preserve="1">
+  <p:cSld name="Blank Slide">
+    <p:spTree>
+      <p:nvGrpSpPr>
+        <p:cNvPr id="1" name=""/>
+        <p:cNvGrpSpPr/>
+        <p:nvPr/>
+      </p:nvGrpSpPr>
+      <p:grpSpPr>
+        <a:xfrm>
+          <a:off x="0" y="0"/>
+          <a:ext cx="0" cy="0"/>
+          <a:chOff x="0" y="0"/>
+          <a:chExt cx="0" cy="0"/>
+        </a:xfrm>
+      </p:grpSpPr>
+    </p:spTree>
+  </p:cSld>
+</p:sldLayout>
+</file>
+
+<file path=ppt/slideLayouts/slideLayout14.xml><?xml version="1.0" encoding="utf-8"?>
+<p:sldLayout xmlns:a="http://schemas.openxmlformats.org/drawingml/2006/main" xmlns:p="http://schemas.openxmlformats.org/presentationml/2006/main" xmlns:r="http://schemas.openxmlformats.org/officeDocument/2006/relationships" type="tx" preserve="1">
+  <p:cSld name="Title Slide">
+    <p:spTree>
+      <p:nvGrpSpPr>
+        <p:cNvPr id="1" name=""/>
+        <p:cNvGrpSpPr/>
+        <p:nvPr/>
+      </p:nvGrpSpPr>
+      <p:grpSpPr>
+        <a:xfrm>
+          <a:off x="0" y="0"/>
+          <a:ext cx="0" cy="0"/>
+          <a:chOff x="0" y="0"/>
+          <a:chExt cx="0" cy="0"/>
+        </a:xfrm>
+      </p:grpSpPr>
+      <p:sp>
+        <p:nvSpPr>
+          <p:cNvPr id="38" name="PlaceHolder 1"/>
+          <p:cNvSpPr>
+            <a:spLocks noGrp="1"/>
+          </p:cNvSpPr>
+          <p:nvPr>
+            <p:ph type="title"/>
+          </p:nvPr>
+        </p:nvSpPr>
+        <p:spPr>
+          <a:xfrm>
+            <a:off x="504000" y="301320"/>
+            <a:ext cx="9071280" cy="1261800"/>
+          </a:xfrm>
+          <a:prstGeom prst="rect">
+            <a:avLst/>
+          </a:prstGeom>
+        </p:spPr>
+        <p:txBody>
+          <a:bodyPr lIns="0" rIns="0" tIns="0" bIns="0" anchor="ctr"/>
+          <a:p>
+            <a:pPr algn="ctr"/>
+            <a:endParaRPr/>
+          </a:p>
+        </p:txBody>
+      </p:sp>
+      <p:sp>
+        <p:nvSpPr>
+          <p:cNvPr id="39" name="PlaceHolder 2"/>
+          <p:cNvSpPr>
+            <a:spLocks noGrp="1"/>
+          </p:cNvSpPr>
+          <p:nvPr>
+            <p:ph type="subTitle"/>
+          </p:nvPr>
+        </p:nvSpPr>
+        <p:spPr>
+          <a:xfrm>
+            <a:off x="504000" y="1769040"/>
+            <a:ext cx="9071280" cy="4384080"/>
+          </a:xfrm>
+          <a:prstGeom prst="rect">
+            <a:avLst/>
+          </a:prstGeom>
+        </p:spPr>
+        <p:txBody>
+          <a:bodyPr lIns="0" rIns="0" tIns="0" bIns="0" anchor="ctr"/>
+          <a:p>
+            <a:pPr algn="ctr"/>
+            <a:endParaRPr/>
+          </a:p>
+        </p:txBody>
+      </p:sp>
+    </p:spTree>
+  </p:cSld>
+</p:sldLayout>
+</file>
+
+<file path=ppt/slideLayouts/slideLayout15.xml><?xml version="1.0" encoding="utf-8"?>
+<p:sldLayout xmlns:a="http://schemas.openxmlformats.org/drawingml/2006/main" xmlns:p="http://schemas.openxmlformats.org/presentationml/2006/main" xmlns:r="http://schemas.openxmlformats.org/officeDocument/2006/relationships" type="obj" preserve="1">
+  <p:cSld name="Title, Content">
+    <p:spTree>
+      <p:nvGrpSpPr>
+        <p:cNvPr id="1" name=""/>
+        <p:cNvGrpSpPr/>
+        <p:nvPr/>
+      </p:nvGrpSpPr>
+      <p:grpSpPr>
+        <a:xfrm>
+          <a:off x="0" y="0"/>
+          <a:ext cx="0" cy="0"/>
+          <a:chOff x="0" y="0"/>
+          <a:chExt cx="0" cy="0"/>
+        </a:xfrm>
+      </p:grpSpPr>
+      <p:sp>
+        <p:nvSpPr>
+          <p:cNvPr id="40" name="PlaceHolder 1"/>
+          <p:cNvSpPr>
+            <a:spLocks noGrp="1"/>
+          </p:cNvSpPr>
+          <p:nvPr>
+            <p:ph type="title"/>
+          </p:nvPr>
+        </p:nvSpPr>
+        <p:spPr>
+          <a:xfrm>
+            <a:off x="504000" y="301320"/>
+            <a:ext cx="9071280" cy="1261800"/>
+          </a:xfrm>
+          <a:prstGeom prst="rect">
+            <a:avLst/>
+          </a:prstGeom>
+        </p:spPr>
+        <p:txBody>
+          <a:bodyPr lIns="0" rIns="0" tIns="0" bIns="0" anchor="ctr"/>
+          <a:p>
+            <a:pPr algn="ctr"/>
+            <a:endParaRPr/>
+          </a:p>
+        </p:txBody>
+      </p:sp>
+      <p:sp>
+        <p:nvSpPr>
+          <p:cNvPr id="41" name="PlaceHolder 2"/>
+          <p:cNvSpPr>
+            <a:spLocks noGrp="1"/>
+          </p:cNvSpPr>
+          <p:nvPr>
+            <p:ph type="body"/>
+          </p:nvPr>
+        </p:nvSpPr>
+        <p:spPr>
+          <a:xfrm>
+            <a:off x="504000" y="1769040"/>
+            <a:ext cx="9071280" cy="4384080"/>
+          </a:xfrm>
+          <a:prstGeom prst="rect">
+            <a:avLst/>
+          </a:prstGeom>
+        </p:spPr>
+        <p:txBody>
+          <a:bodyPr lIns="0" rIns="0" tIns="0" bIns="0"/>
+          <a:p>
+            <a:endParaRPr/>
+          </a:p>
+        </p:txBody>
+      </p:sp>
+    </p:spTree>
+  </p:cSld>
+</p:sldLayout>
+</file>
+
+<file path=ppt/slideLayouts/slideLayout16.xml><?xml version="1.0" encoding="utf-8"?>
+<p:sldLayout xmlns:a="http://schemas.openxmlformats.org/drawingml/2006/main" xmlns:p="http://schemas.openxmlformats.org/presentationml/2006/main" xmlns:r="http://schemas.openxmlformats.org/officeDocument/2006/relationships" type="twoObj" preserve="1">
+  <p:cSld name="Title, 2 Content">
+    <p:spTree>
+      <p:nvGrpSpPr>
+        <p:cNvPr id="1" name=""/>
+        <p:cNvGrpSpPr/>
+        <p:nvPr/>
+      </p:nvGrpSpPr>
+      <p:grpSpPr>
+        <a:xfrm>
+          <a:off x="0" y="0"/>
+          <a:ext cx="0" cy="0"/>
+          <a:chOff x="0" y="0"/>
+          <a:chExt cx="0" cy="0"/>
+        </a:xfrm>
+      </p:grpSpPr>
+      <p:sp>
+        <p:nvSpPr>
+          <p:cNvPr id="42" name="PlaceHolder 1"/>
+          <p:cNvSpPr>
+            <a:spLocks noGrp="1"/>
+          </p:cNvSpPr>
+          <p:nvPr>
+            <p:ph type="title"/>
+          </p:nvPr>
+        </p:nvSpPr>
+        <p:spPr>
+          <a:xfrm>
+            <a:off x="504000" y="301320"/>
+            <a:ext cx="9071280" cy="1261800"/>
+          </a:xfrm>
+          <a:prstGeom prst="rect">
+            <a:avLst/>
+          </a:prstGeom>
+        </p:spPr>
+        <p:txBody>
+          <a:bodyPr lIns="0" rIns="0" tIns="0" bIns="0" anchor="ctr"/>
+          <a:p>
+            <a:pPr algn="ctr"/>
+            <a:endParaRPr/>
+          </a:p>
+        </p:txBody>
+      </p:sp>
+      <p:sp>
+        <p:nvSpPr>
+          <p:cNvPr id="43" name="PlaceHolder 2"/>
+          <p:cNvSpPr>
+            <a:spLocks noGrp="1"/>
+          </p:cNvSpPr>
+          <p:nvPr>
+            <p:ph type="body"/>
+          </p:nvPr>
+        </p:nvSpPr>
+        <p:spPr>
+          <a:xfrm>
+            <a:off x="504000" y="1769040"/>
+            <a:ext cx="4426560" cy="4384080"/>
+          </a:xfrm>
+          <a:prstGeom prst="rect">
+            <a:avLst/>
+          </a:prstGeom>
+        </p:spPr>
+        <p:txBody>
+          <a:bodyPr lIns="0" rIns="0" tIns="0" bIns="0"/>
+          <a:p>
+            <a:endParaRPr/>
+          </a:p>
+        </p:txBody>
+      </p:sp>
+      <p:sp>
+        <p:nvSpPr>
+          <p:cNvPr id="44" name="PlaceHolder 3"/>
+          <p:cNvSpPr>
+            <a:spLocks noGrp="1"/>
+          </p:cNvSpPr>
+          <p:nvPr>
+            <p:ph type="body"/>
+          </p:nvPr>
+        </p:nvSpPr>
+        <p:spPr>
+          <a:xfrm>
+            <a:off x="5152320" y="1769040"/>
+            <a:ext cx="4426560" cy="4384080"/>
+          </a:xfrm>
+          <a:prstGeom prst="rect">
+            <a:avLst/>
+          </a:prstGeom>
+        </p:spPr>
+        <p:txBody>
+          <a:bodyPr lIns="0" rIns="0" tIns="0" bIns="0"/>
+          <a:p>
+            <a:endParaRPr/>
+          </a:p>
+        </p:txBody>
+      </p:sp>
+    </p:spTree>
+  </p:cSld>
+</p:sldLayout>
+</file>
+
+<file path=ppt/slideLayouts/slideLayout17.xml><?xml version="1.0" encoding="utf-8"?>
+<p:sldLayout xmlns:a="http://schemas.openxmlformats.org/drawingml/2006/main" xmlns:p="http://schemas.openxmlformats.org/presentationml/2006/main" xmlns:r="http://schemas.openxmlformats.org/officeDocument/2006/relationships" type="titleOnly" preserve="1">
+  <p:cSld name="Title Only">
+    <p:spTree>
+      <p:nvGrpSpPr>
+        <p:cNvPr id="1" name=""/>
+        <p:cNvGrpSpPr/>
+        <p:nvPr/>
+      </p:nvGrpSpPr>
+      <p:grpSpPr>
+        <a:xfrm>
+          <a:off x="0" y="0"/>
+          <a:ext cx="0" cy="0"/>
+          <a:chOff x="0" y="0"/>
+          <a:chExt cx="0" cy="0"/>
+        </a:xfrm>
+      </p:grpSpPr>
+      <p:sp>
+        <p:nvSpPr>
+          <p:cNvPr id="45" name="PlaceHolder 1"/>
+          <p:cNvSpPr>
+            <a:spLocks noGrp="1"/>
+          </p:cNvSpPr>
+          <p:nvPr>
+            <p:ph type="title"/>
+          </p:nvPr>
+        </p:nvSpPr>
+        <p:spPr>
+          <a:xfrm>
+            <a:off x="504000" y="301320"/>
+            <a:ext cx="9071280" cy="1261800"/>
+          </a:xfrm>
+          <a:prstGeom prst="rect">
+            <a:avLst/>
+          </a:prstGeom>
+        </p:spPr>
+        <p:txBody>
+          <a:bodyPr lIns="0" rIns="0" tIns="0" bIns="0" anchor="ctr"/>
+          <a:p>
+            <a:pPr algn="ctr"/>
+            <a:endParaRPr/>
+          </a:p>
+        </p:txBody>
+      </p:sp>
+    </p:spTree>
+  </p:cSld>
+</p:sldLayout>
+</file>
+
+<file path=ppt/slideLayouts/slideLayout18.xml><?xml version="1.0" encoding="utf-8"?>
+<p:sldLayout xmlns:a="http://schemas.openxmlformats.org/drawingml/2006/main" xmlns:p="http://schemas.openxmlformats.org/presentationml/2006/main" xmlns:r="http://schemas.openxmlformats.org/officeDocument/2006/relationships" type="objOnly" preserve="1">
+  <p:cSld name="Centered Text">
+    <p:spTree>
+      <p:nvGrpSpPr>
+        <p:cNvPr id="1" name=""/>
+        <p:cNvGrpSpPr/>
+        <p:nvPr/>
+      </p:nvGrpSpPr>
+      <p:grpSpPr>
+        <a:xfrm>
+          <a:off x="0" y="0"/>
+          <a:ext cx="0" cy="0"/>
+          <a:chOff x="0" y="0"/>
+          <a:chExt cx="0" cy="0"/>
+        </a:xfrm>
+      </p:grpSpPr>
+      <p:sp>
+        <p:nvSpPr>
+          <p:cNvPr id="46" name="PlaceHolder 1"/>
+          <p:cNvSpPr>
+            <a:spLocks noGrp="1"/>
+          </p:cNvSpPr>
+          <p:nvPr>
+            <p:ph type="subTitle"/>
+          </p:nvPr>
+        </p:nvSpPr>
+        <p:spPr>
+          <a:xfrm>
+            <a:off x="504000" y="301320"/>
+            <a:ext cx="9071280" cy="5850360"/>
+          </a:xfrm>
+          <a:prstGeom prst="rect">
+            <a:avLst/>
+          </a:prstGeom>
+        </p:spPr>
+        <p:txBody>
+          <a:bodyPr lIns="0" rIns="0" tIns="0" bIns="0" anchor="ctr"/>
+          <a:p>
+            <a:pPr algn="ctr"/>
+            <a:endParaRPr/>
+          </a:p>
+        </p:txBody>
+      </p:sp>
+    </p:spTree>
+  </p:cSld>
+</p:sldLayout>
+</file>
+
+<file path=ppt/slideLayouts/slideLayout19.xml><?xml version="1.0" encoding="utf-8"?>
+<p:sldLayout xmlns:a="http://schemas.openxmlformats.org/drawingml/2006/main" xmlns:p="http://schemas.openxmlformats.org/presentationml/2006/main" xmlns:r="http://schemas.openxmlformats.org/officeDocument/2006/relationships" type="twoObjAndObj" preserve="1">
+  <p:cSld name="Title, 2 Content and Content">
+    <p:spTree>
+      <p:nvGrpSpPr>
+        <p:cNvPr id="1" name=""/>
+        <p:cNvGrpSpPr/>
+        <p:nvPr/>
+      </p:nvGrpSpPr>
+      <p:grpSpPr>
+        <a:xfrm>
+          <a:off x="0" y="0"/>
+          <a:ext cx="0" cy="0"/>
+          <a:chOff x="0" y="0"/>
+          <a:chExt cx="0" cy="0"/>
+        </a:xfrm>
+      </p:grpSpPr>
+      <p:sp>
+        <p:nvSpPr>
+          <p:cNvPr id="47" name="PlaceHolder 1"/>
+          <p:cNvSpPr>
+            <a:spLocks noGrp="1"/>
+          </p:cNvSpPr>
+          <p:nvPr>
+            <p:ph type="title"/>
+          </p:nvPr>
+        </p:nvSpPr>
+        <p:spPr>
+          <a:xfrm>
+            <a:off x="504000" y="301320"/>
+            <a:ext cx="9071280" cy="1261800"/>
+          </a:xfrm>
+          <a:prstGeom prst="rect">
+            <a:avLst/>
+          </a:prstGeom>
+        </p:spPr>
+        <p:txBody>
+          <a:bodyPr lIns="0" rIns="0" tIns="0" bIns="0" anchor="ctr"/>
+          <a:p>
+            <a:pPr algn="ctr"/>
+            <a:endParaRPr/>
+          </a:p>
+        </p:txBody>
+      </p:sp>
+      <p:sp>
+        <p:nvSpPr>
+          <p:cNvPr id="48" name="PlaceHolder 2"/>
+          <p:cNvSpPr>
+            <a:spLocks noGrp="1"/>
+          </p:cNvSpPr>
+          <p:nvPr>
+            <p:ph type="body"/>
+          </p:nvPr>
+        </p:nvSpPr>
+        <p:spPr>
+          <a:xfrm>
+            <a:off x="504000" y="1769040"/>
+            <a:ext cx="4426560" cy="2090880"/>
+          </a:xfrm>
+          <a:prstGeom prst="rect">
+            <a:avLst/>
+          </a:prstGeom>
+        </p:spPr>
+        <p:txBody>
+          <a:bodyPr lIns="0" rIns="0" tIns="0" bIns="0"/>
+          <a:p>
+            <a:endParaRPr/>
+          </a:p>
+        </p:txBody>
+      </p:sp>
+      <p:sp>
+        <p:nvSpPr>
+          <p:cNvPr id="49" name="PlaceHolder 3"/>
+          <p:cNvSpPr>
+            <a:spLocks noGrp="1"/>
+          </p:cNvSpPr>
+          <p:nvPr>
+            <p:ph type="body"/>
+          </p:nvPr>
+        </p:nvSpPr>
+        <p:spPr>
+          <a:xfrm>
+            <a:off x="504000" y="4059000"/>
+            <a:ext cx="4426560" cy="2090880"/>
+          </a:xfrm>
+          <a:prstGeom prst="rect">
+            <a:avLst/>
+          </a:prstGeom>
+        </p:spPr>
+        <p:txBody>
+          <a:bodyPr lIns="0" rIns="0" tIns="0" bIns="0"/>
+          <a:p>
+            <a:endParaRPr/>
+          </a:p>
+        </p:txBody>
+      </p:sp>
+      <p:sp>
+        <p:nvSpPr>
+          <p:cNvPr id="50" name="PlaceHolder 4"/>
+          <p:cNvSpPr>
+            <a:spLocks noGrp="1"/>
+          </p:cNvSpPr>
+          <p:nvPr>
+            <p:ph type="body"/>
+          </p:nvPr>
+        </p:nvSpPr>
+        <p:spPr>
+          <a:xfrm>
+            <a:off x="5152320" y="1769040"/>
+            <a:ext cx="4426560" cy="4384080"/>
+          </a:xfrm>
+          <a:prstGeom prst="rect">
+            <a:avLst/>
+          </a:prstGeom>
+        </p:spPr>
+        <p:txBody>
+          <a:bodyPr lIns="0" rIns="0" tIns="0" bIns="0"/>
+          <a:p>
+            <a:endParaRPr/>
+          </a:p>
+        </p:txBody>
+      </p:sp>
     </p:spTree>
   </p:cSld>
 </p:sldLayout>
@@ -463,7 +964,7 @@
       </p:grpSpPr>
       <p:sp>
         <p:nvSpPr>
-          <p:cNvPr id="5" name="PlaceHolder 1"/>
+          <p:cNvPr id="2" name="PlaceHolder 1"/>
           <p:cNvSpPr>
             <a:spLocks noGrp="1"/>
           </p:cNvSpPr>
@@ -474,7 +975,7 @@
         <p:spPr>
           <a:xfrm>
             <a:off x="504000" y="301320"/>
-            <a:ext cx="9071640" cy="1262160"/>
+            <a:ext cx="9071280" cy="1261800"/>
           </a:xfrm>
           <a:prstGeom prst="rect">
             <a:avLst/>
@@ -490,7 +991,7 @@
       </p:sp>
       <p:sp>
         <p:nvSpPr>
-          <p:cNvPr id="6" name="PlaceHolder 2"/>
+          <p:cNvPr id="3" name="PlaceHolder 2"/>
           <p:cNvSpPr>
             <a:spLocks noGrp="1"/>
           </p:cNvSpPr>
@@ -501,7 +1002,985 @@
         <p:spPr>
           <a:xfrm>
             <a:off x="504000" y="1769040"/>
-            <a:ext cx="9071640" cy="4384440"/>
+            <a:ext cx="9071280" cy="4384080"/>
+          </a:xfrm>
+          <a:prstGeom prst="rect">
+            <a:avLst/>
+          </a:prstGeom>
+        </p:spPr>
+        <p:txBody>
+          <a:bodyPr lIns="0" rIns="0" tIns="0" bIns="0" anchor="ctr"/>
+          <a:p>
+            <a:pPr algn="ctr"/>
+            <a:endParaRPr/>
+          </a:p>
+        </p:txBody>
+      </p:sp>
+    </p:spTree>
+  </p:cSld>
+</p:sldLayout>
+</file>
+
+<file path=ppt/slideLayouts/slideLayout20.xml><?xml version="1.0" encoding="utf-8"?>
+<p:sldLayout xmlns:a="http://schemas.openxmlformats.org/drawingml/2006/main" xmlns:p="http://schemas.openxmlformats.org/presentationml/2006/main" xmlns:r="http://schemas.openxmlformats.org/officeDocument/2006/relationships" type="objAndTwoObj" preserve="1">
+  <p:cSld name="Title Content and 2 Content">
+    <p:spTree>
+      <p:nvGrpSpPr>
+        <p:cNvPr id="1" name=""/>
+        <p:cNvGrpSpPr/>
+        <p:nvPr/>
+      </p:nvGrpSpPr>
+      <p:grpSpPr>
+        <a:xfrm>
+          <a:off x="0" y="0"/>
+          <a:ext cx="0" cy="0"/>
+          <a:chOff x="0" y="0"/>
+          <a:chExt cx="0" cy="0"/>
+        </a:xfrm>
+      </p:grpSpPr>
+      <p:sp>
+        <p:nvSpPr>
+          <p:cNvPr id="51" name="PlaceHolder 1"/>
+          <p:cNvSpPr>
+            <a:spLocks noGrp="1"/>
+          </p:cNvSpPr>
+          <p:nvPr>
+            <p:ph type="title"/>
+          </p:nvPr>
+        </p:nvSpPr>
+        <p:spPr>
+          <a:xfrm>
+            <a:off x="504000" y="301320"/>
+            <a:ext cx="9071280" cy="1261800"/>
+          </a:xfrm>
+          <a:prstGeom prst="rect">
+            <a:avLst/>
+          </a:prstGeom>
+        </p:spPr>
+        <p:txBody>
+          <a:bodyPr lIns="0" rIns="0" tIns="0" bIns="0" anchor="ctr"/>
+          <a:p>
+            <a:pPr algn="ctr"/>
+            <a:endParaRPr/>
+          </a:p>
+        </p:txBody>
+      </p:sp>
+      <p:sp>
+        <p:nvSpPr>
+          <p:cNvPr id="52" name="PlaceHolder 2"/>
+          <p:cNvSpPr>
+            <a:spLocks noGrp="1"/>
+          </p:cNvSpPr>
+          <p:nvPr>
+            <p:ph type="body"/>
+          </p:nvPr>
+        </p:nvSpPr>
+        <p:spPr>
+          <a:xfrm>
+            <a:off x="504000" y="1769040"/>
+            <a:ext cx="4426560" cy="4384080"/>
+          </a:xfrm>
+          <a:prstGeom prst="rect">
+            <a:avLst/>
+          </a:prstGeom>
+        </p:spPr>
+        <p:txBody>
+          <a:bodyPr lIns="0" rIns="0" tIns="0" bIns="0"/>
+          <a:p>
+            <a:endParaRPr/>
+          </a:p>
+        </p:txBody>
+      </p:sp>
+      <p:sp>
+        <p:nvSpPr>
+          <p:cNvPr id="53" name="PlaceHolder 3"/>
+          <p:cNvSpPr>
+            <a:spLocks noGrp="1"/>
+          </p:cNvSpPr>
+          <p:nvPr>
+            <p:ph type="body"/>
+          </p:nvPr>
+        </p:nvSpPr>
+        <p:spPr>
+          <a:xfrm>
+            <a:off x="5152320" y="1769040"/>
+            <a:ext cx="4426560" cy="2090880"/>
+          </a:xfrm>
+          <a:prstGeom prst="rect">
+            <a:avLst/>
+          </a:prstGeom>
+        </p:spPr>
+        <p:txBody>
+          <a:bodyPr lIns="0" rIns="0" tIns="0" bIns="0"/>
+          <a:p>
+            <a:endParaRPr/>
+          </a:p>
+        </p:txBody>
+      </p:sp>
+      <p:sp>
+        <p:nvSpPr>
+          <p:cNvPr id="54" name="PlaceHolder 4"/>
+          <p:cNvSpPr>
+            <a:spLocks noGrp="1"/>
+          </p:cNvSpPr>
+          <p:nvPr>
+            <p:ph type="body"/>
+          </p:nvPr>
+        </p:nvSpPr>
+        <p:spPr>
+          <a:xfrm>
+            <a:off x="5152320" y="4059000"/>
+            <a:ext cx="4426560" cy="2090880"/>
+          </a:xfrm>
+          <a:prstGeom prst="rect">
+            <a:avLst/>
+          </a:prstGeom>
+        </p:spPr>
+        <p:txBody>
+          <a:bodyPr lIns="0" rIns="0" tIns="0" bIns="0"/>
+          <a:p>
+            <a:endParaRPr/>
+          </a:p>
+        </p:txBody>
+      </p:sp>
+    </p:spTree>
+  </p:cSld>
+</p:sldLayout>
+</file>
+
+<file path=ppt/slideLayouts/slideLayout21.xml><?xml version="1.0" encoding="utf-8"?>
+<p:sldLayout xmlns:a="http://schemas.openxmlformats.org/drawingml/2006/main" xmlns:p="http://schemas.openxmlformats.org/presentationml/2006/main" xmlns:r="http://schemas.openxmlformats.org/officeDocument/2006/relationships" type="twoObjOverTx" preserve="1">
+  <p:cSld name="Title, 2 Content over Content">
+    <p:spTree>
+      <p:nvGrpSpPr>
+        <p:cNvPr id="1" name=""/>
+        <p:cNvGrpSpPr/>
+        <p:nvPr/>
+      </p:nvGrpSpPr>
+      <p:grpSpPr>
+        <a:xfrm>
+          <a:off x="0" y="0"/>
+          <a:ext cx="0" cy="0"/>
+          <a:chOff x="0" y="0"/>
+          <a:chExt cx="0" cy="0"/>
+        </a:xfrm>
+      </p:grpSpPr>
+      <p:sp>
+        <p:nvSpPr>
+          <p:cNvPr id="55" name="PlaceHolder 1"/>
+          <p:cNvSpPr>
+            <a:spLocks noGrp="1"/>
+          </p:cNvSpPr>
+          <p:nvPr>
+            <p:ph type="title"/>
+          </p:nvPr>
+        </p:nvSpPr>
+        <p:spPr>
+          <a:xfrm>
+            <a:off x="504000" y="301320"/>
+            <a:ext cx="9071280" cy="1261800"/>
+          </a:xfrm>
+          <a:prstGeom prst="rect">
+            <a:avLst/>
+          </a:prstGeom>
+        </p:spPr>
+        <p:txBody>
+          <a:bodyPr lIns="0" rIns="0" tIns="0" bIns="0" anchor="ctr"/>
+          <a:p>
+            <a:pPr algn="ctr"/>
+            <a:endParaRPr/>
+          </a:p>
+        </p:txBody>
+      </p:sp>
+      <p:sp>
+        <p:nvSpPr>
+          <p:cNvPr id="56" name="PlaceHolder 2"/>
+          <p:cNvSpPr>
+            <a:spLocks noGrp="1"/>
+          </p:cNvSpPr>
+          <p:nvPr>
+            <p:ph type="body"/>
+          </p:nvPr>
+        </p:nvSpPr>
+        <p:spPr>
+          <a:xfrm>
+            <a:off x="504000" y="1769040"/>
+            <a:ext cx="4426560" cy="2090880"/>
+          </a:xfrm>
+          <a:prstGeom prst="rect">
+            <a:avLst/>
+          </a:prstGeom>
+        </p:spPr>
+        <p:txBody>
+          <a:bodyPr lIns="0" rIns="0" tIns="0" bIns="0"/>
+          <a:p>
+            <a:endParaRPr/>
+          </a:p>
+        </p:txBody>
+      </p:sp>
+      <p:sp>
+        <p:nvSpPr>
+          <p:cNvPr id="57" name="PlaceHolder 3"/>
+          <p:cNvSpPr>
+            <a:spLocks noGrp="1"/>
+          </p:cNvSpPr>
+          <p:nvPr>
+            <p:ph type="body"/>
+          </p:nvPr>
+        </p:nvSpPr>
+        <p:spPr>
+          <a:xfrm>
+            <a:off x="5152320" y="1769040"/>
+            <a:ext cx="4426560" cy="2090880"/>
+          </a:xfrm>
+          <a:prstGeom prst="rect">
+            <a:avLst/>
+          </a:prstGeom>
+        </p:spPr>
+        <p:txBody>
+          <a:bodyPr lIns="0" rIns="0" tIns="0" bIns="0"/>
+          <a:p>
+            <a:endParaRPr/>
+          </a:p>
+        </p:txBody>
+      </p:sp>
+      <p:sp>
+        <p:nvSpPr>
+          <p:cNvPr id="58" name="PlaceHolder 4"/>
+          <p:cNvSpPr>
+            <a:spLocks noGrp="1"/>
+          </p:cNvSpPr>
+          <p:nvPr>
+            <p:ph type="body"/>
+          </p:nvPr>
+        </p:nvSpPr>
+        <p:spPr>
+          <a:xfrm>
+            <a:off x="504000" y="4059000"/>
+            <a:ext cx="9071280" cy="2090880"/>
+          </a:xfrm>
+          <a:prstGeom prst="rect">
+            <a:avLst/>
+          </a:prstGeom>
+        </p:spPr>
+        <p:txBody>
+          <a:bodyPr lIns="0" rIns="0" tIns="0" bIns="0"/>
+          <a:p>
+            <a:endParaRPr/>
+          </a:p>
+        </p:txBody>
+      </p:sp>
+    </p:spTree>
+  </p:cSld>
+</p:sldLayout>
+</file>
+
+<file path=ppt/slideLayouts/slideLayout22.xml><?xml version="1.0" encoding="utf-8"?>
+<p:sldLayout xmlns:a="http://schemas.openxmlformats.org/drawingml/2006/main" xmlns:p="http://schemas.openxmlformats.org/presentationml/2006/main" xmlns:r="http://schemas.openxmlformats.org/officeDocument/2006/relationships" type="objOverTx" preserve="1">
+  <p:cSld name="Title, Content over Content">
+    <p:spTree>
+      <p:nvGrpSpPr>
+        <p:cNvPr id="1" name=""/>
+        <p:cNvGrpSpPr/>
+        <p:nvPr/>
+      </p:nvGrpSpPr>
+      <p:grpSpPr>
+        <a:xfrm>
+          <a:off x="0" y="0"/>
+          <a:ext cx="0" cy="0"/>
+          <a:chOff x="0" y="0"/>
+          <a:chExt cx="0" cy="0"/>
+        </a:xfrm>
+      </p:grpSpPr>
+      <p:sp>
+        <p:nvSpPr>
+          <p:cNvPr id="59" name="PlaceHolder 1"/>
+          <p:cNvSpPr>
+            <a:spLocks noGrp="1"/>
+          </p:cNvSpPr>
+          <p:nvPr>
+            <p:ph type="title"/>
+          </p:nvPr>
+        </p:nvSpPr>
+        <p:spPr>
+          <a:xfrm>
+            <a:off x="504000" y="301320"/>
+            <a:ext cx="9071280" cy="1261800"/>
+          </a:xfrm>
+          <a:prstGeom prst="rect">
+            <a:avLst/>
+          </a:prstGeom>
+        </p:spPr>
+        <p:txBody>
+          <a:bodyPr lIns="0" rIns="0" tIns="0" bIns="0" anchor="ctr"/>
+          <a:p>
+            <a:pPr algn="ctr"/>
+            <a:endParaRPr/>
+          </a:p>
+        </p:txBody>
+      </p:sp>
+      <p:sp>
+        <p:nvSpPr>
+          <p:cNvPr id="60" name="PlaceHolder 2"/>
+          <p:cNvSpPr>
+            <a:spLocks noGrp="1"/>
+          </p:cNvSpPr>
+          <p:nvPr>
+            <p:ph type="body"/>
+          </p:nvPr>
+        </p:nvSpPr>
+        <p:spPr>
+          <a:xfrm>
+            <a:off x="504000" y="1769040"/>
+            <a:ext cx="9071280" cy="2090880"/>
+          </a:xfrm>
+          <a:prstGeom prst="rect">
+            <a:avLst/>
+          </a:prstGeom>
+        </p:spPr>
+        <p:txBody>
+          <a:bodyPr lIns="0" rIns="0" tIns="0" bIns="0"/>
+          <a:p>
+            <a:endParaRPr/>
+          </a:p>
+        </p:txBody>
+      </p:sp>
+      <p:sp>
+        <p:nvSpPr>
+          <p:cNvPr id="61" name="PlaceHolder 3"/>
+          <p:cNvSpPr>
+            <a:spLocks noGrp="1"/>
+          </p:cNvSpPr>
+          <p:nvPr>
+            <p:ph type="body"/>
+          </p:nvPr>
+        </p:nvSpPr>
+        <p:spPr>
+          <a:xfrm>
+            <a:off x="504000" y="4059000"/>
+            <a:ext cx="9071280" cy="2090880"/>
+          </a:xfrm>
+          <a:prstGeom prst="rect">
+            <a:avLst/>
+          </a:prstGeom>
+        </p:spPr>
+        <p:txBody>
+          <a:bodyPr lIns="0" rIns="0" tIns="0" bIns="0"/>
+          <a:p>
+            <a:endParaRPr/>
+          </a:p>
+        </p:txBody>
+      </p:sp>
+    </p:spTree>
+  </p:cSld>
+</p:sldLayout>
+</file>
+
+<file path=ppt/slideLayouts/slideLayout23.xml><?xml version="1.0" encoding="utf-8"?>
+<p:sldLayout xmlns:a="http://schemas.openxmlformats.org/drawingml/2006/main" xmlns:p="http://schemas.openxmlformats.org/presentationml/2006/main" xmlns:r="http://schemas.openxmlformats.org/officeDocument/2006/relationships" type="fourObj" preserve="1">
+  <p:cSld name="Title, 4 Content">
+    <p:spTree>
+      <p:nvGrpSpPr>
+        <p:cNvPr id="1" name=""/>
+        <p:cNvGrpSpPr/>
+        <p:nvPr/>
+      </p:nvGrpSpPr>
+      <p:grpSpPr>
+        <a:xfrm>
+          <a:off x="0" y="0"/>
+          <a:ext cx="0" cy="0"/>
+          <a:chOff x="0" y="0"/>
+          <a:chExt cx="0" cy="0"/>
+        </a:xfrm>
+      </p:grpSpPr>
+      <p:sp>
+        <p:nvSpPr>
+          <p:cNvPr id="62" name="PlaceHolder 1"/>
+          <p:cNvSpPr>
+            <a:spLocks noGrp="1"/>
+          </p:cNvSpPr>
+          <p:nvPr>
+            <p:ph type="title"/>
+          </p:nvPr>
+        </p:nvSpPr>
+        <p:spPr>
+          <a:xfrm>
+            <a:off x="504000" y="301320"/>
+            <a:ext cx="9071280" cy="1261800"/>
+          </a:xfrm>
+          <a:prstGeom prst="rect">
+            <a:avLst/>
+          </a:prstGeom>
+        </p:spPr>
+        <p:txBody>
+          <a:bodyPr lIns="0" rIns="0" tIns="0" bIns="0" anchor="ctr"/>
+          <a:p>
+            <a:pPr algn="ctr"/>
+            <a:endParaRPr/>
+          </a:p>
+        </p:txBody>
+      </p:sp>
+      <p:sp>
+        <p:nvSpPr>
+          <p:cNvPr id="63" name="PlaceHolder 2"/>
+          <p:cNvSpPr>
+            <a:spLocks noGrp="1"/>
+          </p:cNvSpPr>
+          <p:nvPr>
+            <p:ph type="body"/>
+          </p:nvPr>
+        </p:nvSpPr>
+        <p:spPr>
+          <a:xfrm>
+            <a:off x="504000" y="1769040"/>
+            <a:ext cx="4426560" cy="2090880"/>
+          </a:xfrm>
+          <a:prstGeom prst="rect">
+            <a:avLst/>
+          </a:prstGeom>
+        </p:spPr>
+        <p:txBody>
+          <a:bodyPr lIns="0" rIns="0" tIns="0" bIns="0"/>
+          <a:p>
+            <a:endParaRPr/>
+          </a:p>
+        </p:txBody>
+      </p:sp>
+      <p:sp>
+        <p:nvSpPr>
+          <p:cNvPr id="64" name="PlaceHolder 3"/>
+          <p:cNvSpPr>
+            <a:spLocks noGrp="1"/>
+          </p:cNvSpPr>
+          <p:nvPr>
+            <p:ph type="body"/>
+          </p:nvPr>
+        </p:nvSpPr>
+        <p:spPr>
+          <a:xfrm>
+            <a:off x="5152320" y="1769040"/>
+            <a:ext cx="4426560" cy="2090880"/>
+          </a:xfrm>
+          <a:prstGeom prst="rect">
+            <a:avLst/>
+          </a:prstGeom>
+        </p:spPr>
+        <p:txBody>
+          <a:bodyPr lIns="0" rIns="0" tIns="0" bIns="0"/>
+          <a:p>
+            <a:endParaRPr/>
+          </a:p>
+        </p:txBody>
+      </p:sp>
+      <p:sp>
+        <p:nvSpPr>
+          <p:cNvPr id="65" name="PlaceHolder 4"/>
+          <p:cNvSpPr>
+            <a:spLocks noGrp="1"/>
+          </p:cNvSpPr>
+          <p:nvPr>
+            <p:ph type="body"/>
+          </p:nvPr>
+        </p:nvSpPr>
+        <p:spPr>
+          <a:xfrm>
+            <a:off x="5152320" y="4059000"/>
+            <a:ext cx="4426560" cy="2090880"/>
+          </a:xfrm>
+          <a:prstGeom prst="rect">
+            <a:avLst/>
+          </a:prstGeom>
+        </p:spPr>
+        <p:txBody>
+          <a:bodyPr lIns="0" rIns="0" tIns="0" bIns="0"/>
+          <a:p>
+            <a:endParaRPr/>
+          </a:p>
+        </p:txBody>
+      </p:sp>
+      <p:sp>
+        <p:nvSpPr>
+          <p:cNvPr id="66" name="PlaceHolder 5"/>
+          <p:cNvSpPr>
+            <a:spLocks noGrp="1"/>
+          </p:cNvSpPr>
+          <p:nvPr>
+            <p:ph type="body"/>
+          </p:nvPr>
+        </p:nvSpPr>
+        <p:spPr>
+          <a:xfrm>
+            <a:off x="504000" y="4059000"/>
+            <a:ext cx="4426560" cy="2090880"/>
+          </a:xfrm>
+          <a:prstGeom prst="rect">
+            <a:avLst/>
+          </a:prstGeom>
+        </p:spPr>
+        <p:txBody>
+          <a:bodyPr lIns="0" rIns="0" tIns="0" bIns="0"/>
+          <a:p>
+            <a:endParaRPr/>
+          </a:p>
+        </p:txBody>
+      </p:sp>
+    </p:spTree>
+  </p:cSld>
+</p:sldLayout>
+</file>
+
+<file path=ppt/slideLayouts/slideLayout24.xml><?xml version="1.0" encoding="utf-8"?>
+<p:sldLayout xmlns:a="http://schemas.openxmlformats.org/drawingml/2006/main" xmlns:p="http://schemas.openxmlformats.org/presentationml/2006/main" xmlns:r="http://schemas.openxmlformats.org/officeDocument/2006/relationships" type="blank" preserve="1">
+  <p:cSld name="Title, 6 Content">
+    <p:spTree>
+      <p:nvGrpSpPr>
+        <p:cNvPr id="1" name=""/>
+        <p:cNvGrpSpPr/>
+        <p:nvPr/>
+      </p:nvGrpSpPr>
+      <p:grpSpPr>
+        <a:xfrm>
+          <a:off x="0" y="0"/>
+          <a:ext cx="0" cy="0"/>
+          <a:chOff x="0" y="0"/>
+          <a:chExt cx="0" cy="0"/>
+        </a:xfrm>
+      </p:grpSpPr>
+      <p:sp>
+        <p:nvSpPr>
+          <p:cNvPr id="67" name="PlaceHolder 1"/>
+          <p:cNvSpPr>
+            <a:spLocks noGrp="1"/>
+          </p:cNvSpPr>
+          <p:nvPr>
+            <p:ph type="title"/>
+          </p:nvPr>
+        </p:nvSpPr>
+        <p:spPr>
+          <a:xfrm>
+            <a:off x="504000" y="301320"/>
+            <a:ext cx="9071280" cy="1261800"/>
+          </a:xfrm>
+          <a:prstGeom prst="rect">
+            <a:avLst/>
+          </a:prstGeom>
+        </p:spPr>
+        <p:txBody>
+          <a:bodyPr lIns="0" rIns="0" tIns="0" bIns="0" anchor="ctr"/>
+          <a:p>
+            <a:pPr algn="ctr"/>
+            <a:endParaRPr/>
+          </a:p>
+        </p:txBody>
+      </p:sp>
+      <p:sp>
+        <p:nvSpPr>
+          <p:cNvPr id="68" name="PlaceHolder 2"/>
+          <p:cNvSpPr>
+            <a:spLocks noGrp="1"/>
+          </p:cNvSpPr>
+          <p:nvPr>
+            <p:ph type="body"/>
+          </p:nvPr>
+        </p:nvSpPr>
+        <p:spPr>
+          <a:xfrm>
+            <a:off x="504000" y="1769040"/>
+            <a:ext cx="9071280" cy="4384080"/>
+          </a:xfrm>
+          <a:prstGeom prst="rect">
+            <a:avLst/>
+          </a:prstGeom>
+        </p:spPr>
+        <p:txBody>
+          <a:bodyPr lIns="0" rIns="0" tIns="0" bIns="0"/>
+          <a:p>
+            <a:endParaRPr/>
+          </a:p>
+        </p:txBody>
+      </p:sp>
+      <p:sp>
+        <p:nvSpPr>
+          <p:cNvPr id="69" name="PlaceHolder 3"/>
+          <p:cNvSpPr>
+            <a:spLocks noGrp="1"/>
+          </p:cNvSpPr>
+          <p:nvPr>
+            <p:ph type="body"/>
+          </p:nvPr>
+        </p:nvSpPr>
+        <p:spPr>
+          <a:xfrm>
+            <a:off x="504000" y="1769040"/>
+            <a:ext cx="9071280" cy="4384080"/>
+          </a:xfrm>
+          <a:prstGeom prst="rect">
+            <a:avLst/>
+          </a:prstGeom>
+        </p:spPr>
+        <p:txBody>
+          <a:bodyPr lIns="0" rIns="0" tIns="0" bIns="0"/>
+          <a:p>
+            <a:endParaRPr/>
+          </a:p>
+        </p:txBody>
+      </p:sp>
+      <p:pic>
+        <p:nvPicPr>
+          <p:cNvPr id="70" name="" descr=""/>
+          <p:cNvPicPr/>
+          <p:nvPr/>
+        </p:nvPicPr>
+        <p:blipFill>
+          <a:blip r:embed="rId2"/>
+          <a:stretch/>
+        </p:blipFill>
+        <p:spPr>
+          <a:xfrm>
+            <a:off x="2292120" y="1769040"/>
+            <a:ext cx="5494680" cy="4384080"/>
+          </a:xfrm>
+          <a:prstGeom prst="rect">
+            <a:avLst/>
+          </a:prstGeom>
+          <a:ln>
+            <a:noFill/>
+          </a:ln>
+        </p:spPr>
+      </p:pic>
+      <p:pic>
+        <p:nvPicPr>
+          <p:cNvPr id="71" name="" descr=""/>
+          <p:cNvPicPr/>
+          <p:nvPr/>
+        </p:nvPicPr>
+        <p:blipFill>
+          <a:blip r:embed="rId3"/>
+          <a:stretch/>
+        </p:blipFill>
+        <p:spPr>
+          <a:xfrm>
+            <a:off x="2292120" y="1769040"/>
+            <a:ext cx="5494680" cy="4384080"/>
+          </a:xfrm>
+          <a:prstGeom prst="rect">
+            <a:avLst/>
+          </a:prstGeom>
+          <a:ln>
+            <a:noFill/>
+          </a:ln>
+        </p:spPr>
+      </p:pic>
+    </p:spTree>
+  </p:cSld>
+</p:sldLayout>
+</file>
+
+<file path=ppt/slideLayouts/slideLayout25.xml><?xml version="1.0" encoding="utf-8"?>
+<p:sldLayout xmlns:a="http://schemas.openxmlformats.org/drawingml/2006/main" xmlns:p="http://schemas.openxmlformats.org/presentationml/2006/main" xmlns:r="http://schemas.openxmlformats.org/officeDocument/2006/relationships" type="blank" preserve="1">
+  <p:cSld name="Blank Slide">
+    <p:spTree>
+      <p:nvGrpSpPr>
+        <p:cNvPr id="1" name=""/>
+        <p:cNvGrpSpPr/>
+        <p:nvPr/>
+      </p:nvGrpSpPr>
+      <p:grpSpPr>
+        <a:xfrm>
+          <a:off x="0" y="0"/>
+          <a:ext cx="0" cy="0"/>
+          <a:chOff x="0" y="0"/>
+          <a:chExt cx="0" cy="0"/>
+        </a:xfrm>
+      </p:grpSpPr>
+    </p:spTree>
+  </p:cSld>
+</p:sldLayout>
+</file>
+
+<file path=ppt/slideLayouts/slideLayout26.xml><?xml version="1.0" encoding="utf-8"?>
+<p:sldLayout xmlns:a="http://schemas.openxmlformats.org/drawingml/2006/main" xmlns:p="http://schemas.openxmlformats.org/presentationml/2006/main" xmlns:r="http://schemas.openxmlformats.org/officeDocument/2006/relationships" type="tx" preserve="1">
+  <p:cSld name="Title Slide">
+    <p:spTree>
+      <p:nvGrpSpPr>
+        <p:cNvPr id="1" name=""/>
+        <p:cNvGrpSpPr/>
+        <p:nvPr/>
+      </p:nvGrpSpPr>
+      <p:grpSpPr>
+        <a:xfrm>
+          <a:off x="0" y="0"/>
+          <a:ext cx="0" cy="0"/>
+          <a:chOff x="0" y="0"/>
+          <a:chExt cx="0" cy="0"/>
+        </a:xfrm>
+      </p:grpSpPr>
+      <p:sp>
+        <p:nvSpPr>
+          <p:cNvPr id="74" name="PlaceHolder 1"/>
+          <p:cNvSpPr>
+            <a:spLocks noGrp="1"/>
+          </p:cNvSpPr>
+          <p:nvPr>
+            <p:ph type="title"/>
+          </p:nvPr>
+        </p:nvSpPr>
+        <p:spPr>
+          <a:xfrm>
+            <a:off x="504000" y="301320"/>
+            <a:ext cx="9071280" cy="1261800"/>
+          </a:xfrm>
+          <a:prstGeom prst="rect">
+            <a:avLst/>
+          </a:prstGeom>
+        </p:spPr>
+        <p:txBody>
+          <a:bodyPr lIns="0" rIns="0" tIns="0" bIns="0" anchor="ctr"/>
+          <a:p>
+            <a:pPr algn="ctr"/>
+            <a:endParaRPr/>
+          </a:p>
+        </p:txBody>
+      </p:sp>
+      <p:sp>
+        <p:nvSpPr>
+          <p:cNvPr id="75" name="PlaceHolder 2"/>
+          <p:cNvSpPr>
+            <a:spLocks noGrp="1"/>
+          </p:cNvSpPr>
+          <p:nvPr>
+            <p:ph type="subTitle"/>
+          </p:nvPr>
+        </p:nvSpPr>
+        <p:spPr>
+          <a:xfrm>
+            <a:off x="504000" y="1769040"/>
+            <a:ext cx="9071280" cy="4384080"/>
+          </a:xfrm>
+          <a:prstGeom prst="rect">
+            <a:avLst/>
+          </a:prstGeom>
+        </p:spPr>
+        <p:txBody>
+          <a:bodyPr lIns="0" rIns="0" tIns="0" bIns="0" anchor="ctr"/>
+          <a:p>
+            <a:pPr algn="ctr"/>
+            <a:endParaRPr/>
+          </a:p>
+        </p:txBody>
+      </p:sp>
+    </p:spTree>
+  </p:cSld>
+</p:sldLayout>
+</file>
+
+<file path=ppt/slideLayouts/slideLayout27.xml><?xml version="1.0" encoding="utf-8"?>
+<p:sldLayout xmlns:a="http://schemas.openxmlformats.org/drawingml/2006/main" xmlns:p="http://schemas.openxmlformats.org/presentationml/2006/main" xmlns:r="http://schemas.openxmlformats.org/officeDocument/2006/relationships" type="obj" preserve="1">
+  <p:cSld name="Title, Content">
+    <p:spTree>
+      <p:nvGrpSpPr>
+        <p:cNvPr id="1" name=""/>
+        <p:cNvGrpSpPr/>
+        <p:nvPr/>
+      </p:nvGrpSpPr>
+      <p:grpSpPr>
+        <a:xfrm>
+          <a:off x="0" y="0"/>
+          <a:ext cx="0" cy="0"/>
+          <a:chOff x="0" y="0"/>
+          <a:chExt cx="0" cy="0"/>
+        </a:xfrm>
+      </p:grpSpPr>
+      <p:sp>
+        <p:nvSpPr>
+          <p:cNvPr id="76" name="PlaceHolder 1"/>
+          <p:cNvSpPr>
+            <a:spLocks noGrp="1"/>
+          </p:cNvSpPr>
+          <p:nvPr>
+            <p:ph type="title"/>
+          </p:nvPr>
+        </p:nvSpPr>
+        <p:spPr>
+          <a:xfrm>
+            <a:off x="504000" y="301320"/>
+            <a:ext cx="9071280" cy="1261800"/>
+          </a:xfrm>
+          <a:prstGeom prst="rect">
+            <a:avLst/>
+          </a:prstGeom>
+        </p:spPr>
+        <p:txBody>
+          <a:bodyPr lIns="0" rIns="0" tIns="0" bIns="0" anchor="ctr"/>
+          <a:p>
+            <a:pPr algn="ctr"/>
+            <a:endParaRPr/>
+          </a:p>
+        </p:txBody>
+      </p:sp>
+      <p:sp>
+        <p:nvSpPr>
+          <p:cNvPr id="77" name="PlaceHolder 2"/>
+          <p:cNvSpPr>
+            <a:spLocks noGrp="1"/>
+          </p:cNvSpPr>
+          <p:nvPr>
+            <p:ph type="body"/>
+          </p:nvPr>
+        </p:nvSpPr>
+        <p:spPr>
+          <a:xfrm>
+            <a:off x="504000" y="1769040"/>
+            <a:ext cx="9071280" cy="4384080"/>
+          </a:xfrm>
+          <a:prstGeom prst="rect">
+            <a:avLst/>
+          </a:prstGeom>
+        </p:spPr>
+        <p:txBody>
+          <a:bodyPr lIns="0" rIns="0" tIns="0" bIns="0"/>
+          <a:p>
+            <a:endParaRPr/>
+          </a:p>
+        </p:txBody>
+      </p:sp>
+    </p:spTree>
+  </p:cSld>
+</p:sldLayout>
+</file>
+
+<file path=ppt/slideLayouts/slideLayout28.xml><?xml version="1.0" encoding="utf-8"?>
+<p:sldLayout xmlns:a="http://schemas.openxmlformats.org/drawingml/2006/main" xmlns:p="http://schemas.openxmlformats.org/presentationml/2006/main" xmlns:r="http://schemas.openxmlformats.org/officeDocument/2006/relationships" type="twoObj" preserve="1">
+  <p:cSld name="Title, 2 Content">
+    <p:spTree>
+      <p:nvGrpSpPr>
+        <p:cNvPr id="1" name=""/>
+        <p:cNvGrpSpPr/>
+        <p:nvPr/>
+      </p:nvGrpSpPr>
+      <p:grpSpPr>
+        <a:xfrm>
+          <a:off x="0" y="0"/>
+          <a:ext cx="0" cy="0"/>
+          <a:chOff x="0" y="0"/>
+          <a:chExt cx="0" cy="0"/>
+        </a:xfrm>
+      </p:grpSpPr>
+      <p:sp>
+        <p:nvSpPr>
+          <p:cNvPr id="78" name="PlaceHolder 1"/>
+          <p:cNvSpPr>
+            <a:spLocks noGrp="1"/>
+          </p:cNvSpPr>
+          <p:nvPr>
+            <p:ph type="title"/>
+          </p:nvPr>
+        </p:nvSpPr>
+        <p:spPr>
+          <a:xfrm>
+            <a:off x="504000" y="301320"/>
+            <a:ext cx="9071280" cy="1261800"/>
+          </a:xfrm>
+          <a:prstGeom prst="rect">
+            <a:avLst/>
+          </a:prstGeom>
+        </p:spPr>
+        <p:txBody>
+          <a:bodyPr lIns="0" rIns="0" tIns="0" bIns="0" anchor="ctr"/>
+          <a:p>
+            <a:pPr algn="ctr"/>
+            <a:endParaRPr/>
+          </a:p>
+        </p:txBody>
+      </p:sp>
+      <p:sp>
+        <p:nvSpPr>
+          <p:cNvPr id="79" name="PlaceHolder 2"/>
+          <p:cNvSpPr>
+            <a:spLocks noGrp="1"/>
+          </p:cNvSpPr>
+          <p:nvPr>
+            <p:ph type="body"/>
+          </p:nvPr>
+        </p:nvSpPr>
+        <p:spPr>
+          <a:xfrm>
+            <a:off x="504000" y="1769040"/>
+            <a:ext cx="4426560" cy="4384080"/>
+          </a:xfrm>
+          <a:prstGeom prst="rect">
+            <a:avLst/>
+          </a:prstGeom>
+        </p:spPr>
+        <p:txBody>
+          <a:bodyPr lIns="0" rIns="0" tIns="0" bIns="0"/>
+          <a:p>
+            <a:endParaRPr/>
+          </a:p>
+        </p:txBody>
+      </p:sp>
+      <p:sp>
+        <p:nvSpPr>
+          <p:cNvPr id="80" name="PlaceHolder 3"/>
+          <p:cNvSpPr>
+            <a:spLocks noGrp="1"/>
+          </p:cNvSpPr>
+          <p:nvPr>
+            <p:ph type="body"/>
+          </p:nvPr>
+        </p:nvSpPr>
+        <p:spPr>
+          <a:xfrm>
+            <a:off x="5152320" y="1769040"/>
+            <a:ext cx="4426560" cy="4384080"/>
+          </a:xfrm>
+          <a:prstGeom prst="rect">
+            <a:avLst/>
+          </a:prstGeom>
+        </p:spPr>
+        <p:txBody>
+          <a:bodyPr lIns="0" rIns="0" tIns="0" bIns="0"/>
+          <a:p>
+            <a:endParaRPr/>
+          </a:p>
+        </p:txBody>
+      </p:sp>
+    </p:spTree>
+  </p:cSld>
+</p:sldLayout>
+</file>
+
+<file path=ppt/slideLayouts/slideLayout29.xml><?xml version="1.0" encoding="utf-8"?>
+<p:sldLayout xmlns:a="http://schemas.openxmlformats.org/drawingml/2006/main" xmlns:p="http://schemas.openxmlformats.org/presentationml/2006/main" xmlns:r="http://schemas.openxmlformats.org/officeDocument/2006/relationships" type="titleOnly" preserve="1">
+  <p:cSld name="Title Only">
+    <p:spTree>
+      <p:nvGrpSpPr>
+        <p:cNvPr id="1" name=""/>
+        <p:cNvGrpSpPr/>
+        <p:nvPr/>
+      </p:nvGrpSpPr>
+      <p:grpSpPr>
+        <a:xfrm>
+          <a:off x="0" y="0"/>
+          <a:ext cx="0" cy="0"/>
+          <a:chOff x="0" y="0"/>
+          <a:chExt cx="0" cy="0"/>
+        </a:xfrm>
+      </p:grpSpPr>
+      <p:sp>
+        <p:nvSpPr>
+          <p:cNvPr id="81" name="PlaceHolder 1"/>
+          <p:cNvSpPr>
+            <a:spLocks noGrp="1"/>
+          </p:cNvSpPr>
+          <p:nvPr>
+            <p:ph type="title"/>
+          </p:nvPr>
+        </p:nvSpPr>
+        <p:spPr>
+          <a:xfrm>
+            <a:off x="504000" y="301320"/>
+            <a:ext cx="9071280" cy="1261800"/>
           </a:xfrm>
           <a:prstGeom prst="rect">
             <a:avLst/>
@@ -539,7 +2018,7 @@
       </p:grpSpPr>
       <p:sp>
         <p:nvSpPr>
-          <p:cNvPr id="7" name="PlaceHolder 1"/>
+          <p:cNvPr id="4" name="PlaceHolder 1"/>
           <p:cNvSpPr>
             <a:spLocks noGrp="1"/>
           </p:cNvSpPr>
@@ -550,7 +2029,7 @@
         <p:spPr>
           <a:xfrm>
             <a:off x="504000" y="301320"/>
-            <a:ext cx="9071640" cy="1262160"/>
+            <a:ext cx="9071280" cy="1261800"/>
           </a:xfrm>
           <a:prstGeom prst="rect">
             <a:avLst/>
@@ -566,7 +2045,7 @@
       </p:sp>
       <p:sp>
         <p:nvSpPr>
-          <p:cNvPr id="8" name="PlaceHolder 2"/>
+          <p:cNvPr id="5" name="PlaceHolder 2"/>
           <p:cNvSpPr>
             <a:spLocks noGrp="1"/>
           </p:cNvSpPr>
@@ -577,19 +2056,850 @@
         <p:spPr>
           <a:xfrm>
             <a:off x="504000" y="1769040"/>
-            <a:ext cx="9071640" cy="4384440"/>
-          </a:xfrm>
-          <a:prstGeom prst="rect">
-            <a:avLst/>
-          </a:prstGeom>
-        </p:spPr>
-        <p:txBody>
-          <a:bodyPr lIns="0" rIns="0" tIns="0" bIns="0"/>
-          <a:p>
-            <a:endParaRPr/>
-          </a:p>
-        </p:txBody>
-      </p:sp>
+            <a:ext cx="9071280" cy="4384080"/>
+          </a:xfrm>
+          <a:prstGeom prst="rect">
+            <a:avLst/>
+          </a:prstGeom>
+        </p:spPr>
+        <p:txBody>
+          <a:bodyPr lIns="0" rIns="0" tIns="0" bIns="0"/>
+          <a:p>
+            <a:endParaRPr/>
+          </a:p>
+        </p:txBody>
+      </p:sp>
+    </p:spTree>
+  </p:cSld>
+</p:sldLayout>
+</file>
+
+<file path=ppt/slideLayouts/slideLayout30.xml><?xml version="1.0" encoding="utf-8"?>
+<p:sldLayout xmlns:a="http://schemas.openxmlformats.org/drawingml/2006/main" xmlns:p="http://schemas.openxmlformats.org/presentationml/2006/main" xmlns:r="http://schemas.openxmlformats.org/officeDocument/2006/relationships" type="objOnly" preserve="1">
+  <p:cSld name="Centered Text">
+    <p:spTree>
+      <p:nvGrpSpPr>
+        <p:cNvPr id="1" name=""/>
+        <p:cNvGrpSpPr/>
+        <p:nvPr/>
+      </p:nvGrpSpPr>
+      <p:grpSpPr>
+        <a:xfrm>
+          <a:off x="0" y="0"/>
+          <a:ext cx="0" cy="0"/>
+          <a:chOff x="0" y="0"/>
+          <a:chExt cx="0" cy="0"/>
+        </a:xfrm>
+      </p:grpSpPr>
+      <p:sp>
+        <p:nvSpPr>
+          <p:cNvPr id="82" name="PlaceHolder 1"/>
+          <p:cNvSpPr>
+            <a:spLocks noGrp="1"/>
+          </p:cNvSpPr>
+          <p:nvPr>
+            <p:ph type="subTitle"/>
+          </p:nvPr>
+        </p:nvSpPr>
+        <p:spPr>
+          <a:xfrm>
+            <a:off x="504000" y="301320"/>
+            <a:ext cx="9071280" cy="5850360"/>
+          </a:xfrm>
+          <a:prstGeom prst="rect">
+            <a:avLst/>
+          </a:prstGeom>
+        </p:spPr>
+        <p:txBody>
+          <a:bodyPr lIns="0" rIns="0" tIns="0" bIns="0" anchor="ctr"/>
+          <a:p>
+            <a:pPr algn="ctr"/>
+            <a:endParaRPr/>
+          </a:p>
+        </p:txBody>
+      </p:sp>
+    </p:spTree>
+  </p:cSld>
+</p:sldLayout>
+</file>
+
+<file path=ppt/slideLayouts/slideLayout31.xml><?xml version="1.0" encoding="utf-8"?>
+<p:sldLayout xmlns:a="http://schemas.openxmlformats.org/drawingml/2006/main" xmlns:p="http://schemas.openxmlformats.org/presentationml/2006/main" xmlns:r="http://schemas.openxmlformats.org/officeDocument/2006/relationships" type="twoObjAndObj" preserve="1">
+  <p:cSld name="Title, 2 Content and Content">
+    <p:spTree>
+      <p:nvGrpSpPr>
+        <p:cNvPr id="1" name=""/>
+        <p:cNvGrpSpPr/>
+        <p:nvPr/>
+      </p:nvGrpSpPr>
+      <p:grpSpPr>
+        <a:xfrm>
+          <a:off x="0" y="0"/>
+          <a:ext cx="0" cy="0"/>
+          <a:chOff x="0" y="0"/>
+          <a:chExt cx="0" cy="0"/>
+        </a:xfrm>
+      </p:grpSpPr>
+      <p:sp>
+        <p:nvSpPr>
+          <p:cNvPr id="83" name="PlaceHolder 1"/>
+          <p:cNvSpPr>
+            <a:spLocks noGrp="1"/>
+          </p:cNvSpPr>
+          <p:nvPr>
+            <p:ph type="title"/>
+          </p:nvPr>
+        </p:nvSpPr>
+        <p:spPr>
+          <a:xfrm>
+            <a:off x="504000" y="301320"/>
+            <a:ext cx="9071280" cy="1261800"/>
+          </a:xfrm>
+          <a:prstGeom prst="rect">
+            <a:avLst/>
+          </a:prstGeom>
+        </p:spPr>
+        <p:txBody>
+          <a:bodyPr lIns="0" rIns="0" tIns="0" bIns="0" anchor="ctr"/>
+          <a:p>
+            <a:pPr algn="ctr"/>
+            <a:endParaRPr/>
+          </a:p>
+        </p:txBody>
+      </p:sp>
+      <p:sp>
+        <p:nvSpPr>
+          <p:cNvPr id="84" name="PlaceHolder 2"/>
+          <p:cNvSpPr>
+            <a:spLocks noGrp="1"/>
+          </p:cNvSpPr>
+          <p:nvPr>
+            <p:ph type="body"/>
+          </p:nvPr>
+        </p:nvSpPr>
+        <p:spPr>
+          <a:xfrm>
+            <a:off x="504000" y="1769040"/>
+            <a:ext cx="4426560" cy="2090880"/>
+          </a:xfrm>
+          <a:prstGeom prst="rect">
+            <a:avLst/>
+          </a:prstGeom>
+        </p:spPr>
+        <p:txBody>
+          <a:bodyPr lIns="0" rIns="0" tIns="0" bIns="0"/>
+          <a:p>
+            <a:endParaRPr/>
+          </a:p>
+        </p:txBody>
+      </p:sp>
+      <p:sp>
+        <p:nvSpPr>
+          <p:cNvPr id="85" name="PlaceHolder 3"/>
+          <p:cNvSpPr>
+            <a:spLocks noGrp="1"/>
+          </p:cNvSpPr>
+          <p:nvPr>
+            <p:ph type="body"/>
+          </p:nvPr>
+        </p:nvSpPr>
+        <p:spPr>
+          <a:xfrm>
+            <a:off x="504000" y="4059000"/>
+            <a:ext cx="4426560" cy="2090880"/>
+          </a:xfrm>
+          <a:prstGeom prst="rect">
+            <a:avLst/>
+          </a:prstGeom>
+        </p:spPr>
+        <p:txBody>
+          <a:bodyPr lIns="0" rIns="0" tIns="0" bIns="0"/>
+          <a:p>
+            <a:endParaRPr/>
+          </a:p>
+        </p:txBody>
+      </p:sp>
+      <p:sp>
+        <p:nvSpPr>
+          <p:cNvPr id="86" name="PlaceHolder 4"/>
+          <p:cNvSpPr>
+            <a:spLocks noGrp="1"/>
+          </p:cNvSpPr>
+          <p:nvPr>
+            <p:ph type="body"/>
+          </p:nvPr>
+        </p:nvSpPr>
+        <p:spPr>
+          <a:xfrm>
+            <a:off x="5152320" y="1769040"/>
+            <a:ext cx="4426560" cy="4384080"/>
+          </a:xfrm>
+          <a:prstGeom prst="rect">
+            <a:avLst/>
+          </a:prstGeom>
+        </p:spPr>
+        <p:txBody>
+          <a:bodyPr lIns="0" rIns="0" tIns="0" bIns="0"/>
+          <a:p>
+            <a:endParaRPr/>
+          </a:p>
+        </p:txBody>
+      </p:sp>
+    </p:spTree>
+  </p:cSld>
+</p:sldLayout>
+</file>
+
+<file path=ppt/slideLayouts/slideLayout32.xml><?xml version="1.0" encoding="utf-8"?>
+<p:sldLayout xmlns:a="http://schemas.openxmlformats.org/drawingml/2006/main" xmlns:p="http://schemas.openxmlformats.org/presentationml/2006/main" xmlns:r="http://schemas.openxmlformats.org/officeDocument/2006/relationships" type="objAndTwoObj" preserve="1">
+  <p:cSld name="Title Content and 2 Content">
+    <p:spTree>
+      <p:nvGrpSpPr>
+        <p:cNvPr id="1" name=""/>
+        <p:cNvGrpSpPr/>
+        <p:nvPr/>
+      </p:nvGrpSpPr>
+      <p:grpSpPr>
+        <a:xfrm>
+          <a:off x="0" y="0"/>
+          <a:ext cx="0" cy="0"/>
+          <a:chOff x="0" y="0"/>
+          <a:chExt cx="0" cy="0"/>
+        </a:xfrm>
+      </p:grpSpPr>
+      <p:sp>
+        <p:nvSpPr>
+          <p:cNvPr id="87" name="PlaceHolder 1"/>
+          <p:cNvSpPr>
+            <a:spLocks noGrp="1"/>
+          </p:cNvSpPr>
+          <p:nvPr>
+            <p:ph type="title"/>
+          </p:nvPr>
+        </p:nvSpPr>
+        <p:spPr>
+          <a:xfrm>
+            <a:off x="504000" y="301320"/>
+            <a:ext cx="9071280" cy="1261800"/>
+          </a:xfrm>
+          <a:prstGeom prst="rect">
+            <a:avLst/>
+          </a:prstGeom>
+        </p:spPr>
+        <p:txBody>
+          <a:bodyPr lIns="0" rIns="0" tIns="0" bIns="0" anchor="ctr"/>
+          <a:p>
+            <a:pPr algn="ctr"/>
+            <a:endParaRPr/>
+          </a:p>
+        </p:txBody>
+      </p:sp>
+      <p:sp>
+        <p:nvSpPr>
+          <p:cNvPr id="88" name="PlaceHolder 2"/>
+          <p:cNvSpPr>
+            <a:spLocks noGrp="1"/>
+          </p:cNvSpPr>
+          <p:nvPr>
+            <p:ph type="body"/>
+          </p:nvPr>
+        </p:nvSpPr>
+        <p:spPr>
+          <a:xfrm>
+            <a:off x="504000" y="1769040"/>
+            <a:ext cx="4426560" cy="4384080"/>
+          </a:xfrm>
+          <a:prstGeom prst="rect">
+            <a:avLst/>
+          </a:prstGeom>
+        </p:spPr>
+        <p:txBody>
+          <a:bodyPr lIns="0" rIns="0" tIns="0" bIns="0"/>
+          <a:p>
+            <a:endParaRPr/>
+          </a:p>
+        </p:txBody>
+      </p:sp>
+      <p:sp>
+        <p:nvSpPr>
+          <p:cNvPr id="89" name="PlaceHolder 3"/>
+          <p:cNvSpPr>
+            <a:spLocks noGrp="1"/>
+          </p:cNvSpPr>
+          <p:nvPr>
+            <p:ph type="body"/>
+          </p:nvPr>
+        </p:nvSpPr>
+        <p:spPr>
+          <a:xfrm>
+            <a:off x="5152320" y="1769040"/>
+            <a:ext cx="4426560" cy="2090880"/>
+          </a:xfrm>
+          <a:prstGeom prst="rect">
+            <a:avLst/>
+          </a:prstGeom>
+        </p:spPr>
+        <p:txBody>
+          <a:bodyPr lIns="0" rIns="0" tIns="0" bIns="0"/>
+          <a:p>
+            <a:endParaRPr/>
+          </a:p>
+        </p:txBody>
+      </p:sp>
+      <p:sp>
+        <p:nvSpPr>
+          <p:cNvPr id="90" name="PlaceHolder 4"/>
+          <p:cNvSpPr>
+            <a:spLocks noGrp="1"/>
+          </p:cNvSpPr>
+          <p:nvPr>
+            <p:ph type="body"/>
+          </p:nvPr>
+        </p:nvSpPr>
+        <p:spPr>
+          <a:xfrm>
+            <a:off x="5152320" y="4059000"/>
+            <a:ext cx="4426560" cy="2090880"/>
+          </a:xfrm>
+          <a:prstGeom prst="rect">
+            <a:avLst/>
+          </a:prstGeom>
+        </p:spPr>
+        <p:txBody>
+          <a:bodyPr lIns="0" rIns="0" tIns="0" bIns="0"/>
+          <a:p>
+            <a:endParaRPr/>
+          </a:p>
+        </p:txBody>
+      </p:sp>
+    </p:spTree>
+  </p:cSld>
+</p:sldLayout>
+</file>
+
+<file path=ppt/slideLayouts/slideLayout33.xml><?xml version="1.0" encoding="utf-8"?>
+<p:sldLayout xmlns:a="http://schemas.openxmlformats.org/drawingml/2006/main" xmlns:p="http://schemas.openxmlformats.org/presentationml/2006/main" xmlns:r="http://schemas.openxmlformats.org/officeDocument/2006/relationships" type="twoObjOverTx" preserve="1">
+  <p:cSld name="Title, 2 Content over Content">
+    <p:spTree>
+      <p:nvGrpSpPr>
+        <p:cNvPr id="1" name=""/>
+        <p:cNvGrpSpPr/>
+        <p:nvPr/>
+      </p:nvGrpSpPr>
+      <p:grpSpPr>
+        <a:xfrm>
+          <a:off x="0" y="0"/>
+          <a:ext cx="0" cy="0"/>
+          <a:chOff x="0" y="0"/>
+          <a:chExt cx="0" cy="0"/>
+        </a:xfrm>
+      </p:grpSpPr>
+      <p:sp>
+        <p:nvSpPr>
+          <p:cNvPr id="91" name="PlaceHolder 1"/>
+          <p:cNvSpPr>
+            <a:spLocks noGrp="1"/>
+          </p:cNvSpPr>
+          <p:nvPr>
+            <p:ph type="title"/>
+          </p:nvPr>
+        </p:nvSpPr>
+        <p:spPr>
+          <a:xfrm>
+            <a:off x="504000" y="301320"/>
+            <a:ext cx="9071280" cy="1261800"/>
+          </a:xfrm>
+          <a:prstGeom prst="rect">
+            <a:avLst/>
+          </a:prstGeom>
+        </p:spPr>
+        <p:txBody>
+          <a:bodyPr lIns="0" rIns="0" tIns="0" bIns="0" anchor="ctr"/>
+          <a:p>
+            <a:pPr algn="ctr"/>
+            <a:endParaRPr/>
+          </a:p>
+        </p:txBody>
+      </p:sp>
+      <p:sp>
+        <p:nvSpPr>
+          <p:cNvPr id="92" name="PlaceHolder 2"/>
+          <p:cNvSpPr>
+            <a:spLocks noGrp="1"/>
+          </p:cNvSpPr>
+          <p:nvPr>
+            <p:ph type="body"/>
+          </p:nvPr>
+        </p:nvSpPr>
+        <p:spPr>
+          <a:xfrm>
+            <a:off x="504000" y="1769040"/>
+            <a:ext cx="4426560" cy="2090880"/>
+          </a:xfrm>
+          <a:prstGeom prst="rect">
+            <a:avLst/>
+          </a:prstGeom>
+        </p:spPr>
+        <p:txBody>
+          <a:bodyPr lIns="0" rIns="0" tIns="0" bIns="0"/>
+          <a:p>
+            <a:endParaRPr/>
+          </a:p>
+        </p:txBody>
+      </p:sp>
+      <p:sp>
+        <p:nvSpPr>
+          <p:cNvPr id="93" name="PlaceHolder 3"/>
+          <p:cNvSpPr>
+            <a:spLocks noGrp="1"/>
+          </p:cNvSpPr>
+          <p:nvPr>
+            <p:ph type="body"/>
+          </p:nvPr>
+        </p:nvSpPr>
+        <p:spPr>
+          <a:xfrm>
+            <a:off x="5152320" y="1769040"/>
+            <a:ext cx="4426560" cy="2090880"/>
+          </a:xfrm>
+          <a:prstGeom prst="rect">
+            <a:avLst/>
+          </a:prstGeom>
+        </p:spPr>
+        <p:txBody>
+          <a:bodyPr lIns="0" rIns="0" tIns="0" bIns="0"/>
+          <a:p>
+            <a:endParaRPr/>
+          </a:p>
+        </p:txBody>
+      </p:sp>
+      <p:sp>
+        <p:nvSpPr>
+          <p:cNvPr id="94" name="PlaceHolder 4"/>
+          <p:cNvSpPr>
+            <a:spLocks noGrp="1"/>
+          </p:cNvSpPr>
+          <p:nvPr>
+            <p:ph type="body"/>
+          </p:nvPr>
+        </p:nvSpPr>
+        <p:spPr>
+          <a:xfrm>
+            <a:off x="504000" y="4059000"/>
+            <a:ext cx="9071280" cy="2090880"/>
+          </a:xfrm>
+          <a:prstGeom prst="rect">
+            <a:avLst/>
+          </a:prstGeom>
+        </p:spPr>
+        <p:txBody>
+          <a:bodyPr lIns="0" rIns="0" tIns="0" bIns="0"/>
+          <a:p>
+            <a:endParaRPr/>
+          </a:p>
+        </p:txBody>
+      </p:sp>
+    </p:spTree>
+  </p:cSld>
+</p:sldLayout>
+</file>
+
+<file path=ppt/slideLayouts/slideLayout34.xml><?xml version="1.0" encoding="utf-8"?>
+<p:sldLayout xmlns:a="http://schemas.openxmlformats.org/drawingml/2006/main" xmlns:p="http://schemas.openxmlformats.org/presentationml/2006/main" xmlns:r="http://schemas.openxmlformats.org/officeDocument/2006/relationships" type="objOverTx" preserve="1">
+  <p:cSld name="Title, Content over Content">
+    <p:spTree>
+      <p:nvGrpSpPr>
+        <p:cNvPr id="1" name=""/>
+        <p:cNvGrpSpPr/>
+        <p:nvPr/>
+      </p:nvGrpSpPr>
+      <p:grpSpPr>
+        <a:xfrm>
+          <a:off x="0" y="0"/>
+          <a:ext cx="0" cy="0"/>
+          <a:chOff x="0" y="0"/>
+          <a:chExt cx="0" cy="0"/>
+        </a:xfrm>
+      </p:grpSpPr>
+      <p:sp>
+        <p:nvSpPr>
+          <p:cNvPr id="95" name="PlaceHolder 1"/>
+          <p:cNvSpPr>
+            <a:spLocks noGrp="1"/>
+          </p:cNvSpPr>
+          <p:nvPr>
+            <p:ph type="title"/>
+          </p:nvPr>
+        </p:nvSpPr>
+        <p:spPr>
+          <a:xfrm>
+            <a:off x="504000" y="301320"/>
+            <a:ext cx="9071280" cy="1261800"/>
+          </a:xfrm>
+          <a:prstGeom prst="rect">
+            <a:avLst/>
+          </a:prstGeom>
+        </p:spPr>
+        <p:txBody>
+          <a:bodyPr lIns="0" rIns="0" tIns="0" bIns="0" anchor="ctr"/>
+          <a:p>
+            <a:pPr algn="ctr"/>
+            <a:endParaRPr/>
+          </a:p>
+        </p:txBody>
+      </p:sp>
+      <p:sp>
+        <p:nvSpPr>
+          <p:cNvPr id="96" name="PlaceHolder 2"/>
+          <p:cNvSpPr>
+            <a:spLocks noGrp="1"/>
+          </p:cNvSpPr>
+          <p:nvPr>
+            <p:ph type="body"/>
+          </p:nvPr>
+        </p:nvSpPr>
+        <p:spPr>
+          <a:xfrm>
+            <a:off x="504000" y="1769040"/>
+            <a:ext cx="9071280" cy="2090880"/>
+          </a:xfrm>
+          <a:prstGeom prst="rect">
+            <a:avLst/>
+          </a:prstGeom>
+        </p:spPr>
+        <p:txBody>
+          <a:bodyPr lIns="0" rIns="0" tIns="0" bIns="0"/>
+          <a:p>
+            <a:endParaRPr/>
+          </a:p>
+        </p:txBody>
+      </p:sp>
+      <p:sp>
+        <p:nvSpPr>
+          <p:cNvPr id="97" name="PlaceHolder 3"/>
+          <p:cNvSpPr>
+            <a:spLocks noGrp="1"/>
+          </p:cNvSpPr>
+          <p:nvPr>
+            <p:ph type="body"/>
+          </p:nvPr>
+        </p:nvSpPr>
+        <p:spPr>
+          <a:xfrm>
+            <a:off x="504000" y="4059000"/>
+            <a:ext cx="9071280" cy="2090880"/>
+          </a:xfrm>
+          <a:prstGeom prst="rect">
+            <a:avLst/>
+          </a:prstGeom>
+        </p:spPr>
+        <p:txBody>
+          <a:bodyPr lIns="0" rIns="0" tIns="0" bIns="0"/>
+          <a:p>
+            <a:endParaRPr/>
+          </a:p>
+        </p:txBody>
+      </p:sp>
+    </p:spTree>
+  </p:cSld>
+</p:sldLayout>
+</file>
+
+<file path=ppt/slideLayouts/slideLayout35.xml><?xml version="1.0" encoding="utf-8"?>
+<p:sldLayout xmlns:a="http://schemas.openxmlformats.org/drawingml/2006/main" xmlns:p="http://schemas.openxmlformats.org/presentationml/2006/main" xmlns:r="http://schemas.openxmlformats.org/officeDocument/2006/relationships" type="fourObj" preserve="1">
+  <p:cSld name="Title, 4 Content">
+    <p:spTree>
+      <p:nvGrpSpPr>
+        <p:cNvPr id="1" name=""/>
+        <p:cNvGrpSpPr/>
+        <p:nvPr/>
+      </p:nvGrpSpPr>
+      <p:grpSpPr>
+        <a:xfrm>
+          <a:off x="0" y="0"/>
+          <a:ext cx="0" cy="0"/>
+          <a:chOff x="0" y="0"/>
+          <a:chExt cx="0" cy="0"/>
+        </a:xfrm>
+      </p:grpSpPr>
+      <p:sp>
+        <p:nvSpPr>
+          <p:cNvPr id="98" name="PlaceHolder 1"/>
+          <p:cNvSpPr>
+            <a:spLocks noGrp="1"/>
+          </p:cNvSpPr>
+          <p:nvPr>
+            <p:ph type="title"/>
+          </p:nvPr>
+        </p:nvSpPr>
+        <p:spPr>
+          <a:xfrm>
+            <a:off x="504000" y="301320"/>
+            <a:ext cx="9071280" cy="1261800"/>
+          </a:xfrm>
+          <a:prstGeom prst="rect">
+            <a:avLst/>
+          </a:prstGeom>
+        </p:spPr>
+        <p:txBody>
+          <a:bodyPr lIns="0" rIns="0" tIns="0" bIns="0" anchor="ctr"/>
+          <a:p>
+            <a:pPr algn="ctr"/>
+            <a:endParaRPr/>
+          </a:p>
+        </p:txBody>
+      </p:sp>
+      <p:sp>
+        <p:nvSpPr>
+          <p:cNvPr id="99" name="PlaceHolder 2"/>
+          <p:cNvSpPr>
+            <a:spLocks noGrp="1"/>
+          </p:cNvSpPr>
+          <p:nvPr>
+            <p:ph type="body"/>
+          </p:nvPr>
+        </p:nvSpPr>
+        <p:spPr>
+          <a:xfrm>
+            <a:off x="504000" y="1769040"/>
+            <a:ext cx="4426560" cy="2090880"/>
+          </a:xfrm>
+          <a:prstGeom prst="rect">
+            <a:avLst/>
+          </a:prstGeom>
+        </p:spPr>
+        <p:txBody>
+          <a:bodyPr lIns="0" rIns="0" tIns="0" bIns="0"/>
+          <a:p>
+            <a:endParaRPr/>
+          </a:p>
+        </p:txBody>
+      </p:sp>
+      <p:sp>
+        <p:nvSpPr>
+          <p:cNvPr id="100" name="PlaceHolder 3"/>
+          <p:cNvSpPr>
+            <a:spLocks noGrp="1"/>
+          </p:cNvSpPr>
+          <p:nvPr>
+            <p:ph type="body"/>
+          </p:nvPr>
+        </p:nvSpPr>
+        <p:spPr>
+          <a:xfrm>
+            <a:off x="5152320" y="1769040"/>
+            <a:ext cx="4426560" cy="2090880"/>
+          </a:xfrm>
+          <a:prstGeom prst="rect">
+            <a:avLst/>
+          </a:prstGeom>
+        </p:spPr>
+        <p:txBody>
+          <a:bodyPr lIns="0" rIns="0" tIns="0" bIns="0"/>
+          <a:p>
+            <a:endParaRPr/>
+          </a:p>
+        </p:txBody>
+      </p:sp>
+      <p:sp>
+        <p:nvSpPr>
+          <p:cNvPr id="101" name="PlaceHolder 4"/>
+          <p:cNvSpPr>
+            <a:spLocks noGrp="1"/>
+          </p:cNvSpPr>
+          <p:nvPr>
+            <p:ph type="body"/>
+          </p:nvPr>
+        </p:nvSpPr>
+        <p:spPr>
+          <a:xfrm>
+            <a:off x="5152320" y="4059000"/>
+            <a:ext cx="4426560" cy="2090880"/>
+          </a:xfrm>
+          <a:prstGeom prst="rect">
+            <a:avLst/>
+          </a:prstGeom>
+        </p:spPr>
+        <p:txBody>
+          <a:bodyPr lIns="0" rIns="0" tIns="0" bIns="0"/>
+          <a:p>
+            <a:endParaRPr/>
+          </a:p>
+        </p:txBody>
+      </p:sp>
+      <p:sp>
+        <p:nvSpPr>
+          <p:cNvPr id="102" name="PlaceHolder 5"/>
+          <p:cNvSpPr>
+            <a:spLocks noGrp="1"/>
+          </p:cNvSpPr>
+          <p:nvPr>
+            <p:ph type="body"/>
+          </p:nvPr>
+        </p:nvSpPr>
+        <p:spPr>
+          <a:xfrm>
+            <a:off x="504000" y="4059000"/>
+            <a:ext cx="4426560" cy="2090880"/>
+          </a:xfrm>
+          <a:prstGeom prst="rect">
+            <a:avLst/>
+          </a:prstGeom>
+        </p:spPr>
+        <p:txBody>
+          <a:bodyPr lIns="0" rIns="0" tIns="0" bIns="0"/>
+          <a:p>
+            <a:endParaRPr/>
+          </a:p>
+        </p:txBody>
+      </p:sp>
+    </p:spTree>
+  </p:cSld>
+</p:sldLayout>
+</file>
+
+<file path=ppt/slideLayouts/slideLayout36.xml><?xml version="1.0" encoding="utf-8"?>
+<p:sldLayout xmlns:a="http://schemas.openxmlformats.org/drawingml/2006/main" xmlns:p="http://schemas.openxmlformats.org/presentationml/2006/main" xmlns:r="http://schemas.openxmlformats.org/officeDocument/2006/relationships" type="blank" preserve="1">
+  <p:cSld name="Title, 6 Content">
+    <p:spTree>
+      <p:nvGrpSpPr>
+        <p:cNvPr id="1" name=""/>
+        <p:cNvGrpSpPr/>
+        <p:nvPr/>
+      </p:nvGrpSpPr>
+      <p:grpSpPr>
+        <a:xfrm>
+          <a:off x="0" y="0"/>
+          <a:ext cx="0" cy="0"/>
+          <a:chOff x="0" y="0"/>
+          <a:chExt cx="0" cy="0"/>
+        </a:xfrm>
+      </p:grpSpPr>
+      <p:sp>
+        <p:nvSpPr>
+          <p:cNvPr id="103" name="PlaceHolder 1"/>
+          <p:cNvSpPr>
+            <a:spLocks noGrp="1"/>
+          </p:cNvSpPr>
+          <p:nvPr>
+            <p:ph type="title"/>
+          </p:nvPr>
+        </p:nvSpPr>
+        <p:spPr>
+          <a:xfrm>
+            <a:off x="504000" y="301320"/>
+            <a:ext cx="9071280" cy="1261800"/>
+          </a:xfrm>
+          <a:prstGeom prst="rect">
+            <a:avLst/>
+          </a:prstGeom>
+        </p:spPr>
+        <p:txBody>
+          <a:bodyPr lIns="0" rIns="0" tIns="0" bIns="0" anchor="ctr"/>
+          <a:p>
+            <a:pPr algn="ctr"/>
+            <a:endParaRPr/>
+          </a:p>
+        </p:txBody>
+      </p:sp>
+      <p:sp>
+        <p:nvSpPr>
+          <p:cNvPr id="104" name="PlaceHolder 2"/>
+          <p:cNvSpPr>
+            <a:spLocks noGrp="1"/>
+          </p:cNvSpPr>
+          <p:nvPr>
+            <p:ph type="body"/>
+          </p:nvPr>
+        </p:nvSpPr>
+        <p:spPr>
+          <a:xfrm>
+            <a:off x="504000" y="1769040"/>
+            <a:ext cx="9071280" cy="4384080"/>
+          </a:xfrm>
+          <a:prstGeom prst="rect">
+            <a:avLst/>
+          </a:prstGeom>
+        </p:spPr>
+        <p:txBody>
+          <a:bodyPr lIns="0" rIns="0" tIns="0" bIns="0"/>
+          <a:p>
+            <a:endParaRPr/>
+          </a:p>
+        </p:txBody>
+      </p:sp>
+      <p:sp>
+        <p:nvSpPr>
+          <p:cNvPr id="105" name="PlaceHolder 3"/>
+          <p:cNvSpPr>
+            <a:spLocks noGrp="1"/>
+          </p:cNvSpPr>
+          <p:nvPr>
+            <p:ph type="body"/>
+          </p:nvPr>
+        </p:nvSpPr>
+        <p:spPr>
+          <a:xfrm>
+            <a:off x="504000" y="1769040"/>
+            <a:ext cx="9071280" cy="4384080"/>
+          </a:xfrm>
+          <a:prstGeom prst="rect">
+            <a:avLst/>
+          </a:prstGeom>
+        </p:spPr>
+        <p:txBody>
+          <a:bodyPr lIns="0" rIns="0" tIns="0" bIns="0"/>
+          <a:p>
+            <a:endParaRPr/>
+          </a:p>
+        </p:txBody>
+      </p:sp>
+      <p:pic>
+        <p:nvPicPr>
+          <p:cNvPr id="106" name="" descr=""/>
+          <p:cNvPicPr/>
+          <p:nvPr/>
+        </p:nvPicPr>
+        <p:blipFill>
+          <a:blip r:embed="rId2"/>
+          <a:stretch/>
+        </p:blipFill>
+        <p:spPr>
+          <a:xfrm>
+            <a:off x="2292120" y="1769040"/>
+            <a:ext cx="5494680" cy="4384080"/>
+          </a:xfrm>
+          <a:prstGeom prst="rect">
+            <a:avLst/>
+          </a:prstGeom>
+          <a:ln>
+            <a:noFill/>
+          </a:ln>
+        </p:spPr>
+      </p:pic>
+      <p:pic>
+        <p:nvPicPr>
+          <p:cNvPr id="107" name="" descr=""/>
+          <p:cNvPicPr/>
+          <p:nvPr/>
+        </p:nvPicPr>
+        <p:blipFill>
+          <a:blip r:embed="rId3"/>
+          <a:stretch/>
+        </p:blipFill>
+        <p:spPr>
+          <a:xfrm>
+            <a:off x="2292120" y="1769040"/>
+            <a:ext cx="5494680" cy="4384080"/>
+          </a:xfrm>
+          <a:prstGeom prst="rect">
+            <a:avLst/>
+          </a:prstGeom>
+          <a:ln>
+            <a:noFill/>
+          </a:ln>
+        </p:spPr>
+      </p:pic>
     </p:spTree>
   </p:cSld>
 </p:sldLayout>
@@ -614,7 +2924,7 @@
       </p:grpSpPr>
       <p:sp>
         <p:nvSpPr>
-          <p:cNvPr id="9" name="PlaceHolder 1"/>
+          <p:cNvPr id="6" name="PlaceHolder 1"/>
           <p:cNvSpPr>
             <a:spLocks noGrp="1"/>
           </p:cNvSpPr>
@@ -625,7 +2935,7 @@
         <p:spPr>
           <a:xfrm>
             <a:off x="504000" y="301320"/>
-            <a:ext cx="9071640" cy="1262160"/>
+            <a:ext cx="9071280" cy="1261800"/>
           </a:xfrm>
           <a:prstGeom prst="rect">
             <a:avLst/>
@@ -641,7 +2951,7 @@
       </p:sp>
       <p:sp>
         <p:nvSpPr>
-          <p:cNvPr id="10" name="PlaceHolder 2"/>
+          <p:cNvPr id="7" name="PlaceHolder 2"/>
           <p:cNvSpPr>
             <a:spLocks noGrp="1"/>
           </p:cNvSpPr>
@@ -652,22 +2962,22 @@
         <p:spPr>
           <a:xfrm>
             <a:off x="504000" y="1769040"/>
-            <a:ext cx="4426920" cy="4384440"/>
-          </a:xfrm>
-          <a:prstGeom prst="rect">
-            <a:avLst/>
-          </a:prstGeom>
-        </p:spPr>
-        <p:txBody>
-          <a:bodyPr lIns="0" rIns="0" tIns="0" bIns="0"/>
-          <a:p>
-            <a:endParaRPr/>
-          </a:p>
-        </p:txBody>
-      </p:sp>
-      <p:sp>
-        <p:nvSpPr>
-          <p:cNvPr id="11" name="PlaceHolder 3"/>
+            <a:ext cx="4426560" cy="4384080"/>
+          </a:xfrm>
+          <a:prstGeom prst="rect">
+            <a:avLst/>
+          </a:prstGeom>
+        </p:spPr>
+        <p:txBody>
+          <a:bodyPr lIns="0" rIns="0" tIns="0" bIns="0"/>
+          <a:p>
+            <a:endParaRPr/>
+          </a:p>
+        </p:txBody>
+      </p:sp>
+      <p:sp>
+        <p:nvSpPr>
+          <p:cNvPr id="8" name="PlaceHolder 3"/>
           <p:cNvSpPr>
             <a:spLocks noGrp="1"/>
           </p:cNvSpPr>
@@ -677,8 +2987,8 @@
         </p:nvSpPr>
         <p:spPr>
           <a:xfrm>
-            <a:off x="5152680" y="1769040"/>
-            <a:ext cx="4426920" cy="4384440"/>
+            <a:off x="5152320" y="1769040"/>
+            <a:ext cx="4426560" cy="4384080"/>
           </a:xfrm>
           <a:prstGeom prst="rect">
             <a:avLst/>
@@ -715,7 +3025,7 @@
       </p:grpSpPr>
       <p:sp>
         <p:nvSpPr>
-          <p:cNvPr id="12" name="PlaceHolder 1"/>
+          <p:cNvPr id="9" name="PlaceHolder 1"/>
           <p:cNvSpPr>
             <a:spLocks noGrp="1"/>
           </p:cNvSpPr>
@@ -726,7 +3036,7 @@
         <p:spPr>
           <a:xfrm>
             <a:off x="504000" y="301320"/>
-            <a:ext cx="9071640" cy="1262160"/>
+            <a:ext cx="9071280" cy="1261800"/>
           </a:xfrm>
           <a:prstGeom prst="rect">
             <a:avLst/>
@@ -764,7 +3074,7 @@
       </p:grpSpPr>
       <p:sp>
         <p:nvSpPr>
-          <p:cNvPr id="13" name="PlaceHolder 1"/>
+          <p:cNvPr id="10" name="PlaceHolder 1"/>
           <p:cNvSpPr>
             <a:spLocks noGrp="1"/>
           </p:cNvSpPr>
@@ -775,7 +3085,7 @@
         <p:spPr>
           <a:xfrm>
             <a:off x="504000" y="301320"/>
-            <a:ext cx="9071640" cy="5851800"/>
+            <a:ext cx="9071280" cy="5850360"/>
           </a:xfrm>
           <a:prstGeom prst="rect">
             <a:avLst/>
@@ -813,7 +3123,7 @@
       </p:grpSpPr>
       <p:sp>
         <p:nvSpPr>
-          <p:cNvPr id="14" name="PlaceHolder 1"/>
+          <p:cNvPr id="11" name="PlaceHolder 1"/>
           <p:cNvSpPr>
             <a:spLocks noGrp="1"/>
           </p:cNvSpPr>
@@ -824,7 +3134,7 @@
         <p:spPr>
           <a:xfrm>
             <a:off x="504000" y="301320"/>
-            <a:ext cx="9071640" cy="1262160"/>
+            <a:ext cx="9071280" cy="1261800"/>
           </a:xfrm>
           <a:prstGeom prst="rect">
             <a:avLst/>
@@ -840,7 +3150,7 @@
       </p:sp>
       <p:sp>
         <p:nvSpPr>
-          <p:cNvPr id="15" name="PlaceHolder 2"/>
+          <p:cNvPr id="12" name="PlaceHolder 2"/>
           <p:cNvSpPr>
             <a:spLocks noGrp="1"/>
           </p:cNvSpPr>
@@ -851,22 +3161,22 @@
         <p:spPr>
           <a:xfrm>
             <a:off x="504000" y="1769040"/>
-            <a:ext cx="4426920" cy="2091240"/>
-          </a:xfrm>
-          <a:prstGeom prst="rect">
-            <a:avLst/>
-          </a:prstGeom>
-        </p:spPr>
-        <p:txBody>
-          <a:bodyPr lIns="0" rIns="0" tIns="0" bIns="0"/>
-          <a:p>
-            <a:endParaRPr/>
-          </a:p>
-        </p:txBody>
-      </p:sp>
-      <p:sp>
-        <p:nvSpPr>
-          <p:cNvPr id="16" name="PlaceHolder 3"/>
+            <a:ext cx="4426560" cy="2090880"/>
+          </a:xfrm>
+          <a:prstGeom prst="rect">
+            <a:avLst/>
+          </a:prstGeom>
+        </p:spPr>
+        <p:txBody>
+          <a:bodyPr lIns="0" rIns="0" tIns="0" bIns="0"/>
+          <a:p>
+            <a:endParaRPr/>
+          </a:p>
+        </p:txBody>
+      </p:sp>
+      <p:sp>
+        <p:nvSpPr>
+          <p:cNvPr id="13" name="PlaceHolder 3"/>
           <p:cNvSpPr>
             <a:spLocks noGrp="1"/>
           </p:cNvSpPr>
@@ -876,23 +3186,23 @@
         </p:nvSpPr>
         <p:spPr>
           <a:xfrm>
-            <a:off x="504000" y="4059360"/>
-            <a:ext cx="4426920" cy="2091240"/>
-          </a:xfrm>
-          <a:prstGeom prst="rect">
-            <a:avLst/>
-          </a:prstGeom>
-        </p:spPr>
-        <p:txBody>
-          <a:bodyPr lIns="0" rIns="0" tIns="0" bIns="0"/>
-          <a:p>
-            <a:endParaRPr/>
-          </a:p>
-        </p:txBody>
-      </p:sp>
-      <p:sp>
-        <p:nvSpPr>
-          <p:cNvPr id="17" name="PlaceHolder 4"/>
+            <a:off x="504000" y="4059000"/>
+            <a:ext cx="4426560" cy="2090880"/>
+          </a:xfrm>
+          <a:prstGeom prst="rect">
+            <a:avLst/>
+          </a:prstGeom>
+        </p:spPr>
+        <p:txBody>
+          <a:bodyPr lIns="0" rIns="0" tIns="0" bIns="0"/>
+          <a:p>
+            <a:endParaRPr/>
+          </a:p>
+        </p:txBody>
+      </p:sp>
+      <p:sp>
+        <p:nvSpPr>
+          <p:cNvPr id="14" name="PlaceHolder 4"/>
           <p:cNvSpPr>
             <a:spLocks noGrp="1"/>
           </p:cNvSpPr>
@@ -902,8 +3212,8 @@
         </p:nvSpPr>
         <p:spPr>
           <a:xfrm>
-            <a:off x="5152680" y="1769040"/>
-            <a:ext cx="4426920" cy="4384440"/>
+            <a:off x="5152320" y="1769040"/>
+            <a:ext cx="4426560" cy="4384080"/>
           </a:xfrm>
           <a:prstGeom prst="rect">
             <a:avLst/>
@@ -940,7 +3250,7 @@
       </p:grpSpPr>
       <p:sp>
         <p:nvSpPr>
-          <p:cNvPr id="18" name="PlaceHolder 1"/>
+          <p:cNvPr id="15" name="PlaceHolder 1"/>
           <p:cNvSpPr>
             <a:spLocks noGrp="1"/>
           </p:cNvSpPr>
@@ -951,7 +3261,7 @@
         <p:spPr>
           <a:xfrm>
             <a:off x="504000" y="301320"/>
-            <a:ext cx="9071640" cy="1262160"/>
+            <a:ext cx="9071280" cy="1261800"/>
           </a:xfrm>
           <a:prstGeom prst="rect">
             <a:avLst/>
@@ -967,7 +3277,7 @@
       </p:sp>
       <p:sp>
         <p:nvSpPr>
-          <p:cNvPr id="19" name="PlaceHolder 2"/>
+          <p:cNvPr id="16" name="PlaceHolder 2"/>
           <p:cNvSpPr>
             <a:spLocks noGrp="1"/>
           </p:cNvSpPr>
@@ -978,22 +3288,22 @@
         <p:spPr>
           <a:xfrm>
             <a:off x="504000" y="1769040"/>
-            <a:ext cx="4426920" cy="4384440"/>
-          </a:xfrm>
-          <a:prstGeom prst="rect">
-            <a:avLst/>
-          </a:prstGeom>
-        </p:spPr>
-        <p:txBody>
-          <a:bodyPr lIns="0" rIns="0" tIns="0" bIns="0"/>
-          <a:p>
-            <a:endParaRPr/>
-          </a:p>
-        </p:txBody>
-      </p:sp>
-      <p:sp>
-        <p:nvSpPr>
-          <p:cNvPr id="20" name="PlaceHolder 3"/>
+            <a:ext cx="4426560" cy="4384080"/>
+          </a:xfrm>
+          <a:prstGeom prst="rect">
+            <a:avLst/>
+          </a:prstGeom>
+        </p:spPr>
+        <p:txBody>
+          <a:bodyPr lIns="0" rIns="0" tIns="0" bIns="0"/>
+          <a:p>
+            <a:endParaRPr/>
+          </a:p>
+        </p:txBody>
+      </p:sp>
+      <p:sp>
+        <p:nvSpPr>
+          <p:cNvPr id="17" name="PlaceHolder 3"/>
           <p:cNvSpPr>
             <a:spLocks noGrp="1"/>
           </p:cNvSpPr>
@@ -1003,23 +3313,23 @@
         </p:nvSpPr>
         <p:spPr>
           <a:xfrm>
-            <a:off x="5152680" y="1769040"/>
-            <a:ext cx="4426920" cy="2091240"/>
-          </a:xfrm>
-          <a:prstGeom prst="rect">
-            <a:avLst/>
-          </a:prstGeom>
-        </p:spPr>
-        <p:txBody>
-          <a:bodyPr lIns="0" rIns="0" tIns="0" bIns="0"/>
-          <a:p>
-            <a:endParaRPr/>
-          </a:p>
-        </p:txBody>
-      </p:sp>
-      <p:sp>
-        <p:nvSpPr>
-          <p:cNvPr id="21" name="PlaceHolder 4"/>
+            <a:off x="5152320" y="1769040"/>
+            <a:ext cx="4426560" cy="2090880"/>
+          </a:xfrm>
+          <a:prstGeom prst="rect">
+            <a:avLst/>
+          </a:prstGeom>
+        </p:spPr>
+        <p:txBody>
+          <a:bodyPr lIns="0" rIns="0" tIns="0" bIns="0"/>
+          <a:p>
+            <a:endParaRPr/>
+          </a:p>
+        </p:txBody>
+      </p:sp>
+      <p:sp>
+        <p:nvSpPr>
+          <p:cNvPr id="18" name="PlaceHolder 4"/>
           <p:cNvSpPr>
             <a:spLocks noGrp="1"/>
           </p:cNvSpPr>
@@ -1029,8 +3339,8 @@
         </p:nvSpPr>
         <p:spPr>
           <a:xfrm>
-            <a:off x="5152680" y="4059360"/>
-            <a:ext cx="4426920" cy="2091240"/>
+            <a:off x="5152320" y="4059000"/>
+            <a:ext cx="4426560" cy="2090880"/>
           </a:xfrm>
           <a:prstGeom prst="rect">
             <a:avLst/>
@@ -1067,7 +3377,7 @@
       </p:grpSpPr>
       <p:sp>
         <p:nvSpPr>
-          <p:cNvPr id="22" name="PlaceHolder 1"/>
+          <p:cNvPr id="19" name="PlaceHolder 1"/>
           <p:cNvSpPr>
             <a:spLocks noGrp="1"/>
           </p:cNvSpPr>
@@ -1078,7 +3388,7 @@
         <p:spPr>
           <a:xfrm>
             <a:off x="504000" y="301320"/>
-            <a:ext cx="9071640" cy="1262160"/>
+            <a:ext cx="9071280" cy="1261800"/>
           </a:xfrm>
           <a:prstGeom prst="rect">
             <a:avLst/>
@@ -1094,7 +3404,7 @@
       </p:sp>
       <p:sp>
         <p:nvSpPr>
-          <p:cNvPr id="23" name="PlaceHolder 2"/>
+          <p:cNvPr id="20" name="PlaceHolder 2"/>
           <p:cNvSpPr>
             <a:spLocks noGrp="1"/>
           </p:cNvSpPr>
@@ -1105,22 +3415,22 @@
         <p:spPr>
           <a:xfrm>
             <a:off x="504000" y="1769040"/>
-            <a:ext cx="4426920" cy="2091240"/>
-          </a:xfrm>
-          <a:prstGeom prst="rect">
-            <a:avLst/>
-          </a:prstGeom>
-        </p:spPr>
-        <p:txBody>
-          <a:bodyPr lIns="0" rIns="0" tIns="0" bIns="0"/>
-          <a:p>
-            <a:endParaRPr/>
-          </a:p>
-        </p:txBody>
-      </p:sp>
-      <p:sp>
-        <p:nvSpPr>
-          <p:cNvPr id="24" name="PlaceHolder 3"/>
+            <a:ext cx="4426560" cy="2090880"/>
+          </a:xfrm>
+          <a:prstGeom prst="rect">
+            <a:avLst/>
+          </a:prstGeom>
+        </p:spPr>
+        <p:txBody>
+          <a:bodyPr lIns="0" rIns="0" tIns="0" bIns="0"/>
+          <a:p>
+            <a:endParaRPr/>
+          </a:p>
+        </p:txBody>
+      </p:sp>
+      <p:sp>
+        <p:nvSpPr>
+          <p:cNvPr id="21" name="PlaceHolder 3"/>
           <p:cNvSpPr>
             <a:spLocks noGrp="1"/>
           </p:cNvSpPr>
@@ -1130,23 +3440,23 @@
         </p:nvSpPr>
         <p:spPr>
           <a:xfrm>
-            <a:off x="5152680" y="1769040"/>
-            <a:ext cx="4426920" cy="2091240"/>
-          </a:xfrm>
-          <a:prstGeom prst="rect">
-            <a:avLst/>
-          </a:prstGeom>
-        </p:spPr>
-        <p:txBody>
-          <a:bodyPr lIns="0" rIns="0" tIns="0" bIns="0"/>
-          <a:p>
-            <a:endParaRPr/>
-          </a:p>
-        </p:txBody>
-      </p:sp>
-      <p:sp>
-        <p:nvSpPr>
-          <p:cNvPr id="25" name="PlaceHolder 4"/>
+            <a:off x="5152320" y="1769040"/>
+            <a:ext cx="4426560" cy="2090880"/>
+          </a:xfrm>
+          <a:prstGeom prst="rect">
+            <a:avLst/>
+          </a:prstGeom>
+        </p:spPr>
+        <p:txBody>
+          <a:bodyPr lIns="0" rIns="0" tIns="0" bIns="0"/>
+          <a:p>
+            <a:endParaRPr/>
+          </a:p>
+        </p:txBody>
+      </p:sp>
+      <p:sp>
+        <p:nvSpPr>
+          <p:cNvPr id="22" name="PlaceHolder 4"/>
           <p:cNvSpPr>
             <a:spLocks noGrp="1"/>
           </p:cNvSpPr>
@@ -1156,8 +3466,8 @@
         </p:nvSpPr>
         <p:spPr>
           <a:xfrm>
-            <a:off x="504000" y="4059360"/>
-            <a:ext cx="9071640" cy="2091240"/>
+            <a:off x="504000" y="4059000"/>
+            <a:ext cx="9071280" cy="2090880"/>
           </a:xfrm>
           <a:prstGeom prst="rect">
             <a:avLst/>
@@ -1205,7 +3515,7 @@
         <p:spPr>
           <a:xfrm>
             <a:off x="504000" y="301320"/>
-            <a:ext cx="9071640" cy="1262160"/>
+            <a:ext cx="9072000" cy="1261800"/>
           </a:xfrm>
           <a:prstGeom prst="rect">
             <a:avLst/>
@@ -1237,8 +3547,8 @@
         </p:nvSpPr>
         <p:spPr>
           <a:xfrm>
-            <a:off x="504000" y="1769040"/>
-            <a:ext cx="9071640" cy="4384440"/>
+            <a:off x="504000" y="1768680"/>
+            <a:ext cx="9072000" cy="4384080"/>
           </a:xfrm>
           <a:prstGeom prst="rect">
             <a:avLst/>
@@ -1342,104 +3652,6 @@
               </a:rPr>
               <a:t>Seventh Outline Level</a:t>
             </a:r>
-            <a:endParaRPr/>
-          </a:p>
-        </p:txBody>
-      </p:sp>
-      <p:sp>
-        <p:nvSpPr>
-          <p:cNvPr id="2" name="PlaceHolder 3"/>
-          <p:cNvSpPr>
-            <a:spLocks noGrp="1"/>
-          </p:cNvSpPr>
-          <p:nvPr>
-            <p:ph type="dt"/>
-          </p:nvPr>
-        </p:nvSpPr>
-        <p:spPr>
-          <a:xfrm>
-            <a:off x="504000" y="6887160"/>
-            <a:ext cx="2348280" cy="521280"/>
-          </a:xfrm>
-          <a:prstGeom prst="rect">
-            <a:avLst/>
-          </a:prstGeom>
-        </p:spPr>
-        <p:txBody>
-          <a:bodyPr lIns="0" rIns="0" tIns="0" bIns="0"/>
-          <a:p>
-            <a:r>
-              <a:rPr lang="en-US" sz="1400">
-                <a:latin typeface="Times New Roman"/>
-              </a:rPr>
-              <a:t>&lt;date/time&gt;</a:t>
-            </a:r>
-            <a:endParaRPr/>
-          </a:p>
-        </p:txBody>
-      </p:sp>
-      <p:sp>
-        <p:nvSpPr>
-          <p:cNvPr id="3" name="PlaceHolder 4"/>
-          <p:cNvSpPr>
-            <a:spLocks noGrp="1"/>
-          </p:cNvSpPr>
-          <p:nvPr>
-            <p:ph type="ftr"/>
-          </p:nvPr>
-        </p:nvSpPr>
-        <p:spPr>
-          <a:xfrm>
-            <a:off x="3447360" y="6887160"/>
-            <a:ext cx="3195000" cy="521280"/>
-          </a:xfrm>
-          <a:prstGeom prst="rect">
-            <a:avLst/>
-          </a:prstGeom>
-        </p:spPr>
-        <p:txBody>
-          <a:bodyPr lIns="0" rIns="0" tIns="0" bIns="0"/>
-          <a:p>
-            <a:pPr algn="ctr"/>
-            <a:r>
-              <a:rPr lang="en-US" sz="1400">
-                <a:latin typeface="Times New Roman"/>
-              </a:rPr>
-              <a:t>&lt;footer&gt;</a:t>
-            </a:r>
-            <a:endParaRPr/>
-          </a:p>
-        </p:txBody>
-      </p:sp>
-      <p:sp>
-        <p:nvSpPr>
-          <p:cNvPr id="4" name="PlaceHolder 5"/>
-          <p:cNvSpPr>
-            <a:spLocks noGrp="1"/>
-          </p:cNvSpPr>
-          <p:nvPr>
-            <p:ph type="sldNum"/>
-          </p:nvPr>
-        </p:nvSpPr>
-        <p:spPr>
-          <a:xfrm>
-            <a:off x="7227360" y="6887160"/>
-            <a:ext cx="2348280" cy="521280"/>
-          </a:xfrm>
-          <a:prstGeom prst="rect">
-            <a:avLst/>
-          </a:prstGeom>
-        </p:spPr>
-        <p:txBody>
-          <a:bodyPr lIns="0" rIns="0" tIns="0" bIns="0"/>
-          <a:p>
-            <a:pPr algn="r"/>
-            <a:fld id="{4198842E-5CDD-43A9-BD38-3206C4419CD9}" type="slidenum">
-              <a:rPr lang="en-US" sz="1400">
-                <a:latin typeface="Times New Roman"/>
-              </a:rPr>
-              <a:t>&lt;number&gt;</a:t>
-            </a:fld>
             <a:endParaRPr/>
           </a:p>
         </p:txBody>
@@ -1460,6 +3672,386 @@
     <p:sldLayoutId id="2147483658" r:id="rId11"/>
     <p:sldLayoutId id="2147483659" r:id="rId12"/>
     <p:sldLayoutId id="2147483660" r:id="rId13"/>
+  </p:sldLayoutIdLst>
+</p:sldMaster>
+</file>
+
+<file path=ppt/slideMasters/slideMaster2.xml><?xml version="1.0" encoding="utf-8"?>
+<p:sldMaster xmlns:a="http://schemas.openxmlformats.org/drawingml/2006/main" xmlns:p="http://schemas.openxmlformats.org/presentationml/2006/main" xmlns:r="http://schemas.openxmlformats.org/officeDocument/2006/relationships">
+  <p:cSld>
+    <p:spTree>
+      <p:nvGrpSpPr>
+        <p:cNvPr id="1" name=""/>
+        <p:cNvGrpSpPr/>
+        <p:nvPr/>
+      </p:nvGrpSpPr>
+      <p:grpSpPr>
+        <a:xfrm>
+          <a:off x="0" y="0"/>
+          <a:ext cx="0" cy="0"/>
+          <a:chOff x="0" y="0"/>
+          <a:chExt cx="0" cy="0"/>
+        </a:xfrm>
+      </p:grpSpPr>
+      <p:sp>
+        <p:nvSpPr>
+          <p:cNvPr id="36" name="PlaceHolder 1"/>
+          <p:cNvSpPr>
+            <a:spLocks noGrp="1"/>
+          </p:cNvSpPr>
+          <p:nvPr>
+            <p:ph type="title"/>
+          </p:nvPr>
+        </p:nvSpPr>
+        <p:spPr>
+          <a:xfrm>
+            <a:off x="504000" y="301320"/>
+            <a:ext cx="9071280" cy="1261800"/>
+          </a:xfrm>
+          <a:prstGeom prst="rect">
+            <a:avLst/>
+          </a:prstGeom>
+        </p:spPr>
+        <p:txBody>
+          <a:bodyPr lIns="0" rIns="0" tIns="0" bIns="0" anchor="ctr"/>
+          <a:p>
+            <a:r>
+              <a:rPr lang="en-US">
+                <a:latin typeface="Arial"/>
+              </a:rPr>
+              <a:t>Click to edit the title text format</a:t>
+            </a:r>
+            <a:endParaRPr/>
+          </a:p>
+        </p:txBody>
+      </p:sp>
+      <p:sp>
+        <p:nvSpPr>
+          <p:cNvPr id="37" name="PlaceHolder 2"/>
+          <p:cNvSpPr>
+            <a:spLocks noGrp="1"/>
+          </p:cNvSpPr>
+          <p:nvPr>
+            <p:ph type="body"/>
+          </p:nvPr>
+        </p:nvSpPr>
+        <p:spPr>
+          <a:xfrm>
+            <a:off x="504000" y="1769040"/>
+            <a:ext cx="9071280" cy="4384080"/>
+          </a:xfrm>
+          <a:prstGeom prst="rect">
+            <a:avLst/>
+          </a:prstGeom>
+        </p:spPr>
+        <p:txBody>
+          <a:bodyPr lIns="0" rIns="0" tIns="0" bIns="0"/>
+          <a:p>
+            <a:pPr>
+              <a:buSzPct val="45000"/>
+              <a:buFont typeface="StarSymbol"/>
+              <a:buChar char=""/>
+            </a:pPr>
+            <a:r>
+              <a:rPr lang="en-US">
+                <a:latin typeface="Arial"/>
+              </a:rPr>
+              <a:t>Click to edit the outline text format</a:t>
+            </a:r>
+            <a:endParaRPr/>
+          </a:p>
+          <a:p>
+            <a:pPr lvl="1">
+              <a:buSzPct val="75000"/>
+              <a:buFont typeface="StarSymbol"/>
+              <a:buChar char=""/>
+            </a:pPr>
+            <a:r>
+              <a:rPr lang="en-US">
+                <a:latin typeface="Arial"/>
+              </a:rPr>
+              <a:t>Second Outline Level</a:t>
+            </a:r>
+            <a:endParaRPr/>
+          </a:p>
+          <a:p>
+            <a:pPr lvl="2">
+              <a:buSzPct val="45000"/>
+              <a:buFont typeface="StarSymbol"/>
+              <a:buChar char=""/>
+            </a:pPr>
+            <a:r>
+              <a:rPr lang="en-US">
+                <a:latin typeface="Arial"/>
+              </a:rPr>
+              <a:t>Third Outline Level</a:t>
+            </a:r>
+            <a:endParaRPr/>
+          </a:p>
+          <a:p>
+            <a:pPr lvl="3">
+              <a:buSzPct val="75000"/>
+              <a:buFont typeface="StarSymbol"/>
+              <a:buChar char=""/>
+            </a:pPr>
+            <a:r>
+              <a:rPr lang="en-US">
+                <a:latin typeface="Arial"/>
+              </a:rPr>
+              <a:t>Fourth Outline Level</a:t>
+            </a:r>
+            <a:endParaRPr/>
+          </a:p>
+          <a:p>
+            <a:pPr lvl="4">
+              <a:buSzPct val="45000"/>
+              <a:buFont typeface="StarSymbol"/>
+              <a:buChar char=""/>
+            </a:pPr>
+            <a:r>
+              <a:rPr lang="en-US">
+                <a:latin typeface="Arial"/>
+              </a:rPr>
+              <a:t>Fifth Outline Level</a:t>
+            </a:r>
+            <a:endParaRPr/>
+          </a:p>
+          <a:p>
+            <a:pPr lvl="5">
+              <a:buSzPct val="45000"/>
+              <a:buFont typeface="StarSymbol"/>
+              <a:buChar char=""/>
+            </a:pPr>
+            <a:r>
+              <a:rPr lang="en-US">
+                <a:latin typeface="Arial"/>
+              </a:rPr>
+              <a:t>Sixth Outline Level</a:t>
+            </a:r>
+            <a:endParaRPr/>
+          </a:p>
+          <a:p>
+            <a:pPr lvl="6">
+              <a:buSzPct val="45000"/>
+              <a:buFont typeface="StarSymbol"/>
+              <a:buChar char=""/>
+            </a:pPr>
+            <a:r>
+              <a:rPr lang="en-US">
+                <a:latin typeface="Arial"/>
+              </a:rPr>
+              <a:t>Seventh Outline Level</a:t>
+            </a:r>
+            <a:endParaRPr/>
+          </a:p>
+        </p:txBody>
+      </p:sp>
+    </p:spTree>
+  </p:cSld>
+  <p:clrMap bg1="lt1" bg2="lt2" tx1="dk1" tx2="dk2" accent1="accent1" accent2="accent2" accent3="accent3" accent4="accent4" accent5="accent5" accent6="accent6" hlink="hlink" folHlink="folHlink"/>
+  <p:sldLayoutIdLst>
+    <p:sldLayoutId id="2147483662" r:id="rId2"/>
+    <p:sldLayoutId id="2147483663" r:id="rId3"/>
+    <p:sldLayoutId id="2147483664" r:id="rId4"/>
+    <p:sldLayoutId id="2147483665" r:id="rId5"/>
+    <p:sldLayoutId id="2147483666" r:id="rId6"/>
+    <p:sldLayoutId id="2147483667" r:id="rId7"/>
+    <p:sldLayoutId id="2147483668" r:id="rId8"/>
+    <p:sldLayoutId id="2147483669" r:id="rId9"/>
+    <p:sldLayoutId id="2147483670" r:id="rId10"/>
+    <p:sldLayoutId id="2147483671" r:id="rId11"/>
+    <p:sldLayoutId id="2147483672" r:id="rId12"/>
+    <p:sldLayoutId id="2147483673" r:id="rId13"/>
+  </p:sldLayoutIdLst>
+</p:sldMaster>
+</file>
+
+<file path=ppt/slideMasters/slideMaster3.xml><?xml version="1.0" encoding="utf-8"?>
+<p:sldMaster xmlns:a="http://schemas.openxmlformats.org/drawingml/2006/main" xmlns:p="http://schemas.openxmlformats.org/presentationml/2006/main" xmlns:r="http://schemas.openxmlformats.org/officeDocument/2006/relationships">
+  <p:cSld>
+    <p:spTree>
+      <p:nvGrpSpPr>
+        <p:cNvPr id="1" name=""/>
+        <p:cNvGrpSpPr/>
+        <p:nvPr/>
+      </p:nvGrpSpPr>
+      <p:grpSpPr>
+        <a:xfrm>
+          <a:off x="0" y="0"/>
+          <a:ext cx="0" cy="0"/>
+          <a:chOff x="0" y="0"/>
+          <a:chExt cx="0" cy="0"/>
+        </a:xfrm>
+      </p:grpSpPr>
+      <p:sp>
+        <p:nvSpPr>
+          <p:cNvPr id="72" name="PlaceHolder 1"/>
+          <p:cNvSpPr>
+            <a:spLocks noGrp="1"/>
+          </p:cNvSpPr>
+          <p:nvPr>
+            <p:ph type="title"/>
+          </p:nvPr>
+        </p:nvSpPr>
+        <p:spPr>
+          <a:xfrm>
+            <a:off x="504000" y="301320"/>
+            <a:ext cx="9071280" cy="1261800"/>
+          </a:xfrm>
+          <a:prstGeom prst="rect">
+            <a:avLst/>
+          </a:prstGeom>
+        </p:spPr>
+        <p:txBody>
+          <a:bodyPr lIns="0" rIns="0" tIns="0" bIns="0" anchor="ctr"/>
+          <a:p>
+            <a:r>
+              <a:rPr lang="en-US">
+                <a:latin typeface="Arial"/>
+              </a:rPr>
+              <a:t>Click to edit the title text format</a:t>
+            </a:r>
+            <a:endParaRPr/>
+          </a:p>
+        </p:txBody>
+      </p:sp>
+      <p:sp>
+        <p:nvSpPr>
+          <p:cNvPr id="73" name="PlaceHolder 2"/>
+          <p:cNvSpPr>
+            <a:spLocks noGrp="1"/>
+          </p:cNvSpPr>
+          <p:nvPr>
+            <p:ph type="body"/>
+          </p:nvPr>
+        </p:nvSpPr>
+        <p:spPr>
+          <a:xfrm>
+            <a:off x="504000" y="1768680"/>
+            <a:ext cx="9072000" cy="4384080"/>
+          </a:xfrm>
+          <a:prstGeom prst="rect">
+            <a:avLst/>
+          </a:prstGeom>
+        </p:spPr>
+        <p:txBody>
+          <a:bodyPr lIns="0" rIns="0" tIns="0" bIns="0"/>
+          <a:p>
+            <a:pPr>
+              <a:buSzPct val="45000"/>
+              <a:buFont typeface="StarSymbol"/>
+              <a:buChar char=""/>
+            </a:pPr>
+            <a:r>
+              <a:rPr lang="en-US" sz="3200">
+                <a:latin typeface="Arial"/>
+              </a:rPr>
+              <a:t>Click to edit the outline text format</a:t>
+            </a:r>
+            <a:endParaRPr/>
+          </a:p>
+          <a:p>
+            <a:pPr lvl="1">
+              <a:buSzPct val="75000"/>
+              <a:buFont typeface="StarSymbol"/>
+              <a:buChar char=""/>
+            </a:pPr>
+            <a:r>
+              <a:rPr lang="en-US" sz="2800">
+                <a:latin typeface="Arial"/>
+              </a:rPr>
+              <a:t>Second Outline Level</a:t>
+            </a:r>
+            <a:endParaRPr/>
+          </a:p>
+          <a:p>
+            <a:pPr lvl="2">
+              <a:buSzPct val="45000"/>
+              <a:buFont typeface="StarSymbol"/>
+              <a:buChar char=""/>
+            </a:pPr>
+            <a:r>
+              <a:rPr lang="en-US" sz="2400">
+                <a:latin typeface="Arial"/>
+              </a:rPr>
+              <a:t>Third Outline Level</a:t>
+            </a:r>
+            <a:endParaRPr/>
+          </a:p>
+          <a:p>
+            <a:pPr lvl="3">
+              <a:buSzPct val="75000"/>
+              <a:buFont typeface="StarSymbol"/>
+              <a:buChar char=""/>
+            </a:pPr>
+            <a:r>
+              <a:rPr lang="en-US" sz="2000">
+                <a:latin typeface="Arial"/>
+              </a:rPr>
+              <a:t>Fourth Outline Level</a:t>
+            </a:r>
+            <a:endParaRPr/>
+          </a:p>
+          <a:p>
+            <a:pPr lvl="4">
+              <a:buSzPct val="45000"/>
+              <a:buFont typeface="StarSymbol"/>
+              <a:buChar char=""/>
+            </a:pPr>
+            <a:r>
+              <a:rPr lang="en-US" sz="2000">
+                <a:latin typeface="Arial"/>
+              </a:rPr>
+              <a:t>Fifth Outline Level</a:t>
+            </a:r>
+            <a:endParaRPr/>
+          </a:p>
+          <a:p>
+            <a:pPr lvl="5">
+              <a:buSzPct val="45000"/>
+              <a:buFont typeface="StarSymbol"/>
+              <a:buChar char=""/>
+            </a:pPr>
+            <a:r>
+              <a:rPr lang="en-US" sz="2000">
+                <a:latin typeface="Arial"/>
+              </a:rPr>
+              <a:t>Sixth Outline Level</a:t>
+            </a:r>
+            <a:endParaRPr/>
+          </a:p>
+          <a:p>
+            <a:pPr lvl="6">
+              <a:buSzPct val="45000"/>
+              <a:buFont typeface="StarSymbol"/>
+              <a:buChar char=""/>
+            </a:pPr>
+            <a:r>
+              <a:rPr lang="en-US" sz="2000">
+                <a:latin typeface="Arial"/>
+              </a:rPr>
+              <a:t>Seventh Outline Level</a:t>
+            </a:r>
+            <a:endParaRPr/>
+          </a:p>
+        </p:txBody>
+      </p:sp>
+    </p:spTree>
+  </p:cSld>
+  <p:clrMap bg1="lt1" bg2="lt2" tx1="dk1" tx2="dk2" accent1="accent1" accent2="accent2" accent3="accent3" accent4="accent4" accent5="accent5" accent6="accent6" hlink="hlink" folHlink="folHlink"/>
+  <p:sldLayoutIdLst>
+    <p:sldLayoutId id="2147483675" r:id="rId2"/>
+    <p:sldLayoutId id="2147483676" r:id="rId3"/>
+    <p:sldLayoutId id="2147483677" r:id="rId4"/>
+    <p:sldLayoutId id="2147483678" r:id="rId5"/>
+    <p:sldLayoutId id="2147483679" r:id="rId6"/>
+    <p:sldLayoutId id="2147483680" r:id="rId7"/>
+    <p:sldLayoutId id="2147483681" r:id="rId8"/>
+    <p:sldLayoutId id="2147483682" r:id="rId9"/>
+    <p:sldLayoutId id="2147483683" r:id="rId10"/>
+    <p:sldLayoutId id="2147483684" r:id="rId11"/>
+    <p:sldLayoutId id="2147483685" r:id="rId12"/>
+    <p:sldLayoutId id="2147483686" r:id="rId13"/>
   </p:sldLayoutIdLst>
 </p:sldMaster>
 </file>
@@ -1483,14 +4075,14 @@
       </p:grpSpPr>
       <p:sp>
         <p:nvSpPr>
-          <p:cNvPr id="39" name="TextShape 1"/>
-          <p:cNvSpPr txBox="1"/>
+          <p:cNvPr id="108" name="CustomShape 1"/>
+          <p:cNvSpPr/>
           <p:nvPr/>
         </p:nvSpPr>
         <p:spPr>
           <a:xfrm>
             <a:off x="504000" y="301320"/>
-            <a:ext cx="9071640" cy="5851800"/>
+            <a:ext cx="9071280" cy="5851440"/>
           </a:xfrm>
           <a:prstGeom prst="rect">
             <a:avLst/>
@@ -1500,11 +4092,17 @@
             <a:noFill/>
           </a:ln>
         </p:spPr>
+        <p:style>
+          <a:lnRef idx="0"/>
+          <a:fillRef idx="0"/>
+          <a:effectRef idx="0"/>
+          <a:fontRef idx="minor"/>
+        </p:style>
         <p:txBody>
           <a:bodyPr lIns="0" rIns="0" tIns="0" bIns="0" anchor="ctr"/>
           <a:p>
             <a:r>
-              <a:rPr lang="en-US" sz="6000">
+              <a:rPr lang="en-US" sz="6000" strike="noStrike">
                 <a:latin typeface="Vollkorn Semibold"/>
               </a:rPr>
               <a:t>Team 1:</a:t>
@@ -1513,40 +4111,28 @@
           </a:p>
           <a:p>
             <a:r>
-              <a:rPr lang="en-US" sz="6000">
+              <a:rPr lang="en-US" sz="6000" strike="noStrike">
                 <a:latin typeface="Vollkorn Semibold"/>
               </a:rPr>
               <a:t>Place Recognition</a:t>
             </a:r>
+            <a:endParaRPr/>
+          </a:p>
+          <a:p>
+            <a:endParaRPr/>
+          </a:p>
+          <a:p>
             <a:r>
-              <a:rPr lang="en-US" sz="3200">
+              <a:rPr lang="en-US" sz="2800" strike="noStrike">
                 <a:latin typeface="Arial"/>
               </a:rPr>
-              <a:t>
-</a:t>
+              <a:t>Derek Reiersen, Esther Vasiete, Shuzhe Zhang, </a:t>
             </a:r>
+            <a:endParaRPr/>
+          </a:p>
+          <a:p>
             <a:r>
-              <a:rPr lang="en-US" sz="3200">
-                <a:latin typeface="Arial"/>
-              </a:rPr>
-              <a:t>
-</a:t>
-            </a:r>
-            <a:r>
-              <a:rPr lang="en-US" sz="2800">
-                <a:latin typeface="Arial"/>
-              </a:rPr>
-              <a:t>Derek Reiersen, Esther Vasiete, Shuzhe Zang, </a:t>
-            </a:r>
-            <a:r>
-              <a:rPr lang="en-US" sz="2800">
-                <a:latin typeface="Arial"/>
-              </a:rPr>
-              <a:t>
-</a:t>
-            </a:r>
-            <a:r>
-              <a:rPr lang="en-US" sz="2800">
+              <a:rPr lang="en-US" sz="2800" strike="noStrike">
                 <a:latin typeface="Arial"/>
               </a:rPr>
               <a:t>Kelly Kaoudis, Margaret Wheeler, Jeeeun Kim</a:t>
@@ -1606,14 +4192,14 @@
       </p:grpSpPr>
       <p:sp>
         <p:nvSpPr>
-          <p:cNvPr id="56" name="TextShape 1"/>
-          <p:cNvSpPr txBox="1"/>
+          <p:cNvPr id="125" name="CustomShape 1"/>
+          <p:cNvSpPr/>
           <p:nvPr/>
         </p:nvSpPr>
         <p:spPr>
           <a:xfrm>
             <a:off x="504000" y="301320"/>
-            <a:ext cx="9071640" cy="1262160"/>
+            <a:ext cx="9071280" cy="1261800"/>
           </a:xfrm>
           <a:prstGeom prst="rect">
             <a:avLst/>
@@ -1623,12 +4209,22 @@
             <a:noFill/>
           </a:ln>
         </p:spPr>
+        <p:style>
+          <a:lnRef idx="0"/>
+          <a:fillRef idx="0"/>
+          <a:effectRef idx="0"/>
+          <a:fontRef idx="minor"/>
+        </p:style>
         <p:txBody>
           <a:bodyPr lIns="0" rIns="0" tIns="0" bIns="0" anchor="ctr"/>
           <a:p>
-            <a:pPr algn="ctr"/>
+            <a:pPr algn="ctr">
+              <a:lnSpc>
+                <a:spcPct val="100000"/>
+              </a:lnSpc>
+            </a:pPr>
             <a:r>
-              <a:rPr lang="en-US" sz="4400">
+              <a:rPr lang="en-US" sz="4400" strike="noStrike">
                 <a:latin typeface="Vollkorn Semibold"/>
               </a:rPr>
               <a:t>Conclusions and Future Work</a:t>
@@ -1639,14 +4235,14 @@
       </p:sp>
       <p:sp>
         <p:nvSpPr>
-          <p:cNvPr id="57" name="TextShape 2"/>
-          <p:cNvSpPr txBox="1"/>
+          <p:cNvPr id="126" name="CustomShape 2"/>
+          <p:cNvSpPr/>
           <p:nvPr/>
         </p:nvSpPr>
         <p:spPr>
           <a:xfrm>
             <a:off x="504000" y="1769040"/>
-            <a:ext cx="9071640" cy="4384440"/>
+            <a:ext cx="9071280" cy="4384080"/>
           </a:xfrm>
           <a:prstGeom prst="rect">
             <a:avLst/>
@@ -1656,12 +4252,12 @@
             <a:noFill/>
           </a:ln>
         </p:spPr>
-        <p:txBody>
-          <a:bodyPr lIns="0" rIns="0" tIns="0" bIns="0"/>
-          <a:p>
-            <a:endParaRPr/>
-          </a:p>
-        </p:txBody>
+        <p:style>
+          <a:lnRef idx="0"/>
+          <a:fillRef idx="0"/>
+          <a:effectRef idx="0"/>
+          <a:fontRef idx="minor"/>
+        </p:style>
       </p:sp>
     </p:spTree>
   </p:cSld>
@@ -1714,14 +4310,14 @@
       </p:grpSpPr>
       <p:sp>
         <p:nvSpPr>
-          <p:cNvPr id="40" name="TextShape 1"/>
-          <p:cNvSpPr txBox="1"/>
+          <p:cNvPr id="109" name="CustomShape 1"/>
+          <p:cNvSpPr/>
           <p:nvPr/>
         </p:nvSpPr>
         <p:spPr>
           <a:xfrm>
             <a:off x="504000" y="301320"/>
-            <a:ext cx="9071640" cy="1262160"/>
+            <a:ext cx="9071280" cy="1261800"/>
           </a:xfrm>
           <a:prstGeom prst="rect">
             <a:avLst/>
@@ -1731,12 +4327,22 @@
             <a:noFill/>
           </a:ln>
         </p:spPr>
+        <p:style>
+          <a:lnRef idx="0"/>
+          <a:fillRef idx="0"/>
+          <a:effectRef idx="0"/>
+          <a:fontRef idx="minor"/>
+        </p:style>
         <p:txBody>
           <a:bodyPr lIns="0" rIns="0" tIns="0" bIns="0" anchor="ctr"/>
           <a:p>
-            <a:pPr algn="ctr"/>
+            <a:pPr algn="ctr">
+              <a:lnSpc>
+                <a:spcPct val="100000"/>
+              </a:lnSpc>
+            </a:pPr>
             <a:r>
-              <a:rPr lang="en-US" sz="4000">
+              <a:rPr lang="en-US" sz="4000" strike="noStrike">
                 <a:latin typeface="Vollkorn Semibold"/>
               </a:rPr>
               <a:t>Starting point</a:t>
@@ -1747,14 +4353,14 @@
       </p:sp>
       <p:sp>
         <p:nvSpPr>
-          <p:cNvPr id="41" name="TextShape 2"/>
-          <p:cNvSpPr txBox="1"/>
+          <p:cNvPr id="110" name="CustomShape 2"/>
+          <p:cNvSpPr/>
           <p:nvPr/>
         </p:nvSpPr>
         <p:spPr>
           <a:xfrm>
             <a:off x="504000" y="1769040"/>
-            <a:ext cx="9071640" cy="5180400"/>
+            <a:ext cx="9071280" cy="5180040"/>
           </a:xfrm>
           <a:prstGeom prst="rect">
             <a:avLst/>
@@ -1764,16 +4370,25 @@
             <a:noFill/>
           </a:ln>
         </p:spPr>
+        <p:style>
+          <a:lnRef idx="0"/>
+          <a:fillRef idx="0"/>
+          <a:effectRef idx="0"/>
+          <a:fontRef idx="minor"/>
+        </p:style>
         <p:txBody>
           <a:bodyPr lIns="0" rIns="0" tIns="0" bIns="0"/>
           <a:p>
             <a:pPr>
+              <a:lnSpc>
+                <a:spcPct val="100000"/>
+              </a:lnSpc>
               <a:buSzPct val="45000"/>
               <a:buFont typeface="StarSymbol"/>
-              <a:buChar char=""/>
+              <a:buChar char="l"/>
             </a:pPr>
             <a:r>
-              <a:rPr lang="en-US" sz="3200">
+              <a:rPr lang="en-US" sz="3200" strike="noStrike">
                 <a:latin typeface="Arial"/>
               </a:rPr>
               <a:t>BoW for Place Recognition</a:t>
@@ -1782,12 +4397,15 @@
           </a:p>
           <a:p>
             <a:pPr>
+              <a:lnSpc>
+                <a:spcPct val="100000"/>
+              </a:lnSpc>
               <a:buSzPct val="45000"/>
               <a:buFont typeface="StarSymbol"/>
-              <a:buChar char=""/>
+              <a:buChar char="l"/>
             </a:pPr>
             <a:r>
-              <a:rPr lang="en-US" sz="3200">
+              <a:rPr lang="en-US" sz="3200" strike="noStrike">
                 <a:latin typeface="Arial"/>
               </a:rPr>
               <a:t>Repeat results, extend Video Google paper</a:t>
@@ -1796,24 +4414,27 @@
           </a:p>
           <a:p>
             <a:pPr>
+              <a:lnSpc>
+                <a:spcPct val="100000"/>
+              </a:lnSpc>
               <a:buSzPct val="45000"/>
               <a:buFont typeface="StarSymbol"/>
-              <a:buChar char=""/>
+              <a:buChar char="l"/>
             </a:pPr>
             <a:r>
-              <a:rPr lang="en-US" sz="3200">
+              <a:rPr lang="en-US" sz="3200" strike="noStrike">
                 <a:latin typeface="Arial"/>
               </a:rPr>
               <a:t>Goal: Retrieve objects</a:t>
             </a:r>
             <a:r>
-              <a:rPr lang="en-US" sz="3200">
+              <a:rPr lang="en-US" sz="3200" strike="noStrike">
                 <a:latin typeface="Arial"/>
               </a:rPr>
               <a:t>	</a:t>
             </a:r>
             <a:r>
-              <a:rPr lang="en-US" sz="3200">
+              <a:rPr lang="en-US" sz="3200" strike="noStrike">
                 <a:latin typeface="Arial"/>
               </a:rPr>
               <a:t>and scenes in a video with the ease, speed and accuracy Google has in retrieving documents.</a:t>
@@ -1822,12 +4443,15 @@
           </a:p>
           <a:p>
             <a:pPr>
+              <a:lnSpc>
+                <a:spcPct val="100000"/>
+              </a:lnSpc>
               <a:buSzPct val="45000"/>
               <a:buFont typeface="StarSymbol"/>
-              <a:buChar char=""/>
+              <a:buChar char="l"/>
             </a:pPr>
             <a:r>
-              <a:rPr lang="en-US" sz="3200">
+              <a:rPr lang="en-US" sz="3200" strike="noStrike">
                 <a:latin typeface="Arial"/>
               </a:rPr>
               <a:t>Requirements</a:t>
@@ -1836,12 +4460,15 @@
           </a:p>
           <a:p>
             <a:pPr lvl="1">
+              <a:lnSpc>
+                <a:spcPct val="100000"/>
+              </a:lnSpc>
               <a:buSzPct val="75000"/>
               <a:buFont typeface="StarSymbol"/>
-              <a:buChar char=""/>
+              <a:buChar char="l"/>
             </a:pPr>
             <a:r>
-              <a:rPr lang="en-US" sz="2800">
+              <a:rPr lang="en-US" sz="2800" strike="noStrike">
                 <a:latin typeface="Arial"/>
               </a:rPr>
               <a:t>Data</a:t>
@@ -1850,12 +4477,15 @@
           </a:p>
           <a:p>
             <a:pPr lvl="1">
+              <a:lnSpc>
+                <a:spcPct val="100000"/>
+              </a:lnSpc>
               <a:buSzPct val="75000"/>
               <a:buFont typeface="StarSymbol"/>
-              <a:buChar char=""/>
+              <a:buChar char="l"/>
             </a:pPr>
             <a:r>
-              <a:rPr lang="en-US" sz="2800">
+              <a:rPr lang="en-US" sz="2800" strike="noStrike">
                 <a:latin typeface="Arial"/>
               </a:rPr>
               <a:t>Algorithm(s) for descriptor creation</a:t>
@@ -1864,12 +4494,15 @@
           </a:p>
           <a:p>
             <a:pPr lvl="1">
+              <a:lnSpc>
+                <a:spcPct val="100000"/>
+              </a:lnSpc>
               <a:buSzPct val="75000"/>
               <a:buFont typeface="StarSymbol"/>
-              <a:buChar char=""/>
+              <a:buChar char="l"/>
             </a:pPr>
             <a:r>
-              <a:rPr lang="en-US" sz="2800">
+              <a:rPr lang="en-US" sz="2800" strike="noStrike">
                 <a:latin typeface="Arial"/>
               </a:rPr>
               <a:t>Algorithm(s) for descriptor comparison</a:t>
@@ -1929,14 +4562,14 @@
       </p:grpSpPr>
       <p:sp>
         <p:nvSpPr>
-          <p:cNvPr id="42" name="TextShape 1"/>
-          <p:cNvSpPr txBox="1"/>
+          <p:cNvPr id="111" name="CustomShape 1"/>
+          <p:cNvSpPr/>
           <p:nvPr/>
         </p:nvSpPr>
         <p:spPr>
           <a:xfrm>
             <a:off x="504000" y="301320"/>
-            <a:ext cx="9071640" cy="1262160"/>
+            <a:ext cx="9071280" cy="1261800"/>
           </a:xfrm>
           <a:prstGeom prst="rect">
             <a:avLst/>
@@ -1946,12 +4579,22 @@
             <a:noFill/>
           </a:ln>
         </p:spPr>
+        <p:style>
+          <a:lnRef idx="0"/>
+          <a:fillRef idx="0"/>
+          <a:effectRef idx="0"/>
+          <a:fontRef idx="minor"/>
+        </p:style>
         <p:txBody>
           <a:bodyPr lIns="0" rIns="0" tIns="0" bIns="0" anchor="ctr"/>
           <a:p>
-            <a:pPr algn="ctr"/>
+            <a:pPr algn="ctr">
+              <a:lnSpc>
+                <a:spcPct val="100000"/>
+              </a:lnSpc>
+            </a:pPr>
             <a:r>
-              <a:rPr lang="en-US" sz="4400">
+              <a:rPr lang="en-US" sz="4400" strike="noStrike">
                 <a:latin typeface="Vollkorn Semibold"/>
               </a:rPr>
               <a:t>Methodology</a:t>
@@ -1962,14 +4605,14 @@
       </p:sp>
       <p:sp>
         <p:nvSpPr>
-          <p:cNvPr id="43" name="TextShape 2"/>
-          <p:cNvSpPr txBox="1"/>
+          <p:cNvPr id="112" name="CustomShape 2"/>
+          <p:cNvSpPr/>
           <p:nvPr/>
         </p:nvSpPr>
         <p:spPr>
           <a:xfrm>
             <a:off x="504000" y="1769040"/>
-            <a:ext cx="9071640" cy="5180400"/>
+            <a:ext cx="9071280" cy="5180040"/>
           </a:xfrm>
           <a:prstGeom prst="rect">
             <a:avLst/>
@@ -1979,16 +4622,25 @@
             <a:noFill/>
           </a:ln>
         </p:spPr>
+        <p:style>
+          <a:lnRef idx="0"/>
+          <a:fillRef idx="0"/>
+          <a:effectRef idx="0"/>
+          <a:fontRef idx="minor"/>
+        </p:style>
         <p:txBody>
           <a:bodyPr lIns="0" rIns="0" tIns="0" bIns="0"/>
           <a:p>
             <a:pPr>
+              <a:lnSpc>
+                <a:spcPct val="100000"/>
+              </a:lnSpc>
               <a:buSzPct val="45000"/>
               <a:buFont typeface="StarSymbol"/>
-              <a:buChar char=""/>
+              <a:buChar char="l"/>
             </a:pPr>
             <a:r>
-              <a:rPr lang="en-US" sz="3200">
+              <a:rPr lang="en-US" sz="3200" strike="noStrike">
                 <a:latin typeface="Arial"/>
               </a:rPr>
               <a:t>Do BoW to classify images</a:t>
@@ -1997,12 +4649,15 @@
           </a:p>
           <a:p>
             <a:pPr lvl="1">
+              <a:lnSpc>
+                <a:spcPct val="100000"/>
+              </a:lnSpc>
               <a:buSzPct val="75000"/>
               <a:buFont typeface="StarSymbol"/>
-              <a:buChar char=""/>
+              <a:buChar char="l"/>
             </a:pPr>
             <a:r>
-              <a:rPr lang="en-US" sz="2800">
+              <a:rPr lang="en-US" sz="2800" strike="noStrike">
                 <a:latin typeface="Arial"/>
               </a:rPr>
               <a:t>(1) with SIFT descriptors and K-means</a:t>
@@ -2011,12 +4666,15 @@
           </a:p>
           <a:p>
             <a:pPr lvl="1">
+              <a:lnSpc>
+                <a:spcPct val="100000"/>
+              </a:lnSpc>
               <a:buSzPct val="75000"/>
               <a:buFont typeface="StarSymbol"/>
-              <a:buChar char=""/>
+              <a:buChar char="l"/>
             </a:pPr>
             <a:r>
-              <a:rPr lang="en-US" sz="2800">
+              <a:rPr lang="en-US" sz="2800" strike="noStrike">
                 <a:latin typeface="Arial"/>
               </a:rPr>
               <a:t>(2) with CNN descriptors and K-means</a:t>
@@ -2025,12 +4683,15 @@
           </a:p>
           <a:p>
             <a:pPr lvl="2">
+              <a:lnSpc>
+                <a:spcPct val="100000"/>
+              </a:lnSpc>
               <a:buSzPct val="45000"/>
               <a:buFont typeface="StarSymbol"/>
-              <a:buChar char=""/>
+              <a:buChar char="l"/>
             </a:pPr>
             <a:r>
-              <a:rPr lang="en-US" sz="2400">
+              <a:rPr lang="en-US" sz="2400" strike="noStrike">
                 <a:latin typeface="Arial"/>
               </a:rPr>
               <a:t>Overfeat</a:t>
@@ -2039,12 +4700,15 @@
           </a:p>
           <a:p>
             <a:pPr lvl="2">
+              <a:lnSpc>
+                <a:spcPct val="100000"/>
+              </a:lnSpc>
               <a:buSzPct val="45000"/>
               <a:buFont typeface="StarSymbol"/>
-              <a:buChar char=""/>
+              <a:buChar char="l"/>
             </a:pPr>
             <a:r>
-              <a:rPr lang="en-US" sz="2400">
+              <a:rPr lang="en-US" sz="2400" strike="noStrike">
                 <a:latin typeface="Arial"/>
               </a:rPr>
               <a:t>Kaffe</a:t>
@@ -2053,12 +4717,15 @@
           </a:p>
           <a:p>
             <a:pPr>
+              <a:lnSpc>
+                <a:spcPct val="100000"/>
+              </a:lnSpc>
               <a:buSzPct val="45000"/>
               <a:buFont typeface="StarSymbol"/>
-              <a:buChar char=""/>
+              <a:buChar char="l"/>
             </a:pPr>
             <a:r>
-              <a:rPr lang="en-US" sz="3200">
+              <a:rPr lang="en-US" sz="3200" strike="noStrike">
                 <a:latin typeface="Arial"/>
               </a:rPr>
               <a:t>(KITTI-provided) images taken in Malaga</a:t>
@@ -2067,12 +4734,15 @@
           </a:p>
           <a:p>
             <a:pPr lvl="1">
+              <a:lnSpc>
+                <a:spcPct val="100000"/>
+              </a:lnSpc>
               <a:buSzPct val="75000"/>
               <a:buFont typeface="StarSymbol"/>
-              <a:buChar char=""/>
+              <a:buChar char="l"/>
             </a:pPr>
             <a:r>
-              <a:rPr lang="en-US" sz="2800">
+              <a:rPr lang="en-US" sz="2800" strike="noStrike">
                 <a:latin typeface="Arial"/>
               </a:rPr>
               <a:t>Loops</a:t>
@@ -2081,12 +4751,15 @@
           </a:p>
           <a:p>
             <a:pPr lvl="1">
+              <a:lnSpc>
+                <a:spcPct val="100000"/>
+              </a:lnSpc>
               <a:buSzPct val="75000"/>
               <a:buFont typeface="StarSymbol"/>
-              <a:buChar char=""/>
+              <a:buChar char="l"/>
             </a:pPr>
             <a:r>
-              <a:rPr lang="en-US" sz="2800">
+              <a:rPr lang="en-US" sz="2800" strike="noStrike">
                 <a:latin typeface="Arial"/>
               </a:rPr>
               <a:t>Simple features</a:t>
@@ -2095,12 +4768,15 @@
           </a:p>
           <a:p>
             <a:pPr>
+              <a:lnSpc>
+                <a:spcPct val="100000"/>
+              </a:lnSpc>
               <a:buSzPct val="45000"/>
               <a:buFont typeface="StarSymbol"/>
-              <a:buChar char=""/>
+              <a:buChar char="l"/>
             </a:pPr>
             <a:r>
-              <a:rPr lang="en-US" sz="3200">
+              <a:rPr lang="en-US" sz="3200" strike="noStrike">
                 <a:latin typeface="Arial"/>
               </a:rPr>
               <a:t>Images from CU Boulder taken by Margaret</a:t>
@@ -2160,14 +4836,14 @@
       </p:grpSpPr>
       <p:sp>
         <p:nvSpPr>
-          <p:cNvPr id="44" name="TextShape 1"/>
-          <p:cNvSpPr txBox="1"/>
+          <p:cNvPr id="113" name="CustomShape 1"/>
+          <p:cNvSpPr/>
           <p:nvPr/>
         </p:nvSpPr>
         <p:spPr>
           <a:xfrm>
             <a:off x="504000" y="301320"/>
-            <a:ext cx="9071640" cy="1262160"/>
+            <a:ext cx="9071280" cy="1261800"/>
           </a:xfrm>
           <a:prstGeom prst="rect">
             <a:avLst/>
@@ -2177,12 +4853,22 @@
             <a:noFill/>
           </a:ln>
         </p:spPr>
+        <p:style>
+          <a:lnRef idx="0"/>
+          <a:fillRef idx="0"/>
+          <a:effectRef idx="0"/>
+          <a:fontRef idx="minor"/>
+        </p:style>
         <p:txBody>
           <a:bodyPr lIns="0" rIns="0" tIns="0" bIns="0" anchor="ctr"/>
           <a:p>
-            <a:pPr algn="ctr"/>
+            <a:pPr algn="ctr">
+              <a:lnSpc>
+                <a:spcPct val="100000"/>
+              </a:lnSpc>
+            </a:pPr>
             <a:r>
-              <a:rPr lang="en-US" sz="4000">
+              <a:rPr lang="en-US" sz="4000" strike="noStrike">
                 <a:latin typeface="Vollkorn Semibold"/>
               </a:rPr>
               <a:t>Bag-of-words w/ SIFT and K-means</a:t>
@@ -2193,14 +4879,14 @@
       </p:sp>
       <p:sp>
         <p:nvSpPr>
-          <p:cNvPr id="45" name="TextShape 2"/>
-          <p:cNvSpPr txBox="1"/>
+          <p:cNvPr id="114" name="CustomShape 2"/>
+          <p:cNvSpPr/>
           <p:nvPr/>
         </p:nvSpPr>
         <p:spPr>
           <a:xfrm>
             <a:off x="504000" y="1769040"/>
-            <a:ext cx="9071640" cy="4384440"/>
+            <a:ext cx="9071280" cy="4384080"/>
           </a:xfrm>
           <a:prstGeom prst="rect">
             <a:avLst/>
@@ -2210,12 +4896,12 @@
             <a:noFill/>
           </a:ln>
         </p:spPr>
-        <p:txBody>
-          <a:bodyPr lIns="0" rIns="0" tIns="0" bIns="0"/>
-          <a:p>
-            <a:endParaRPr/>
-          </a:p>
-        </p:txBody>
+        <p:style>
+          <a:lnRef idx="0"/>
+          <a:fillRef idx="0"/>
+          <a:effectRef idx="0"/>
+          <a:fontRef idx="minor"/>
+        </p:style>
       </p:sp>
     </p:spTree>
   </p:cSld>
@@ -2268,14 +4954,14 @@
       </p:grpSpPr>
       <p:sp>
         <p:nvSpPr>
-          <p:cNvPr id="46" name="TextShape 1"/>
-          <p:cNvSpPr txBox="1"/>
+          <p:cNvPr id="115" name="CustomShape 1"/>
+          <p:cNvSpPr/>
           <p:nvPr/>
         </p:nvSpPr>
         <p:spPr>
           <a:xfrm>
             <a:off x="504000" y="301320"/>
-            <a:ext cx="9071640" cy="1262160"/>
+            <a:ext cx="9071280" cy="1261800"/>
           </a:xfrm>
           <a:prstGeom prst="rect">
             <a:avLst/>
@@ -2285,12 +4971,22 @@
             <a:noFill/>
           </a:ln>
         </p:spPr>
+        <p:style>
+          <a:lnRef idx="0"/>
+          <a:fillRef idx="0"/>
+          <a:effectRef idx="0"/>
+          <a:fontRef idx="minor"/>
+        </p:style>
         <p:txBody>
           <a:bodyPr lIns="0" rIns="0" tIns="0" bIns="0" anchor="ctr"/>
           <a:p>
-            <a:pPr algn="ctr"/>
+            <a:pPr algn="ctr">
+              <a:lnSpc>
+                <a:spcPct val="100000"/>
+              </a:lnSpc>
+            </a:pPr>
             <a:r>
-              <a:rPr lang="en-US" sz="4000">
+              <a:rPr lang="en-US" sz="4000" strike="noStrike">
                 <a:latin typeface="Vollkorn Semibold"/>
               </a:rPr>
               <a:t>Convolutional Neural Networks</a:t>
@@ -2301,14 +4997,14 @@
       </p:sp>
       <p:sp>
         <p:nvSpPr>
-          <p:cNvPr id="47" name="TextShape 2"/>
-          <p:cNvSpPr txBox="1"/>
+          <p:cNvPr id="116" name="CustomShape 2"/>
+          <p:cNvSpPr/>
           <p:nvPr/>
         </p:nvSpPr>
         <p:spPr>
           <a:xfrm>
             <a:off x="504000" y="1769040"/>
-            <a:ext cx="9071640" cy="4384440"/>
+            <a:ext cx="9071280" cy="4384080"/>
           </a:xfrm>
           <a:prstGeom prst="rect">
             <a:avLst/>
@@ -2318,16 +5014,25 @@
             <a:noFill/>
           </a:ln>
         </p:spPr>
+        <p:style>
+          <a:lnRef idx="0"/>
+          <a:fillRef idx="0"/>
+          <a:effectRef idx="0"/>
+          <a:fontRef idx="minor"/>
+        </p:style>
         <p:txBody>
           <a:bodyPr lIns="0" rIns="0" tIns="0" bIns="0"/>
           <a:p>
             <a:pPr>
+              <a:lnSpc>
+                <a:spcPct val="100000"/>
+              </a:lnSpc>
               <a:buSzPct val="45000"/>
               <a:buFont typeface="StarSymbol"/>
-              <a:buChar char=""/>
+              <a:buChar char="l"/>
             </a:pPr>
             <a:r>
-              <a:rPr lang="en-US" sz="3200">
+              <a:rPr lang="en-US" sz="3200" strike="noStrike">
                 <a:latin typeface="Arial"/>
               </a:rPr>
               <a:t>Overfeat</a:t>
@@ -2336,12 +5041,15 @@
           </a:p>
           <a:p>
             <a:pPr>
+              <a:lnSpc>
+                <a:spcPct val="100000"/>
+              </a:lnSpc>
               <a:buSzPct val="45000"/>
               <a:buFont typeface="StarSymbol"/>
-              <a:buChar char=""/>
+              <a:buChar char="l"/>
             </a:pPr>
             <a:r>
-              <a:rPr lang="en-US" sz="3200">
+              <a:rPr lang="en-US" sz="3200" strike="noStrike">
                 <a:latin typeface="Arial"/>
               </a:rPr>
               <a:t>Kaffe</a:t>
@@ -2401,14 +5109,14 @@
       </p:grpSpPr>
       <p:sp>
         <p:nvSpPr>
-          <p:cNvPr id="48" name="TextShape 1"/>
-          <p:cNvSpPr txBox="1"/>
+          <p:cNvPr id="117" name="CustomShape 1"/>
+          <p:cNvSpPr/>
           <p:nvPr/>
         </p:nvSpPr>
         <p:spPr>
           <a:xfrm>
             <a:off x="504000" y="301320"/>
-            <a:ext cx="9071640" cy="1262160"/>
+            <a:ext cx="9071280" cy="1261800"/>
           </a:xfrm>
           <a:prstGeom prst="rect">
             <a:avLst/>
@@ -2418,12 +5126,22 @@
             <a:noFill/>
           </a:ln>
         </p:spPr>
+        <p:style>
+          <a:lnRef idx="0"/>
+          <a:fillRef idx="0"/>
+          <a:effectRef idx="0"/>
+          <a:fontRef idx="minor"/>
+        </p:style>
         <p:txBody>
           <a:bodyPr lIns="0" rIns="0" tIns="0" bIns="0" anchor="ctr"/>
           <a:p>
-            <a:pPr algn="ctr"/>
+            <a:pPr algn="ctr">
+              <a:lnSpc>
+                <a:spcPct val="100000"/>
+              </a:lnSpc>
+            </a:pPr>
             <a:r>
-              <a:rPr lang="en-US" sz="4000">
+              <a:rPr lang="en-US" sz="4000" strike="noStrike">
                 <a:latin typeface="Vollkorn Semibold"/>
               </a:rPr>
               <a:t>Results with SIFT descriptors</a:t>
@@ -2434,14 +5152,14 @@
       </p:sp>
       <p:sp>
         <p:nvSpPr>
-          <p:cNvPr id="49" name="TextShape 2"/>
-          <p:cNvSpPr txBox="1"/>
+          <p:cNvPr id="118" name="CustomShape 2"/>
+          <p:cNvSpPr/>
           <p:nvPr/>
         </p:nvSpPr>
         <p:spPr>
           <a:xfrm>
             <a:off x="504000" y="1769040"/>
-            <a:ext cx="9071640" cy="4384440"/>
+            <a:ext cx="9071280" cy="4384080"/>
           </a:xfrm>
           <a:prstGeom prst="rect">
             <a:avLst/>
@@ -2451,13 +5169,12 @@
             <a:noFill/>
           </a:ln>
         </p:spPr>
-        <p:txBody>
-          <a:bodyPr lIns="0" rIns="0" tIns="0" bIns="0" anchor="ctr"/>
-          <a:p>
-            <a:pPr algn="ctr"/>
-            <a:endParaRPr/>
-          </a:p>
-        </p:txBody>
+        <p:style>
+          <a:lnRef idx="0"/>
+          <a:fillRef idx="0"/>
+          <a:effectRef idx="0"/>
+          <a:fontRef idx="minor"/>
+        </p:style>
       </p:sp>
     </p:spTree>
   </p:cSld>
@@ -2510,14 +5227,14 @@
       </p:grpSpPr>
       <p:sp>
         <p:nvSpPr>
-          <p:cNvPr id="50" name="TextShape 1"/>
-          <p:cNvSpPr txBox="1"/>
+          <p:cNvPr id="119" name="CustomShape 1"/>
+          <p:cNvSpPr/>
           <p:nvPr/>
         </p:nvSpPr>
         <p:spPr>
           <a:xfrm>
             <a:off x="504000" y="301320"/>
-            <a:ext cx="9071640" cy="1262160"/>
+            <a:ext cx="9071280" cy="1261800"/>
           </a:xfrm>
           <a:prstGeom prst="rect">
             <a:avLst/>
@@ -2527,12 +5244,22 @@
             <a:noFill/>
           </a:ln>
         </p:spPr>
+        <p:style>
+          <a:lnRef idx="0"/>
+          <a:fillRef idx="0"/>
+          <a:effectRef idx="0"/>
+          <a:fontRef idx="minor"/>
+        </p:style>
         <p:txBody>
           <a:bodyPr lIns="0" rIns="0" tIns="0" bIns="0" anchor="ctr"/>
           <a:p>
-            <a:pPr algn="ctr"/>
+            <a:pPr algn="ctr">
+              <a:lnSpc>
+                <a:spcPct val="100000"/>
+              </a:lnSpc>
+            </a:pPr>
             <a:r>
-              <a:rPr lang="en-US" sz="4400">
+              <a:rPr lang="en-US" sz="4400" strike="noStrike">
                 <a:latin typeface="Vollkorn Semibold"/>
               </a:rPr>
               <a:t>Results with Overfeat descriptors</a:t>
@@ -2543,14 +5270,14 @@
       </p:sp>
       <p:sp>
         <p:nvSpPr>
-          <p:cNvPr id="51" name="TextShape 2"/>
-          <p:cNvSpPr txBox="1"/>
+          <p:cNvPr id="120" name="CustomShape 2"/>
+          <p:cNvSpPr/>
           <p:nvPr/>
         </p:nvSpPr>
         <p:spPr>
           <a:xfrm>
             <a:off x="504000" y="1769040"/>
-            <a:ext cx="9071640" cy="4384440"/>
+            <a:ext cx="9071280" cy="4384080"/>
           </a:xfrm>
           <a:prstGeom prst="rect">
             <a:avLst/>
@@ -2560,12 +5287,12 @@
             <a:noFill/>
           </a:ln>
         </p:spPr>
-        <p:txBody>
-          <a:bodyPr lIns="0" rIns="0" tIns="0" bIns="0"/>
-          <a:p>
-            <a:endParaRPr/>
-          </a:p>
-        </p:txBody>
+        <p:style>
+          <a:lnRef idx="0"/>
+          <a:fillRef idx="0"/>
+          <a:effectRef idx="0"/>
+          <a:fontRef idx="minor"/>
+        </p:style>
       </p:sp>
     </p:spTree>
   </p:cSld>
@@ -2618,14 +5345,14 @@
       </p:grpSpPr>
       <p:sp>
         <p:nvSpPr>
-          <p:cNvPr id="52" name="TextShape 1"/>
-          <p:cNvSpPr txBox="1"/>
+          <p:cNvPr id="121" name="CustomShape 1"/>
+          <p:cNvSpPr/>
           <p:nvPr/>
         </p:nvSpPr>
         <p:spPr>
           <a:xfrm>
             <a:off x="504000" y="301320"/>
-            <a:ext cx="9071640" cy="1262160"/>
+            <a:ext cx="9071280" cy="1261800"/>
           </a:xfrm>
           <a:prstGeom prst="rect">
             <a:avLst/>
@@ -2635,12 +5362,22 @@
             <a:noFill/>
           </a:ln>
         </p:spPr>
+        <p:style>
+          <a:lnRef idx="0"/>
+          <a:fillRef idx="0"/>
+          <a:effectRef idx="0"/>
+          <a:fontRef idx="minor"/>
+        </p:style>
         <p:txBody>
           <a:bodyPr lIns="0" rIns="0" tIns="0" bIns="0" anchor="ctr"/>
           <a:p>
-            <a:pPr algn="ctr"/>
+            <a:pPr algn="ctr">
+              <a:lnSpc>
+                <a:spcPct val="100000"/>
+              </a:lnSpc>
+            </a:pPr>
             <a:r>
-              <a:rPr lang="en-US" sz="4400">
+              <a:rPr lang="en-US" sz="4400" strike="noStrike">
                 <a:latin typeface="Vollkorn Semibold"/>
               </a:rPr>
               <a:t>Results with Kaffe descriptors</a:t>
@@ -2651,14 +5388,14 @@
       </p:sp>
       <p:sp>
         <p:nvSpPr>
-          <p:cNvPr id="53" name="TextShape 2"/>
-          <p:cNvSpPr txBox="1"/>
+          <p:cNvPr id="122" name="CustomShape 2"/>
+          <p:cNvSpPr/>
           <p:nvPr/>
         </p:nvSpPr>
         <p:spPr>
           <a:xfrm>
             <a:off x="504000" y="1769040"/>
-            <a:ext cx="9071640" cy="4384440"/>
+            <a:ext cx="9071280" cy="4384080"/>
           </a:xfrm>
           <a:prstGeom prst="rect">
             <a:avLst/>
@@ -2668,12 +5405,12 @@
             <a:noFill/>
           </a:ln>
         </p:spPr>
-        <p:txBody>
-          <a:bodyPr lIns="0" rIns="0" tIns="0" bIns="0"/>
-          <a:p>
-            <a:endParaRPr/>
-          </a:p>
-        </p:txBody>
+        <p:style>
+          <a:lnRef idx="0"/>
+          <a:fillRef idx="0"/>
+          <a:effectRef idx="0"/>
+          <a:fontRef idx="minor"/>
+        </p:style>
       </p:sp>
     </p:spTree>
   </p:cSld>
@@ -2726,14 +5463,14 @@
       </p:grpSpPr>
       <p:sp>
         <p:nvSpPr>
-          <p:cNvPr id="54" name="TextShape 1"/>
-          <p:cNvSpPr txBox="1"/>
+          <p:cNvPr id="123" name="CustomShape 1"/>
+          <p:cNvSpPr/>
           <p:nvPr/>
         </p:nvSpPr>
         <p:spPr>
           <a:xfrm>
             <a:off x="504000" y="301320"/>
-            <a:ext cx="9071640" cy="1262160"/>
+            <a:ext cx="9071280" cy="1261800"/>
           </a:xfrm>
           <a:prstGeom prst="rect">
             <a:avLst/>
@@ -2743,12 +5480,22 @@
             <a:noFill/>
           </a:ln>
         </p:spPr>
+        <p:style>
+          <a:lnRef idx="0"/>
+          <a:fillRef idx="0"/>
+          <a:effectRef idx="0"/>
+          <a:fontRef idx="minor"/>
+        </p:style>
         <p:txBody>
           <a:bodyPr lIns="0" rIns="0" tIns="0" bIns="0" anchor="ctr"/>
           <a:p>
-            <a:pPr algn="ctr"/>
+            <a:pPr algn="ctr">
+              <a:lnSpc>
+                <a:spcPct val="100000"/>
+              </a:lnSpc>
+            </a:pPr>
             <a:r>
-              <a:rPr lang="en-US" sz="4400">
+              <a:rPr lang="en-US" sz="4400" strike="noStrike">
                 <a:latin typeface="Vollkorn Semibold"/>
               </a:rPr>
               <a:t>Comparison</a:t>
@@ -2759,14 +5506,14 @@
       </p:sp>
       <p:sp>
         <p:nvSpPr>
-          <p:cNvPr id="55" name="TextShape 2"/>
-          <p:cNvSpPr txBox="1"/>
+          <p:cNvPr id="124" name="CustomShape 2"/>
+          <p:cNvSpPr/>
           <p:nvPr/>
         </p:nvSpPr>
         <p:spPr>
           <a:xfrm>
             <a:off x="504000" y="1769040"/>
-            <a:ext cx="9071640" cy="4384440"/>
+            <a:ext cx="9071280" cy="4384080"/>
           </a:xfrm>
           <a:prstGeom prst="rect">
             <a:avLst/>
@@ -2776,12 +5523,12 @@
             <a:noFill/>
           </a:ln>
         </p:spPr>
-        <p:txBody>
-          <a:bodyPr lIns="0" rIns="0" tIns="0" bIns="0"/>
-          <a:p>
-            <a:endParaRPr/>
-          </a:p>
-        </p:txBody>
+        <p:style>
+          <a:lnRef idx="0"/>
+          <a:fillRef idx="0"/>
+          <a:effectRef idx="0"/>
+          <a:fontRef idx="minor"/>
+        </p:style>
       </p:sp>
     </p:spTree>
   </p:cSld>
@@ -3036,4 +5783,450 @@
     </a:fmtScheme>
   </a:themeElements>
 </a:theme>
+</file>
+
+<file path=ppt/theme/theme2.xml><?xml version="1.0" encoding="utf-8"?>
+<a:theme xmlns:a="http://schemas.openxmlformats.org/drawingml/2006/main" name="Office Theme">
+  <a:themeElements>
+    <a:clrScheme name="Office">
+      <a:dk1>
+        <a:sysClr val="windowText" lastClr="000000"/>
+      </a:dk1>
+      <a:lt1>
+        <a:sysClr val="window" lastClr="FFFFFF"/>
+      </a:lt1>
+      <a:dk2>
+        <a:srgbClr val="1F497D"/>
+      </a:dk2>
+      <a:lt2>
+        <a:srgbClr val="EEECE1"/>
+      </a:lt2>
+      <a:accent1>
+        <a:srgbClr val="4F81BD"/>
+      </a:accent1>
+      <a:accent2>
+        <a:srgbClr val="C0504D"/>
+      </a:accent2>
+      <a:accent3>
+        <a:srgbClr val="9BBB59"/>
+      </a:accent3>
+      <a:accent4>
+        <a:srgbClr val="8064A2"/>
+      </a:accent4>
+      <a:accent5>
+        <a:srgbClr val="4BACC6"/>
+      </a:accent5>
+      <a:accent6>
+        <a:srgbClr val="F79646"/>
+      </a:accent6>
+      <a:hlink>
+        <a:srgbClr val="0000FF"/>
+      </a:hlink>
+      <a:folHlink>
+        <a:srgbClr val="800080"/>
+      </a:folHlink>
+    </a:clrScheme>
+    <a:fontScheme name="Office">
+      <a:majorFont>
+        <a:latin typeface="Arial"/>
+        <a:ea typeface="DejaVu Sans"/>
+        <a:cs typeface="DejaVu Sans"/>
+      </a:majorFont>
+      <a:minorFont>
+        <a:latin typeface="Arial"/>
+        <a:ea typeface="DejaVu Sans"/>
+        <a:cs typeface="DejaVu Sans"/>
+      </a:minorFont>
+    </a:fontScheme>
+    <a:fmtScheme name="Office">
+      <a:fillStyleLst>
+        <a:solidFill>
+          <a:schemeClr val="phClr"/>
+        </a:solidFill>
+        <a:gradFill rotWithShape="1">
+          <a:gsLst>
+            <a:gs pos="0">
+              <a:schemeClr val="phClr">
+                <a:tint val="50000"/>
+                <a:satMod val="300000"/>
+              </a:schemeClr>
+            </a:gs>
+            <a:gs pos="35000">
+              <a:schemeClr val="phClr">
+                <a:tint val="37000"/>
+                <a:satMod val="300000"/>
+              </a:schemeClr>
+            </a:gs>
+            <a:gs pos="100000">
+              <a:schemeClr val="phClr">
+                <a:tint val="15000"/>
+                <a:satMod val="350000"/>
+              </a:schemeClr>
+            </a:gs>
+          </a:gsLst>
+          <a:lin ang="16200000" scaled="1"/>
+        </a:gradFill>
+        <a:gradFill rotWithShape="1">
+          <a:gsLst>
+            <a:gs pos="0">
+              <a:schemeClr val="phClr">
+                <a:shade val="51000"/>
+                <a:satMod val="130000"/>
+              </a:schemeClr>
+            </a:gs>
+            <a:gs pos="80000">
+              <a:schemeClr val="phClr">
+                <a:shade val="93000"/>
+                <a:satMod val="130000"/>
+              </a:schemeClr>
+            </a:gs>
+            <a:gs pos="100000">
+              <a:schemeClr val="phClr">
+                <a:shade val="94000"/>
+                <a:satMod val="135000"/>
+              </a:schemeClr>
+            </a:gs>
+          </a:gsLst>
+          <a:lin ang="16200000" scaled="0"/>
+        </a:gradFill>
+      </a:fillStyleLst>
+      <a:lnStyleLst>
+        <a:ln w="9525" cap="flat" cmpd="sng" algn="ctr">
+          <a:solidFill>
+            <a:schemeClr val="phClr">
+              <a:shade val="95000"/>
+              <a:satMod val="105000"/>
+            </a:schemeClr>
+          </a:solidFill>
+          <a:prstDash val="solid"/>
+        </a:ln>
+        <a:ln w="25400" cap="flat" cmpd="sng" algn="ctr">
+          <a:solidFill>
+            <a:schemeClr val="phClr"/>
+          </a:solidFill>
+          <a:prstDash val="solid"/>
+        </a:ln>
+        <a:ln w="38100" cap="flat" cmpd="sng" algn="ctr">
+          <a:solidFill>
+            <a:schemeClr val="phClr"/>
+          </a:solidFill>
+          <a:prstDash val="solid"/>
+        </a:ln>
+      </a:lnStyleLst>
+      <a:effectStyleLst>
+        <a:effectStyle>
+          <a:effectLst>
+            <a:outerShdw blurRad="40000" dist="20000" dir="5400000" rotWithShape="0">
+              <a:srgbClr val="000000">
+                <a:alpha val="38000"/>
+              </a:srgbClr>
+            </a:outerShdw>
+          </a:effectLst>
+        </a:effectStyle>
+        <a:effectStyle>
+          <a:effectLst>
+            <a:outerShdw blurRad="40000" dist="23000" dir="5400000" rotWithShape="0">
+              <a:srgbClr val="000000">
+                <a:alpha val="35000"/>
+              </a:srgbClr>
+            </a:outerShdw>
+          </a:effectLst>
+        </a:effectStyle>
+        <a:effectStyle>
+          <a:effectLst>
+            <a:outerShdw blurRad="40000" dist="23000" dir="5400000" rotWithShape="0">
+              <a:srgbClr val="000000">
+                <a:alpha val="35000"/>
+              </a:srgbClr>
+            </a:outerShdw>
+          </a:effectLst>
+          <a:scene3d>
+            <a:camera prst="orthographicFront">
+              <a:rot lat="0" lon="0" rev="0"/>
+            </a:camera>
+            <a:lightRig rig="threePt" dir="t">
+              <a:rot lat="0" lon="0" rev="1200000"/>
+            </a:lightRig>
+          </a:scene3d>
+          <a:sp3d>
+            <a:bevelT w="63500" h="25400"/>
+          </a:sp3d>
+        </a:effectStyle>
+      </a:effectStyleLst>
+      <a:bgFillStyleLst>
+        <a:solidFill>
+          <a:schemeClr val="phClr"/>
+        </a:solidFill>
+        <a:gradFill rotWithShape="1">
+          <a:gsLst>
+            <a:gs pos="0">
+              <a:schemeClr val="phClr">
+                <a:tint val="40000"/>
+                <a:satMod val="350000"/>
+              </a:schemeClr>
+            </a:gs>
+            <a:gs pos="40000">
+              <a:schemeClr val="phClr">
+                <a:tint val="45000"/>
+                <a:shade val="99000"/>
+                <a:satMod val="350000"/>
+              </a:schemeClr>
+            </a:gs>
+            <a:gs pos="100000">
+              <a:schemeClr val="phClr">
+                <a:shade val="20000"/>
+                <a:satMod val="255000"/>
+              </a:schemeClr>
+            </a:gs>
+          </a:gsLst>
+          <a:path path="circle">
+            <a:fillToRect l="50000" t="-80000" r="50000" b="180000"/>
+          </a:path>
+        </a:gradFill>
+        <a:gradFill rotWithShape="1">
+          <a:gsLst>
+            <a:gs pos="0">
+              <a:schemeClr val="phClr">
+                <a:tint val="80000"/>
+                <a:satMod val="300000"/>
+              </a:schemeClr>
+            </a:gs>
+            <a:gs pos="100000">
+              <a:schemeClr val="phClr">
+                <a:shade val="30000"/>
+                <a:satMod val="200000"/>
+              </a:schemeClr>
+            </a:gs>
+          </a:gsLst>
+          <a:path path="circle">
+            <a:fillToRect l="50000" t="50000" r="50000" b="50000"/>
+          </a:path>
+        </a:gradFill>
+      </a:bgFillStyleLst>
+    </a:fmtScheme>
+  </a:themeElements>
+</a:theme>
+</file>
+
+<file path=ppt/theme/theme3.xml><?xml version="1.0" encoding="utf-8"?>
+<a:theme xmlns:a="http://schemas.openxmlformats.org/drawingml/2006/main" name="Office Theme">
+  <a:themeElements>
+    <a:clrScheme name="Office">
+      <a:dk1>
+        <a:sysClr val="windowText" lastClr="000000"/>
+      </a:dk1>
+      <a:lt1>
+        <a:sysClr val="window" lastClr="FFFFFF"/>
+      </a:lt1>
+      <a:dk2>
+        <a:srgbClr val="1F497D"/>
+      </a:dk2>
+      <a:lt2>
+        <a:srgbClr val="EEECE1"/>
+      </a:lt2>
+      <a:accent1>
+        <a:srgbClr val="4F81BD"/>
+      </a:accent1>
+      <a:accent2>
+        <a:srgbClr val="C0504D"/>
+      </a:accent2>
+      <a:accent3>
+        <a:srgbClr val="9BBB59"/>
+      </a:accent3>
+      <a:accent4>
+        <a:srgbClr val="8064A2"/>
+      </a:accent4>
+      <a:accent5>
+        <a:srgbClr val="4BACC6"/>
+      </a:accent5>
+      <a:accent6>
+        <a:srgbClr val="F79646"/>
+      </a:accent6>
+      <a:hlink>
+        <a:srgbClr val="0000FF"/>
+      </a:hlink>
+      <a:folHlink>
+        <a:srgbClr val="800080"/>
+      </a:folHlink>
+    </a:clrScheme>
+    <a:fontScheme name="Office">
+      <a:majorFont>
+        <a:latin typeface="Arial"/>
+        <a:ea typeface="DejaVu Sans"/>
+        <a:cs typeface="DejaVu Sans"/>
+      </a:majorFont>
+      <a:minorFont>
+        <a:latin typeface="Arial"/>
+        <a:ea typeface="DejaVu Sans"/>
+        <a:cs typeface="DejaVu Sans"/>
+      </a:minorFont>
+    </a:fontScheme>
+    <a:fmtScheme name="Office">
+      <a:fillStyleLst>
+        <a:solidFill>
+          <a:schemeClr val="phClr"/>
+        </a:solidFill>
+        <a:gradFill rotWithShape="1">
+          <a:gsLst>
+            <a:gs pos="0">
+              <a:schemeClr val="phClr">
+                <a:tint val="50000"/>
+                <a:satMod val="300000"/>
+              </a:schemeClr>
+            </a:gs>
+            <a:gs pos="35000">
+              <a:schemeClr val="phClr">
+                <a:tint val="37000"/>
+                <a:satMod val="300000"/>
+              </a:schemeClr>
+            </a:gs>
+            <a:gs pos="100000">
+              <a:schemeClr val="phClr">
+                <a:tint val="15000"/>
+                <a:satMod val="350000"/>
+              </a:schemeClr>
+            </a:gs>
+          </a:gsLst>
+          <a:lin ang="16200000" scaled="1"/>
+        </a:gradFill>
+        <a:gradFill rotWithShape="1">
+          <a:gsLst>
+            <a:gs pos="0">
+              <a:schemeClr val="phClr">
+                <a:shade val="51000"/>
+                <a:satMod val="130000"/>
+              </a:schemeClr>
+            </a:gs>
+            <a:gs pos="80000">
+              <a:schemeClr val="phClr">
+                <a:shade val="93000"/>
+                <a:satMod val="130000"/>
+              </a:schemeClr>
+            </a:gs>
+            <a:gs pos="100000">
+              <a:schemeClr val="phClr">
+                <a:shade val="94000"/>
+                <a:satMod val="135000"/>
+              </a:schemeClr>
+            </a:gs>
+          </a:gsLst>
+          <a:lin ang="16200000" scaled="0"/>
+        </a:gradFill>
+      </a:fillStyleLst>
+      <a:lnStyleLst>
+        <a:ln w="9525" cap="flat" cmpd="sng" algn="ctr">
+          <a:solidFill>
+            <a:schemeClr val="phClr">
+              <a:shade val="95000"/>
+              <a:satMod val="105000"/>
+            </a:schemeClr>
+          </a:solidFill>
+          <a:prstDash val="solid"/>
+        </a:ln>
+        <a:ln w="25400" cap="flat" cmpd="sng" algn="ctr">
+          <a:solidFill>
+            <a:schemeClr val="phClr"/>
+          </a:solidFill>
+          <a:prstDash val="solid"/>
+        </a:ln>
+        <a:ln w="38100" cap="flat" cmpd="sng" algn="ctr">
+          <a:solidFill>
+            <a:schemeClr val="phClr"/>
+          </a:solidFill>
+          <a:prstDash val="solid"/>
+        </a:ln>
+      </a:lnStyleLst>
+      <a:effectStyleLst>
+        <a:effectStyle>
+          <a:effectLst>
+            <a:outerShdw blurRad="40000" dist="20000" dir="5400000" rotWithShape="0">
+              <a:srgbClr val="000000">
+                <a:alpha val="38000"/>
+              </a:srgbClr>
+            </a:outerShdw>
+          </a:effectLst>
+        </a:effectStyle>
+        <a:effectStyle>
+          <a:effectLst>
+            <a:outerShdw blurRad="40000" dist="23000" dir="5400000" rotWithShape="0">
+              <a:srgbClr val="000000">
+                <a:alpha val="35000"/>
+              </a:srgbClr>
+            </a:outerShdw>
+          </a:effectLst>
+        </a:effectStyle>
+        <a:effectStyle>
+          <a:effectLst>
+            <a:outerShdw blurRad="40000" dist="23000" dir="5400000" rotWithShape="0">
+              <a:srgbClr val="000000">
+                <a:alpha val="35000"/>
+              </a:srgbClr>
+            </a:outerShdw>
+          </a:effectLst>
+          <a:scene3d>
+            <a:camera prst="orthographicFront">
+              <a:rot lat="0" lon="0" rev="0"/>
+            </a:camera>
+            <a:lightRig rig="threePt" dir="t">
+              <a:rot lat="0" lon="0" rev="1200000"/>
+            </a:lightRig>
+          </a:scene3d>
+          <a:sp3d>
+            <a:bevelT w="63500" h="25400"/>
+          </a:sp3d>
+        </a:effectStyle>
+      </a:effectStyleLst>
+      <a:bgFillStyleLst>
+        <a:solidFill>
+          <a:schemeClr val="phClr"/>
+        </a:solidFill>
+        <a:gradFill rotWithShape="1">
+          <a:gsLst>
+            <a:gs pos="0">
+              <a:schemeClr val="phClr">
+                <a:tint val="40000"/>
+                <a:satMod val="350000"/>
+              </a:schemeClr>
+            </a:gs>
+            <a:gs pos="40000">
+              <a:schemeClr val="phClr">
+                <a:tint val="45000"/>
+                <a:shade val="99000"/>
+                <a:satMod val="350000"/>
+              </a:schemeClr>
+            </a:gs>
+            <a:gs pos="100000">
+              <a:schemeClr val="phClr">
+                <a:shade val="20000"/>
+                <a:satMod val="255000"/>
+              </a:schemeClr>
+            </a:gs>
+          </a:gsLst>
+          <a:path path="circle">
+            <a:fillToRect l="50000" t="-80000" r="50000" b="180000"/>
+          </a:path>
+        </a:gradFill>
+        <a:gradFill rotWithShape="1">
+          <a:gsLst>
+            <a:gs pos="0">
+              <a:schemeClr val="phClr">
+                <a:tint val="80000"/>
+                <a:satMod val="300000"/>
+              </a:schemeClr>
+            </a:gs>
+            <a:gs pos="100000">
+              <a:schemeClr val="phClr">
+                <a:shade val="30000"/>
+                <a:satMod val="200000"/>
+              </a:schemeClr>
+            </a:gs>
+          </a:gsLst>
+          <a:path path="circle">
+            <a:fillToRect l="50000" t="50000" r="50000" b="50000"/>
+          </a:path>
+        </a:gradFill>
+      </a:bgFillStyleLst>
+    </a:fmtScheme>
+  </a:themeElements>
+</a:theme>
 </file>
--- a/presentation.pptx
+++ b/presentation.pptx
@@ -75,7 +75,7 @@
         <p:spPr>
           <a:xfrm>
             <a:off x="504000" y="301320"/>
-            <a:ext cx="9071280" cy="1261800"/>
+            <a:ext cx="9072000" cy="1261800"/>
           </a:xfrm>
           <a:prstGeom prst="rect">
             <a:avLst/>
@@ -101,8 +101,8 @@
         </p:nvSpPr>
         <p:spPr>
           <a:xfrm>
-            <a:off x="504000" y="1769040"/>
-            <a:ext cx="9071280" cy="2090880"/>
+            <a:off x="504000" y="1768680"/>
+            <a:ext cx="9072000" cy="2090880"/>
           </a:xfrm>
           <a:prstGeom prst="rect">
             <a:avLst/>
@@ -127,8 +127,8 @@
         </p:nvSpPr>
         <p:spPr>
           <a:xfrm>
-            <a:off x="504000" y="4059000"/>
-            <a:ext cx="9071280" cy="2090880"/>
+            <a:off x="504000" y="4058640"/>
+            <a:ext cx="9072000" cy="2090880"/>
           </a:xfrm>
           <a:prstGeom prst="rect">
             <a:avLst/>
@@ -176,7 +176,7 @@
         <p:spPr>
           <a:xfrm>
             <a:off x="504000" y="301320"/>
-            <a:ext cx="9071280" cy="1261800"/>
+            <a:ext cx="9072000" cy="1261800"/>
           </a:xfrm>
           <a:prstGeom prst="rect">
             <a:avLst/>
@@ -202,8 +202,8 @@
         </p:nvSpPr>
         <p:spPr>
           <a:xfrm>
-            <a:off x="504000" y="1769040"/>
-            <a:ext cx="4426560" cy="2090880"/>
+            <a:off x="504000" y="1768680"/>
+            <a:ext cx="4426920" cy="2090880"/>
           </a:xfrm>
           <a:prstGeom prst="rect">
             <a:avLst/>
@@ -228,8 +228,8 @@
         </p:nvSpPr>
         <p:spPr>
           <a:xfrm>
-            <a:off x="5152320" y="1769040"/>
-            <a:ext cx="4426560" cy="2090880"/>
+            <a:off x="5152680" y="1768680"/>
+            <a:ext cx="4426920" cy="2090880"/>
           </a:xfrm>
           <a:prstGeom prst="rect">
             <a:avLst/>
@@ -254,8 +254,8 @@
         </p:nvSpPr>
         <p:spPr>
           <a:xfrm>
-            <a:off x="5152320" y="4059000"/>
-            <a:ext cx="4426560" cy="2090880"/>
+            <a:off x="5152680" y="4058640"/>
+            <a:ext cx="4426920" cy="2090880"/>
           </a:xfrm>
           <a:prstGeom prst="rect">
             <a:avLst/>
@@ -280,8 +280,8 @@
         </p:nvSpPr>
         <p:spPr>
           <a:xfrm>
-            <a:off x="504000" y="4059000"/>
-            <a:ext cx="4426560" cy="2090880"/>
+            <a:off x="504000" y="4058640"/>
+            <a:ext cx="4426920" cy="2090880"/>
           </a:xfrm>
           <a:prstGeom prst="rect">
             <a:avLst/>
@@ -329,7 +329,7 @@
         <p:spPr>
           <a:xfrm>
             <a:off x="504000" y="301320"/>
-            <a:ext cx="9071280" cy="1261800"/>
+            <a:ext cx="9072000" cy="1261800"/>
           </a:xfrm>
           <a:prstGeom prst="rect">
             <a:avLst/>
@@ -355,8 +355,8 @@
         </p:nvSpPr>
         <p:spPr>
           <a:xfrm>
-            <a:off x="504000" y="1769040"/>
-            <a:ext cx="9071280" cy="4384080"/>
+            <a:off x="504000" y="1768680"/>
+            <a:ext cx="9072000" cy="4384080"/>
           </a:xfrm>
           <a:prstGeom prst="rect">
             <a:avLst/>
@@ -381,8 +381,8 @@
         </p:nvSpPr>
         <p:spPr>
           <a:xfrm>
-            <a:off x="504000" y="1769040"/>
-            <a:ext cx="9071280" cy="4384080"/>
+            <a:off x="504000" y="1768680"/>
+            <a:ext cx="9072000" cy="4384080"/>
           </a:xfrm>
           <a:prstGeom prst="rect">
             <a:avLst/>
@@ -407,7 +407,7 @@
         </p:blipFill>
         <p:spPr>
           <a:xfrm>
-            <a:off x="2292120" y="1769040"/>
+            <a:off x="2292480" y="1768680"/>
             <a:ext cx="5494680" cy="4384080"/>
           </a:xfrm>
           <a:prstGeom prst="rect">
@@ -430,7 +430,7 @@
         </p:blipFill>
         <p:spPr>
           <a:xfrm>
-            <a:off x="2292120" y="1769040"/>
+            <a:off x="2292480" y="1768680"/>
             <a:ext cx="5494680" cy="4384080"/>
           </a:xfrm>
           <a:prstGeom prst="rect">
@@ -498,7 +498,7 @@
         <p:spPr>
           <a:xfrm>
             <a:off x="504000" y="301320"/>
-            <a:ext cx="9071280" cy="1261800"/>
+            <a:ext cx="9072000" cy="1261800"/>
           </a:xfrm>
           <a:prstGeom prst="rect">
             <a:avLst/>
@@ -524,8 +524,8 @@
         </p:nvSpPr>
         <p:spPr>
           <a:xfrm>
-            <a:off x="504000" y="1769040"/>
-            <a:ext cx="9071280" cy="4384080"/>
+            <a:off x="504000" y="1768680"/>
+            <a:ext cx="9072000" cy="4384080"/>
           </a:xfrm>
           <a:prstGeom prst="rect">
             <a:avLst/>
@@ -574,7 +574,7 @@
         <p:spPr>
           <a:xfrm>
             <a:off x="504000" y="301320"/>
-            <a:ext cx="9071280" cy="1261800"/>
+            <a:ext cx="9072000" cy="1261800"/>
           </a:xfrm>
           <a:prstGeom prst="rect">
             <a:avLst/>
@@ -600,8 +600,8 @@
         </p:nvSpPr>
         <p:spPr>
           <a:xfrm>
-            <a:off x="504000" y="1769040"/>
-            <a:ext cx="9071280" cy="4384080"/>
+            <a:off x="504000" y="1768680"/>
+            <a:ext cx="9072000" cy="4384080"/>
           </a:xfrm>
           <a:prstGeom prst="rect">
             <a:avLst/>
@@ -649,7 +649,7 @@
         <p:spPr>
           <a:xfrm>
             <a:off x="504000" y="301320"/>
-            <a:ext cx="9071280" cy="1261800"/>
+            <a:ext cx="9072000" cy="1261800"/>
           </a:xfrm>
           <a:prstGeom prst="rect">
             <a:avLst/>
@@ -675,8 +675,8 @@
         </p:nvSpPr>
         <p:spPr>
           <a:xfrm>
-            <a:off x="504000" y="1769040"/>
-            <a:ext cx="4426560" cy="4384080"/>
+            <a:off x="504000" y="1768680"/>
+            <a:ext cx="4426920" cy="4384080"/>
           </a:xfrm>
           <a:prstGeom prst="rect">
             <a:avLst/>
@@ -701,8 +701,8 @@
         </p:nvSpPr>
         <p:spPr>
           <a:xfrm>
-            <a:off x="5152320" y="1769040"/>
-            <a:ext cx="4426560" cy="4384080"/>
+            <a:off x="5152680" y="1768680"/>
+            <a:ext cx="4426920" cy="4384080"/>
           </a:xfrm>
           <a:prstGeom prst="rect">
             <a:avLst/>
@@ -750,7 +750,7 @@
         <p:spPr>
           <a:xfrm>
             <a:off x="504000" y="301320"/>
-            <a:ext cx="9071280" cy="1261800"/>
+            <a:ext cx="9072000" cy="1261800"/>
           </a:xfrm>
           <a:prstGeom prst="rect">
             <a:avLst/>
@@ -799,7 +799,7 @@
         <p:spPr>
           <a:xfrm>
             <a:off x="504000" y="301320"/>
-            <a:ext cx="9071280" cy="5850360"/>
+            <a:ext cx="9072000" cy="5850360"/>
           </a:xfrm>
           <a:prstGeom prst="rect">
             <a:avLst/>
@@ -848,7 +848,7 @@
         <p:spPr>
           <a:xfrm>
             <a:off x="504000" y="301320"/>
-            <a:ext cx="9071280" cy="1261800"/>
+            <a:ext cx="9072000" cy="1261800"/>
           </a:xfrm>
           <a:prstGeom prst="rect">
             <a:avLst/>
@@ -874,8 +874,8 @@
         </p:nvSpPr>
         <p:spPr>
           <a:xfrm>
-            <a:off x="504000" y="1769040"/>
-            <a:ext cx="4426560" cy="2090880"/>
+            <a:off x="504000" y="1768680"/>
+            <a:ext cx="4426920" cy="2090880"/>
           </a:xfrm>
           <a:prstGeom prst="rect">
             <a:avLst/>
@@ -900,8 +900,8 @@
         </p:nvSpPr>
         <p:spPr>
           <a:xfrm>
-            <a:off x="504000" y="4059000"/>
-            <a:ext cx="4426560" cy="2090880"/>
+            <a:off x="504000" y="4058640"/>
+            <a:ext cx="4426920" cy="2090880"/>
           </a:xfrm>
           <a:prstGeom prst="rect">
             <a:avLst/>
@@ -926,8 +926,8 @@
         </p:nvSpPr>
         <p:spPr>
           <a:xfrm>
-            <a:off x="5152320" y="1769040"/>
-            <a:ext cx="4426560" cy="4384080"/>
+            <a:off x="5152680" y="1768680"/>
+            <a:ext cx="4426920" cy="4384080"/>
           </a:xfrm>
           <a:prstGeom prst="rect">
             <a:avLst/>
@@ -975,7 +975,7 @@
         <p:spPr>
           <a:xfrm>
             <a:off x="504000" y="301320"/>
-            <a:ext cx="9071280" cy="1261800"/>
+            <a:ext cx="9072000" cy="1261800"/>
           </a:xfrm>
           <a:prstGeom prst="rect">
             <a:avLst/>
@@ -1001,8 +1001,8 @@
         </p:nvSpPr>
         <p:spPr>
           <a:xfrm>
-            <a:off x="504000" y="1769040"/>
-            <a:ext cx="9071280" cy="4384080"/>
+            <a:off x="504000" y="1768680"/>
+            <a:ext cx="9072000" cy="4384080"/>
           </a:xfrm>
           <a:prstGeom prst="rect">
             <a:avLst/>
@@ -1051,7 +1051,7 @@
         <p:spPr>
           <a:xfrm>
             <a:off x="504000" y="301320"/>
-            <a:ext cx="9071280" cy="1261800"/>
+            <a:ext cx="9072000" cy="1261800"/>
           </a:xfrm>
           <a:prstGeom prst="rect">
             <a:avLst/>
@@ -1077,8 +1077,8 @@
         </p:nvSpPr>
         <p:spPr>
           <a:xfrm>
-            <a:off x="504000" y="1769040"/>
-            <a:ext cx="4426560" cy="4384080"/>
+            <a:off x="504000" y="1768680"/>
+            <a:ext cx="4426920" cy="4384080"/>
           </a:xfrm>
           <a:prstGeom prst="rect">
             <a:avLst/>
@@ -1103,8 +1103,8 @@
         </p:nvSpPr>
         <p:spPr>
           <a:xfrm>
-            <a:off x="5152320" y="1769040"/>
-            <a:ext cx="4426560" cy="2090880"/>
+            <a:off x="5152680" y="1768680"/>
+            <a:ext cx="4426920" cy="2090880"/>
           </a:xfrm>
           <a:prstGeom prst="rect">
             <a:avLst/>
@@ -1129,8 +1129,8 @@
         </p:nvSpPr>
         <p:spPr>
           <a:xfrm>
-            <a:off x="5152320" y="4059000"/>
-            <a:ext cx="4426560" cy="2090880"/>
+            <a:off x="5152680" y="4058640"/>
+            <a:ext cx="4426920" cy="2090880"/>
           </a:xfrm>
           <a:prstGeom prst="rect">
             <a:avLst/>
@@ -1178,7 +1178,7 @@
         <p:spPr>
           <a:xfrm>
             <a:off x="504000" y="301320"/>
-            <a:ext cx="9071280" cy="1261800"/>
+            <a:ext cx="9072000" cy="1261800"/>
           </a:xfrm>
           <a:prstGeom prst="rect">
             <a:avLst/>
@@ -1204,8 +1204,8 @@
         </p:nvSpPr>
         <p:spPr>
           <a:xfrm>
-            <a:off x="504000" y="1769040"/>
-            <a:ext cx="4426560" cy="2090880"/>
+            <a:off x="504000" y="1768680"/>
+            <a:ext cx="4426920" cy="2090880"/>
           </a:xfrm>
           <a:prstGeom prst="rect">
             <a:avLst/>
@@ -1230,8 +1230,8 @@
         </p:nvSpPr>
         <p:spPr>
           <a:xfrm>
-            <a:off x="5152320" y="1769040"/>
-            <a:ext cx="4426560" cy="2090880"/>
+            <a:off x="5152680" y="1768680"/>
+            <a:ext cx="4426920" cy="2090880"/>
           </a:xfrm>
           <a:prstGeom prst="rect">
             <a:avLst/>
@@ -1256,8 +1256,8 @@
         </p:nvSpPr>
         <p:spPr>
           <a:xfrm>
-            <a:off x="504000" y="4059000"/>
-            <a:ext cx="9071280" cy="2090880"/>
+            <a:off x="504000" y="4058640"/>
+            <a:ext cx="9072000" cy="2090880"/>
           </a:xfrm>
           <a:prstGeom prst="rect">
             <a:avLst/>
@@ -1305,7 +1305,7 @@
         <p:spPr>
           <a:xfrm>
             <a:off x="504000" y="301320"/>
-            <a:ext cx="9071280" cy="1261800"/>
+            <a:ext cx="9072000" cy="1261800"/>
           </a:xfrm>
           <a:prstGeom prst="rect">
             <a:avLst/>
@@ -1331,8 +1331,8 @@
         </p:nvSpPr>
         <p:spPr>
           <a:xfrm>
-            <a:off x="504000" y="1769040"/>
-            <a:ext cx="9071280" cy="2090880"/>
+            <a:off x="504000" y="1768680"/>
+            <a:ext cx="9072000" cy="2090880"/>
           </a:xfrm>
           <a:prstGeom prst="rect">
             <a:avLst/>
@@ -1357,8 +1357,8 @@
         </p:nvSpPr>
         <p:spPr>
           <a:xfrm>
-            <a:off x="504000" y="4059000"/>
-            <a:ext cx="9071280" cy="2090880"/>
+            <a:off x="504000" y="4058640"/>
+            <a:ext cx="9072000" cy="2090880"/>
           </a:xfrm>
           <a:prstGeom prst="rect">
             <a:avLst/>
@@ -1406,7 +1406,7 @@
         <p:spPr>
           <a:xfrm>
             <a:off x="504000" y="301320"/>
-            <a:ext cx="9071280" cy="1261800"/>
+            <a:ext cx="9072000" cy="1261800"/>
           </a:xfrm>
           <a:prstGeom prst="rect">
             <a:avLst/>
@@ -1432,8 +1432,8 @@
         </p:nvSpPr>
         <p:spPr>
           <a:xfrm>
-            <a:off x="504000" y="1769040"/>
-            <a:ext cx="4426560" cy="2090880"/>
+            <a:off x="504000" y="1768680"/>
+            <a:ext cx="4426920" cy="2090880"/>
           </a:xfrm>
           <a:prstGeom prst="rect">
             <a:avLst/>
@@ -1458,8 +1458,8 @@
         </p:nvSpPr>
         <p:spPr>
           <a:xfrm>
-            <a:off x="5152320" y="1769040"/>
-            <a:ext cx="4426560" cy="2090880"/>
+            <a:off x="5152680" y="1768680"/>
+            <a:ext cx="4426920" cy="2090880"/>
           </a:xfrm>
           <a:prstGeom prst="rect">
             <a:avLst/>
@@ -1484,8 +1484,8 @@
         </p:nvSpPr>
         <p:spPr>
           <a:xfrm>
-            <a:off x="5152320" y="4059000"/>
-            <a:ext cx="4426560" cy="2090880"/>
+            <a:off x="5152680" y="4058640"/>
+            <a:ext cx="4426920" cy="2090880"/>
           </a:xfrm>
           <a:prstGeom prst="rect">
             <a:avLst/>
@@ -1510,8 +1510,8 @@
         </p:nvSpPr>
         <p:spPr>
           <a:xfrm>
-            <a:off x="504000" y="4059000"/>
-            <a:ext cx="4426560" cy="2090880"/>
+            <a:off x="504000" y="4058640"/>
+            <a:ext cx="4426920" cy="2090880"/>
           </a:xfrm>
           <a:prstGeom prst="rect">
             <a:avLst/>
@@ -1559,7 +1559,7 @@
         <p:spPr>
           <a:xfrm>
             <a:off x="504000" y="301320"/>
-            <a:ext cx="9071280" cy="1261800"/>
+            <a:ext cx="9072000" cy="1261800"/>
           </a:xfrm>
           <a:prstGeom prst="rect">
             <a:avLst/>
@@ -1585,8 +1585,8 @@
         </p:nvSpPr>
         <p:spPr>
           <a:xfrm>
-            <a:off x="504000" y="1769040"/>
-            <a:ext cx="9071280" cy="4384080"/>
+            <a:off x="504000" y="1768680"/>
+            <a:ext cx="9072000" cy="4384080"/>
           </a:xfrm>
           <a:prstGeom prst="rect">
             <a:avLst/>
@@ -1611,8 +1611,8 @@
         </p:nvSpPr>
         <p:spPr>
           <a:xfrm>
-            <a:off x="504000" y="1769040"/>
-            <a:ext cx="9071280" cy="4384080"/>
+            <a:off x="504000" y="1768680"/>
+            <a:ext cx="9072000" cy="4384080"/>
           </a:xfrm>
           <a:prstGeom prst="rect">
             <a:avLst/>
@@ -1637,7 +1637,7 @@
         </p:blipFill>
         <p:spPr>
           <a:xfrm>
-            <a:off x="2292120" y="1769040"/>
+            <a:off x="2292480" y="1768680"/>
             <a:ext cx="5494680" cy="4384080"/>
           </a:xfrm>
           <a:prstGeom prst="rect">
@@ -1660,7 +1660,7 @@
         </p:blipFill>
         <p:spPr>
           <a:xfrm>
-            <a:off x="2292120" y="1769040"/>
+            <a:off x="2292480" y="1768680"/>
             <a:ext cx="5494680" cy="4384080"/>
           </a:xfrm>
           <a:prstGeom prst="rect">
@@ -1728,7 +1728,7 @@
         <p:spPr>
           <a:xfrm>
             <a:off x="504000" y="301320"/>
-            <a:ext cx="9071280" cy="1261800"/>
+            <a:ext cx="9072000" cy="1261800"/>
           </a:xfrm>
           <a:prstGeom prst="rect">
             <a:avLst/>
@@ -1754,8 +1754,8 @@
         </p:nvSpPr>
         <p:spPr>
           <a:xfrm>
-            <a:off x="504000" y="1769040"/>
-            <a:ext cx="9071280" cy="4384080"/>
+            <a:off x="504000" y="1768680"/>
+            <a:ext cx="9072000" cy="4384080"/>
           </a:xfrm>
           <a:prstGeom prst="rect">
             <a:avLst/>
@@ -1804,7 +1804,7 @@
         <p:spPr>
           <a:xfrm>
             <a:off x="504000" y="301320"/>
-            <a:ext cx="9071280" cy="1261800"/>
+            <a:ext cx="9072000" cy="1261800"/>
           </a:xfrm>
           <a:prstGeom prst="rect">
             <a:avLst/>
@@ -1830,8 +1830,8 @@
         </p:nvSpPr>
         <p:spPr>
           <a:xfrm>
-            <a:off x="504000" y="1769040"/>
-            <a:ext cx="9071280" cy="4384080"/>
+            <a:off x="504000" y="1768680"/>
+            <a:ext cx="9072000" cy="4384080"/>
           </a:xfrm>
           <a:prstGeom prst="rect">
             <a:avLst/>
@@ -1879,7 +1879,7 @@
         <p:spPr>
           <a:xfrm>
             <a:off x="504000" y="301320"/>
-            <a:ext cx="9071280" cy="1261800"/>
+            <a:ext cx="9072000" cy="1261800"/>
           </a:xfrm>
           <a:prstGeom prst="rect">
             <a:avLst/>
@@ -1905,8 +1905,8 @@
         </p:nvSpPr>
         <p:spPr>
           <a:xfrm>
-            <a:off x="504000" y="1769040"/>
-            <a:ext cx="4426560" cy="4384080"/>
+            <a:off x="504000" y="1768680"/>
+            <a:ext cx="4426920" cy="4384080"/>
           </a:xfrm>
           <a:prstGeom prst="rect">
             <a:avLst/>
@@ -1931,8 +1931,8 @@
         </p:nvSpPr>
         <p:spPr>
           <a:xfrm>
-            <a:off x="5152320" y="1769040"/>
-            <a:ext cx="4426560" cy="4384080"/>
+            <a:off x="5152680" y="1768680"/>
+            <a:ext cx="4426920" cy="4384080"/>
           </a:xfrm>
           <a:prstGeom prst="rect">
             <a:avLst/>
@@ -1980,7 +1980,7 @@
         <p:spPr>
           <a:xfrm>
             <a:off x="504000" y="301320"/>
-            <a:ext cx="9071280" cy="1261800"/>
+            <a:ext cx="9072000" cy="1261800"/>
           </a:xfrm>
           <a:prstGeom prst="rect">
             <a:avLst/>
@@ -2029,7 +2029,7 @@
         <p:spPr>
           <a:xfrm>
             <a:off x="504000" y="301320"/>
-            <a:ext cx="9071280" cy="1261800"/>
+            <a:ext cx="9072000" cy="1261800"/>
           </a:xfrm>
           <a:prstGeom prst="rect">
             <a:avLst/>
@@ -2055,8 +2055,8 @@
         </p:nvSpPr>
         <p:spPr>
           <a:xfrm>
-            <a:off x="504000" y="1769040"/>
-            <a:ext cx="9071280" cy="4384080"/>
+            <a:off x="504000" y="1768680"/>
+            <a:ext cx="9072000" cy="4384080"/>
           </a:xfrm>
           <a:prstGeom prst="rect">
             <a:avLst/>
@@ -2104,7 +2104,7 @@
         <p:spPr>
           <a:xfrm>
             <a:off x="504000" y="301320"/>
-            <a:ext cx="9071280" cy="5850360"/>
+            <a:ext cx="9072000" cy="5850360"/>
           </a:xfrm>
           <a:prstGeom prst="rect">
             <a:avLst/>
@@ -2153,7 +2153,7 @@
         <p:spPr>
           <a:xfrm>
             <a:off x="504000" y="301320"/>
-            <a:ext cx="9071280" cy="1261800"/>
+            <a:ext cx="9072000" cy="1261800"/>
           </a:xfrm>
           <a:prstGeom prst="rect">
             <a:avLst/>
@@ -2179,8 +2179,8 @@
         </p:nvSpPr>
         <p:spPr>
           <a:xfrm>
-            <a:off x="504000" y="1769040"/>
-            <a:ext cx="4426560" cy="2090880"/>
+            <a:off x="504000" y="1768680"/>
+            <a:ext cx="4426920" cy="2090880"/>
           </a:xfrm>
           <a:prstGeom prst="rect">
             <a:avLst/>
@@ -2205,8 +2205,8 @@
         </p:nvSpPr>
         <p:spPr>
           <a:xfrm>
-            <a:off x="504000" y="4059000"/>
-            <a:ext cx="4426560" cy="2090880"/>
+            <a:off x="504000" y="4058640"/>
+            <a:ext cx="4426920" cy="2090880"/>
           </a:xfrm>
           <a:prstGeom prst="rect">
             <a:avLst/>
@@ -2231,8 +2231,8 @@
         </p:nvSpPr>
         <p:spPr>
           <a:xfrm>
-            <a:off x="5152320" y="1769040"/>
-            <a:ext cx="4426560" cy="4384080"/>
+            <a:off x="5152680" y="1768680"/>
+            <a:ext cx="4426920" cy="4384080"/>
           </a:xfrm>
           <a:prstGeom prst="rect">
             <a:avLst/>
@@ -2280,7 +2280,7 @@
         <p:spPr>
           <a:xfrm>
             <a:off x="504000" y="301320"/>
-            <a:ext cx="9071280" cy="1261800"/>
+            <a:ext cx="9072000" cy="1261800"/>
           </a:xfrm>
           <a:prstGeom prst="rect">
             <a:avLst/>
@@ -2306,8 +2306,8 @@
         </p:nvSpPr>
         <p:spPr>
           <a:xfrm>
-            <a:off x="504000" y="1769040"/>
-            <a:ext cx="4426560" cy="4384080"/>
+            <a:off x="504000" y="1768680"/>
+            <a:ext cx="4426920" cy="4384080"/>
           </a:xfrm>
           <a:prstGeom prst="rect">
             <a:avLst/>
@@ -2332,8 +2332,8 @@
         </p:nvSpPr>
         <p:spPr>
           <a:xfrm>
-            <a:off x="5152320" y="1769040"/>
-            <a:ext cx="4426560" cy="2090880"/>
+            <a:off x="5152680" y="1768680"/>
+            <a:ext cx="4426920" cy="2090880"/>
           </a:xfrm>
           <a:prstGeom prst="rect">
             <a:avLst/>
@@ -2358,8 +2358,8 @@
         </p:nvSpPr>
         <p:spPr>
           <a:xfrm>
-            <a:off x="5152320" y="4059000"/>
-            <a:ext cx="4426560" cy="2090880"/>
+            <a:off x="5152680" y="4058640"/>
+            <a:ext cx="4426920" cy="2090880"/>
           </a:xfrm>
           <a:prstGeom prst="rect">
             <a:avLst/>
@@ -2407,7 +2407,7 @@
         <p:spPr>
           <a:xfrm>
             <a:off x="504000" y="301320"/>
-            <a:ext cx="9071280" cy="1261800"/>
+            <a:ext cx="9072000" cy="1261800"/>
           </a:xfrm>
           <a:prstGeom prst="rect">
             <a:avLst/>
@@ -2433,8 +2433,8 @@
         </p:nvSpPr>
         <p:spPr>
           <a:xfrm>
-            <a:off x="504000" y="1769040"/>
-            <a:ext cx="4426560" cy="2090880"/>
+            <a:off x="504000" y="1768680"/>
+            <a:ext cx="4426920" cy="2090880"/>
           </a:xfrm>
           <a:prstGeom prst="rect">
             <a:avLst/>
@@ -2459,8 +2459,8 @@
         </p:nvSpPr>
         <p:spPr>
           <a:xfrm>
-            <a:off x="5152320" y="1769040"/>
-            <a:ext cx="4426560" cy="2090880"/>
+            <a:off x="5152680" y="1768680"/>
+            <a:ext cx="4426920" cy="2090880"/>
           </a:xfrm>
           <a:prstGeom prst="rect">
             <a:avLst/>
@@ -2485,8 +2485,8 @@
         </p:nvSpPr>
         <p:spPr>
           <a:xfrm>
-            <a:off x="504000" y="4059000"/>
-            <a:ext cx="9071280" cy="2090880"/>
+            <a:off x="504000" y="4058640"/>
+            <a:ext cx="9072000" cy="2090880"/>
           </a:xfrm>
           <a:prstGeom prst="rect">
             <a:avLst/>
@@ -2534,7 +2534,7 @@
         <p:spPr>
           <a:xfrm>
             <a:off x="504000" y="301320"/>
-            <a:ext cx="9071280" cy="1261800"/>
+            <a:ext cx="9072000" cy="1261800"/>
           </a:xfrm>
           <a:prstGeom prst="rect">
             <a:avLst/>
@@ -2560,8 +2560,8 @@
         </p:nvSpPr>
         <p:spPr>
           <a:xfrm>
-            <a:off x="504000" y="1769040"/>
-            <a:ext cx="9071280" cy="2090880"/>
+            <a:off x="504000" y="1768680"/>
+            <a:ext cx="9072000" cy="2090880"/>
           </a:xfrm>
           <a:prstGeom prst="rect">
             <a:avLst/>
@@ -2586,8 +2586,8 @@
         </p:nvSpPr>
         <p:spPr>
           <a:xfrm>
-            <a:off x="504000" y="4059000"/>
-            <a:ext cx="9071280" cy="2090880"/>
+            <a:off x="504000" y="4058640"/>
+            <a:ext cx="9072000" cy="2090880"/>
           </a:xfrm>
           <a:prstGeom prst="rect">
             <a:avLst/>
@@ -2635,7 +2635,7 @@
         <p:spPr>
           <a:xfrm>
             <a:off x="504000" y="301320"/>
-            <a:ext cx="9071280" cy="1261800"/>
+            <a:ext cx="9072000" cy="1261800"/>
           </a:xfrm>
           <a:prstGeom prst="rect">
             <a:avLst/>
@@ -2661,8 +2661,8 @@
         </p:nvSpPr>
         <p:spPr>
           <a:xfrm>
-            <a:off x="504000" y="1769040"/>
-            <a:ext cx="4426560" cy="2090880"/>
+            <a:off x="504000" y="1768680"/>
+            <a:ext cx="4426920" cy="2090880"/>
           </a:xfrm>
           <a:prstGeom prst="rect">
             <a:avLst/>
@@ -2687,8 +2687,8 @@
         </p:nvSpPr>
         <p:spPr>
           <a:xfrm>
-            <a:off x="5152320" y="1769040"/>
-            <a:ext cx="4426560" cy="2090880"/>
+            <a:off x="5152680" y="1768680"/>
+            <a:ext cx="4426920" cy="2090880"/>
           </a:xfrm>
           <a:prstGeom prst="rect">
             <a:avLst/>
@@ -2713,8 +2713,8 @@
         </p:nvSpPr>
         <p:spPr>
           <a:xfrm>
-            <a:off x="5152320" y="4059000"/>
-            <a:ext cx="4426560" cy="2090880"/>
+            <a:off x="5152680" y="4058640"/>
+            <a:ext cx="4426920" cy="2090880"/>
           </a:xfrm>
           <a:prstGeom prst="rect">
             <a:avLst/>
@@ -2739,8 +2739,8 @@
         </p:nvSpPr>
         <p:spPr>
           <a:xfrm>
-            <a:off x="504000" y="4059000"/>
-            <a:ext cx="4426560" cy="2090880"/>
+            <a:off x="504000" y="4058640"/>
+            <a:ext cx="4426920" cy="2090880"/>
           </a:xfrm>
           <a:prstGeom prst="rect">
             <a:avLst/>
@@ -2788,7 +2788,7 @@
         <p:spPr>
           <a:xfrm>
             <a:off x="504000" y="301320"/>
-            <a:ext cx="9071280" cy="1261800"/>
+            <a:ext cx="9072000" cy="1261800"/>
           </a:xfrm>
           <a:prstGeom prst="rect">
             <a:avLst/>
@@ -2814,8 +2814,8 @@
         </p:nvSpPr>
         <p:spPr>
           <a:xfrm>
-            <a:off x="504000" y="1769040"/>
-            <a:ext cx="9071280" cy="4384080"/>
+            <a:off x="504000" y="1768680"/>
+            <a:ext cx="9072000" cy="4384080"/>
           </a:xfrm>
           <a:prstGeom prst="rect">
             <a:avLst/>
@@ -2840,8 +2840,8 @@
         </p:nvSpPr>
         <p:spPr>
           <a:xfrm>
-            <a:off x="504000" y="1769040"/>
-            <a:ext cx="9071280" cy="4384080"/>
+            <a:off x="504000" y="1768680"/>
+            <a:ext cx="9072000" cy="4384080"/>
           </a:xfrm>
           <a:prstGeom prst="rect">
             <a:avLst/>
@@ -2866,7 +2866,7 @@
         </p:blipFill>
         <p:spPr>
           <a:xfrm>
-            <a:off x="2292120" y="1769040"/>
+            <a:off x="2292480" y="1768680"/>
             <a:ext cx="5494680" cy="4384080"/>
           </a:xfrm>
           <a:prstGeom prst="rect">
@@ -2889,7 +2889,7 @@
         </p:blipFill>
         <p:spPr>
           <a:xfrm>
-            <a:off x="2292120" y="1769040"/>
+            <a:off x="2292480" y="1768680"/>
             <a:ext cx="5494680" cy="4384080"/>
           </a:xfrm>
           <a:prstGeom prst="rect">
@@ -2935,7 +2935,7 @@
         <p:spPr>
           <a:xfrm>
             <a:off x="504000" y="301320"/>
-            <a:ext cx="9071280" cy="1261800"/>
+            <a:ext cx="9072000" cy="1261800"/>
           </a:xfrm>
           <a:prstGeom prst="rect">
             <a:avLst/>
@@ -2961,8 +2961,8 @@
         </p:nvSpPr>
         <p:spPr>
           <a:xfrm>
-            <a:off x="504000" y="1769040"/>
-            <a:ext cx="4426560" cy="4384080"/>
+            <a:off x="504000" y="1768680"/>
+            <a:ext cx="4426920" cy="4384080"/>
           </a:xfrm>
           <a:prstGeom prst="rect">
             <a:avLst/>
@@ -2987,8 +2987,8 @@
         </p:nvSpPr>
         <p:spPr>
           <a:xfrm>
-            <a:off x="5152320" y="1769040"/>
-            <a:ext cx="4426560" cy="4384080"/>
+            <a:off x="5152680" y="1768680"/>
+            <a:ext cx="4426920" cy="4384080"/>
           </a:xfrm>
           <a:prstGeom prst="rect">
             <a:avLst/>
@@ -3036,7 +3036,7 @@
         <p:spPr>
           <a:xfrm>
             <a:off x="504000" y="301320"/>
-            <a:ext cx="9071280" cy="1261800"/>
+            <a:ext cx="9072000" cy="1261800"/>
           </a:xfrm>
           <a:prstGeom prst="rect">
             <a:avLst/>
@@ -3085,7 +3085,7 @@
         <p:spPr>
           <a:xfrm>
             <a:off x="504000" y="301320"/>
-            <a:ext cx="9071280" cy="5850360"/>
+            <a:ext cx="9072000" cy="5850360"/>
           </a:xfrm>
           <a:prstGeom prst="rect">
             <a:avLst/>
@@ -3134,7 +3134,7 @@
         <p:spPr>
           <a:xfrm>
             <a:off x="504000" y="301320"/>
-            <a:ext cx="9071280" cy="1261800"/>
+            <a:ext cx="9072000" cy="1261800"/>
           </a:xfrm>
           <a:prstGeom prst="rect">
             <a:avLst/>
@@ -3160,8 +3160,8 @@
         </p:nvSpPr>
         <p:spPr>
           <a:xfrm>
-            <a:off x="504000" y="1769040"/>
-            <a:ext cx="4426560" cy="2090880"/>
+            <a:off x="504000" y="1768680"/>
+            <a:ext cx="4426920" cy="2090880"/>
           </a:xfrm>
           <a:prstGeom prst="rect">
             <a:avLst/>
@@ -3186,8 +3186,8 @@
         </p:nvSpPr>
         <p:spPr>
           <a:xfrm>
-            <a:off x="504000" y="4059000"/>
-            <a:ext cx="4426560" cy="2090880"/>
+            <a:off x="504000" y="4058640"/>
+            <a:ext cx="4426920" cy="2090880"/>
           </a:xfrm>
           <a:prstGeom prst="rect">
             <a:avLst/>
@@ -3212,8 +3212,8 @@
         </p:nvSpPr>
         <p:spPr>
           <a:xfrm>
-            <a:off x="5152320" y="1769040"/>
-            <a:ext cx="4426560" cy="4384080"/>
+            <a:off x="5152680" y="1768680"/>
+            <a:ext cx="4426920" cy="4384080"/>
           </a:xfrm>
           <a:prstGeom prst="rect">
             <a:avLst/>
@@ -3261,7 +3261,7 @@
         <p:spPr>
           <a:xfrm>
             <a:off x="504000" y="301320"/>
-            <a:ext cx="9071280" cy="1261800"/>
+            <a:ext cx="9072000" cy="1261800"/>
           </a:xfrm>
           <a:prstGeom prst="rect">
             <a:avLst/>
@@ -3287,8 +3287,8 @@
         </p:nvSpPr>
         <p:spPr>
           <a:xfrm>
-            <a:off x="504000" y="1769040"/>
-            <a:ext cx="4426560" cy="4384080"/>
+            <a:off x="504000" y="1768680"/>
+            <a:ext cx="4426920" cy="4384080"/>
           </a:xfrm>
           <a:prstGeom prst="rect">
             <a:avLst/>
@@ -3313,8 +3313,8 @@
         </p:nvSpPr>
         <p:spPr>
           <a:xfrm>
-            <a:off x="5152320" y="1769040"/>
-            <a:ext cx="4426560" cy="2090880"/>
+            <a:off x="5152680" y="1768680"/>
+            <a:ext cx="4426920" cy="2090880"/>
           </a:xfrm>
           <a:prstGeom prst="rect">
             <a:avLst/>
@@ -3339,8 +3339,8 @@
         </p:nvSpPr>
         <p:spPr>
           <a:xfrm>
-            <a:off x="5152320" y="4059000"/>
-            <a:ext cx="4426560" cy="2090880"/>
+            <a:off x="5152680" y="4058640"/>
+            <a:ext cx="4426920" cy="2090880"/>
           </a:xfrm>
           <a:prstGeom prst="rect">
             <a:avLst/>
@@ -3388,7 +3388,7 @@
         <p:spPr>
           <a:xfrm>
             <a:off x="504000" y="301320"/>
-            <a:ext cx="9071280" cy="1261800"/>
+            <a:ext cx="9072000" cy="1261800"/>
           </a:xfrm>
           <a:prstGeom prst="rect">
             <a:avLst/>
@@ -3414,8 +3414,8 @@
         </p:nvSpPr>
         <p:spPr>
           <a:xfrm>
-            <a:off x="504000" y="1769040"/>
-            <a:ext cx="4426560" cy="2090880"/>
+            <a:off x="504000" y="1768680"/>
+            <a:ext cx="4426920" cy="2090880"/>
           </a:xfrm>
           <a:prstGeom prst="rect">
             <a:avLst/>
@@ -3440,8 +3440,8 @@
         </p:nvSpPr>
         <p:spPr>
           <a:xfrm>
-            <a:off x="5152320" y="1769040"/>
-            <a:ext cx="4426560" cy="2090880"/>
+            <a:off x="5152680" y="1768680"/>
+            <a:ext cx="4426920" cy="2090880"/>
           </a:xfrm>
           <a:prstGeom prst="rect">
             <a:avLst/>
@@ -3466,8 +3466,8 @@
         </p:nvSpPr>
         <p:spPr>
           <a:xfrm>
-            <a:off x="504000" y="4059000"/>
-            <a:ext cx="9071280" cy="2090880"/>
+            <a:off x="504000" y="4058640"/>
+            <a:ext cx="9072000" cy="2090880"/>
           </a:xfrm>
           <a:prstGeom prst="rect">
             <a:avLst/>
@@ -3706,7 +3706,7 @@
         <p:spPr>
           <a:xfrm>
             <a:off x="504000" y="301320"/>
-            <a:ext cx="9071280" cy="1261800"/>
+            <a:ext cx="9072000" cy="1261800"/>
           </a:xfrm>
           <a:prstGeom prst="rect">
             <a:avLst/>
@@ -3715,8 +3715,9 @@
         <p:txBody>
           <a:bodyPr lIns="0" rIns="0" tIns="0" bIns="0" anchor="ctr"/>
           <a:p>
+            <a:pPr algn="ctr"/>
             <a:r>
-              <a:rPr lang="en-US">
+              <a:rPr lang="en-US" sz="4400">
                 <a:latin typeface="Arial"/>
               </a:rPr>
               <a:t>Click to edit the title text format</a:t>
@@ -3737,8 +3738,8 @@
         </p:nvSpPr>
         <p:spPr>
           <a:xfrm>
-            <a:off x="504000" y="1769040"/>
-            <a:ext cx="9071280" cy="4384080"/>
+            <a:off x="504000" y="1768680"/>
+            <a:ext cx="9072000" cy="4384080"/>
           </a:xfrm>
           <a:prstGeom prst="rect">
             <a:avLst/>
@@ -3753,7 +3754,7 @@
               <a:buChar char=""/>
             </a:pPr>
             <a:r>
-              <a:rPr lang="en-US">
+              <a:rPr lang="en-US" sz="3200">
                 <a:latin typeface="Arial"/>
               </a:rPr>
               <a:t>Click to edit the outline text format</a:t>
@@ -3767,7 +3768,7 @@
               <a:buChar char=""/>
             </a:pPr>
             <a:r>
-              <a:rPr lang="en-US">
+              <a:rPr lang="en-US" sz="2800">
                 <a:latin typeface="Arial"/>
               </a:rPr>
               <a:t>Second Outline Level</a:t>
@@ -3781,7 +3782,7 @@
               <a:buChar char=""/>
             </a:pPr>
             <a:r>
-              <a:rPr lang="en-US">
+              <a:rPr lang="en-US" sz="2400">
                 <a:latin typeface="Arial"/>
               </a:rPr>
               <a:t>Third Outline Level</a:t>
@@ -3795,7 +3796,7 @@
               <a:buChar char=""/>
             </a:pPr>
             <a:r>
-              <a:rPr lang="en-US">
+              <a:rPr lang="en-US" sz="2000">
                 <a:latin typeface="Arial"/>
               </a:rPr>
               <a:t>Fourth Outline Level</a:t>
@@ -3809,7 +3810,7 @@
               <a:buChar char=""/>
             </a:pPr>
             <a:r>
-              <a:rPr lang="en-US">
+              <a:rPr lang="en-US" sz="2000">
                 <a:latin typeface="Arial"/>
               </a:rPr>
               <a:t>Fifth Outline Level</a:t>
@@ -3823,7 +3824,7 @@
               <a:buChar char=""/>
             </a:pPr>
             <a:r>
-              <a:rPr lang="en-US">
+              <a:rPr lang="en-US" sz="2000">
                 <a:latin typeface="Arial"/>
               </a:rPr>
               <a:t>Sixth Outline Level</a:t>
@@ -3837,7 +3838,7 @@
               <a:buChar char=""/>
             </a:pPr>
             <a:r>
-              <a:rPr lang="en-US">
+              <a:rPr lang="en-US" sz="2000">
                 <a:latin typeface="Arial"/>
               </a:rPr>
               <a:t>Seventh Outline Level</a:t>
@@ -3896,7 +3897,7 @@
         <p:spPr>
           <a:xfrm>
             <a:off x="504000" y="301320"/>
-            <a:ext cx="9071280" cy="1261800"/>
+            <a:ext cx="9070920" cy="1261440"/>
           </a:xfrm>
           <a:prstGeom prst="rect">
             <a:avLst/>
@@ -3927,8 +3928,8 @@
         </p:nvSpPr>
         <p:spPr>
           <a:xfrm>
-            <a:off x="504000" y="1768680"/>
-            <a:ext cx="9072000" cy="4384080"/>
+            <a:off x="504000" y="1769040"/>
+            <a:ext cx="9070920" cy="4383720"/>
           </a:xfrm>
           <a:prstGeom prst="rect">
             <a:avLst/>
@@ -3943,7 +3944,7 @@
               <a:buChar char=""/>
             </a:pPr>
             <a:r>
-              <a:rPr lang="en-US" sz="3200">
+              <a:rPr lang="en-US">
                 <a:latin typeface="Arial"/>
               </a:rPr>
               <a:t>Click to edit the outline text format</a:t>
@@ -3957,7 +3958,7 @@
               <a:buChar char=""/>
             </a:pPr>
             <a:r>
-              <a:rPr lang="en-US" sz="2800">
+              <a:rPr lang="en-US">
                 <a:latin typeface="Arial"/>
               </a:rPr>
               <a:t>Second Outline Level</a:t>
@@ -3971,7 +3972,7 @@
               <a:buChar char=""/>
             </a:pPr>
             <a:r>
-              <a:rPr lang="en-US" sz="2400">
+              <a:rPr lang="en-US">
                 <a:latin typeface="Arial"/>
               </a:rPr>
               <a:t>Third Outline Level</a:t>
@@ -3985,7 +3986,7 @@
               <a:buChar char=""/>
             </a:pPr>
             <a:r>
-              <a:rPr lang="en-US" sz="2000">
+              <a:rPr lang="en-US">
                 <a:latin typeface="Arial"/>
               </a:rPr>
               <a:t>Fourth Outline Level</a:t>
@@ -3999,7 +4000,7 @@
               <a:buChar char=""/>
             </a:pPr>
             <a:r>
-              <a:rPr lang="en-US" sz="2000">
+              <a:rPr lang="en-US">
                 <a:latin typeface="Arial"/>
               </a:rPr>
               <a:t>Fifth Outline Level</a:t>
@@ -4013,7 +4014,7 @@
               <a:buChar char=""/>
             </a:pPr>
             <a:r>
-              <a:rPr lang="en-US" sz="2000">
+              <a:rPr lang="en-US">
                 <a:latin typeface="Arial"/>
               </a:rPr>
               <a:t>Sixth Outline Level</a:t>
@@ -4027,7 +4028,7 @@
               <a:buChar char=""/>
             </a:pPr>
             <a:r>
-              <a:rPr lang="en-US" sz="2000">
+              <a:rPr lang="en-US">
                 <a:latin typeface="Arial"/>
               </a:rPr>
               <a:t>Seventh Outline Level</a:t>
@@ -4082,7 +4083,7 @@
         <p:spPr>
           <a:xfrm>
             <a:off x="504000" y="301320"/>
-            <a:ext cx="9071280" cy="5851440"/>
+            <a:ext cx="9070920" cy="5851080"/>
           </a:xfrm>
           <a:prstGeom prst="rect">
             <a:avLst/>
@@ -4103,7 +4104,11 @@
           <a:p>
             <a:r>
               <a:rPr lang="en-US" sz="6000" strike="noStrike">
+                <a:solidFill>
+                  <a:srgbClr val="000000"/>
+                </a:solidFill>
                 <a:latin typeface="Vollkorn Semibold"/>
+                <a:ea typeface="DejaVu Sans"/>
               </a:rPr>
               <a:t>Team 1:</a:t>
             </a:r>
@@ -4112,7 +4117,11 @@
           <a:p>
             <a:r>
               <a:rPr lang="en-US" sz="6000" strike="noStrike">
+                <a:solidFill>
+                  <a:srgbClr val="000000"/>
+                </a:solidFill>
                 <a:latin typeface="Vollkorn Semibold"/>
+                <a:ea typeface="DejaVu Sans"/>
               </a:rPr>
               <a:t>Place Recognition</a:t>
             </a:r>
@@ -4124,7 +4133,11 @@
           <a:p>
             <a:r>
               <a:rPr lang="en-US" sz="2800" strike="noStrike">
+                <a:solidFill>
+                  <a:srgbClr val="000000"/>
+                </a:solidFill>
                 <a:latin typeface="Arial"/>
+                <a:ea typeface="DejaVu Sans"/>
               </a:rPr>
               <a:t>Derek Reiersen, Esther Vasiete, Shuzhe Zhang, </a:t>
             </a:r>
@@ -4133,7 +4146,11 @@
           <a:p>
             <a:r>
               <a:rPr lang="en-US" sz="2800" strike="noStrike">
+                <a:solidFill>
+                  <a:srgbClr val="000000"/>
+                </a:solidFill>
                 <a:latin typeface="Arial"/>
+                <a:ea typeface="DejaVu Sans"/>
               </a:rPr>
               <a:t>Kelly Kaoudis, Margaret Wheeler, Jeeeun Kim</a:t>
             </a:r>
@@ -4192,14 +4209,14 @@
       </p:grpSpPr>
       <p:sp>
         <p:nvSpPr>
-          <p:cNvPr id="125" name="CustomShape 1"/>
+          <p:cNvPr id="126" name="CustomShape 1"/>
           <p:cNvSpPr/>
           <p:nvPr/>
         </p:nvSpPr>
         <p:spPr>
           <a:xfrm>
             <a:off x="504000" y="301320"/>
-            <a:ext cx="9071280" cy="1261800"/>
+            <a:ext cx="9070920" cy="1261440"/>
           </a:xfrm>
           <a:prstGeom prst="rect">
             <a:avLst/>
@@ -4225,7 +4242,11 @@
             </a:pPr>
             <a:r>
               <a:rPr lang="en-US" sz="4400" strike="noStrike">
+                <a:solidFill>
+                  <a:srgbClr val="000000"/>
+                </a:solidFill>
                 <a:latin typeface="Vollkorn Semibold"/>
+                <a:ea typeface="DejaVu Sans"/>
               </a:rPr>
               <a:t>Conclusions and Future Work</a:t>
             </a:r>
@@ -4235,14 +4256,14 @@
       </p:sp>
       <p:sp>
         <p:nvSpPr>
-          <p:cNvPr id="126" name="CustomShape 2"/>
+          <p:cNvPr id="127" name="CustomShape 2"/>
           <p:cNvSpPr/>
           <p:nvPr/>
         </p:nvSpPr>
         <p:spPr>
           <a:xfrm>
             <a:off x="504000" y="1769040"/>
-            <a:ext cx="9071280" cy="4384080"/>
+            <a:ext cx="9070920" cy="4383720"/>
           </a:xfrm>
           <a:prstGeom prst="rect">
             <a:avLst/>
@@ -4317,7 +4338,7 @@
         <p:spPr>
           <a:xfrm>
             <a:off x="504000" y="301320"/>
-            <a:ext cx="9071280" cy="1261800"/>
+            <a:ext cx="9070920" cy="1261440"/>
           </a:xfrm>
           <a:prstGeom prst="rect">
             <a:avLst/>
@@ -4343,7 +4364,11 @@
             </a:pPr>
             <a:r>
               <a:rPr lang="en-US" sz="4000" strike="noStrike">
+                <a:solidFill>
+                  <a:srgbClr val="000000"/>
+                </a:solidFill>
                 <a:latin typeface="Vollkorn Semibold"/>
+                <a:ea typeface="DejaVu Sans"/>
               </a:rPr>
               <a:t>Starting point</a:t>
             </a:r>
@@ -4360,7 +4385,7 @@
         <p:spPr>
           <a:xfrm>
             <a:off x="504000" y="1769040"/>
-            <a:ext cx="9071280" cy="5180040"/>
+            <a:ext cx="9070920" cy="5179680"/>
           </a:xfrm>
           <a:prstGeom prst="rect">
             <a:avLst/>
@@ -4389,9 +4414,55 @@
             </a:pPr>
             <a:r>
               <a:rPr lang="en-US" sz="3200" strike="noStrike">
+                <a:solidFill>
+                  <a:srgbClr val="000000"/>
+                </a:solidFill>
                 <a:latin typeface="Arial"/>
+                <a:ea typeface="DejaVu Sans"/>
               </a:rPr>
-              <a:t>BoW for Place Recognition</a:t>
+              <a:t>Do BoW for place recognition</a:t>
+            </a:r>
+            <a:endParaRPr/>
+          </a:p>
+          <a:p>
+            <a:pPr lvl="1">
+              <a:lnSpc>
+                <a:spcPct val="100000"/>
+              </a:lnSpc>
+              <a:buSzPct val="45000"/>
+              <a:buFont typeface="StarSymbol"/>
+              <a:buChar char=""/>
+            </a:pPr>
+            <a:r>
+              <a:rPr lang="en-US" sz="3200" strike="noStrike">
+                <a:solidFill>
+                  <a:srgbClr val="000000"/>
+                </a:solidFill>
+                <a:latin typeface="Arial"/>
+                <a:ea typeface="DejaVu Sans"/>
+              </a:rPr>
+              <a:t>Repeat results</a:t>
+            </a:r>
+            <a:endParaRPr/>
+          </a:p>
+          <a:p>
+            <a:pPr lvl="1">
+              <a:lnSpc>
+                <a:spcPct val="100000"/>
+              </a:lnSpc>
+              <a:buSzPct val="45000"/>
+              <a:buFont typeface="StarSymbol"/>
+              <a:buChar char=""/>
+            </a:pPr>
+            <a:r>
+              <a:rPr lang="en-US" sz="3200" strike="noStrike">
+                <a:solidFill>
+                  <a:srgbClr val="000000"/>
+                </a:solidFill>
+                <a:latin typeface="Arial"/>
+                <a:ea typeface="DejaVu Sans"/>
+              </a:rPr>
+              <a:t>extend Video Google paper</a:t>
             </a:r>
             <a:endParaRPr/>
           </a:p>
@@ -4406,9 +4477,33 @@
             </a:pPr>
             <a:r>
               <a:rPr lang="en-US" sz="3200" strike="noStrike">
+                <a:solidFill>
+                  <a:srgbClr val="000000"/>
+                </a:solidFill>
                 <a:latin typeface="Arial"/>
+                <a:ea typeface="DejaVu Sans"/>
               </a:rPr>
-              <a:t>Repeat results, extend Video Google paper</a:t>
+              <a:t>Goal: Retrieve objects</a:t>
+            </a:r>
+            <a:r>
+              <a:rPr lang="en-US" sz="3200" strike="noStrike">
+                <a:solidFill>
+                  <a:srgbClr val="000000"/>
+                </a:solidFill>
+                <a:latin typeface="Arial"/>
+                <a:ea typeface="DejaVu Sans"/>
+              </a:rPr>
+              <a:t>	</a:t>
+            </a:r>
+            <a:r>
+              <a:rPr lang="en-US" sz="3200" strike="noStrike">
+                <a:solidFill>
+                  <a:srgbClr val="000000"/>
+                </a:solidFill>
+                <a:latin typeface="Arial"/>
+                <a:ea typeface="DejaVu Sans"/>
+              </a:rPr>
+              <a:t>and scenes in a video with the ease, speed and accuracy Google has in retrieving documents.</a:t>
             </a:r>
             <a:endParaRPr/>
           </a:p>
@@ -4423,36 +4518,11 @@
             </a:pPr>
             <a:r>
               <a:rPr lang="en-US" sz="3200" strike="noStrike">
+                <a:solidFill>
+                  <a:srgbClr val="000000"/>
+                </a:solidFill>
                 <a:latin typeface="Arial"/>
-              </a:rPr>
-              <a:t>Goal: Retrieve objects</a:t>
-            </a:r>
-            <a:r>
-              <a:rPr lang="en-US" sz="3200" strike="noStrike">
-                <a:latin typeface="Arial"/>
-              </a:rPr>
-              <a:t>	</a:t>
-            </a:r>
-            <a:r>
-              <a:rPr lang="en-US" sz="3200" strike="noStrike">
-                <a:latin typeface="Arial"/>
-              </a:rPr>
-              <a:t>and scenes in a video with the ease, speed and accuracy Google has in retrieving documents.</a:t>
-            </a:r>
-            <a:endParaRPr/>
-          </a:p>
-          <a:p>
-            <a:pPr>
-              <a:lnSpc>
-                <a:spcPct val="100000"/>
-              </a:lnSpc>
-              <a:buSzPct val="45000"/>
-              <a:buFont typeface="StarSymbol"/>
-              <a:buChar char="l"/>
-            </a:pPr>
-            <a:r>
-              <a:rPr lang="en-US" sz="3200" strike="noStrike">
-                <a:latin typeface="Arial"/>
+                <a:ea typeface="DejaVu Sans"/>
               </a:rPr>
               <a:t>Requirements</a:t>
             </a:r>
@@ -4469,7 +4539,11 @@
             </a:pPr>
             <a:r>
               <a:rPr lang="en-US" sz="2800" strike="noStrike">
+                <a:solidFill>
+                  <a:srgbClr val="000000"/>
+                </a:solidFill>
                 <a:latin typeface="Arial"/>
+                <a:ea typeface="DejaVu Sans"/>
               </a:rPr>
               <a:t>Data</a:t>
             </a:r>
@@ -4486,7 +4560,11 @@
             </a:pPr>
             <a:r>
               <a:rPr lang="en-US" sz="2800" strike="noStrike">
+                <a:solidFill>
+                  <a:srgbClr val="000000"/>
+                </a:solidFill>
                 <a:latin typeface="Arial"/>
+                <a:ea typeface="DejaVu Sans"/>
               </a:rPr>
               <a:t>Algorithm(s) for descriptor creation</a:t>
             </a:r>
@@ -4503,7 +4581,11 @@
             </a:pPr>
             <a:r>
               <a:rPr lang="en-US" sz="2800" strike="noStrike">
+                <a:solidFill>
+                  <a:srgbClr val="000000"/>
+                </a:solidFill>
                 <a:latin typeface="Arial"/>
+                <a:ea typeface="DejaVu Sans"/>
               </a:rPr>
               <a:t>Algorithm(s) for descriptor comparison</a:t>
             </a:r>
@@ -4569,7 +4651,7 @@
         <p:spPr>
           <a:xfrm>
             <a:off x="504000" y="301320"/>
-            <a:ext cx="9071280" cy="1261800"/>
+            <a:ext cx="9070920" cy="1261440"/>
           </a:xfrm>
           <a:prstGeom prst="rect">
             <a:avLst/>
@@ -4595,7 +4677,11 @@
             </a:pPr>
             <a:r>
               <a:rPr lang="en-US" sz="4400" strike="noStrike">
+                <a:solidFill>
+                  <a:srgbClr val="000000"/>
+                </a:solidFill>
                 <a:latin typeface="Vollkorn Semibold"/>
+                <a:ea typeface="DejaVu Sans"/>
               </a:rPr>
               <a:t>Methodology</a:t>
             </a:r>
@@ -4612,7 +4698,7 @@
         <p:spPr>
           <a:xfrm>
             <a:off x="504000" y="1769040"/>
-            <a:ext cx="9071280" cy="5180040"/>
+            <a:ext cx="9070920" cy="5179680"/>
           </a:xfrm>
           <a:prstGeom prst="rect">
             <a:avLst/>
@@ -4641,9 +4727,13 @@
             </a:pPr>
             <a:r>
               <a:rPr lang="en-US" sz="3200" strike="noStrike">
+                <a:solidFill>
+                  <a:srgbClr val="000000"/>
+                </a:solidFill>
                 <a:latin typeface="Arial"/>
+                <a:ea typeface="DejaVu Sans"/>
               </a:rPr>
-              <a:t>Do BoW to classify images</a:t>
+              <a:t>BoW to classify images</a:t>
             </a:r>
             <a:endParaRPr/>
           </a:p>
@@ -4658,7 +4748,11 @@
             </a:pPr>
             <a:r>
               <a:rPr lang="en-US" sz="2800" strike="noStrike">
+                <a:solidFill>
+                  <a:srgbClr val="000000"/>
+                </a:solidFill>
                 <a:latin typeface="Arial"/>
+                <a:ea typeface="DejaVu Sans"/>
               </a:rPr>
               <a:t>(1) with SIFT descriptors and K-means</a:t>
             </a:r>
@@ -4675,7 +4769,11 @@
             </a:pPr>
             <a:r>
               <a:rPr lang="en-US" sz="2800" strike="noStrike">
+                <a:solidFill>
+                  <a:srgbClr val="000000"/>
+                </a:solidFill>
                 <a:latin typeface="Arial"/>
+                <a:ea typeface="DejaVu Sans"/>
               </a:rPr>
               <a:t>(2) with CNN descriptors and K-means</a:t>
             </a:r>
@@ -4692,7 +4790,11 @@
             </a:pPr>
             <a:r>
               <a:rPr lang="en-US" sz="2400" strike="noStrike">
+                <a:solidFill>
+                  <a:srgbClr val="000000"/>
+                </a:solidFill>
                 <a:latin typeface="Arial"/>
+                <a:ea typeface="DejaVu Sans"/>
               </a:rPr>
               <a:t>Overfeat</a:t>
             </a:r>
@@ -4709,7 +4811,11 @@
             </a:pPr>
             <a:r>
               <a:rPr lang="en-US" sz="2400" strike="noStrike">
+                <a:solidFill>
+                  <a:srgbClr val="000000"/>
+                </a:solidFill>
                 <a:latin typeface="Arial"/>
+                <a:ea typeface="DejaVu Sans"/>
               </a:rPr>
               <a:t>Kaffe</a:t>
             </a:r>
@@ -4726,7 +4832,11 @@
             </a:pPr>
             <a:r>
               <a:rPr lang="en-US" sz="3200" strike="noStrike">
+                <a:solidFill>
+                  <a:srgbClr val="000000"/>
+                </a:solidFill>
                 <a:latin typeface="Arial"/>
+                <a:ea typeface="DejaVu Sans"/>
               </a:rPr>
               <a:t>(KITTI-provided) images taken in Malaga</a:t>
             </a:r>
@@ -4743,7 +4853,11 @@
             </a:pPr>
             <a:r>
               <a:rPr lang="en-US" sz="2800" strike="noStrike">
+                <a:solidFill>
+                  <a:srgbClr val="000000"/>
+                </a:solidFill>
                 <a:latin typeface="Arial"/>
+                <a:ea typeface="DejaVu Sans"/>
               </a:rPr>
               <a:t>Loops</a:t>
             </a:r>
@@ -4760,7 +4874,11 @@
             </a:pPr>
             <a:r>
               <a:rPr lang="en-US" sz="2800" strike="noStrike">
+                <a:solidFill>
+                  <a:srgbClr val="000000"/>
+                </a:solidFill>
                 <a:latin typeface="Arial"/>
+                <a:ea typeface="DejaVu Sans"/>
               </a:rPr>
               <a:t>Simple features</a:t>
             </a:r>
@@ -4777,9 +4895,13 @@
             </a:pPr>
             <a:r>
               <a:rPr lang="en-US" sz="3200" strike="noStrike">
+                <a:solidFill>
+                  <a:srgbClr val="000000"/>
+                </a:solidFill>
                 <a:latin typeface="Arial"/>
+                <a:ea typeface="DejaVu Sans"/>
               </a:rPr>
-              <a:t>Images from CU Boulder taken by Margaret</a:t>
+              <a:t>Images from around campus taken by Margaret</a:t>
             </a:r>
             <a:endParaRPr/>
           </a:p>
@@ -4843,7 +4965,7 @@
         <p:spPr>
           <a:xfrm>
             <a:off x="504000" y="301320"/>
-            <a:ext cx="9071280" cy="1261800"/>
+            <a:ext cx="9070920" cy="1261440"/>
           </a:xfrm>
           <a:prstGeom prst="rect">
             <a:avLst/>
@@ -4869,7 +4991,11 @@
             </a:pPr>
             <a:r>
               <a:rPr lang="en-US" sz="4000" strike="noStrike">
+                <a:solidFill>
+                  <a:srgbClr val="000000"/>
+                </a:solidFill>
                 <a:latin typeface="Vollkorn Semibold"/>
+                <a:ea typeface="DejaVu Sans"/>
               </a:rPr>
               <a:t>Bag-of-words w/ SIFT and K-means</a:t>
             </a:r>
@@ -4886,7 +5012,7 @@
         <p:spPr>
           <a:xfrm>
             <a:off x="504000" y="1769040"/>
-            <a:ext cx="9071280" cy="4384080"/>
+            <a:ext cx="9070920" cy="4383720"/>
           </a:xfrm>
           <a:prstGeom prst="rect">
             <a:avLst/>
@@ -4902,6 +5028,32 @@
           <a:effectRef idx="0"/>
           <a:fontRef idx="minor"/>
         </p:style>
+      </p:sp>
+      <p:sp>
+        <p:nvSpPr>
+          <p:cNvPr id="115" name="TextShape 3"/>
+          <p:cNvSpPr txBox="1"/>
+          <p:nvPr/>
+        </p:nvSpPr>
+        <p:spPr>
+          <a:xfrm>
+            <a:off x="504000" y="1768680"/>
+            <a:ext cx="9072000" cy="4384080"/>
+          </a:xfrm>
+          <a:prstGeom prst="rect">
+            <a:avLst/>
+          </a:prstGeom>
+          <a:noFill/>
+          <a:ln>
+            <a:noFill/>
+          </a:ln>
+        </p:spPr>
+        <p:txBody>
+          <a:bodyPr lIns="0" rIns="0" tIns="0" bIns="0"/>
+          <a:p>
+            <a:endParaRPr/>
+          </a:p>
+        </p:txBody>
       </p:sp>
     </p:spTree>
   </p:cSld>
@@ -4954,14 +5106,14 @@
       </p:grpSpPr>
       <p:sp>
         <p:nvSpPr>
-          <p:cNvPr id="115" name="CustomShape 1"/>
+          <p:cNvPr id="116" name="CustomShape 1"/>
           <p:cNvSpPr/>
           <p:nvPr/>
         </p:nvSpPr>
         <p:spPr>
           <a:xfrm>
             <a:off x="504000" y="301320"/>
-            <a:ext cx="9071280" cy="1261800"/>
+            <a:ext cx="9070920" cy="1261440"/>
           </a:xfrm>
           <a:prstGeom prst="rect">
             <a:avLst/>
@@ -4987,7 +5139,11 @@
             </a:pPr>
             <a:r>
               <a:rPr lang="en-US" sz="4000" strike="noStrike">
+                <a:solidFill>
+                  <a:srgbClr val="000000"/>
+                </a:solidFill>
                 <a:latin typeface="Vollkorn Semibold"/>
+                <a:ea typeface="DejaVu Sans"/>
               </a:rPr>
               <a:t>Convolutional Neural Networks</a:t>
             </a:r>
@@ -4997,14 +5153,14 @@
       </p:sp>
       <p:sp>
         <p:nvSpPr>
-          <p:cNvPr id="116" name="CustomShape 2"/>
+          <p:cNvPr id="117" name="CustomShape 2"/>
           <p:cNvSpPr/>
           <p:nvPr/>
         </p:nvSpPr>
         <p:spPr>
           <a:xfrm>
             <a:off x="504000" y="1769040"/>
-            <a:ext cx="9071280" cy="4384080"/>
+            <a:ext cx="9070920" cy="4383720"/>
           </a:xfrm>
           <a:prstGeom prst="rect">
             <a:avLst/>
@@ -5033,7 +5189,11 @@
             </a:pPr>
             <a:r>
               <a:rPr lang="en-US" sz="3200" strike="noStrike">
+                <a:solidFill>
+                  <a:srgbClr val="000000"/>
+                </a:solidFill>
                 <a:latin typeface="Arial"/>
+                <a:ea typeface="DejaVu Sans"/>
               </a:rPr>
               <a:t>Overfeat</a:t>
             </a:r>
@@ -5050,7 +5210,11 @@
             </a:pPr>
             <a:r>
               <a:rPr lang="en-US" sz="3200" strike="noStrike">
+                <a:solidFill>
+                  <a:srgbClr val="000000"/>
+                </a:solidFill>
                 <a:latin typeface="Arial"/>
+                <a:ea typeface="DejaVu Sans"/>
               </a:rPr>
               <a:t>Kaffe</a:t>
             </a:r>
@@ -5109,14 +5273,14 @@
       </p:grpSpPr>
       <p:sp>
         <p:nvSpPr>
-          <p:cNvPr id="117" name="CustomShape 1"/>
+          <p:cNvPr id="118" name="CustomShape 1"/>
           <p:cNvSpPr/>
           <p:nvPr/>
         </p:nvSpPr>
         <p:spPr>
           <a:xfrm>
             <a:off x="504000" y="301320"/>
-            <a:ext cx="9071280" cy="1261800"/>
+            <a:ext cx="9070920" cy="1261440"/>
           </a:xfrm>
           <a:prstGeom prst="rect">
             <a:avLst/>
@@ -5142,7 +5306,11 @@
             </a:pPr>
             <a:r>
               <a:rPr lang="en-US" sz="4000" strike="noStrike">
+                <a:solidFill>
+                  <a:srgbClr val="000000"/>
+                </a:solidFill>
                 <a:latin typeface="Vollkorn Semibold"/>
+                <a:ea typeface="DejaVu Sans"/>
               </a:rPr>
               <a:t>Results with SIFT descriptors</a:t>
             </a:r>
@@ -5152,14 +5320,14 @@
       </p:sp>
       <p:sp>
         <p:nvSpPr>
-          <p:cNvPr id="118" name="CustomShape 2"/>
+          <p:cNvPr id="119" name="CustomShape 2"/>
           <p:cNvSpPr/>
           <p:nvPr/>
         </p:nvSpPr>
         <p:spPr>
           <a:xfrm>
             <a:off x="504000" y="1769040"/>
-            <a:ext cx="9071280" cy="4384080"/>
+            <a:ext cx="9070920" cy="4383720"/>
           </a:xfrm>
           <a:prstGeom prst="rect">
             <a:avLst/>
@@ -5227,14 +5395,14 @@
       </p:grpSpPr>
       <p:sp>
         <p:nvSpPr>
-          <p:cNvPr id="119" name="CustomShape 1"/>
+          <p:cNvPr id="120" name="CustomShape 1"/>
           <p:cNvSpPr/>
           <p:nvPr/>
         </p:nvSpPr>
         <p:spPr>
           <a:xfrm>
             <a:off x="504000" y="301320"/>
-            <a:ext cx="9071280" cy="1261800"/>
+            <a:ext cx="9070920" cy="1261440"/>
           </a:xfrm>
           <a:prstGeom prst="rect">
             <a:avLst/>
@@ -5260,7 +5428,11 @@
             </a:pPr>
             <a:r>
               <a:rPr lang="en-US" sz="4400" strike="noStrike">
+                <a:solidFill>
+                  <a:srgbClr val="000000"/>
+                </a:solidFill>
                 <a:latin typeface="Vollkorn Semibold"/>
+                <a:ea typeface="DejaVu Sans"/>
               </a:rPr>
               <a:t>Results with Overfeat descriptors</a:t>
             </a:r>
@@ -5270,14 +5442,14 @@
       </p:sp>
       <p:sp>
         <p:nvSpPr>
-          <p:cNvPr id="120" name="CustomShape 2"/>
+          <p:cNvPr id="121" name="CustomShape 2"/>
           <p:cNvSpPr/>
           <p:nvPr/>
         </p:nvSpPr>
         <p:spPr>
           <a:xfrm>
             <a:off x="504000" y="1769040"/>
-            <a:ext cx="9071280" cy="4384080"/>
+            <a:ext cx="9070920" cy="4383720"/>
           </a:xfrm>
           <a:prstGeom prst="rect">
             <a:avLst/>
@@ -5345,14 +5517,14 @@
       </p:grpSpPr>
       <p:sp>
         <p:nvSpPr>
-          <p:cNvPr id="121" name="CustomShape 1"/>
+          <p:cNvPr id="122" name="CustomShape 1"/>
           <p:cNvSpPr/>
           <p:nvPr/>
         </p:nvSpPr>
         <p:spPr>
           <a:xfrm>
             <a:off x="504000" y="301320"/>
-            <a:ext cx="9071280" cy="1261800"/>
+            <a:ext cx="9070920" cy="1261440"/>
           </a:xfrm>
           <a:prstGeom prst="rect">
             <a:avLst/>
@@ -5378,7 +5550,11 @@
             </a:pPr>
             <a:r>
               <a:rPr lang="en-US" sz="4400" strike="noStrike">
+                <a:solidFill>
+                  <a:srgbClr val="000000"/>
+                </a:solidFill>
                 <a:latin typeface="Vollkorn Semibold"/>
+                <a:ea typeface="DejaVu Sans"/>
               </a:rPr>
               <a:t>Results with Kaffe descriptors</a:t>
             </a:r>
@@ -5388,14 +5564,14 @@
       </p:sp>
       <p:sp>
         <p:nvSpPr>
-          <p:cNvPr id="122" name="CustomShape 2"/>
+          <p:cNvPr id="123" name="CustomShape 2"/>
           <p:cNvSpPr/>
           <p:nvPr/>
         </p:nvSpPr>
         <p:spPr>
           <a:xfrm>
             <a:off x="504000" y="1769040"/>
-            <a:ext cx="9071280" cy="4384080"/>
+            <a:ext cx="9070920" cy="4383720"/>
           </a:xfrm>
           <a:prstGeom prst="rect">
             <a:avLst/>
@@ -5463,14 +5639,14 @@
       </p:grpSpPr>
       <p:sp>
         <p:nvSpPr>
-          <p:cNvPr id="123" name="CustomShape 1"/>
+          <p:cNvPr id="124" name="CustomShape 1"/>
           <p:cNvSpPr/>
           <p:nvPr/>
         </p:nvSpPr>
         <p:spPr>
           <a:xfrm>
             <a:off x="504000" y="301320"/>
-            <a:ext cx="9071280" cy="1261800"/>
+            <a:ext cx="9070920" cy="1261440"/>
           </a:xfrm>
           <a:prstGeom prst="rect">
             <a:avLst/>
@@ -5496,7 +5672,11 @@
             </a:pPr>
             <a:r>
               <a:rPr lang="en-US" sz="4400" strike="noStrike">
+                <a:solidFill>
+                  <a:srgbClr val="000000"/>
+                </a:solidFill>
                 <a:latin typeface="Vollkorn Semibold"/>
+                <a:ea typeface="DejaVu Sans"/>
               </a:rPr>
               <a:t>Comparison</a:t>
             </a:r>
@@ -5506,14 +5686,14 @@
       </p:sp>
       <p:sp>
         <p:nvSpPr>
-          <p:cNvPr id="124" name="CustomShape 2"/>
+          <p:cNvPr id="125" name="CustomShape 2"/>
           <p:cNvSpPr/>
           <p:nvPr/>
         </p:nvSpPr>
         <p:spPr>
           <a:xfrm>
             <a:off x="504000" y="1769040"/>
-            <a:ext cx="9071280" cy="4384080"/>
+            <a:ext cx="9070920" cy="4383720"/>
           </a:xfrm>
           <a:prstGeom prst="rect">
             <a:avLst/>

--- a/presentation.pptx
+++ b/presentation.pptx
@@ -204,7 +204,7 @@
           <a:bodyPr lIns="0" rIns="0" tIns="0" bIns="0" anchor="b"/>
           <a:p>
             <a:pPr algn="r"/>
-            <a:fld id="{5CE1D5B9-12B8-43D8-8F5B-4E10D309D7DC}" type="slidenum">
+            <a:fld id="{BE7C37AE-A784-49D5-90FC-94AC019EDA12}" type="slidenum">
               <a:rPr lang="en-US" sz="1400">
                 <a:latin typeface="Times New Roman"/>
               </a:rPr>
@@ -250,7 +250,7 @@
         <p:spPr>
           <a:xfrm>
             <a:off x="777960" y="4778280"/>
-            <a:ext cx="6215760" cy="4525200"/>
+            <a:ext cx="6215400" cy="4524840"/>
           </a:xfrm>
           <a:prstGeom prst="rect">
             <a:avLst/>
@@ -278,7 +278,7 @@
         <p:spPr>
           <a:xfrm>
             <a:off x="4402080" y="9553680"/>
-            <a:ext cx="3367800" cy="502560"/>
+            <a:ext cx="3367440" cy="502200"/>
           </a:xfrm>
           <a:prstGeom prst="rect">
             <a:avLst/>
@@ -5746,7 +5746,7 @@
         <p:spPr>
           <a:xfrm>
             <a:off x="504000" y="301320"/>
-            <a:ext cx="9070200" cy="5850360"/>
+            <a:ext cx="9069840" cy="5850000"/>
           </a:xfrm>
           <a:prstGeom prst="rect">
             <a:avLst/>
@@ -5904,7 +5904,7 @@
         <p:spPr>
           <a:xfrm>
             <a:off x="605520" y="118440"/>
-            <a:ext cx="8865360" cy="1473120"/>
+            <a:ext cx="8865000" cy="1472760"/>
           </a:xfrm>
           <a:prstGeom prst="rect">
             <a:avLst/>
@@ -5934,6 +5934,7 @@
                   <a:srgbClr val="2c7c9f"/>
                 </a:solidFill>
                 <a:latin typeface="News Gothic MT"/>
+                <a:ea typeface="DejaVu Sans"/>
               </a:rPr>
               <a:t>CNN features, continued</a:t>
             </a:r>
@@ -5950,7 +5951,7 @@
         <p:spPr>
           <a:xfrm>
             <a:off x="605520" y="1764000"/>
-            <a:ext cx="8865360" cy="4786920"/>
+            <a:ext cx="8865000" cy="4786560"/>
           </a:xfrm>
           <a:prstGeom prst="rect">
             <a:avLst/>
@@ -5983,8 +5984,20 @@
                   <a:srgbClr val="595959"/>
                 </a:solidFill>
                 <a:latin typeface="News Gothic MT"/>
+                <a:ea typeface="DejaVu Sans"/>
               </a:rPr>
               <a:t>Feature: vector describing “pictorial word”</a:t>
+            </a:r>
+            <a:r>
+              <a:rPr lang="en-US" sz="2600" strike="noStrike">
+                <a:solidFill>
+                  <a:srgbClr val="595959"/>
+                </a:solidFill>
+                <a:latin typeface="News Gothic MT"/>
+                <a:ea typeface="DejaVu Sans"/>
+              </a:rPr>
+              <a:t>
+</a:t>
             </a:r>
             <a:endParaRPr/>
           </a:p>
@@ -6003,6 +6016,7 @@
                   <a:srgbClr val="595959"/>
                 </a:solidFill>
                 <a:latin typeface="News Gothic MT"/>
+                <a:ea typeface="DejaVu Sans"/>
               </a:rPr>
               <a:t>Extract features from layers 10 and 21</a:t>
             </a:r>
@@ -6023,7 +6037,7 @@
         <p:spPr>
           <a:xfrm>
             <a:off x="4647240" y="3044880"/>
-            <a:ext cx="5433120" cy="3599640"/>
+            <a:ext cx="5432760" cy="3599280"/>
           </a:xfrm>
           <a:prstGeom prst="rect">
             <a:avLst/>
@@ -6046,7 +6060,7 @@
         <p:spPr>
           <a:xfrm>
             <a:off x="91440" y="3344400"/>
-            <a:ext cx="4438080" cy="2834280"/>
+            <a:ext cx="4437720" cy="2833920"/>
           </a:xfrm>
           <a:prstGeom prst="rect">
             <a:avLst/>
@@ -6065,7 +6079,7 @@
         <p:spPr>
           <a:xfrm>
             <a:off x="0" y="7194960"/>
-            <a:ext cx="8708400" cy="364320"/>
+            <a:ext cx="8708040" cy="363960"/>
           </a:xfrm>
           <a:prstGeom prst="rect">
             <a:avLst/>
@@ -6161,7 +6175,7 @@
         <p:spPr>
           <a:xfrm>
             <a:off x="605520" y="118440"/>
-            <a:ext cx="8865360" cy="1473120"/>
+            <a:ext cx="8865000" cy="1472760"/>
           </a:xfrm>
           <a:prstGeom prst="rect">
             <a:avLst/>
@@ -6191,6 +6205,7 @@
                   <a:srgbClr val="2c7c9f"/>
                 </a:solidFill>
                 <a:latin typeface="News Gothic MT"/>
+                <a:ea typeface="DejaVu Sans"/>
               </a:rPr>
               <a:t>Confusion Matrices: Malaga Dataset</a:t>
             </a:r>
@@ -6211,7 +6226,7 @@
         <p:spPr>
           <a:xfrm>
             <a:off x="41760" y="2027160"/>
-            <a:ext cx="5198040" cy="4686480"/>
+            <a:ext cx="5197680" cy="4686120"/>
           </a:xfrm>
           <a:prstGeom prst="rect">
             <a:avLst/>
@@ -6234,7 +6249,7 @@
         <p:spPr>
           <a:xfrm>
             <a:off x="4974840" y="2027160"/>
-            <a:ext cx="5146920" cy="4686480"/>
+            <a:ext cx="5146560" cy="4686120"/>
           </a:xfrm>
           <a:prstGeom prst="rect">
             <a:avLst/>
@@ -6302,7 +6317,7 @@
         <p:spPr>
           <a:xfrm>
             <a:off x="605520" y="118440"/>
-            <a:ext cx="8865360" cy="1473120"/>
+            <a:ext cx="8865000" cy="1472760"/>
           </a:xfrm>
           <a:prstGeom prst="rect">
             <a:avLst/>
@@ -6332,6 +6347,7 @@
                   <a:srgbClr val="2c7c9f"/>
                 </a:solidFill>
                 <a:latin typeface="News Gothic MT"/>
+                <a:ea typeface="DejaVu Sans"/>
               </a:rPr>
               <a:t>Confusion Matrices: </a:t>
             </a:r>
@@ -6341,6 +6357,7 @@
                   <a:srgbClr val="2c7c9f"/>
                 </a:solidFill>
                 <a:latin typeface="News Gothic MT"/>
+                <a:ea typeface="DejaVu Sans"/>
               </a:rPr>
               <a:t>clbuucd </a:t>
             </a:r>
@@ -6350,6 +6367,7 @@
                   <a:srgbClr val="2c7c9f"/>
                 </a:solidFill>
                 <a:latin typeface="News Gothic MT"/>
+                <a:ea typeface="DejaVu Sans"/>
               </a:rPr>
               <a:t>Dataset</a:t>
             </a:r>
@@ -6359,6 +6377,7 @@
                   <a:srgbClr val="2c7c9f"/>
                 </a:solidFill>
                 <a:latin typeface="News Gothic MT"/>
+                <a:ea typeface="DejaVu Sans"/>
               </a:rPr>
               <a:t> </a:t>
             </a:r>
@@ -6379,7 +6398,7 @@
         <p:spPr>
           <a:xfrm>
             <a:off x="0" y="2039040"/>
-            <a:ext cx="5030280" cy="4556160"/>
+            <a:ext cx="5029920" cy="4555800"/>
           </a:xfrm>
           <a:prstGeom prst="rect">
             <a:avLst/>
@@ -6402,7 +6421,7 @@
         <p:spPr>
           <a:xfrm>
             <a:off x="4917600" y="2039040"/>
-            <a:ext cx="5186880" cy="4556160"/>
+            <a:ext cx="5186520" cy="4555800"/>
           </a:xfrm>
           <a:prstGeom prst="rect">
             <a:avLst/>
@@ -6470,7 +6489,7 @@
         <p:spPr>
           <a:xfrm>
             <a:off x="605520" y="118440"/>
-            <a:ext cx="8865360" cy="1473120"/>
+            <a:ext cx="8865000" cy="1472760"/>
           </a:xfrm>
           <a:prstGeom prst="rect">
             <a:avLst/>
@@ -6500,6 +6519,7 @@
                   <a:srgbClr val="2c7c9f"/>
                 </a:solidFill>
                 <a:latin typeface="News Gothic MT"/>
+                <a:ea typeface="DejaVu Sans"/>
               </a:rPr>
               <a:t>Precision-Recall Curve</a:t>
             </a:r>
@@ -6519,8 +6539,8 @@
         </p:blipFill>
         <p:spPr>
           <a:xfrm>
-            <a:off x="6491880" y="1692000"/>
-            <a:ext cx="3202560" cy="5730120"/>
+            <a:off x="6023880" y="1692000"/>
+            <a:ext cx="3202200" cy="5729760"/>
           </a:xfrm>
           <a:prstGeom prst="rect">
             <a:avLst/>
@@ -6539,7 +6559,7 @@
         <p:spPr>
           <a:xfrm>
             <a:off x="317520" y="2052000"/>
-            <a:ext cx="6085800" cy="4786920"/>
+            <a:ext cx="6085440" cy="4786560"/>
           </a:xfrm>
           <a:prstGeom prst="rect">
             <a:avLst/>
@@ -6572,8 +6592,20 @@
                   <a:srgbClr val="595959"/>
                 </a:solidFill>
                 <a:latin typeface="News Gothic MT"/>
-              </a:rPr>
-              <a:t>tl;dr how well does the model separate the classes?</a:t>
+                <a:ea typeface="DejaVu Sans"/>
+              </a:rPr>
+              <a:t>How well does the model separate the classes?</a:t>
+            </a:r>
+            <a:r>
+              <a:rPr lang="en-US" sz="2600" strike="noStrike">
+                <a:solidFill>
+                  <a:srgbClr val="595959"/>
+                </a:solidFill>
+                <a:latin typeface="News Gothic MT"/>
+                <a:ea typeface="DejaVu Sans"/>
+              </a:rPr>
+              <a:t>
+</a:t>
             </a:r>
             <a:endParaRPr/>
           </a:p>
@@ -6592,6 +6624,7 @@
                   <a:srgbClr val="595959"/>
                 </a:solidFill>
                 <a:latin typeface="News Gothic MT"/>
+                <a:ea typeface="DejaVu Sans"/>
               </a:rPr>
               <a:t>Recall =</a:t>
             </a:r>
@@ -6612,6 +6645,7 @@
                   <a:srgbClr val="595959"/>
                 </a:solidFill>
                 <a:latin typeface="News Gothic MT"/>
+                <a:ea typeface="DejaVu Sans"/>
               </a:rPr>
               <a:t>num relevant elements retrieved / num relevant elements overall</a:t>
             </a:r>
@@ -6626,15 +6660,6 @@
               <a:buFont typeface="Arial"/>
               <a:buChar char="•"/>
             </a:pPr>
-            <a:r>
-              <a:rPr lang="en-US" sz="2600" strike="noStrike">
-                <a:solidFill>
-                  <a:srgbClr val="595959"/>
-                </a:solidFill>
-                <a:latin typeface="News Gothic MT"/>
-              </a:rPr>
-              <a:t>Precision =</a:t>
-            </a:r>
             <a:endParaRPr/>
           </a:p>
           <a:p>
@@ -6652,6 +6677,28 @@
                   <a:srgbClr val="595959"/>
                 </a:solidFill>
                 <a:latin typeface="News Gothic MT"/>
+                <a:ea typeface="DejaVu Sans"/>
+              </a:rPr>
+              <a:t>Precision =</a:t>
+            </a:r>
+            <a:endParaRPr/>
+          </a:p>
+          <a:p>
+            <a:pPr>
+              <a:lnSpc>
+                <a:spcPct val="100000"/>
+              </a:lnSpc>
+              <a:buSzPct val="110000"/>
+              <a:buFont typeface="Arial"/>
+              <a:buChar char="•"/>
+            </a:pPr>
+            <a:r>
+              <a:rPr lang="en-US" sz="2600" strike="noStrike">
+                <a:solidFill>
+                  <a:srgbClr val="595959"/>
+                </a:solidFill>
+                <a:latin typeface="News Gothic MT"/>
+                <a:ea typeface="DejaVu Sans"/>
               </a:rPr>
               <a:t>num relevant elements retrieved / total # elements retrieved</a:t>
             </a:r>
@@ -6725,7 +6772,7 @@
         <p:spPr>
           <a:xfrm>
             <a:off x="605520" y="118440"/>
-            <a:ext cx="8865360" cy="1473120"/>
+            <a:ext cx="8865000" cy="1472760"/>
           </a:xfrm>
           <a:prstGeom prst="rect">
             <a:avLst/>
@@ -6755,6 +6802,7 @@
                   <a:srgbClr val="2c7c9f"/>
                 </a:solidFill>
                 <a:latin typeface="News Gothic MT"/>
+                <a:ea typeface="DejaVu Sans"/>
               </a:rPr>
               <a:t>Malaga Precision-Recall</a:t>
             </a:r>
@@ -6775,7 +6823,7 @@
         <p:spPr>
           <a:xfrm>
             <a:off x="1423440" y="1715040"/>
-            <a:ext cx="7392240" cy="5636880"/>
+            <a:ext cx="7391880" cy="5636520"/>
           </a:xfrm>
           <a:prstGeom prst="rect">
             <a:avLst/>
@@ -6843,7 +6891,7 @@
         <p:spPr>
           <a:xfrm>
             <a:off x="605520" y="118440"/>
-            <a:ext cx="8865360" cy="1473120"/>
+            <a:ext cx="8865000" cy="1472760"/>
           </a:xfrm>
           <a:prstGeom prst="rect">
             <a:avLst/>
@@ -6873,6 +6921,7 @@
                   <a:srgbClr val="2c7c9f"/>
                 </a:solidFill>
                 <a:latin typeface="News Gothic MT"/>
+                <a:ea typeface="DejaVu Sans"/>
               </a:rPr>
               <a:t>cluubcd</a:t>
             </a:r>
@@ -6882,6 +6931,7 @@
                   <a:srgbClr val="2c7c9f"/>
                 </a:solidFill>
                 <a:latin typeface="News Gothic MT"/>
+                <a:ea typeface="DejaVu Sans"/>
               </a:rPr>
               <a:t> Precision-Recall</a:t>
             </a:r>
@@ -6902,7 +6952,7 @@
         <p:spPr>
           <a:xfrm>
             <a:off x="1324800" y="1620000"/>
-            <a:ext cx="7656480" cy="5761800"/>
+            <a:ext cx="7656120" cy="5761440"/>
           </a:xfrm>
           <a:prstGeom prst="rect">
             <a:avLst/>
@@ -6970,7 +7020,7 @@
         <p:spPr>
           <a:xfrm>
             <a:off x="605520" y="118440"/>
-            <a:ext cx="8865360" cy="1473120"/>
+            <a:ext cx="8865000" cy="1472760"/>
           </a:xfrm>
           <a:prstGeom prst="rect">
             <a:avLst/>
@@ -7000,6 +7050,7 @@
                   <a:srgbClr val="2c7c9f"/>
                 </a:solidFill>
                 <a:latin typeface="News Gothic MT"/>
+                <a:ea typeface="DejaVu Sans"/>
               </a:rPr>
               <a:t>Neural network training experiment</a:t>
             </a:r>
@@ -7016,7 +7067,7 @@
         <p:spPr>
           <a:xfrm>
             <a:off x="605520" y="1764000"/>
-            <a:ext cx="8865360" cy="4786920"/>
+            <a:ext cx="8865000" cy="4786560"/>
           </a:xfrm>
           <a:prstGeom prst="rect">
             <a:avLst/>
@@ -7049,8 +7100,20 @@
                   <a:srgbClr val="595959"/>
                 </a:solidFill>
                 <a:latin typeface="News Gothic MT"/>
+                <a:ea typeface="DejaVu Sans"/>
               </a:rPr>
               <a:t>We made a pre-trained neural network work, how about trying to train a CNN on our own data?</a:t>
+            </a:r>
+            <a:r>
+              <a:rPr lang="en-US" sz="2400" strike="noStrike">
+                <a:solidFill>
+                  <a:srgbClr val="595959"/>
+                </a:solidFill>
+                <a:latin typeface="News Gothic MT"/>
+                <a:ea typeface="DejaVu Sans"/>
+              </a:rPr>
+              <a:t>
+</a:t>
             </a:r>
             <a:endParaRPr/>
           </a:p>
@@ -7069,8 +7132,20 @@
                   <a:srgbClr val="595959"/>
                 </a:solidFill>
                 <a:latin typeface="News Gothic MT"/>
+                <a:ea typeface="DejaVu Sans"/>
               </a:rPr>
               <a:t>Caffe: deep learning framework out of UC Berkeley</a:t>
+            </a:r>
+            <a:r>
+              <a:rPr lang="en-US" sz="2400" strike="noStrike">
+                <a:solidFill>
+                  <a:srgbClr val="595959"/>
+                </a:solidFill>
+                <a:latin typeface="News Gothic MT"/>
+                <a:ea typeface="DejaVu Sans"/>
+              </a:rPr>
+              <a:t>
+</a:t>
             </a:r>
             <a:endParaRPr/>
           </a:p>
@@ -7089,6 +7164,7 @@
                   <a:srgbClr val="595959"/>
                 </a:solidFill>
                 <a:latin typeface="News Gothic MT"/>
+                <a:ea typeface="DejaVu Sans"/>
               </a:rPr>
               <a:t>Imagenet framework on Malaga Dataset Extract #7</a:t>
             </a:r>
@@ -7109,9 +7185,42 @@
                   <a:srgbClr val="595959"/>
                 </a:solidFill>
                 <a:latin typeface="News Gothic MT"/>
-              </a:rPr>
-              <a:t>In general: train on images from first loop, classify on images from second loop</a:t>
-            </a:r>
+                <a:ea typeface="DejaVu Sans"/>
+              </a:rPr>
+              <a:t>- train on images from first loop</a:t>
+            </a:r>
+            <a:endParaRPr/>
+          </a:p>
+          <a:p>
+            <a:pPr lvl="1">
+              <a:lnSpc>
+                <a:spcPct val="100000"/>
+              </a:lnSpc>
+              <a:buSzPct val="75000"/>
+              <a:buFont typeface="StarSymbol"/>
+              <a:buChar char="l"/>
+            </a:pPr>
+            <a:r>
+              <a:rPr lang="en-US" sz="2400" strike="noStrike">
+                <a:solidFill>
+                  <a:srgbClr val="595959"/>
+                </a:solidFill>
+                <a:latin typeface="News Gothic MT"/>
+                <a:ea typeface="DejaVu Sans"/>
+              </a:rPr>
+              <a:t>- classify on images from second loop</a:t>
+            </a:r>
+            <a:endParaRPr/>
+          </a:p>
+          <a:p>
+            <a:pPr lvl="1">
+              <a:lnSpc>
+                <a:spcPct val="100000"/>
+              </a:lnSpc>
+              <a:buSzPct val="75000"/>
+              <a:buFont typeface="StarSymbol"/>
+              <a:buChar char="l"/>
+            </a:pPr>
             <a:endParaRPr/>
           </a:p>
           <a:p>
@@ -7129,6 +7238,7 @@
                   <a:srgbClr val="595959"/>
                 </a:solidFill>
                 <a:latin typeface="News Gothic MT"/>
+                <a:ea typeface="DejaVu Sans"/>
               </a:rPr>
               <a:t>Results may likely improve with a larger dataset</a:t>
             </a:r>
@@ -7153,7 +7263,7 @@
         <p:spPr>
           <a:xfrm>
             <a:off x="504000" y="6967440"/>
-            <a:ext cx="9576000" cy="365760"/>
+            <a:ext cx="9575640" cy="365400"/>
           </a:xfrm>
           <a:prstGeom prst="rect">
             <a:avLst/>
@@ -7249,7 +7359,7 @@
         <p:spPr>
           <a:xfrm>
             <a:off x="605520" y="118440"/>
-            <a:ext cx="8865360" cy="1473120"/>
+            <a:ext cx="8865000" cy="1472760"/>
           </a:xfrm>
           <a:prstGeom prst="rect">
             <a:avLst/>
@@ -7279,6 +7389,7 @@
                   <a:srgbClr val="2c7c9f"/>
                 </a:solidFill>
                 <a:latin typeface="News Gothic MT"/>
+                <a:ea typeface="DejaVu Sans"/>
               </a:rPr>
               <a:t>Results and Future Work</a:t>
             </a:r>
@@ -7295,7 +7406,7 @@
         <p:spPr>
           <a:xfrm>
             <a:off x="605520" y="1764000"/>
-            <a:ext cx="8865360" cy="4786920"/>
+            <a:ext cx="8865000" cy="4786560"/>
           </a:xfrm>
           <a:prstGeom prst="rect">
             <a:avLst/>
@@ -7314,9 +7425,18 @@
         <p:txBody>
           <a:bodyPr lIns="100800" rIns="100800" tIns="50400" bIns="50400"/>
           <a:p>
+            <a:pPr>
+              <a:buSzPct val="45000"/>
+              <a:buFont typeface="StarSymbol"/>
+              <a:buChar char=""/>
+            </a:pPr>
             <a:r>
               <a:rPr lang="en-US" sz="2600" strike="noStrike">
-                <a:latin typeface="News Gothic MT"/>
+                <a:solidFill>
+                  <a:srgbClr val="000000"/>
+                </a:solidFill>
+                <a:latin typeface="News Gothic MT"/>
+                <a:ea typeface="DejaVu Sans"/>
               </a:rPr>
               <a:t>Video Google-style BoW worked well on our </a:t>
             </a:r>
@@ -7329,13 +7449,28 @@
               </a:lnSpc>
               <a:buSzPct val="45000"/>
               <a:buFont typeface="StarSymbol"/>
-              <a:buChar char="l"/>
+              <a:buChar char=""/>
             </a:pPr>
             <a:r>
               <a:rPr lang="en-US" sz="2600" strike="noStrike">
-                <a:latin typeface="News Gothic MT"/>
+                <a:solidFill>
+                  <a:srgbClr val="000000"/>
+                </a:solidFill>
+                <a:latin typeface="News Gothic MT"/>
+                <a:ea typeface="DejaVu Sans"/>
               </a:rPr>
               <a:t>small datasets</a:t>
+            </a:r>
+            <a:r>
+              <a:rPr lang="en-US" sz="2600" strike="noStrike">
+                <a:solidFill>
+                  <a:srgbClr val="000000"/>
+                </a:solidFill>
+                <a:latin typeface="News Gothic MT"/>
+                <a:ea typeface="DejaVu Sans"/>
+              </a:rPr>
+              <a:t>
+</a:t>
             </a:r>
             <a:endParaRPr/>
           </a:p>
@@ -7346,13 +7481,28 @@
               </a:lnSpc>
               <a:buSzPct val="45000"/>
               <a:buFont typeface="StarSymbol"/>
-              <a:buChar char="l"/>
+              <a:buChar char=""/>
             </a:pPr>
             <a:r>
               <a:rPr lang="en-US" sz="2600" strike="noStrike">
-                <a:latin typeface="News Gothic MT"/>
+                <a:solidFill>
+                  <a:srgbClr val="000000"/>
+                </a:solidFill>
+                <a:latin typeface="News Gothic MT"/>
+                <a:ea typeface="DejaVu Sans"/>
               </a:rPr>
               <a:t>BoW with OverFeat also worked well</a:t>
+            </a:r>
+            <a:r>
+              <a:rPr lang="en-US" sz="2600" strike="noStrike">
+                <a:solidFill>
+                  <a:srgbClr val="000000"/>
+                </a:solidFill>
+                <a:latin typeface="News Gothic MT"/>
+                <a:ea typeface="DejaVu Sans"/>
+              </a:rPr>
+              <a:t>
+</a:t>
             </a:r>
             <a:endParaRPr/>
           </a:p>
@@ -7363,13 +7513,28 @@
               </a:lnSpc>
               <a:buSzPct val="45000"/>
               <a:buFont typeface="StarSymbol"/>
-              <a:buChar char="l"/>
+              <a:buChar char=""/>
             </a:pPr>
             <a:r>
               <a:rPr lang="en-US" sz="2600" strike="noStrike">
-                <a:latin typeface="News Gothic MT"/>
+                <a:solidFill>
+                  <a:srgbClr val="000000"/>
+                </a:solidFill>
+                <a:latin typeface="News Gothic MT"/>
+                <a:ea typeface="DejaVu Sans"/>
               </a:rPr>
               <a:t>Caffe needs a little work</a:t>
+            </a:r>
+            <a:r>
+              <a:rPr lang="en-US" sz="2600" strike="noStrike">
+                <a:solidFill>
+                  <a:srgbClr val="000000"/>
+                </a:solidFill>
+                <a:latin typeface="News Gothic MT"/>
+                <a:ea typeface="DejaVu Sans"/>
+              </a:rPr>
+              <a:t>
+</a:t>
             </a:r>
             <a:endParaRPr/>
           </a:p>
@@ -7380,13 +7545,28 @@
               </a:lnSpc>
               <a:buSzPct val="45000"/>
               <a:buFont typeface="StarSymbol"/>
-              <a:buChar char="l"/>
+              <a:buChar char=""/>
             </a:pPr>
             <a:r>
               <a:rPr lang="en-US" sz="2600" strike="noStrike">
-                <a:latin typeface="News Gothic MT"/>
+                <a:solidFill>
+                  <a:srgbClr val="000000"/>
+                </a:solidFill>
+                <a:latin typeface="News Gothic MT"/>
+                <a:ea typeface="DejaVu Sans"/>
               </a:rPr>
               <a:t>Trying larger datasets?</a:t>
+            </a:r>
+            <a:r>
+              <a:rPr lang="en-US" sz="2600" strike="noStrike">
+                <a:solidFill>
+                  <a:srgbClr val="000000"/>
+                </a:solidFill>
+                <a:latin typeface="News Gothic MT"/>
+                <a:ea typeface="DejaVu Sans"/>
+              </a:rPr>
+              <a:t>
+</a:t>
             </a:r>
             <a:endParaRPr/>
           </a:p>
@@ -7397,13 +7577,28 @@
               </a:lnSpc>
               <a:buSzPct val="45000"/>
               <a:buFont typeface="StarSymbol"/>
-              <a:buChar char="l"/>
+              <a:buChar char=""/>
             </a:pPr>
             <a:r>
               <a:rPr lang="en-US" sz="2600" strike="noStrike">
-                <a:latin typeface="News Gothic MT"/>
+                <a:solidFill>
+                  <a:srgbClr val="000000"/>
+                </a:solidFill>
+                <a:latin typeface="News Gothic MT"/>
+                <a:ea typeface="DejaVu Sans"/>
               </a:rPr>
               <a:t>Different feature normalization methods?</a:t>
+            </a:r>
+            <a:r>
+              <a:rPr lang="en-US" sz="2600" strike="noStrike">
+                <a:solidFill>
+                  <a:srgbClr val="000000"/>
+                </a:solidFill>
+                <a:latin typeface="News Gothic MT"/>
+                <a:ea typeface="DejaVu Sans"/>
+              </a:rPr>
+              <a:t>
+</a:t>
             </a:r>
             <a:endParaRPr/>
           </a:p>
@@ -7414,11 +7609,15 @@
               </a:lnSpc>
               <a:buSzPct val="45000"/>
               <a:buFont typeface="StarSymbol"/>
-              <a:buChar char="l"/>
+              <a:buChar char=""/>
             </a:pPr>
             <a:r>
               <a:rPr lang="en-US" sz="2600" strike="noStrike">
-                <a:latin typeface="News Gothic MT"/>
+                <a:solidFill>
+                  <a:srgbClr val="000000"/>
+                </a:solidFill>
+                <a:latin typeface="News Gothic MT"/>
+                <a:ea typeface="DejaVu Sans"/>
               </a:rPr>
               <a:t>HoG and other kinds of descriptors?</a:t>
             </a:r>
@@ -7484,7 +7683,7 @@
         <p:spPr>
           <a:xfrm>
             <a:off x="605520" y="118440"/>
-            <a:ext cx="8865360" cy="1473120"/>
+            <a:ext cx="8865000" cy="1472760"/>
           </a:xfrm>
           <a:prstGeom prst="rect">
             <a:avLst/>
@@ -7514,6 +7713,7 @@
                   <a:srgbClr val="2c7c9f"/>
                 </a:solidFill>
                 <a:latin typeface="News Gothic MT"/>
+                <a:ea typeface="DejaVu Sans"/>
               </a:rPr>
               <a:t>Sources</a:t>
             </a:r>
@@ -7530,7 +7730,7 @@
         <p:spPr>
           <a:xfrm>
             <a:off x="605520" y="1764000"/>
-            <a:ext cx="8865360" cy="4786920"/>
+            <a:ext cx="8865000" cy="4786560"/>
           </a:xfrm>
           <a:prstGeom prst="rect">
             <a:avLst/>
@@ -7559,9 +7759,24 @@
             </a:pPr>
             <a:r>
               <a:rPr lang="en-US" sz="2400" strike="noStrike">
-                <a:latin typeface="News Gothic MT"/>
+                <a:solidFill>
+                  <a:srgbClr val="000000"/>
+                </a:solidFill>
+                <a:latin typeface="News Gothic MT"/>
+                <a:ea typeface="DejaVu Sans"/>
               </a:rPr>
               <a:t>Video Google: robots.ox.ac.uk/~vgg/publications/papers/sivic03.pdf</a:t>
+            </a:r>
+            <a:r>
+              <a:rPr lang="en-US" sz="2400" strike="noStrike">
+                <a:solidFill>
+                  <a:srgbClr val="000000"/>
+                </a:solidFill>
+                <a:latin typeface="News Gothic MT"/>
+                <a:ea typeface="DejaVu Sans"/>
+              </a:rPr>
+              <a:t>
+</a:t>
             </a:r>
             <a:endParaRPr/>
           </a:p>
@@ -7573,9 +7788,24 @@
             </a:pPr>
             <a:r>
               <a:rPr lang="en-US" sz="2400" strike="noStrike">
-                <a:latin typeface="News Gothic MT"/>
+                <a:solidFill>
+                  <a:srgbClr val="000000"/>
+                </a:solidFill>
+                <a:latin typeface="News Gothic MT"/>
+                <a:ea typeface="DejaVu Sans"/>
               </a:rPr>
               <a:t>Overfeat: github.com/sermanet/OverFeat</a:t>
+            </a:r>
+            <a:r>
+              <a:rPr lang="en-US" sz="2400" strike="noStrike">
+                <a:solidFill>
+                  <a:srgbClr val="000000"/>
+                </a:solidFill>
+                <a:latin typeface="News Gothic MT"/>
+                <a:ea typeface="DejaVu Sans"/>
+              </a:rPr>
+              <a:t>
+</a:t>
             </a:r>
             <a:endParaRPr/>
           </a:p>
@@ -7587,7 +7817,11 @@
             </a:pPr>
             <a:r>
               <a:rPr lang="en-US" sz="2400" strike="noStrike">
-                <a:latin typeface="News Gothic MT"/>
+                <a:solidFill>
+                  <a:srgbClr val="000000"/>
+                </a:solidFill>
+                <a:latin typeface="News Gothic MT"/>
+                <a:ea typeface="DejaVu Sans"/>
               </a:rPr>
               <a:t>CAFFE: caffe.berkeleyvision.org/</a:t>
             </a:r>
@@ -7677,7 +7911,7 @@
         <p:spPr>
           <a:xfrm>
             <a:off x="605520" y="118440"/>
-            <a:ext cx="8865360" cy="1473120"/>
+            <a:ext cx="8865000" cy="1472760"/>
           </a:xfrm>
           <a:prstGeom prst="rect">
             <a:avLst/>
@@ -7707,6 +7941,7 @@
                   <a:srgbClr val="2c7c9f"/>
                 </a:solidFill>
                 <a:latin typeface="News Gothic MT"/>
+                <a:ea typeface="DejaVu Sans"/>
               </a:rPr>
               <a:t>Project Overview</a:t>
             </a:r>
@@ -7722,8 +7957,8 @@
         </p:nvSpPr>
         <p:spPr>
           <a:xfrm>
-            <a:off x="605520" y="1764000"/>
-            <a:ext cx="8865360" cy="4786920"/>
+            <a:off x="677520" y="2052000"/>
+            <a:ext cx="8865000" cy="4786560"/>
           </a:xfrm>
           <a:prstGeom prst="rect">
             <a:avLst/>
@@ -7756,6 +7991,7 @@
                   <a:srgbClr val="595959"/>
                 </a:solidFill>
                 <a:latin typeface="News Gothic MT"/>
+                <a:ea typeface="DejaVu Sans"/>
               </a:rPr>
               <a:t>Place Recognition using two different methods</a:t>
             </a:r>
@@ -7776,6 +8012,7 @@
                   <a:srgbClr val="595959"/>
                 </a:solidFill>
                 <a:latin typeface="News Gothic MT"/>
+                <a:ea typeface="DejaVu Sans"/>
               </a:rPr>
               <a:t>Bag of Words with SIFT descriptors</a:t>
             </a:r>
@@ -7796,8 +8033,20 @@
                   <a:srgbClr val="595959"/>
                 </a:solidFill>
                 <a:latin typeface="News Gothic MT"/>
+                <a:ea typeface="DejaVu Sans"/>
               </a:rPr>
               <a:t>Features extracted from a Convolution Neural Network</a:t>
+            </a:r>
+            <a:r>
+              <a:rPr lang="en-US" sz="2200" strike="noStrike">
+                <a:solidFill>
+                  <a:srgbClr val="595959"/>
+                </a:solidFill>
+                <a:latin typeface="News Gothic MT"/>
+                <a:ea typeface="DejaVu Sans"/>
+              </a:rPr>
+              <a:t>
+</a:t>
             </a:r>
             <a:endParaRPr/>
           </a:p>
@@ -7816,8 +8065,20 @@
                   <a:srgbClr val="595959"/>
                 </a:solidFill>
                 <a:latin typeface="News Gothic MT"/>
+                <a:ea typeface="DejaVu Sans"/>
               </a:rPr>
               <a:t>Classify with One-Against-All SVM</a:t>
+            </a:r>
+            <a:r>
+              <a:rPr lang="en-US" sz="2600" strike="noStrike">
+                <a:solidFill>
+                  <a:srgbClr val="595959"/>
+                </a:solidFill>
+                <a:latin typeface="News Gothic MT"/>
+                <a:ea typeface="DejaVu Sans"/>
+              </a:rPr>
+              <a:t>
+</a:t>
             </a:r>
             <a:endParaRPr/>
           </a:p>
@@ -7836,8 +8097,20 @@
                   <a:srgbClr val="595959"/>
                 </a:solidFill>
                 <a:latin typeface="News Gothic MT"/>
+                <a:ea typeface="DejaVu Sans"/>
               </a:rPr>
               <a:t>Test for loop closure on Malaga Urban Dataset</a:t>
+            </a:r>
+            <a:r>
+              <a:rPr lang="en-US" sz="2600" strike="noStrike">
+                <a:solidFill>
+                  <a:srgbClr val="595959"/>
+                </a:solidFill>
+                <a:latin typeface="News Gothic MT"/>
+                <a:ea typeface="DejaVu Sans"/>
+              </a:rPr>
+              <a:t>
+</a:t>
             </a:r>
             <a:endParaRPr/>
           </a:p>
@@ -7856,6 +8129,7 @@
                   <a:srgbClr val="595959"/>
                 </a:solidFill>
                 <a:latin typeface="News Gothic MT"/>
+                <a:ea typeface="DejaVu Sans"/>
               </a:rPr>
               <a:t>Test for loop closure on custom local Boulder university urban campus dataset (</a:t>
             </a:r>
@@ -7865,6 +8139,7 @@
                   <a:srgbClr val="595959"/>
                 </a:solidFill>
                 <a:latin typeface="News Gothic MT"/>
+                <a:ea typeface="DejaVu Sans"/>
               </a:rPr>
               <a:t>clbuucd</a:t>
             </a:r>
@@ -7874,6 +8149,7 @@
                   <a:srgbClr val="595959"/>
                 </a:solidFill>
                 <a:latin typeface="News Gothic MT"/>
+                <a:ea typeface="DejaVu Sans"/>
               </a:rPr>
               <a:t>)</a:t>
             </a:r>
@@ -7939,7 +8215,7 @@
         <p:spPr>
           <a:xfrm>
             <a:off x="605520" y="118440"/>
-            <a:ext cx="8865360" cy="1473120"/>
+            <a:ext cx="8865000" cy="1472760"/>
           </a:xfrm>
           <a:prstGeom prst="rect">
             <a:avLst/>
@@ -7969,6 +8245,7 @@
                   <a:srgbClr val="2c7c9f"/>
                 </a:solidFill>
                 <a:latin typeface="News Gothic MT"/>
+                <a:ea typeface="DejaVu Sans"/>
               </a:rPr>
               <a:t>Malaga Urban Dataset Extract #7</a:t>
             </a:r>
@@ -7985,7 +8262,7 @@
         <p:spPr>
           <a:xfrm>
             <a:off x="389520" y="1764000"/>
-            <a:ext cx="4880520" cy="3904920"/>
+            <a:ext cx="4880160" cy="3904560"/>
           </a:xfrm>
           <a:prstGeom prst="rect">
             <a:avLst/>
@@ -8018,6 +8295,7 @@
                   <a:srgbClr val="595959"/>
                 </a:solidFill>
                 <a:latin typeface="News Gothic MT"/>
+                <a:ea typeface="DejaVu Sans"/>
               </a:rPr>
               <a:t>“</a:t>
             </a:r>
@@ -8027,8 +8305,20 @@
                   <a:srgbClr val="595959"/>
                 </a:solidFill>
                 <a:latin typeface="News Gothic MT"/>
+                <a:ea typeface="DejaVu Sans"/>
               </a:rPr>
               <a:t>Short avenue loop closure”</a:t>
+            </a:r>
+            <a:r>
+              <a:rPr lang="en-US" sz="2200" strike="noStrike">
+                <a:solidFill>
+                  <a:srgbClr val="595959"/>
+                </a:solidFill>
+                <a:latin typeface="News Gothic MT"/>
+                <a:ea typeface="DejaVu Sans"/>
+              </a:rPr>
+              <a:t>
+</a:t>
             </a:r>
             <a:endParaRPr/>
           </a:p>
@@ -8047,8 +8337,20 @@
                   <a:srgbClr val="595959"/>
                 </a:solidFill>
                 <a:latin typeface="News Gothic MT"/>
+                <a:ea typeface="DejaVu Sans"/>
               </a:rPr>
               <a:t>~1700 raw stereo images</a:t>
+            </a:r>
+            <a:r>
+              <a:rPr lang="en-US" sz="2200" strike="noStrike">
+                <a:solidFill>
+                  <a:srgbClr val="595959"/>
+                </a:solidFill>
+                <a:latin typeface="News Gothic MT"/>
+                <a:ea typeface="DejaVu Sans"/>
+              </a:rPr>
+              <a:t>
+</a:t>
             </a:r>
             <a:endParaRPr/>
           </a:p>
@@ -8067,8 +8369,20 @@
                   <a:srgbClr val="595959"/>
                 </a:solidFill>
                 <a:latin typeface="News Gothic MT"/>
+                <a:ea typeface="DejaVu Sans"/>
               </a:rPr>
               <a:t>Dataset also includes camera data, GPS data, LIDAR data</a:t>
+            </a:r>
+            <a:r>
+              <a:rPr lang="en-US" sz="2200" strike="noStrike">
+                <a:solidFill>
+                  <a:srgbClr val="595959"/>
+                </a:solidFill>
+                <a:latin typeface="News Gothic MT"/>
+                <a:ea typeface="DejaVu Sans"/>
+              </a:rPr>
+              <a:t>
+</a:t>
             </a:r>
             <a:endParaRPr/>
           </a:p>
@@ -8087,6 +8401,7 @@
                   <a:srgbClr val="595959"/>
                 </a:solidFill>
                 <a:latin typeface="News Gothic MT"/>
+                <a:ea typeface="DejaVu Sans"/>
               </a:rPr>
               <a:t>Use left camera and GPS data</a:t>
             </a:r>
@@ -8107,8 +8422,9 @@
                   <a:srgbClr val="595959"/>
                 </a:solidFill>
                 <a:latin typeface="News Gothic MT"/>
-              </a:rPr>
-              <a:t>camera for place recognition</a:t>
+                <a:ea typeface="DejaVu Sans"/>
+              </a:rPr>
+              <a:t>- camera for place recognition</a:t>
             </a:r>
             <a:endParaRPr/>
           </a:p>
@@ -8127,8 +8443,9 @@
                   <a:srgbClr val="595959"/>
                 </a:solidFill>
                 <a:latin typeface="News Gothic MT"/>
-              </a:rPr>
-              <a:t>GPS data to visualize path and loop closure</a:t>
+                <a:ea typeface="DejaVu Sans"/>
+              </a:rPr>
+              <a:t>- GPS data to visualize path and loop closure</a:t>
             </a:r>
             <a:endParaRPr/>
           </a:p>
@@ -8151,7 +8468,7 @@
         <p:spPr>
           <a:xfrm>
             <a:off x="321840" y="6850800"/>
-            <a:ext cx="9757800" cy="364320"/>
+            <a:ext cx="9757440" cy="363960"/>
           </a:xfrm>
           <a:prstGeom prst="rect">
             <a:avLst/>
@@ -8202,7 +8519,7 @@
         <p:spPr>
           <a:xfrm>
             <a:off x="5178960" y="1866600"/>
-            <a:ext cx="4513320" cy="4442400"/>
+            <a:ext cx="4512960" cy="4442040"/>
           </a:xfrm>
           <a:prstGeom prst="rect">
             <a:avLst/>
@@ -8274,7 +8591,7 @@
         <p:spPr>
           <a:xfrm>
             <a:off x="2226960" y="0"/>
-            <a:ext cx="5123160" cy="3658680"/>
+            <a:ext cx="5122800" cy="3658320"/>
           </a:xfrm>
           <a:prstGeom prst="rect">
             <a:avLst/>
@@ -8297,7 +8614,7 @@
         <p:spPr>
           <a:xfrm>
             <a:off x="2226960" y="3763800"/>
-            <a:ext cx="5123160" cy="3795120"/>
+            <a:ext cx="5122800" cy="3794760"/>
           </a:xfrm>
           <a:prstGeom prst="rect">
             <a:avLst/>
@@ -8493,7 +8810,7 @@
         <p:spPr>
           <a:xfrm>
             <a:off x="605520" y="118440"/>
-            <a:ext cx="8865360" cy="1473120"/>
+            <a:ext cx="8865000" cy="1472760"/>
           </a:xfrm>
           <a:prstGeom prst="rect">
             <a:avLst/>
@@ -8523,6 +8840,7 @@
                   <a:srgbClr val="2c7c9f"/>
                 </a:solidFill>
                 <a:latin typeface="News Gothic MT"/>
+                <a:ea typeface="DejaVu Sans"/>
               </a:rPr>
               <a:t>Campus Dataset, </a:t>
             </a:r>
@@ -8532,6 +8850,7 @@
                   <a:srgbClr val="2c7c9f"/>
                 </a:solidFill>
                 <a:latin typeface="News Gothic MT"/>
+                <a:ea typeface="DejaVu Sans"/>
               </a:rPr>
               <a:t>clbuucd</a:t>
             </a:r>
@@ -8547,8 +8866,8 @@
         </p:nvSpPr>
         <p:spPr>
           <a:xfrm>
-            <a:off x="245520" y="1800000"/>
-            <a:ext cx="5154840" cy="4600440"/>
+            <a:off x="317520" y="1836000"/>
+            <a:ext cx="5154480" cy="4600080"/>
           </a:xfrm>
           <a:prstGeom prst="rect">
             <a:avLst/>
@@ -8573,7 +8892,7 @@
               </a:lnSpc>
               <a:buSzPct val="45000"/>
               <a:buFont typeface="StarSymbol"/>
-              <a:buChar char="l"/>
+              <a:buChar char=""/>
             </a:pPr>
             <a:r>
               <a:rPr lang="en-US" sz="2200" strike="noStrike">
@@ -8581,6 +8900,7 @@
                   <a:srgbClr val="595959"/>
                 </a:solidFill>
                 <a:latin typeface="News Gothic MT"/>
+                <a:ea typeface="DejaVu Sans"/>
               </a:rPr>
               <a:t>Short </a:t>
             </a:r>
@@ -8590,6 +8910,7 @@
                   <a:srgbClr val="595959"/>
                 </a:solidFill>
                 <a:latin typeface="News Gothic MT"/>
+                <a:ea typeface="DejaVu Sans"/>
               </a:rPr>
               <a:t>walking</a:t>
             </a:r>
@@ -8599,8 +8920,20 @@
                   <a:srgbClr val="595959"/>
                 </a:solidFill>
                 <a:latin typeface="News Gothic MT"/>
+                <a:ea typeface="DejaVu Sans"/>
               </a:rPr>
               <a:t> loop closure</a:t>
+            </a:r>
+            <a:r>
+              <a:rPr lang="en-US" sz="2200" strike="noStrike">
+                <a:solidFill>
+                  <a:srgbClr val="595959"/>
+                </a:solidFill>
+                <a:latin typeface="News Gothic MT"/>
+                <a:ea typeface="DejaVu Sans"/>
+              </a:rPr>
+              <a:t>
+</a:t>
             </a:r>
             <a:endParaRPr/>
           </a:p>
@@ -8611,7 +8944,7 @@
               </a:lnSpc>
               <a:buSzPct val="45000"/>
               <a:buFont typeface="StarSymbol"/>
-              <a:buChar char="l"/>
+              <a:buChar char=""/>
             </a:pPr>
             <a:r>
               <a:rPr lang="en-US" sz="2200" strike="noStrike">
@@ -8619,8 +8952,20 @@
                   <a:srgbClr val="595959"/>
                 </a:solidFill>
                 <a:latin typeface="News Gothic MT"/>
+                <a:ea typeface="DejaVu Sans"/>
               </a:rPr>
               <a:t>248 images</a:t>
+            </a:r>
+            <a:r>
+              <a:rPr lang="en-US" sz="2200" strike="noStrike">
+                <a:solidFill>
+                  <a:srgbClr val="595959"/>
+                </a:solidFill>
+                <a:latin typeface="News Gothic MT"/>
+                <a:ea typeface="DejaVu Sans"/>
+              </a:rPr>
+              <a:t>
+</a:t>
             </a:r>
             <a:endParaRPr/>
           </a:p>
@@ -8631,7 +8976,7 @@
               </a:lnSpc>
               <a:buSzPct val="45000"/>
               <a:buFont typeface="StarSymbol"/>
-              <a:buChar char="l"/>
+              <a:buChar char=""/>
             </a:pPr>
             <a:r>
               <a:rPr lang="en-US" sz="2200" strike="noStrike">
@@ -8639,8 +8984,20 @@
                   <a:srgbClr val="595959"/>
                 </a:solidFill>
                 <a:latin typeface="News Gothic MT"/>
+                <a:ea typeface="DejaVu Sans"/>
               </a:rPr>
               <a:t>Images distance ~22 ft</a:t>
+            </a:r>
+            <a:r>
+              <a:rPr lang="en-US" sz="2200" strike="noStrike">
+                <a:solidFill>
+                  <a:srgbClr val="595959"/>
+                </a:solidFill>
+                <a:latin typeface="News Gothic MT"/>
+                <a:ea typeface="DejaVu Sans"/>
+              </a:rPr>
+              <a:t>
+</a:t>
             </a:r>
             <a:endParaRPr/>
           </a:p>
@@ -8651,7 +9008,7 @@
               </a:lnSpc>
               <a:buSzPct val="45000"/>
               <a:buFont typeface="StarSymbol"/>
-              <a:buChar char="l"/>
+              <a:buChar char=""/>
             </a:pPr>
             <a:r>
               <a:rPr lang="en-US" sz="2200" strike="noStrike">
@@ -8659,8 +9016,20 @@
                   <a:srgbClr val="595959"/>
                 </a:solidFill>
                 <a:latin typeface="News Gothic MT"/>
+                <a:ea typeface="DejaVu Sans"/>
               </a:rPr>
               <a:t>two complete loops</a:t>
+            </a:r>
+            <a:r>
+              <a:rPr lang="en-US" sz="2200" strike="noStrike">
+                <a:solidFill>
+                  <a:srgbClr val="595959"/>
+                </a:solidFill>
+                <a:latin typeface="News Gothic MT"/>
+                <a:ea typeface="DejaVu Sans"/>
+              </a:rPr>
+              <a:t>
+</a:t>
             </a:r>
             <a:endParaRPr/>
           </a:p>
@@ -8671,7 +9040,7 @@
               </a:lnSpc>
               <a:buSzPct val="45000"/>
               <a:buFont typeface="StarSymbol"/>
-              <a:buChar char="l"/>
+              <a:buChar char=""/>
             </a:pPr>
             <a:r>
               <a:rPr lang="en-US" sz="2200" strike="noStrike">
@@ -8679,8 +9048,20 @@
                   <a:srgbClr val="595959"/>
                 </a:solidFill>
                 <a:latin typeface="News Gothic MT"/>
-              </a:rPr>
-              <a:t>GPS data,mono images</a:t>
+                <a:ea typeface="DejaVu Sans"/>
+              </a:rPr>
+              <a:t>GPS data, mono images</a:t>
+            </a:r>
+            <a:r>
+              <a:rPr lang="en-US" sz="2200" strike="noStrike">
+                <a:solidFill>
+                  <a:srgbClr val="595959"/>
+                </a:solidFill>
+                <a:latin typeface="News Gothic MT"/>
+                <a:ea typeface="DejaVu Sans"/>
+              </a:rPr>
+              <a:t>
+</a:t>
             </a:r>
             <a:endParaRPr/>
           </a:p>
@@ -8691,7 +9072,7 @@
               </a:lnSpc>
               <a:buSzPct val="45000"/>
               <a:buFont typeface="StarSymbol"/>
-              <a:buChar char="l"/>
+              <a:buChar char=""/>
             </a:pPr>
             <a:r>
               <a:rPr lang="en-US" sz="2200" strike="noStrike">
@@ -8699,6 +9080,7 @@
                   <a:srgbClr val="595959"/>
                 </a:solidFill>
                 <a:latin typeface="News Gothic MT"/>
+                <a:ea typeface="DejaVu Sans"/>
               </a:rPr>
               <a:t>Greater challenge than </a:t>
             </a:r>
@@ -8711,7 +9093,7 @@
               </a:lnSpc>
               <a:buSzPct val="45000"/>
               <a:buFont typeface="StarSymbol"/>
-              <a:buChar char="l"/>
+              <a:buChar char=""/>
             </a:pPr>
             <a:r>
               <a:rPr lang="en-US" sz="2200" strike="noStrike">
@@ -8719,19 +9101,20 @@
                   <a:srgbClr val="595959"/>
                 </a:solidFill>
                 <a:latin typeface="News Gothic MT"/>
+                <a:ea typeface="DejaVu Sans"/>
               </a:rPr>
               <a:t>Malaga Urban Dataset</a:t>
             </a:r>
             <a:endParaRPr/>
           </a:p>
           <a:p>
-            <a:pPr lvl="1">
+            <a:pPr lvl="2">
               <a:lnSpc>
                 <a:spcPct val="100000"/>
               </a:lnSpc>
               <a:buSzPct val="45000"/>
               <a:buFont typeface="StarSymbol"/>
-              <a:buChar char="l"/>
+              <a:buChar char=""/>
             </a:pPr>
             <a:r>
               <a:rPr lang="en-US" sz="2200" strike="noStrike">
@@ -8739,19 +9122,20 @@
                   <a:srgbClr val="595959"/>
                 </a:solidFill>
                 <a:latin typeface="News Gothic MT"/>
+                <a:ea typeface="DejaVu Sans"/>
               </a:rPr>
               <a:t>People in images</a:t>
             </a:r>
             <a:endParaRPr/>
           </a:p>
           <a:p>
-            <a:pPr lvl="1">
+            <a:pPr lvl="2">
               <a:lnSpc>
                 <a:spcPct val="100000"/>
               </a:lnSpc>
               <a:buSzPct val="45000"/>
               <a:buFont typeface="StarSymbol"/>
-              <a:buChar char="l"/>
+              <a:buChar char=""/>
             </a:pPr>
             <a:r>
               <a:rPr lang="en-US" sz="2200" strike="noStrike">
@@ -8759,19 +9143,20 @@
                   <a:srgbClr val="595959"/>
                 </a:solidFill>
                 <a:latin typeface="News Gothic MT"/>
+                <a:ea typeface="DejaVu Sans"/>
               </a:rPr>
               <a:t>Walking, not driving </a:t>
             </a:r>
             <a:endParaRPr/>
           </a:p>
           <a:p>
-            <a:pPr lvl="1">
+            <a:pPr lvl="2">
               <a:lnSpc>
                 <a:spcPct val="100000"/>
               </a:lnSpc>
               <a:buSzPct val="45000"/>
               <a:buFont typeface="StarSymbol"/>
-              <a:buChar char="l"/>
+              <a:buChar char=""/>
             </a:pPr>
             <a:r>
               <a:rPr lang="en-US" sz="2200" strike="noStrike">
@@ -8779,6 +9164,7 @@
                   <a:srgbClr val="595959"/>
                 </a:solidFill>
                 <a:latin typeface="News Gothic MT"/>
+                <a:ea typeface="DejaVu Sans"/>
               </a:rPr>
               <a:t>Fewer images overall</a:t>
             </a:r>
@@ -8798,8 +9184,8 @@
         </p:blipFill>
         <p:spPr>
           <a:xfrm>
-            <a:off x="5273280" y="2080800"/>
-            <a:ext cx="4327560" cy="4722120"/>
+            <a:off x="4771440" y="1972800"/>
+            <a:ext cx="4541040" cy="4885200"/>
           </a:xfrm>
           <a:prstGeom prst="rect">
             <a:avLst/>
@@ -8871,7 +9257,7 @@
         <p:spPr>
           <a:xfrm>
             <a:off x="2194560" y="0"/>
-            <a:ext cx="5760360" cy="3809160"/>
+            <a:ext cx="5760000" cy="3808800"/>
           </a:xfrm>
           <a:prstGeom prst="rect">
             <a:avLst/>
@@ -8894,7 +9280,7 @@
         <p:spPr>
           <a:xfrm>
             <a:off x="2194560" y="3914280"/>
-            <a:ext cx="5760360" cy="3644640"/>
+            <a:ext cx="5760000" cy="3644280"/>
           </a:xfrm>
           <a:prstGeom prst="rect">
             <a:avLst/>
@@ -9090,7 +9476,7 @@
         <p:spPr>
           <a:xfrm>
             <a:off x="605520" y="118440"/>
-            <a:ext cx="8865360" cy="1473120"/>
+            <a:ext cx="8865000" cy="1472760"/>
           </a:xfrm>
           <a:prstGeom prst="rect">
             <a:avLst/>
@@ -9120,6 +9506,7 @@
                   <a:srgbClr val="2c7c9f"/>
                 </a:solidFill>
                 <a:latin typeface="News Gothic MT"/>
+                <a:ea typeface="DejaVu Sans"/>
               </a:rPr>
               <a:t>Method 1: Bag of Words</a:t>
             </a:r>
@@ -9136,7 +9523,7 @@
         <p:spPr>
           <a:xfrm>
             <a:off x="182880" y="2011680"/>
-            <a:ext cx="4205880" cy="3264840"/>
+            <a:ext cx="4205520" cy="3264480"/>
           </a:xfrm>
           <a:prstGeom prst="rect">
             <a:avLst/>
@@ -9169,8 +9556,20 @@
                   <a:srgbClr val="595959"/>
                 </a:solidFill>
                 <a:latin typeface="News Gothic MT"/>
+                <a:ea typeface="DejaVu Sans"/>
               </a:rPr>
               <a:t>Def: treat an image like a text document, break up into visual “words”</a:t>
+            </a:r>
+            <a:r>
+              <a:rPr lang="en-US" sz="2200" strike="noStrike">
+                <a:solidFill>
+                  <a:srgbClr val="595959"/>
+                </a:solidFill>
+                <a:latin typeface="News Gothic MT"/>
+                <a:ea typeface="DejaVu Sans"/>
+              </a:rPr>
+              <a:t>
+</a:t>
             </a:r>
             <a:endParaRPr/>
           </a:p>
@@ -9189,6 +9588,7 @@
                   <a:srgbClr val="595959"/>
                 </a:solidFill>
                 <a:latin typeface="News Gothic MT"/>
+                <a:ea typeface="DejaVu Sans"/>
               </a:rPr>
               <a:t>Detect and extract </a:t>
             </a:r>
@@ -9198,6 +9598,7 @@
                   <a:srgbClr val="595959"/>
                 </a:solidFill>
                 <a:latin typeface="News Gothic MT"/>
+                <a:ea typeface="DejaVu Sans"/>
               </a:rPr>
               <a:t>dense</a:t>
             </a:r>
@@ -9207,8 +9608,20 @@
                   <a:srgbClr val="595959"/>
                 </a:solidFill>
                 <a:latin typeface="News Gothic MT"/>
+                <a:ea typeface="DejaVu Sans"/>
               </a:rPr>
               <a:t> SIFT feature descriptors</a:t>
+            </a:r>
+            <a:r>
+              <a:rPr lang="en-US" sz="2200" strike="noStrike">
+                <a:solidFill>
+                  <a:srgbClr val="595959"/>
+                </a:solidFill>
+                <a:latin typeface="News Gothic MT"/>
+                <a:ea typeface="DejaVu Sans"/>
+              </a:rPr>
+              <a:t>
+</a:t>
             </a:r>
             <a:endParaRPr/>
           </a:p>
@@ -9227,8 +9640,20 @@
                   <a:srgbClr val="595959"/>
                 </a:solidFill>
                 <a:latin typeface="News Gothic MT"/>
+                <a:ea typeface="DejaVu Sans"/>
               </a:rPr>
               <a:t>Normalize feature descriptors</a:t>
+            </a:r>
+            <a:r>
+              <a:rPr lang="en-US" sz="2200" strike="noStrike">
+                <a:solidFill>
+                  <a:srgbClr val="595959"/>
+                </a:solidFill>
+                <a:latin typeface="News Gothic MT"/>
+                <a:ea typeface="DejaVu Sans"/>
+              </a:rPr>
+              <a:t>
+</a:t>
             </a:r>
             <a:endParaRPr/>
           </a:p>
@@ -9247,8 +9672,20 @@
                   <a:srgbClr val="595959"/>
                 </a:solidFill>
                 <a:latin typeface="News Gothic MT"/>
+                <a:ea typeface="DejaVu Sans"/>
               </a:rPr>
               <a:t>K-Means clustering to create pictorial codebook</a:t>
+            </a:r>
+            <a:r>
+              <a:rPr lang="en-US" sz="2200" strike="noStrike">
+                <a:solidFill>
+                  <a:srgbClr val="595959"/>
+                </a:solidFill>
+                <a:latin typeface="News Gothic MT"/>
+                <a:ea typeface="DejaVu Sans"/>
+              </a:rPr>
+              <a:t>
+</a:t>
             </a:r>
             <a:endParaRPr/>
           </a:p>
@@ -9267,6 +9704,7 @@
                   <a:srgbClr val="595959"/>
                 </a:solidFill>
                 <a:latin typeface="News Gothic MT"/>
+                <a:ea typeface="DejaVu Sans"/>
               </a:rPr>
               <a:t>Create histogram(s) of visual words</a:t>
             </a:r>
@@ -9287,7 +9725,7 @@
         <p:spPr>
           <a:xfrm>
             <a:off x="4754880" y="1828800"/>
-            <a:ext cx="4388760" cy="2925720"/>
+            <a:ext cx="4388400" cy="2925360"/>
           </a:xfrm>
           <a:prstGeom prst="rect">
             <a:avLst/>
@@ -9310,7 +9748,7 @@
         <p:spPr>
           <a:xfrm>
             <a:off x="5394960" y="4846320"/>
-            <a:ext cx="3108600" cy="2559960"/>
+            <a:ext cx="3108240" cy="2559600"/>
           </a:xfrm>
           <a:prstGeom prst="rect">
             <a:avLst/>
@@ -9378,7 +9816,7 @@
         <p:spPr>
           <a:xfrm>
             <a:off x="605520" y="118440"/>
-            <a:ext cx="8865360" cy="1473120"/>
+            <a:ext cx="8865000" cy="1472760"/>
           </a:xfrm>
           <a:prstGeom prst="rect">
             <a:avLst/>
@@ -9408,6 +9846,7 @@
                   <a:srgbClr val="2c7c9f"/>
                 </a:solidFill>
                 <a:latin typeface="News Gothic MT"/>
+                <a:ea typeface="DejaVu Sans"/>
               </a:rPr>
               <a:t>Bag of Words, continued</a:t>
             </a:r>
@@ -9424,7 +9863,7 @@
         <p:spPr>
           <a:xfrm>
             <a:off x="605520" y="1764000"/>
-            <a:ext cx="8865360" cy="4786920"/>
+            <a:ext cx="8865000" cy="4786560"/>
           </a:xfrm>
           <a:prstGeom prst="rect">
             <a:avLst/>
@@ -9457,6 +9896,7 @@
                   <a:srgbClr val="595959"/>
                 </a:solidFill>
                 <a:latin typeface="News Gothic MT"/>
+                <a:ea typeface="DejaVu Sans"/>
               </a:rPr>
               <a:t>Use One-Against-All SVM to classify</a:t>
             </a:r>
@@ -9477,7 +9917,7 @@
         <p:spPr>
           <a:xfrm>
             <a:off x="4722480" y="2651760"/>
-            <a:ext cx="4969800" cy="4023000"/>
+            <a:ext cx="4969440" cy="4022640"/>
           </a:xfrm>
           <a:prstGeom prst="rect">
             <a:avLst/>
@@ -9496,7 +9936,7 @@
         <p:spPr>
           <a:xfrm>
             <a:off x="1227600" y="6804360"/>
-            <a:ext cx="2468520" cy="601920"/>
+            <a:ext cx="2468160" cy="601560"/>
           </a:xfrm>
           <a:prstGeom prst="rect">
             <a:avLst/>
@@ -9517,7 +9957,11 @@
           <a:p>
             <a:r>
               <a:rPr lang="en-US" strike="noStrike">
+                <a:solidFill>
+                  <a:srgbClr val="000000"/>
+                </a:solidFill>
                 <a:latin typeface="Arial"/>
+                <a:ea typeface="DejaVu Sans"/>
               </a:rPr>
               <a:t>K-Nearest Neighbours</a:t>
             </a:r>
@@ -9531,7 +9975,11 @@
             </a:pPr>
             <a:r>
               <a:rPr lang="en-US" strike="noStrike">
+                <a:solidFill>
+                  <a:srgbClr val="000000"/>
+                </a:solidFill>
                 <a:latin typeface="Arial"/>
+                <a:ea typeface="DejaVu Sans"/>
               </a:rPr>
               <a:t>(Video Google)</a:t>
             </a:r>
@@ -9548,7 +9996,7 @@
         <p:spPr>
           <a:xfrm>
             <a:off x="6716880" y="6802560"/>
-            <a:ext cx="1081080" cy="601920"/>
+            <a:ext cx="1080720" cy="601560"/>
           </a:xfrm>
           <a:prstGeom prst="rect">
             <a:avLst/>
@@ -9569,7 +10017,11 @@
           <a:p>
             <a:r>
               <a:rPr lang="en-US" strike="noStrike">
+                <a:solidFill>
+                  <a:srgbClr val="000000"/>
+                </a:solidFill>
                 <a:latin typeface="Arial"/>
+                <a:ea typeface="DejaVu Sans"/>
               </a:rPr>
               <a:t>SVM</a:t>
             </a:r>
@@ -9583,7 +10035,11 @@
             </a:pPr>
             <a:r>
               <a:rPr lang="en-US" strike="noStrike">
+                <a:solidFill>
+                  <a:srgbClr val="000000"/>
+                </a:solidFill>
                 <a:latin typeface="Arial"/>
+                <a:ea typeface="DejaVu Sans"/>
               </a:rPr>
               <a:t>(Team 1)</a:t>
             </a:r>
@@ -9604,7 +10060,7 @@
         <p:spPr>
           <a:xfrm>
             <a:off x="480960" y="2651760"/>
-            <a:ext cx="3982680" cy="4023000"/>
+            <a:ext cx="3982320" cy="4022640"/>
           </a:xfrm>
           <a:prstGeom prst="rect">
             <a:avLst/>
@@ -9672,7 +10128,7 @@
         <p:spPr>
           <a:xfrm>
             <a:off x="605520" y="118440"/>
-            <a:ext cx="8865360" cy="1473120"/>
+            <a:ext cx="8865000" cy="1472760"/>
           </a:xfrm>
           <a:prstGeom prst="rect">
             <a:avLst/>
@@ -9702,6 +10158,7 @@
                   <a:srgbClr val="2c7c9f"/>
                 </a:solidFill>
                 <a:latin typeface="News Gothic MT"/>
+                <a:ea typeface="DejaVu Sans"/>
               </a:rPr>
               <a:t>Method 2: CNN feature extraction</a:t>
             </a:r>
@@ -9718,7 +10175,7 @@
         <p:spPr>
           <a:xfrm>
             <a:off x="497520" y="2016000"/>
-            <a:ext cx="4331880" cy="4786920"/>
+            <a:ext cx="4331520" cy="4786560"/>
           </a:xfrm>
           <a:prstGeom prst="rect">
             <a:avLst/>
@@ -9751,6 +10208,7 @@
                   <a:srgbClr val="595959"/>
                 </a:solidFill>
                 <a:latin typeface="News Gothic MT"/>
+                <a:ea typeface="DejaVu Sans"/>
               </a:rPr>
               <a:t>OverFeat</a:t>
             </a:r>
@@ -9771,6 +10229,18 @@
                   <a:srgbClr val="595959"/>
                 </a:solidFill>
                 <a:latin typeface="News Gothic MT"/>
+                <a:ea typeface="DejaVu Sans"/>
+              </a:rPr>
+              <a:t>
+</a:t>
+            </a:r>
+            <a:r>
+              <a:rPr lang="en-US" sz="2600" strike="noStrike">
+                <a:solidFill>
+                  <a:srgbClr val="595959"/>
+                </a:solidFill>
+                <a:latin typeface="News Gothic MT"/>
+                <a:ea typeface="DejaVu Sans"/>
               </a:rPr>
               <a:t>CNN = </a:t>
             </a:r>
@@ -9791,6 +10261,7 @@
                   <a:srgbClr val="595959"/>
                 </a:solidFill>
                 <a:latin typeface="News Gothic MT"/>
+                <a:ea typeface="DejaVu Sans"/>
               </a:rPr>
               <a:t>image classifier,</a:t>
             </a:r>
@@ -9811,6 +10282,7 @@
                   <a:srgbClr val="595959"/>
                 </a:solidFill>
                 <a:latin typeface="News Gothic MT"/>
+                <a:ea typeface="DejaVu Sans"/>
               </a:rPr>
               <a:t>feature extractor</a:t>
             </a:r>
@@ -9825,15 +10297,6 @@
               <a:buFont typeface="Arial"/>
               <a:buChar char="•"/>
             </a:pPr>
-            <a:r>
-              <a:rPr lang="en-US" sz="2600" strike="noStrike">
-                <a:solidFill>
-                  <a:srgbClr val="595959"/>
-                </a:solidFill>
-                <a:latin typeface="News Gothic MT"/>
-              </a:rPr>
-              <a:t>Trained with the</a:t>
-            </a:r>
             <a:endParaRPr/>
           </a:p>
           <a:p>
@@ -9851,8 +10314,9 @@
                   <a:srgbClr val="595959"/>
                 </a:solidFill>
                 <a:latin typeface="News Gothic MT"/>
-              </a:rPr>
-              <a:t>Torch7 package on</a:t>
+                <a:ea typeface="DejaVu Sans"/>
+              </a:rPr>
+              <a:t>Trained with the</a:t>
             </a:r>
             <a:endParaRPr/>
           </a:p>
@@ -9871,8 +10335,9 @@
                   <a:srgbClr val="595959"/>
                 </a:solidFill>
                 <a:latin typeface="News Gothic MT"/>
-              </a:rPr>
-              <a:t>the Imagenet </a:t>
+                <a:ea typeface="DejaVu Sans"/>
+              </a:rPr>
+              <a:t>Torch7 package on</a:t>
             </a:r>
             <a:endParaRPr/>
           </a:p>
@@ -9891,8 +10356,20 @@
                   <a:srgbClr val="595959"/>
                 </a:solidFill>
                 <a:latin typeface="News Gothic MT"/>
-              </a:rPr>
-              <a:t>dataset</a:t>
+                <a:ea typeface="DejaVu Sans"/>
+              </a:rPr>
+              <a:t>the Imagenet dataset</a:t>
+            </a:r>
+            <a:r>
+              <a:rPr lang="en-US" sz="2600" strike="noStrike">
+                <a:solidFill>
+                  <a:srgbClr val="595959"/>
+                </a:solidFill>
+                <a:latin typeface="News Gothic MT"/>
+                <a:ea typeface="DejaVu Sans"/>
+              </a:rPr>
+              <a:t>
+</a:t>
             </a:r>
             <a:endParaRPr/>
           </a:p>
@@ -9911,6 +10388,7 @@
                   <a:srgbClr val="595959"/>
                 </a:solidFill>
                 <a:latin typeface="News Gothic MT"/>
+                <a:ea typeface="DejaVu Sans"/>
               </a:rPr>
               <a:t>Linux only...</a:t>
             </a:r>
@@ -9939,7 +10417,7 @@
         <p:spPr>
           <a:xfrm>
             <a:off x="4278240" y="2233440"/>
-            <a:ext cx="5391720" cy="3958920"/>
+            <a:ext cx="5391360" cy="3958560"/>
           </a:xfrm>
           <a:prstGeom prst="rect">
             <a:avLst/>

--- a/presentation.pptx
+++ b/presentation.pptx
@@ -204,7 +204,7 @@
           <a:bodyPr lIns="0" rIns="0" tIns="0" bIns="0" anchor="b"/>
           <a:p>
             <a:pPr algn="r"/>
-            <a:fld id="{BE7C37AE-A784-49D5-90FC-94AC019EDA12}" type="slidenum">
+            <a:fld id="{A59EE07F-AEC8-4588-BF87-E1724FF26512}" type="slidenum">
               <a:rPr lang="en-US" sz="1400">
                 <a:latin typeface="Times New Roman"/>
               </a:rPr>
@@ -250,7 +250,7 @@
         <p:spPr>
           <a:xfrm>
             <a:off x="777960" y="4778280"/>
-            <a:ext cx="6215400" cy="4524840"/>
+            <a:ext cx="6215040" cy="4524480"/>
           </a:xfrm>
           <a:prstGeom prst="rect">
             <a:avLst/>
@@ -278,7 +278,7 @@
         <p:spPr>
           <a:xfrm>
             <a:off x="4402080" y="9553680"/>
-            <a:ext cx="3367440" cy="502200"/>
+            <a:ext cx="3367080" cy="501840"/>
           </a:xfrm>
           <a:prstGeom prst="rect">
             <a:avLst/>
@@ -5746,7 +5746,7 @@
         <p:spPr>
           <a:xfrm>
             <a:off x="504000" y="301320"/>
-            <a:ext cx="9069840" cy="5850000"/>
+            <a:ext cx="9069480" cy="5849640"/>
           </a:xfrm>
           <a:prstGeom prst="rect">
             <a:avLst/>
@@ -5904,7 +5904,7 @@
         <p:spPr>
           <a:xfrm>
             <a:off x="605520" y="118440"/>
-            <a:ext cx="8865000" cy="1472760"/>
+            <a:ext cx="8864640" cy="1472400"/>
           </a:xfrm>
           <a:prstGeom prst="rect">
             <a:avLst/>
@@ -5951,7 +5951,7 @@
         <p:spPr>
           <a:xfrm>
             <a:off x="605520" y="1764000"/>
-            <a:ext cx="8865000" cy="4786560"/>
+            <a:ext cx="8864640" cy="4786200"/>
           </a:xfrm>
           <a:prstGeom prst="rect">
             <a:avLst/>
@@ -5969,6 +5969,24 @@
         </p:style>
         <p:txBody>
           <a:bodyPr lIns="100800" rIns="100800" tIns="50400" bIns="50400"/>
+          <a:p>
+            <a:pPr>
+              <a:buSzPct val="45000"/>
+              <a:buFont typeface="StarSymbol"/>
+              <a:buChar char=""/>
+            </a:pPr>
+            <a:r>
+              <a:rPr lang="en-US" sz="2600" strike="noStrike">
+                <a:solidFill>
+                  <a:srgbClr val="595959"/>
+                </a:solidFill>
+                <a:latin typeface="News Gothic MT"/>
+                <a:ea typeface="DejaVu Sans"/>
+              </a:rPr>
+              <a:t>Feature: vector describing “pictorial word”</a:t>
+            </a:r>
+            <a:endParaRPr/>
+          </a:p>
           <a:p>
             <a:pPr>
               <a:lnSpc>
@@ -5978,27 +5996,6 @@
               <a:buFont typeface="Arial"/>
               <a:buChar char="•"/>
             </a:pPr>
-            <a:r>
-              <a:rPr lang="en-US" sz="2600" strike="noStrike">
-                <a:solidFill>
-                  <a:srgbClr val="595959"/>
-                </a:solidFill>
-                <a:latin typeface="News Gothic MT"/>
-                <a:ea typeface="DejaVu Sans"/>
-              </a:rPr>
-              <a:t>Feature: vector describing “pictorial word”</a:t>
-            </a:r>
-            <a:r>
-              <a:rPr lang="en-US" sz="2600" strike="noStrike">
-                <a:solidFill>
-                  <a:srgbClr val="595959"/>
-                </a:solidFill>
-                <a:latin typeface="News Gothic MT"/>
-                <a:ea typeface="DejaVu Sans"/>
-              </a:rPr>
-              <a:t>
-</a:t>
-            </a:r>
             <a:endParaRPr/>
           </a:p>
           <a:p>
@@ -6037,7 +6034,7 @@
         <p:spPr>
           <a:xfrm>
             <a:off x="4647240" y="3044880"/>
-            <a:ext cx="5432760" cy="3599280"/>
+            <a:ext cx="5432400" cy="3598920"/>
           </a:xfrm>
           <a:prstGeom prst="rect">
             <a:avLst/>
@@ -6060,7 +6057,7 @@
         <p:spPr>
           <a:xfrm>
             <a:off x="91440" y="3344400"/>
-            <a:ext cx="4437720" cy="2833920"/>
+            <a:ext cx="4437360" cy="2833560"/>
           </a:xfrm>
           <a:prstGeom prst="rect">
             <a:avLst/>
@@ -6079,7 +6076,7 @@
         <p:spPr>
           <a:xfrm>
             <a:off x="0" y="7194960"/>
-            <a:ext cx="8708040" cy="363960"/>
+            <a:ext cx="8707680" cy="363600"/>
           </a:xfrm>
           <a:prstGeom prst="rect">
             <a:avLst/>
@@ -6175,7 +6172,7 @@
         <p:spPr>
           <a:xfrm>
             <a:off x="605520" y="118440"/>
-            <a:ext cx="8865000" cy="1472760"/>
+            <a:ext cx="8864640" cy="1472400"/>
           </a:xfrm>
           <a:prstGeom prst="rect">
             <a:avLst/>
@@ -6226,7 +6223,7 @@
         <p:spPr>
           <a:xfrm>
             <a:off x="41760" y="2027160"/>
-            <a:ext cx="5197680" cy="4686120"/>
+            <a:ext cx="5197320" cy="4685760"/>
           </a:xfrm>
           <a:prstGeom prst="rect">
             <a:avLst/>
@@ -6249,7 +6246,7 @@
         <p:spPr>
           <a:xfrm>
             <a:off x="4974840" y="2027160"/>
-            <a:ext cx="5146560" cy="4686120"/>
+            <a:ext cx="5146200" cy="4685760"/>
           </a:xfrm>
           <a:prstGeom prst="rect">
             <a:avLst/>
@@ -6317,7 +6314,7 @@
         <p:spPr>
           <a:xfrm>
             <a:off x="605520" y="118440"/>
-            <a:ext cx="8865000" cy="1472760"/>
+            <a:ext cx="8864640" cy="1472400"/>
           </a:xfrm>
           <a:prstGeom prst="rect">
             <a:avLst/>
@@ -6398,7 +6395,7 @@
         <p:spPr>
           <a:xfrm>
             <a:off x="0" y="2039040"/>
-            <a:ext cx="5029920" cy="4555800"/>
+            <a:ext cx="5029560" cy="4555440"/>
           </a:xfrm>
           <a:prstGeom prst="rect">
             <a:avLst/>
@@ -6421,7 +6418,7 @@
         <p:spPr>
           <a:xfrm>
             <a:off x="4917600" y="2039040"/>
-            <a:ext cx="5186520" cy="4555800"/>
+            <a:ext cx="5186160" cy="4555440"/>
           </a:xfrm>
           <a:prstGeom prst="rect">
             <a:avLst/>
@@ -6489,7 +6486,7 @@
         <p:spPr>
           <a:xfrm>
             <a:off x="605520" y="118440"/>
-            <a:ext cx="8865000" cy="1472760"/>
+            <a:ext cx="8864640" cy="1472400"/>
           </a:xfrm>
           <a:prstGeom prst="rect">
             <a:avLst/>
@@ -6540,7 +6537,7 @@
         <p:spPr>
           <a:xfrm>
             <a:off x="6023880" y="1692000"/>
-            <a:ext cx="3202200" cy="5729760"/>
+            <a:ext cx="3201840" cy="5729400"/>
           </a:xfrm>
           <a:prstGeom prst="rect">
             <a:avLst/>
@@ -6559,7 +6556,7 @@
         <p:spPr>
           <a:xfrm>
             <a:off x="317520" y="2052000"/>
-            <a:ext cx="6085440" cy="4786560"/>
+            <a:ext cx="6085080" cy="4786200"/>
           </a:xfrm>
           <a:prstGeom prst="rect">
             <a:avLst/>
@@ -6577,6 +6574,24 @@
         </p:style>
         <p:txBody>
           <a:bodyPr lIns="100800" rIns="100800" tIns="50400" bIns="50400"/>
+          <a:p>
+            <a:pPr>
+              <a:buSzPct val="45000"/>
+              <a:buFont typeface="StarSymbol"/>
+              <a:buChar char=""/>
+            </a:pPr>
+            <a:r>
+              <a:rPr lang="en-US" sz="2600" strike="noStrike">
+                <a:solidFill>
+                  <a:srgbClr val="595959"/>
+                </a:solidFill>
+                <a:latin typeface="News Gothic MT"/>
+                <a:ea typeface="DejaVu Sans"/>
+              </a:rPr>
+              <a:t>How well does the model separate the classes?</a:t>
+            </a:r>
+            <a:endParaRPr/>
+          </a:p>
           <a:p>
             <a:pPr>
               <a:lnSpc>
@@ -6586,27 +6601,6 @@
               <a:buFont typeface="Arial"/>
               <a:buChar char="•"/>
             </a:pPr>
-            <a:r>
-              <a:rPr lang="en-US" sz="2600" strike="noStrike">
-                <a:solidFill>
-                  <a:srgbClr val="595959"/>
-                </a:solidFill>
-                <a:latin typeface="News Gothic MT"/>
-                <a:ea typeface="DejaVu Sans"/>
-              </a:rPr>
-              <a:t>How well does the model separate the classes?</a:t>
-            </a:r>
-            <a:r>
-              <a:rPr lang="en-US" sz="2600" strike="noStrike">
-                <a:solidFill>
-                  <a:srgbClr val="595959"/>
-                </a:solidFill>
-                <a:latin typeface="News Gothic MT"/>
-                <a:ea typeface="DejaVu Sans"/>
-              </a:rPr>
-              <a:t>
-</a:t>
-            </a:r>
             <a:endParaRPr/>
           </a:p>
           <a:p>
@@ -6709,6 +6703,8 @@
               <a:lnSpc>
                 <a:spcPct val="100000"/>
               </a:lnSpc>
+              <a:buFont typeface="Arial"/>
+              <a:buChar char="•"/>
             </a:pPr>
             <a:endParaRPr/>
           </a:p>
@@ -6772,7 +6768,7 @@
         <p:spPr>
           <a:xfrm>
             <a:off x="605520" y="118440"/>
-            <a:ext cx="8865000" cy="1472760"/>
+            <a:ext cx="8864640" cy="1472400"/>
           </a:xfrm>
           <a:prstGeom prst="rect">
             <a:avLst/>
@@ -6823,7 +6819,7 @@
         <p:spPr>
           <a:xfrm>
             <a:off x="1423440" y="1715040"/>
-            <a:ext cx="7391880" cy="5636520"/>
+            <a:ext cx="7391520" cy="5636160"/>
           </a:xfrm>
           <a:prstGeom prst="rect">
             <a:avLst/>
@@ -6891,7 +6887,7 @@
         <p:spPr>
           <a:xfrm>
             <a:off x="605520" y="118440"/>
-            <a:ext cx="8865000" cy="1472760"/>
+            <a:ext cx="8864640" cy="1472400"/>
           </a:xfrm>
           <a:prstGeom prst="rect">
             <a:avLst/>
@@ -6952,7 +6948,7 @@
         <p:spPr>
           <a:xfrm>
             <a:off x="1324800" y="1620000"/>
-            <a:ext cx="7656120" cy="5761440"/>
+            <a:ext cx="7655760" cy="5761080"/>
           </a:xfrm>
           <a:prstGeom prst="rect">
             <a:avLst/>
@@ -7020,7 +7016,7 @@
         <p:spPr>
           <a:xfrm>
             <a:off x="605520" y="118440"/>
-            <a:ext cx="8865000" cy="1472760"/>
+            <a:ext cx="8864640" cy="1472400"/>
           </a:xfrm>
           <a:prstGeom prst="rect">
             <a:avLst/>
@@ -7067,7 +7063,7 @@
         <p:spPr>
           <a:xfrm>
             <a:off x="605520" y="1764000"/>
-            <a:ext cx="8865000" cy="4786560"/>
+            <a:ext cx="8864640" cy="4786200"/>
           </a:xfrm>
           <a:prstGeom prst="rect">
             <a:avLst/>
@@ -7085,6 +7081,24 @@
         </p:style>
         <p:txBody>
           <a:bodyPr lIns="100800" rIns="100800" tIns="50400" bIns="50400"/>
+          <a:p>
+            <a:pPr>
+              <a:buSzPct val="45000"/>
+              <a:buFont typeface="StarSymbol"/>
+              <a:buChar char=""/>
+            </a:pPr>
+            <a:r>
+              <a:rPr lang="en-US" sz="2400" strike="noStrike">
+                <a:solidFill>
+                  <a:srgbClr val="595959"/>
+                </a:solidFill>
+                <a:latin typeface="News Gothic MT"/>
+                <a:ea typeface="DejaVu Sans"/>
+              </a:rPr>
+              <a:t>We made a pre-trained neural network work, how about trying to train a CNN on our own data?</a:t>
+            </a:r>
+            <a:endParaRPr/>
+          </a:p>
           <a:p>
             <a:pPr>
               <a:lnSpc>
@@ -7094,27 +7108,6 @@
               <a:buFont typeface="Arial"/>
               <a:buChar char="•"/>
             </a:pPr>
-            <a:r>
-              <a:rPr lang="en-US" sz="2400" strike="noStrike">
-                <a:solidFill>
-                  <a:srgbClr val="595959"/>
-                </a:solidFill>
-                <a:latin typeface="News Gothic MT"/>
-                <a:ea typeface="DejaVu Sans"/>
-              </a:rPr>
-              <a:t>We made a pre-trained neural network work, how about trying to train a CNN on our own data?</a:t>
-            </a:r>
-            <a:r>
-              <a:rPr lang="en-US" sz="2400" strike="noStrike">
-                <a:solidFill>
-                  <a:srgbClr val="595959"/>
-                </a:solidFill>
-                <a:latin typeface="News Gothic MT"/>
-                <a:ea typeface="DejaVu Sans"/>
-              </a:rPr>
-              <a:t>
-</a:t>
-            </a:r>
             <a:endParaRPr/>
           </a:p>
           <a:p>
@@ -7136,17 +7129,6 @@
               </a:rPr>
               <a:t>Caffe: deep learning framework out of UC Berkeley</a:t>
             </a:r>
-            <a:r>
-              <a:rPr lang="en-US" sz="2400" strike="noStrike">
-                <a:solidFill>
-                  <a:srgbClr val="595959"/>
-                </a:solidFill>
-                <a:latin typeface="News Gothic MT"/>
-                <a:ea typeface="DejaVu Sans"/>
-              </a:rPr>
-              <a:t>
-</a:t>
-            </a:r>
             <a:endParaRPr/>
           </a:p>
           <a:p>
@@ -7158,69 +7140,6 @@
               <a:buFont typeface="Arial"/>
               <a:buChar char="•"/>
             </a:pPr>
-            <a:r>
-              <a:rPr lang="en-US" sz="2400" strike="noStrike">
-                <a:solidFill>
-                  <a:srgbClr val="595959"/>
-                </a:solidFill>
-                <a:latin typeface="News Gothic MT"/>
-                <a:ea typeface="DejaVu Sans"/>
-              </a:rPr>
-              <a:t>Imagenet framework on Malaga Dataset Extract #7</a:t>
-            </a:r>
-            <a:endParaRPr/>
-          </a:p>
-          <a:p>
-            <a:pPr lvl="1">
-              <a:lnSpc>
-                <a:spcPct val="100000"/>
-              </a:lnSpc>
-              <a:buSzPct val="75000"/>
-              <a:buFont typeface="StarSymbol"/>
-              <a:buChar char="l"/>
-            </a:pPr>
-            <a:r>
-              <a:rPr lang="en-US" sz="2400" strike="noStrike">
-                <a:solidFill>
-                  <a:srgbClr val="595959"/>
-                </a:solidFill>
-                <a:latin typeface="News Gothic MT"/>
-                <a:ea typeface="DejaVu Sans"/>
-              </a:rPr>
-              <a:t>- train on images from first loop</a:t>
-            </a:r>
-            <a:endParaRPr/>
-          </a:p>
-          <a:p>
-            <a:pPr lvl="1">
-              <a:lnSpc>
-                <a:spcPct val="100000"/>
-              </a:lnSpc>
-              <a:buSzPct val="75000"/>
-              <a:buFont typeface="StarSymbol"/>
-              <a:buChar char="l"/>
-            </a:pPr>
-            <a:r>
-              <a:rPr lang="en-US" sz="2400" strike="noStrike">
-                <a:solidFill>
-                  <a:srgbClr val="595959"/>
-                </a:solidFill>
-                <a:latin typeface="News Gothic MT"/>
-                <a:ea typeface="DejaVu Sans"/>
-              </a:rPr>
-              <a:t>- classify on images from second loop</a:t>
-            </a:r>
-            <a:endParaRPr/>
-          </a:p>
-          <a:p>
-            <a:pPr lvl="1">
-              <a:lnSpc>
-                <a:spcPct val="100000"/>
-              </a:lnSpc>
-              <a:buSzPct val="75000"/>
-              <a:buFont typeface="StarSymbol"/>
-              <a:buChar char="l"/>
-            </a:pPr>
             <a:endParaRPr/>
           </a:p>
           <a:p>
@@ -7240,7 +7159,7 @@
                 <a:latin typeface="News Gothic MT"/>
                 <a:ea typeface="DejaVu Sans"/>
               </a:rPr>
-              <a:t>Results may likely improve with a larger dataset</a:t>
+              <a:t>Imagenet framework on Malaga Dataset Extract #7</a:t>
             </a:r>
             <a:endParaRPr/>
           </a:p>
@@ -7249,6 +7168,80 @@
               <a:lnSpc>
                 <a:spcPct val="100000"/>
               </a:lnSpc>
+              <a:buSzPct val="110000"/>
+              <a:buFont typeface="Arial"/>
+              <a:buChar char="•"/>
+            </a:pPr>
+            <a:r>
+              <a:rPr lang="en-US" sz="2400" strike="noStrike">
+                <a:solidFill>
+                  <a:srgbClr val="595959"/>
+                </a:solidFill>
+                <a:latin typeface="News Gothic MT"/>
+                <a:ea typeface="DejaVu Sans"/>
+              </a:rPr>
+              <a:t>- train on images from first loop</a:t>
+            </a:r>
+            <a:endParaRPr/>
+          </a:p>
+          <a:p>
+            <a:pPr>
+              <a:lnSpc>
+                <a:spcPct val="100000"/>
+              </a:lnSpc>
+              <a:buSzPct val="110000"/>
+              <a:buFont typeface="Arial"/>
+              <a:buChar char="•"/>
+            </a:pPr>
+            <a:r>
+              <a:rPr lang="en-US" sz="2400" strike="noStrike">
+                <a:solidFill>
+                  <a:srgbClr val="595959"/>
+                </a:solidFill>
+                <a:latin typeface="News Gothic MT"/>
+                <a:ea typeface="DejaVu Sans"/>
+              </a:rPr>
+              <a:t>- classify on images from second loop</a:t>
+            </a:r>
+            <a:endParaRPr/>
+          </a:p>
+          <a:p>
+            <a:pPr>
+              <a:lnSpc>
+                <a:spcPct val="100000"/>
+              </a:lnSpc>
+              <a:buSzPct val="110000"/>
+              <a:buFont typeface="Arial"/>
+              <a:buChar char="•"/>
+            </a:pPr>
+            <a:endParaRPr/>
+          </a:p>
+          <a:p>
+            <a:pPr>
+              <a:lnSpc>
+                <a:spcPct val="100000"/>
+              </a:lnSpc>
+              <a:buSzPct val="110000"/>
+              <a:buFont typeface="Arial"/>
+              <a:buChar char="•"/>
+            </a:pPr>
+            <a:r>
+              <a:rPr lang="en-US" sz="2400" strike="noStrike">
+                <a:solidFill>
+                  <a:srgbClr val="595959"/>
+                </a:solidFill>
+                <a:latin typeface="News Gothic MT"/>
+                <a:ea typeface="DejaVu Sans"/>
+              </a:rPr>
+              <a:t>Results may likely improve with a larger dataset</a:t>
+            </a:r>
+            <a:endParaRPr/>
+          </a:p>
+          <a:p>
+            <a:pPr>
+              <a:lnSpc>
+                <a:spcPct val="100000"/>
+              </a:lnSpc>
             </a:pPr>
             <a:endParaRPr/>
           </a:p>
@@ -7263,7 +7256,7 @@
         <p:spPr>
           <a:xfrm>
             <a:off x="504000" y="6967440"/>
-            <a:ext cx="9575640" cy="365400"/>
+            <a:ext cx="9575280" cy="365040"/>
           </a:xfrm>
           <a:prstGeom prst="rect">
             <a:avLst/>
@@ -7359,7 +7352,7 @@
         <p:spPr>
           <a:xfrm>
             <a:off x="605520" y="118440"/>
-            <a:ext cx="8865000" cy="1472760"/>
+            <a:ext cx="8864640" cy="1472400"/>
           </a:xfrm>
           <a:prstGeom prst="rect">
             <a:avLst/>
@@ -7406,7 +7399,7 @@
         <p:spPr>
           <a:xfrm>
             <a:off x="605520" y="1764000"/>
-            <a:ext cx="8865000" cy="4786560"/>
+            <a:ext cx="8864640" cy="4786200"/>
           </a:xfrm>
           <a:prstGeom prst="rect">
             <a:avLst/>
@@ -7424,24 +7417,6 @@
         </p:style>
         <p:txBody>
           <a:bodyPr lIns="100800" rIns="100800" tIns="50400" bIns="50400"/>
-          <a:p>
-            <a:pPr>
-              <a:buSzPct val="45000"/>
-              <a:buFont typeface="StarSymbol"/>
-              <a:buChar char=""/>
-            </a:pPr>
-            <a:r>
-              <a:rPr lang="en-US" sz="2600" strike="noStrike">
-                <a:solidFill>
-                  <a:srgbClr val="000000"/>
-                </a:solidFill>
-                <a:latin typeface="News Gothic MT"/>
-                <a:ea typeface="DejaVu Sans"/>
-              </a:rPr>
-              <a:t>Video Google-style BoW worked well on our </a:t>
-            </a:r>
-            <a:endParaRPr/>
-          </a:p>
           <a:p>
             <a:pPr>
               <a:lnSpc>
@@ -7459,18 +7434,7 @@
                 <a:latin typeface="News Gothic MT"/>
                 <a:ea typeface="DejaVu Sans"/>
               </a:rPr>
-              <a:t>small datasets</a:t>
-            </a:r>
-            <a:r>
-              <a:rPr lang="en-US" sz="2600" strike="noStrike">
-                <a:solidFill>
-                  <a:srgbClr val="000000"/>
-                </a:solidFill>
-                <a:latin typeface="News Gothic MT"/>
-                <a:ea typeface="DejaVu Sans"/>
-              </a:rPr>
-              <a:t>
-</a:t>
+              <a:t>Video Google-style BoW worked well on our </a:t>
             </a:r>
             <a:endParaRPr/>
           </a:p>
@@ -7491,18 +7455,7 @@
                 <a:latin typeface="News Gothic MT"/>
                 <a:ea typeface="DejaVu Sans"/>
               </a:rPr>
-              <a:t>BoW with OverFeat also worked well</a:t>
-            </a:r>
-            <a:r>
-              <a:rPr lang="en-US" sz="2600" strike="noStrike">
-                <a:solidFill>
-                  <a:srgbClr val="000000"/>
-                </a:solidFill>
-                <a:latin typeface="News Gothic MT"/>
-                <a:ea typeface="DejaVu Sans"/>
-              </a:rPr>
-              <a:t>
-</a:t>
+              <a:t>small datasets</a:t>
             </a:r>
             <a:endParaRPr/>
           </a:p>
@@ -7515,27 +7468,6 @@
               <a:buFont typeface="StarSymbol"/>
               <a:buChar char=""/>
             </a:pPr>
-            <a:r>
-              <a:rPr lang="en-US" sz="2600" strike="noStrike">
-                <a:solidFill>
-                  <a:srgbClr val="000000"/>
-                </a:solidFill>
-                <a:latin typeface="News Gothic MT"/>
-                <a:ea typeface="DejaVu Sans"/>
-              </a:rPr>
-              <a:t>Caffe needs a little work</a:t>
-            </a:r>
-            <a:r>
-              <a:rPr lang="en-US" sz="2600" strike="noStrike">
-                <a:solidFill>
-                  <a:srgbClr val="000000"/>
-                </a:solidFill>
-                <a:latin typeface="News Gothic MT"/>
-                <a:ea typeface="DejaVu Sans"/>
-              </a:rPr>
-              <a:t>
-</a:t>
-            </a:r>
             <a:endParaRPr/>
           </a:p>
           <a:p>
@@ -7555,18 +7487,7 @@
                 <a:latin typeface="News Gothic MT"/>
                 <a:ea typeface="DejaVu Sans"/>
               </a:rPr>
-              <a:t>Trying larger datasets?</a:t>
-            </a:r>
-            <a:r>
-              <a:rPr lang="en-US" sz="2600" strike="noStrike">
-                <a:solidFill>
-                  <a:srgbClr val="000000"/>
-                </a:solidFill>
-                <a:latin typeface="News Gothic MT"/>
-                <a:ea typeface="DejaVu Sans"/>
-              </a:rPr>
-              <a:t>
-</a:t>
+              <a:t>BoW with OverFeat also worked well</a:t>
             </a:r>
             <a:endParaRPr/>
           </a:p>
@@ -7579,6 +7500,17 @@
               <a:buFont typeface="StarSymbol"/>
               <a:buChar char=""/>
             </a:pPr>
+            <a:endParaRPr/>
+          </a:p>
+          <a:p>
+            <a:pPr>
+              <a:lnSpc>
+                <a:spcPct val="100000"/>
+              </a:lnSpc>
+              <a:buSzPct val="45000"/>
+              <a:buFont typeface="StarSymbol"/>
+              <a:buChar char=""/>
+            </a:pPr>
             <a:r>
               <a:rPr lang="en-US" sz="2600" strike="noStrike">
                 <a:solidFill>
@@ -7587,8 +7519,30 @@
                 <a:latin typeface="News Gothic MT"/>
                 <a:ea typeface="DejaVu Sans"/>
               </a:rPr>
-              <a:t>Different feature normalization methods?</a:t>
-            </a:r>
+              <a:t>Caffe needs a little work</a:t>
+            </a:r>
+            <a:endParaRPr/>
+          </a:p>
+          <a:p>
+            <a:pPr>
+              <a:lnSpc>
+                <a:spcPct val="100000"/>
+              </a:lnSpc>
+              <a:buSzPct val="45000"/>
+              <a:buFont typeface="StarSymbol"/>
+              <a:buChar char=""/>
+            </a:pPr>
+            <a:endParaRPr/>
+          </a:p>
+          <a:p>
+            <a:pPr>
+              <a:lnSpc>
+                <a:spcPct val="100000"/>
+              </a:lnSpc>
+              <a:buSzPct val="45000"/>
+              <a:buFont typeface="StarSymbol"/>
+              <a:buChar char=""/>
+            </a:pPr>
             <a:r>
               <a:rPr lang="en-US" sz="2600" strike="noStrike">
                 <a:solidFill>
@@ -7597,9 +7551,51 @@
                 <a:latin typeface="News Gothic MT"/>
                 <a:ea typeface="DejaVu Sans"/>
               </a:rPr>
-              <a:t>
-</a:t>
-            </a:r>
+              <a:t>Trying larger datasets?</a:t>
+            </a:r>
+            <a:endParaRPr/>
+          </a:p>
+          <a:p>
+            <a:pPr>
+              <a:lnSpc>
+                <a:spcPct val="100000"/>
+              </a:lnSpc>
+              <a:buSzPct val="45000"/>
+              <a:buFont typeface="StarSymbol"/>
+              <a:buChar char=""/>
+            </a:pPr>
+            <a:endParaRPr/>
+          </a:p>
+          <a:p>
+            <a:pPr>
+              <a:lnSpc>
+                <a:spcPct val="100000"/>
+              </a:lnSpc>
+              <a:buSzPct val="45000"/>
+              <a:buFont typeface="StarSymbol"/>
+              <a:buChar char=""/>
+            </a:pPr>
+            <a:r>
+              <a:rPr lang="en-US" sz="2600" strike="noStrike">
+                <a:solidFill>
+                  <a:srgbClr val="000000"/>
+                </a:solidFill>
+                <a:latin typeface="News Gothic MT"/>
+                <a:ea typeface="DejaVu Sans"/>
+              </a:rPr>
+              <a:t>Different feature normalization methods?</a:t>
+            </a:r>
+            <a:endParaRPr/>
+          </a:p>
+          <a:p>
+            <a:pPr>
+              <a:lnSpc>
+                <a:spcPct val="100000"/>
+              </a:lnSpc>
+              <a:buSzPct val="45000"/>
+              <a:buFont typeface="StarSymbol"/>
+              <a:buChar char=""/>
+            </a:pPr>
             <a:endParaRPr/>
           </a:p>
           <a:p>
@@ -7683,7 +7679,7 @@
         <p:spPr>
           <a:xfrm>
             <a:off x="605520" y="118440"/>
-            <a:ext cx="8865000" cy="1472760"/>
+            <a:ext cx="8864640" cy="1472400"/>
           </a:xfrm>
           <a:prstGeom prst="rect">
             <a:avLst/>
@@ -7730,7 +7726,7 @@
         <p:spPr>
           <a:xfrm>
             <a:off x="605520" y="1764000"/>
-            <a:ext cx="8865000" cy="4786560"/>
+            <a:ext cx="8864640" cy="4786200"/>
           </a:xfrm>
           <a:prstGeom prst="rect">
             <a:avLst/>
@@ -7752,11 +7748,7 @@
             <a:endParaRPr/>
           </a:p>
           <a:p>
-            <a:pPr algn="ctr">
-              <a:lnSpc>
-                <a:spcPct val="100000"/>
-              </a:lnSpc>
-            </a:pPr>
+            <a:pPr algn="ctr"/>
             <a:r>
               <a:rPr lang="en-US" sz="2400" strike="noStrike">
                 <a:solidFill>
@@ -7767,6 +7759,22 @@
               </a:rPr>
               <a:t>Video Google: robots.ox.ac.uk/~vgg/publications/papers/sivic03.pdf</a:t>
             </a:r>
+            <a:endParaRPr/>
+          </a:p>
+          <a:p>
+            <a:pPr algn="ctr">
+              <a:lnSpc>
+                <a:spcPct val="100000"/>
+              </a:lnSpc>
+            </a:pPr>
+            <a:endParaRPr/>
+          </a:p>
+          <a:p>
+            <a:pPr algn="ctr">
+              <a:lnSpc>
+                <a:spcPct val="100000"/>
+              </a:lnSpc>
+            </a:pPr>
             <a:r>
               <a:rPr lang="en-US" sz="2400" strike="noStrike">
                 <a:solidFill>
@@ -7775,8 +7783,7 @@
                 <a:latin typeface="News Gothic MT"/>
                 <a:ea typeface="DejaVu Sans"/>
               </a:rPr>
-              <a:t>
-</a:t>
+              <a:t>Overfeat: github.com/sermanet/OverFeat</a:t>
             </a:r>
             <a:endParaRPr/>
           </a:p>
@@ -7786,27 +7793,6 @@
                 <a:spcPct val="100000"/>
               </a:lnSpc>
             </a:pPr>
-            <a:r>
-              <a:rPr lang="en-US" sz="2400" strike="noStrike">
-                <a:solidFill>
-                  <a:srgbClr val="000000"/>
-                </a:solidFill>
-                <a:latin typeface="News Gothic MT"/>
-                <a:ea typeface="DejaVu Sans"/>
-              </a:rPr>
-              <a:t>Overfeat: github.com/sermanet/OverFeat</a:t>
-            </a:r>
-            <a:r>
-              <a:rPr lang="en-US" sz="2400" strike="noStrike">
-                <a:solidFill>
-                  <a:srgbClr val="000000"/>
-                </a:solidFill>
-                <a:latin typeface="News Gothic MT"/>
-                <a:ea typeface="DejaVu Sans"/>
-              </a:rPr>
-              <a:t>
-</a:t>
-            </a:r>
             <a:endParaRPr/>
           </a:p>
           <a:p>
@@ -7911,7 +7897,7 @@
         <p:spPr>
           <a:xfrm>
             <a:off x="605520" y="118440"/>
-            <a:ext cx="8865000" cy="1472760"/>
+            <a:ext cx="8864640" cy="1472400"/>
           </a:xfrm>
           <a:prstGeom prst="rect">
             <a:avLst/>
@@ -7958,7 +7944,7 @@
         <p:spPr>
           <a:xfrm>
             <a:off x="677520" y="2052000"/>
-            <a:ext cx="8865000" cy="4786560"/>
+            <a:ext cx="8864640" cy="4786200"/>
           </a:xfrm>
           <a:prstGeom prst="rect">
             <a:avLst/>
@@ -7993,18 +7979,15 @@
                 <a:latin typeface="News Gothic MT"/>
                 <a:ea typeface="DejaVu Sans"/>
               </a:rPr>
-              <a:t>Place Recognition using two different methods</a:t>
-            </a:r>
-            <a:endParaRPr/>
-          </a:p>
-          <a:p>
-            <a:pPr lvl="1">
+              <a:t>Place recognition with two different methods</a:t>
+            </a:r>
+            <a:endParaRPr/>
+          </a:p>
+          <a:p>
+            <a:pPr>
               <a:lnSpc>
                 <a:spcPct val="100000"/>
               </a:lnSpc>
-              <a:buSzPct val="110000"/>
-              <a:buFont typeface="Arial"/>
-              <a:buChar char="•"/>
             </a:pPr>
             <a:r>
               <a:rPr lang="en-US" sz="2200" strike="noStrike">
@@ -8014,19 +7997,8 @@
                 <a:latin typeface="News Gothic MT"/>
                 <a:ea typeface="DejaVu Sans"/>
               </a:rPr>
-              <a:t>Bag of Words with SIFT descriptors</a:t>
-            </a:r>
-            <a:endParaRPr/>
-          </a:p>
-          <a:p>
-            <a:pPr lvl="1">
-              <a:lnSpc>
-                <a:spcPct val="100000"/>
-              </a:lnSpc>
-              <a:buSzPct val="110000"/>
-              <a:buFont typeface="Arial"/>
-              <a:buChar char="•"/>
-            </a:pPr>
+              <a:t>	</a:t>
+            </a:r>
             <a:r>
               <a:rPr lang="en-US" sz="2200" strike="noStrike">
                 <a:solidFill>
@@ -8035,8 +8007,16 @@
                 <a:latin typeface="News Gothic MT"/>
                 <a:ea typeface="DejaVu Sans"/>
               </a:rPr>
-              <a:t>Features extracted from a Convolution Neural Network</a:t>
-            </a:r>
+              <a:t>- Bag of Words with SIFT descriptors</a:t>
+            </a:r>
+            <a:endParaRPr/>
+          </a:p>
+          <a:p>
+            <a:pPr>
+              <a:lnSpc>
+                <a:spcPct val="100000"/>
+              </a:lnSpc>
+            </a:pPr>
             <a:r>
               <a:rPr lang="en-US" sz="2200" strike="noStrike">
                 <a:solidFill>
@@ -8045,8 +8025,17 @@
                 <a:latin typeface="News Gothic MT"/>
                 <a:ea typeface="DejaVu Sans"/>
               </a:rPr>
-              <a:t>
-</a:t>
+              <a:t>	</a:t>
+            </a:r>
+            <a:r>
+              <a:rPr lang="en-US" sz="2200" strike="noStrike">
+                <a:solidFill>
+                  <a:srgbClr val="595959"/>
+                </a:solidFill>
+                <a:latin typeface="News Gothic MT"/>
+                <a:ea typeface="DejaVu Sans"/>
+              </a:rPr>
+              <a:t>- Features extracted from Convolutional Neural Network</a:t>
             </a:r>
             <a:endParaRPr/>
           </a:p>
@@ -8059,27 +8048,6 @@
               <a:buFont typeface="Arial"/>
               <a:buChar char="•"/>
             </a:pPr>
-            <a:r>
-              <a:rPr lang="en-US" sz="2600" strike="noStrike">
-                <a:solidFill>
-                  <a:srgbClr val="595959"/>
-                </a:solidFill>
-                <a:latin typeface="News Gothic MT"/>
-                <a:ea typeface="DejaVu Sans"/>
-              </a:rPr>
-              <a:t>Classify with One-Against-All SVM</a:t>
-            </a:r>
-            <a:r>
-              <a:rPr lang="en-US" sz="2600" strike="noStrike">
-                <a:solidFill>
-                  <a:srgbClr val="595959"/>
-                </a:solidFill>
-                <a:latin typeface="News Gothic MT"/>
-                <a:ea typeface="DejaVu Sans"/>
-              </a:rPr>
-              <a:t>
-</a:t>
-            </a:r>
             <a:endParaRPr/>
           </a:p>
           <a:p>
@@ -8099,8 +8067,30 @@
                 <a:latin typeface="News Gothic MT"/>
                 <a:ea typeface="DejaVu Sans"/>
               </a:rPr>
-              <a:t>Test for loop closure on Malaga Urban Dataset</a:t>
-            </a:r>
+              <a:t>Classify with One-Against-All SVM</a:t>
+            </a:r>
+            <a:endParaRPr/>
+          </a:p>
+          <a:p>
+            <a:pPr>
+              <a:lnSpc>
+                <a:spcPct val="100000"/>
+              </a:lnSpc>
+              <a:buSzPct val="110000"/>
+              <a:buFont typeface="Arial"/>
+              <a:buChar char="•"/>
+            </a:pPr>
+            <a:endParaRPr/>
+          </a:p>
+          <a:p>
+            <a:pPr>
+              <a:lnSpc>
+                <a:spcPct val="100000"/>
+              </a:lnSpc>
+              <a:buSzPct val="110000"/>
+              <a:buFont typeface="Arial"/>
+              <a:buChar char="•"/>
+            </a:pPr>
             <a:r>
               <a:rPr lang="en-US" sz="2600" strike="noStrike">
                 <a:solidFill>
@@ -8109,9 +8099,19 @@
                 <a:latin typeface="News Gothic MT"/>
                 <a:ea typeface="DejaVu Sans"/>
               </a:rPr>
-              <a:t>
-</a:t>
-            </a:r>
+              <a:t>Test for loop closure on Malaga Urban Dataset</a:t>
+            </a:r>
+            <a:endParaRPr/>
+          </a:p>
+          <a:p>
+            <a:pPr>
+              <a:lnSpc>
+                <a:spcPct val="100000"/>
+              </a:lnSpc>
+              <a:buSzPct val="110000"/>
+              <a:buFont typeface="Arial"/>
+              <a:buChar char="•"/>
+            </a:pPr>
             <a:endParaRPr/>
           </a:p>
           <a:p>
@@ -8215,7 +8215,7 @@
         <p:spPr>
           <a:xfrm>
             <a:off x="605520" y="118440"/>
-            <a:ext cx="8865000" cy="1472760"/>
+            <a:ext cx="8864640" cy="1472400"/>
           </a:xfrm>
           <a:prstGeom prst="rect">
             <a:avLst/>
@@ -8262,7 +8262,7 @@
         <p:spPr>
           <a:xfrm>
             <a:off x="389520" y="1764000"/>
-            <a:ext cx="4880160" cy="3904560"/>
+            <a:ext cx="4879800" cy="3904200"/>
           </a:xfrm>
           <a:prstGeom prst="rect">
             <a:avLst/>
@@ -8280,6 +8280,34 @@
         </p:style>
         <p:txBody>
           <a:bodyPr lIns="100800" rIns="100800" tIns="50400" bIns="50400"/>
+          <a:p>
+            <a:pPr>
+              <a:buSzPct val="45000"/>
+              <a:buFont typeface="StarSymbol"/>
+              <a:buChar char=""/>
+            </a:pPr>
+            <a:r>
+              <a:rPr lang="en-US" sz="2200" strike="noStrike">
+                <a:solidFill>
+                  <a:srgbClr val="595959"/>
+                </a:solidFill>
+                <a:latin typeface="News Gothic MT"/>
+                <a:ea typeface="DejaVu Sans"/>
+              </a:rPr>
+              <a:t> “</a:t>
+            </a:r>
+            <a:r>
+              <a:rPr lang="en-US" sz="2200" strike="noStrike">
+                <a:solidFill>
+                  <a:srgbClr val="595959"/>
+                </a:solidFill>
+                <a:latin typeface="News Gothic MT"/>
+                <a:ea typeface="DejaVu Sans"/>
+              </a:rPr>
+              <a:t>Short avenue loop closure”</a:t>
+            </a:r>
+            <a:endParaRPr/>
+          </a:p>
           <a:p>
             <a:pPr>
               <a:lnSpc>
@@ -8289,37 +8317,6 @@
               <a:buFont typeface="Arial"/>
               <a:buChar char="•"/>
             </a:pPr>
-            <a:r>
-              <a:rPr lang="en-US" sz="2200" strike="noStrike">
-                <a:solidFill>
-                  <a:srgbClr val="595959"/>
-                </a:solidFill>
-                <a:latin typeface="News Gothic MT"/>
-                <a:ea typeface="DejaVu Sans"/>
-              </a:rPr>
-              <a:t>“</a:t>
-            </a:r>
-            <a:r>
-              <a:rPr lang="en-US" sz="2200" strike="noStrike">
-                <a:solidFill>
-                  <a:srgbClr val="595959"/>
-                </a:solidFill>
-                <a:latin typeface="News Gothic MT"/>
-                <a:ea typeface="DejaVu Sans"/>
-              </a:rPr>
-              <a:t>Short avenue loop closure”</a:t>
-            </a:r>
-            <a:r>
-              <a:rPr lang="en-US" sz="2200" strike="noStrike">
-                <a:solidFill>
-                  <a:srgbClr val="595959"/>
-                </a:solidFill>
-                <a:latin typeface="News Gothic MT"/>
-                <a:ea typeface="DejaVu Sans"/>
-              </a:rPr>
-              <a:t>
-</a:t>
-            </a:r>
             <a:endParaRPr/>
           </a:p>
           <a:p>
@@ -8341,17 +8338,6 @@
               </a:rPr>
               <a:t>~1700 raw stereo images</a:t>
             </a:r>
-            <a:r>
-              <a:rPr lang="en-US" sz="2200" strike="noStrike">
-                <a:solidFill>
-                  <a:srgbClr val="595959"/>
-                </a:solidFill>
-                <a:latin typeface="News Gothic MT"/>
-                <a:ea typeface="DejaVu Sans"/>
-              </a:rPr>
-              <a:t>
-</a:t>
-            </a:r>
             <a:endParaRPr/>
           </a:p>
           <a:p>
@@ -8363,27 +8349,6 @@
               <a:buFont typeface="Arial"/>
               <a:buChar char="•"/>
             </a:pPr>
-            <a:r>
-              <a:rPr lang="en-US" sz="2200" strike="noStrike">
-                <a:solidFill>
-                  <a:srgbClr val="595959"/>
-                </a:solidFill>
-                <a:latin typeface="News Gothic MT"/>
-                <a:ea typeface="DejaVu Sans"/>
-              </a:rPr>
-              <a:t>Dataset also includes camera data, GPS data, LIDAR data</a:t>
-            </a:r>
-            <a:r>
-              <a:rPr lang="en-US" sz="2200" strike="noStrike">
-                <a:solidFill>
-                  <a:srgbClr val="595959"/>
-                </a:solidFill>
-                <a:latin typeface="News Gothic MT"/>
-                <a:ea typeface="DejaVu Sans"/>
-              </a:rPr>
-              <a:t>
-</a:t>
-            </a:r>
             <a:endParaRPr/>
           </a:p>
           <a:p>
@@ -8403,18 +8368,29 @@
                 <a:latin typeface="News Gothic MT"/>
                 <a:ea typeface="DejaVu Sans"/>
               </a:rPr>
-              <a:t>Use left camera and GPS data</a:t>
-            </a:r>
-            <a:endParaRPr/>
-          </a:p>
-          <a:p>
-            <a:pPr lvl="1">
+              <a:t>Dataset also includes camera data, GPS data, LIDAR data</a:t>
+            </a:r>
+            <a:endParaRPr/>
+          </a:p>
+          <a:p>
+            <a:pPr>
               <a:lnSpc>
                 <a:spcPct val="100000"/>
               </a:lnSpc>
-              <a:buSzPct val="75000"/>
-              <a:buFont typeface="StarSymbol"/>
-              <a:buChar char="l"/>
+              <a:buSzPct val="110000"/>
+              <a:buFont typeface="Arial"/>
+              <a:buChar char="•"/>
+            </a:pPr>
+            <a:endParaRPr/>
+          </a:p>
+          <a:p>
+            <a:pPr>
+              <a:lnSpc>
+                <a:spcPct val="100000"/>
+              </a:lnSpc>
+              <a:buSzPct val="110000"/>
+              <a:buFont typeface="Arial"/>
+              <a:buChar char="•"/>
             </a:pPr>
             <a:r>
               <a:rPr lang="en-US" sz="2200" strike="noStrike">
@@ -8424,18 +8400,18 @@
                 <a:latin typeface="News Gothic MT"/>
                 <a:ea typeface="DejaVu Sans"/>
               </a:rPr>
-              <a:t>- camera for place recognition</a:t>
-            </a:r>
-            <a:endParaRPr/>
-          </a:p>
-          <a:p>
-            <a:pPr lvl="1">
+              <a:t>Use left camera and GPS data</a:t>
+            </a:r>
+            <a:endParaRPr/>
+          </a:p>
+          <a:p>
+            <a:pPr>
               <a:lnSpc>
                 <a:spcPct val="100000"/>
               </a:lnSpc>
-              <a:buSzPct val="75000"/>
-              <a:buFont typeface="StarSymbol"/>
-              <a:buChar char="l"/>
+              <a:buSzPct val="110000"/>
+              <a:buFont typeface="Arial"/>
+              <a:buChar char="•"/>
             </a:pPr>
             <a:r>
               <a:rPr lang="en-US" sz="2200" strike="noStrike">
@@ -8445,7 +8421,7 @@
                 <a:latin typeface="News Gothic MT"/>
                 <a:ea typeface="DejaVu Sans"/>
               </a:rPr>
-              <a:t>- GPS data to visualize path and loop closure</a:t>
+              <a:t>- camera for place recognition</a:t>
             </a:r>
             <a:endParaRPr/>
           </a:p>
@@ -8454,6 +8430,27 @@
               <a:lnSpc>
                 <a:spcPct val="100000"/>
               </a:lnSpc>
+              <a:buSzPct val="110000"/>
+              <a:buFont typeface="Arial"/>
+              <a:buChar char="•"/>
+            </a:pPr>
+            <a:r>
+              <a:rPr lang="en-US" sz="2200" strike="noStrike">
+                <a:solidFill>
+                  <a:srgbClr val="595959"/>
+                </a:solidFill>
+                <a:latin typeface="News Gothic MT"/>
+                <a:ea typeface="DejaVu Sans"/>
+              </a:rPr>
+              <a:t>- GPS data to visualize path and loop closure</a:t>
+            </a:r>
+            <a:endParaRPr/>
+          </a:p>
+          <a:p>
+            <a:pPr>
+              <a:lnSpc>
+                <a:spcPct val="100000"/>
+              </a:lnSpc>
             </a:pPr>
             <a:endParaRPr/>
           </a:p>
@@ -8468,7 +8465,7 @@
         <p:spPr>
           <a:xfrm>
             <a:off x="321840" y="6850800"/>
-            <a:ext cx="9757440" cy="363960"/>
+            <a:ext cx="9757080" cy="363600"/>
           </a:xfrm>
           <a:prstGeom prst="rect">
             <a:avLst/>
@@ -8519,7 +8516,7 @@
         <p:spPr>
           <a:xfrm>
             <a:off x="5178960" y="1866600"/>
-            <a:ext cx="4512960" cy="4442040"/>
+            <a:ext cx="4512600" cy="4441680"/>
           </a:xfrm>
           <a:prstGeom prst="rect">
             <a:avLst/>
@@ -8591,7 +8588,7 @@
         <p:spPr>
           <a:xfrm>
             <a:off x="2226960" y="0"/>
-            <a:ext cx="5122800" cy="3658320"/>
+            <a:ext cx="5122440" cy="3657960"/>
           </a:xfrm>
           <a:prstGeom prst="rect">
             <a:avLst/>
@@ -8614,7 +8611,7 @@
         <p:spPr>
           <a:xfrm>
             <a:off x="2226960" y="3763800"/>
-            <a:ext cx="5122800" cy="3794760"/>
+            <a:ext cx="5122440" cy="3794400"/>
           </a:xfrm>
           <a:prstGeom prst="rect">
             <a:avLst/>
@@ -8810,7 +8807,7 @@
         <p:spPr>
           <a:xfrm>
             <a:off x="605520" y="118440"/>
-            <a:ext cx="8865000" cy="1472760"/>
+            <a:ext cx="8864640" cy="1472400"/>
           </a:xfrm>
           <a:prstGeom prst="rect">
             <a:avLst/>
@@ -8867,7 +8864,7 @@
         <p:spPr>
           <a:xfrm>
             <a:off x="317520" y="1836000"/>
-            <a:ext cx="5154480" cy="4600080"/>
+            <a:ext cx="5154120" cy="4599720"/>
           </a:xfrm>
           <a:prstGeom prst="rect">
             <a:avLst/>
@@ -8885,6 +8882,44 @@
         </p:style>
         <p:txBody>
           <a:bodyPr lIns="100800" rIns="100800" tIns="50400" bIns="50400"/>
+          <a:p>
+            <a:pPr>
+              <a:buSzPct val="45000"/>
+              <a:buFont typeface="StarSymbol"/>
+              <a:buChar char=""/>
+            </a:pPr>
+            <a:r>
+              <a:rPr lang="en-US" sz="2200" strike="noStrike">
+                <a:solidFill>
+                  <a:srgbClr val="595959"/>
+                </a:solidFill>
+                <a:latin typeface="News Gothic MT"/>
+                <a:ea typeface="DejaVu Sans"/>
+              </a:rPr>
+              <a:t>Short </a:t>
+            </a:r>
+            <a:r>
+              <a:rPr i="1" lang="en-US" sz="2200" strike="noStrike">
+                <a:solidFill>
+                  <a:srgbClr val="595959"/>
+                </a:solidFill>
+                <a:latin typeface="News Gothic MT"/>
+                <a:ea typeface="DejaVu Sans"/>
+              </a:rPr>
+              <a:t>walking</a:t>
+            </a:r>
+            <a:r>
+              <a:rPr lang="en-US" sz="2200" strike="noStrike">
+                <a:solidFill>
+                  <a:srgbClr val="595959"/>
+                </a:solidFill>
+                <a:latin typeface="News Gothic MT"/>
+                <a:ea typeface="DejaVu Sans"/>
+              </a:rPr>
+              <a:t> loop closure</a:t>
+            </a:r>
+            <a:endParaRPr/>
+          </a:p>
           <a:p>
             <a:pPr>
               <a:lnSpc>
@@ -8894,47 +8929,6 @@
               <a:buFont typeface="StarSymbol"/>
               <a:buChar char=""/>
             </a:pPr>
-            <a:r>
-              <a:rPr lang="en-US" sz="2200" strike="noStrike">
-                <a:solidFill>
-                  <a:srgbClr val="595959"/>
-                </a:solidFill>
-                <a:latin typeface="News Gothic MT"/>
-                <a:ea typeface="DejaVu Sans"/>
-              </a:rPr>
-              <a:t>Short </a:t>
-            </a:r>
-            <a:r>
-              <a:rPr i="1" lang="en-US" sz="2200" strike="noStrike">
-                <a:solidFill>
-                  <a:srgbClr val="595959"/>
-                </a:solidFill>
-                <a:latin typeface="News Gothic MT"/>
-                <a:ea typeface="DejaVu Sans"/>
-              </a:rPr>
-              <a:t>walking</a:t>
-            </a:r>
-            <a:r>
-              <a:rPr lang="en-US" sz="2200" strike="noStrike">
-                <a:solidFill>
-                  <a:srgbClr val="595959"/>
-                </a:solidFill>
-                <a:latin typeface="News Gothic MT"/>
-                <a:ea typeface="DejaVu Sans"/>
-              </a:rPr>
-              <a:t> loop closure</a:t>
-            </a:r>
-            <a:r>
-              <a:rPr lang="en-US" sz="2200" strike="noStrike">
-                <a:solidFill>
-                  <a:srgbClr val="595959"/>
-                </a:solidFill>
-                <a:latin typeface="News Gothic MT"/>
-                <a:ea typeface="DejaVu Sans"/>
-              </a:rPr>
-              <a:t>
-</a:t>
-            </a:r>
             <a:endParaRPr/>
           </a:p>
           <a:p>
@@ -8956,17 +8950,6 @@
               </a:rPr>
               <a:t>248 images</a:t>
             </a:r>
-            <a:r>
-              <a:rPr lang="en-US" sz="2200" strike="noStrike">
-                <a:solidFill>
-                  <a:srgbClr val="595959"/>
-                </a:solidFill>
-                <a:latin typeface="News Gothic MT"/>
-                <a:ea typeface="DejaVu Sans"/>
-              </a:rPr>
-              <a:t>
-</a:t>
-            </a:r>
             <a:endParaRPr/>
           </a:p>
           <a:p>
@@ -8978,27 +8961,6 @@
               <a:buFont typeface="StarSymbol"/>
               <a:buChar char=""/>
             </a:pPr>
-            <a:r>
-              <a:rPr lang="en-US" sz="2200" strike="noStrike">
-                <a:solidFill>
-                  <a:srgbClr val="595959"/>
-                </a:solidFill>
-                <a:latin typeface="News Gothic MT"/>
-                <a:ea typeface="DejaVu Sans"/>
-              </a:rPr>
-              <a:t>Images distance ~22 ft</a:t>
-            </a:r>
-            <a:r>
-              <a:rPr lang="en-US" sz="2200" strike="noStrike">
-                <a:solidFill>
-                  <a:srgbClr val="595959"/>
-                </a:solidFill>
-                <a:latin typeface="News Gothic MT"/>
-                <a:ea typeface="DejaVu Sans"/>
-              </a:rPr>
-              <a:t>
-</a:t>
-            </a:r>
             <a:endParaRPr/>
           </a:p>
           <a:p>
@@ -9018,18 +8980,7 @@
                 <a:latin typeface="News Gothic MT"/>
                 <a:ea typeface="DejaVu Sans"/>
               </a:rPr>
-              <a:t>two complete loops</a:t>
-            </a:r>
-            <a:r>
-              <a:rPr lang="en-US" sz="2200" strike="noStrike">
-                <a:solidFill>
-                  <a:srgbClr val="595959"/>
-                </a:solidFill>
-                <a:latin typeface="News Gothic MT"/>
-                <a:ea typeface="DejaVu Sans"/>
-              </a:rPr>
-              <a:t>
-</a:t>
+              <a:t>Images distance ~22 ft</a:t>
             </a:r>
             <a:endParaRPr/>
           </a:p>
@@ -9042,27 +8993,6 @@
               <a:buFont typeface="StarSymbol"/>
               <a:buChar char=""/>
             </a:pPr>
-            <a:r>
-              <a:rPr lang="en-US" sz="2200" strike="noStrike">
-                <a:solidFill>
-                  <a:srgbClr val="595959"/>
-                </a:solidFill>
-                <a:latin typeface="News Gothic MT"/>
-                <a:ea typeface="DejaVu Sans"/>
-              </a:rPr>
-              <a:t>GPS data, mono images</a:t>
-            </a:r>
-            <a:r>
-              <a:rPr lang="en-US" sz="2200" strike="noStrike">
-                <a:solidFill>
-                  <a:srgbClr val="595959"/>
-                </a:solidFill>
-                <a:latin typeface="News Gothic MT"/>
-                <a:ea typeface="DejaVu Sans"/>
-              </a:rPr>
-              <a:t>
-</a:t>
-            </a:r>
             <a:endParaRPr/>
           </a:p>
           <a:p>
@@ -9082,7 +9012,7 @@
                 <a:latin typeface="News Gothic MT"/>
                 <a:ea typeface="DejaVu Sans"/>
               </a:rPr>
-              <a:t>Greater challenge than </a:t>
+              <a:t>two complete loops</a:t>
             </a:r>
             <a:endParaRPr/>
           </a:p>
@@ -9095,6 +9025,17 @@
               <a:buFont typeface="StarSymbol"/>
               <a:buChar char=""/>
             </a:pPr>
+            <a:endParaRPr/>
+          </a:p>
+          <a:p>
+            <a:pPr>
+              <a:lnSpc>
+                <a:spcPct val="100000"/>
+              </a:lnSpc>
+              <a:buSzPct val="45000"/>
+              <a:buFont typeface="StarSymbol"/>
+              <a:buChar char=""/>
+            </a:pPr>
             <a:r>
               <a:rPr lang="en-US" sz="2200" strike="noStrike">
                 <a:solidFill>
@@ -9103,12 +9044,12 @@
                 <a:latin typeface="News Gothic MT"/>
                 <a:ea typeface="DejaVu Sans"/>
               </a:rPr>
-              <a:t>Malaga Urban Dataset</a:t>
-            </a:r>
-            <a:endParaRPr/>
-          </a:p>
-          <a:p>
-            <a:pPr lvl="2">
+              <a:t>GPS data, mono images</a:t>
+            </a:r>
+            <a:endParaRPr/>
+          </a:p>
+          <a:p>
+            <a:pPr>
               <a:lnSpc>
                 <a:spcPct val="100000"/>
               </a:lnSpc>
@@ -9116,6 +9057,17 @@
               <a:buFont typeface="StarSymbol"/>
               <a:buChar char=""/>
             </a:pPr>
+            <a:endParaRPr/>
+          </a:p>
+          <a:p>
+            <a:pPr>
+              <a:lnSpc>
+                <a:spcPct val="100000"/>
+              </a:lnSpc>
+              <a:buSzPct val="45000"/>
+              <a:buFont typeface="StarSymbol"/>
+              <a:buChar char=""/>
+            </a:pPr>
             <a:r>
               <a:rPr lang="en-US" sz="2200" strike="noStrike">
                 <a:solidFill>
@@ -9124,12 +9076,12 @@
                 <a:latin typeface="News Gothic MT"/>
                 <a:ea typeface="DejaVu Sans"/>
               </a:rPr>
-              <a:t>People in images</a:t>
-            </a:r>
-            <a:endParaRPr/>
-          </a:p>
-          <a:p>
-            <a:pPr lvl="2">
+              <a:t>Greater challenge than </a:t>
+            </a:r>
+            <a:endParaRPr/>
+          </a:p>
+          <a:p>
+            <a:pPr>
               <a:lnSpc>
                 <a:spcPct val="100000"/>
               </a:lnSpc>
@@ -9145,12 +9097,12 @@
                 <a:latin typeface="News Gothic MT"/>
                 <a:ea typeface="DejaVu Sans"/>
               </a:rPr>
-              <a:t>Walking, not driving </a:t>
-            </a:r>
-            <a:endParaRPr/>
-          </a:p>
-          <a:p>
-            <a:pPr lvl="2">
+              <a:t>Malaga Urban Dataset</a:t>
+            </a:r>
+            <a:endParaRPr/>
+          </a:p>
+          <a:p>
+            <a:pPr lvl="1">
               <a:lnSpc>
                 <a:spcPct val="100000"/>
               </a:lnSpc>
@@ -9166,7 +9118,49 @@
                 <a:latin typeface="News Gothic MT"/>
                 <a:ea typeface="DejaVu Sans"/>
               </a:rPr>
-              <a:t>Fewer images overall</a:t>
+              <a:t>- People in images</a:t>
+            </a:r>
+            <a:endParaRPr/>
+          </a:p>
+          <a:p>
+            <a:pPr lvl="1">
+              <a:lnSpc>
+                <a:spcPct val="100000"/>
+              </a:lnSpc>
+              <a:buSzPct val="45000"/>
+              <a:buFont typeface="StarSymbol"/>
+              <a:buChar char=""/>
+            </a:pPr>
+            <a:r>
+              <a:rPr lang="en-US" sz="2200" strike="noStrike">
+                <a:solidFill>
+                  <a:srgbClr val="595959"/>
+                </a:solidFill>
+                <a:latin typeface="News Gothic MT"/>
+                <a:ea typeface="DejaVu Sans"/>
+              </a:rPr>
+              <a:t>- Walking, not driving </a:t>
+            </a:r>
+            <a:endParaRPr/>
+          </a:p>
+          <a:p>
+            <a:pPr lvl="1">
+              <a:lnSpc>
+                <a:spcPct val="100000"/>
+              </a:lnSpc>
+              <a:buSzPct val="45000"/>
+              <a:buFont typeface="StarSymbol"/>
+              <a:buChar char=""/>
+            </a:pPr>
+            <a:r>
+              <a:rPr lang="en-US" sz="2200" strike="noStrike">
+                <a:solidFill>
+                  <a:srgbClr val="595959"/>
+                </a:solidFill>
+                <a:latin typeface="News Gothic MT"/>
+                <a:ea typeface="DejaVu Sans"/>
+              </a:rPr>
+              <a:t>- Fewer images overall</a:t>
             </a:r>
             <a:endParaRPr/>
           </a:p>
@@ -9185,7 +9179,7 @@
         <p:spPr>
           <a:xfrm>
             <a:off x="4771440" y="1972800"/>
-            <a:ext cx="4541040" cy="4885200"/>
+            <a:ext cx="4540680" cy="4884840"/>
           </a:xfrm>
           <a:prstGeom prst="rect">
             <a:avLst/>
@@ -9257,7 +9251,7 @@
         <p:spPr>
           <a:xfrm>
             <a:off x="2194560" y="0"/>
-            <a:ext cx="5760000" cy="3808800"/>
+            <a:ext cx="5759640" cy="3808440"/>
           </a:xfrm>
           <a:prstGeom prst="rect">
             <a:avLst/>
@@ -9280,7 +9274,7 @@
         <p:spPr>
           <a:xfrm>
             <a:off x="2194560" y="3914280"/>
-            <a:ext cx="5760000" cy="3644280"/>
+            <a:ext cx="5759640" cy="3643920"/>
           </a:xfrm>
           <a:prstGeom prst="rect">
             <a:avLst/>
@@ -9476,7 +9470,7 @@
         <p:spPr>
           <a:xfrm>
             <a:off x="605520" y="118440"/>
-            <a:ext cx="8865000" cy="1472760"/>
+            <a:ext cx="8864640" cy="1472400"/>
           </a:xfrm>
           <a:prstGeom prst="rect">
             <a:avLst/>
@@ -9523,7 +9517,7 @@
         <p:spPr>
           <a:xfrm>
             <a:off x="182880" y="2011680"/>
-            <a:ext cx="4205520" cy="3264480"/>
+            <a:ext cx="4205160" cy="3264120"/>
           </a:xfrm>
           <a:prstGeom prst="rect">
             <a:avLst/>
@@ -9541,6 +9535,24 @@
         </p:style>
         <p:txBody>
           <a:bodyPr lIns="100800" rIns="100800" tIns="50400" bIns="50400"/>
+          <a:p>
+            <a:pPr>
+              <a:buSzPct val="45000"/>
+              <a:buFont typeface="StarSymbol"/>
+              <a:buChar char=""/>
+            </a:pPr>
+            <a:r>
+              <a:rPr lang="en-US" sz="2200" strike="noStrike">
+                <a:solidFill>
+                  <a:srgbClr val="595959"/>
+                </a:solidFill>
+                <a:latin typeface="News Gothic MT"/>
+                <a:ea typeface="DejaVu Sans"/>
+              </a:rPr>
+              <a:t>Def: treat an image like a text document, break up into visual “words”</a:t>
+            </a:r>
+            <a:endParaRPr/>
+          </a:p>
           <a:p>
             <a:pPr>
               <a:lnSpc>
@@ -9550,27 +9562,6 @@
               <a:buFont typeface="Arial"/>
               <a:buChar char="•"/>
             </a:pPr>
-            <a:r>
-              <a:rPr lang="en-US" sz="2200" strike="noStrike">
-                <a:solidFill>
-                  <a:srgbClr val="595959"/>
-                </a:solidFill>
-                <a:latin typeface="News Gothic MT"/>
-                <a:ea typeface="DejaVu Sans"/>
-              </a:rPr>
-              <a:t>Def: treat an image like a text document, break up into visual “words”</a:t>
-            </a:r>
-            <a:r>
-              <a:rPr lang="en-US" sz="2200" strike="noStrike">
-                <a:solidFill>
-                  <a:srgbClr val="595959"/>
-                </a:solidFill>
-                <a:latin typeface="News Gothic MT"/>
-                <a:ea typeface="DejaVu Sans"/>
-              </a:rPr>
-              <a:t>
-</a:t>
-            </a:r>
             <a:endParaRPr/>
           </a:p>
           <a:p>
@@ -9612,17 +9603,6 @@
               </a:rPr>
               <a:t> SIFT feature descriptors</a:t>
             </a:r>
-            <a:r>
-              <a:rPr lang="en-US" sz="2200" strike="noStrike">
-                <a:solidFill>
-                  <a:srgbClr val="595959"/>
-                </a:solidFill>
-                <a:latin typeface="News Gothic MT"/>
-                <a:ea typeface="DejaVu Sans"/>
-              </a:rPr>
-              <a:t>
-</a:t>
-            </a:r>
             <a:endParaRPr/>
           </a:p>
           <a:p>
@@ -9634,27 +9614,6 @@
               <a:buFont typeface="Arial"/>
               <a:buChar char="•"/>
             </a:pPr>
-            <a:r>
-              <a:rPr lang="en-US" sz="2200" strike="noStrike">
-                <a:solidFill>
-                  <a:srgbClr val="595959"/>
-                </a:solidFill>
-                <a:latin typeface="News Gothic MT"/>
-                <a:ea typeface="DejaVu Sans"/>
-              </a:rPr>
-              <a:t>Normalize feature descriptors</a:t>
-            </a:r>
-            <a:r>
-              <a:rPr lang="en-US" sz="2200" strike="noStrike">
-                <a:solidFill>
-                  <a:srgbClr val="595959"/>
-                </a:solidFill>
-                <a:latin typeface="News Gothic MT"/>
-                <a:ea typeface="DejaVu Sans"/>
-              </a:rPr>
-              <a:t>
-</a:t>
-            </a:r>
             <a:endParaRPr/>
           </a:p>
           <a:p>
@@ -9674,8 +9633,30 @@
                 <a:latin typeface="News Gothic MT"/>
                 <a:ea typeface="DejaVu Sans"/>
               </a:rPr>
-              <a:t>K-Means clustering to create pictorial codebook</a:t>
-            </a:r>
+              <a:t>Normalize feature descriptors</a:t>
+            </a:r>
+            <a:endParaRPr/>
+          </a:p>
+          <a:p>
+            <a:pPr>
+              <a:lnSpc>
+                <a:spcPct val="100000"/>
+              </a:lnSpc>
+              <a:buSzPct val="110000"/>
+              <a:buFont typeface="Arial"/>
+              <a:buChar char="•"/>
+            </a:pPr>
+            <a:endParaRPr/>
+          </a:p>
+          <a:p>
+            <a:pPr>
+              <a:lnSpc>
+                <a:spcPct val="100000"/>
+              </a:lnSpc>
+              <a:buSzPct val="110000"/>
+              <a:buFont typeface="Arial"/>
+              <a:buChar char="•"/>
+            </a:pPr>
             <a:r>
               <a:rPr lang="en-US" sz="2200" strike="noStrike">
                 <a:solidFill>
@@ -9684,9 +9665,19 @@
                 <a:latin typeface="News Gothic MT"/>
                 <a:ea typeface="DejaVu Sans"/>
               </a:rPr>
-              <a:t>
-</a:t>
-            </a:r>
+              <a:t>K-Means clustering to create pictorial codebook</a:t>
+            </a:r>
+            <a:endParaRPr/>
+          </a:p>
+          <a:p>
+            <a:pPr>
+              <a:lnSpc>
+                <a:spcPct val="100000"/>
+              </a:lnSpc>
+              <a:buSzPct val="110000"/>
+              <a:buFont typeface="Arial"/>
+              <a:buChar char="•"/>
+            </a:pPr>
             <a:endParaRPr/>
           </a:p>
           <a:p>
@@ -9725,7 +9716,7 @@
         <p:spPr>
           <a:xfrm>
             <a:off x="4754880" y="1828800"/>
-            <a:ext cx="4388400" cy="2925360"/>
+            <a:ext cx="4388040" cy="2925000"/>
           </a:xfrm>
           <a:prstGeom prst="rect">
             <a:avLst/>
@@ -9748,7 +9739,7 @@
         <p:spPr>
           <a:xfrm>
             <a:off x="5394960" y="4846320"/>
-            <a:ext cx="3108240" cy="2559600"/>
+            <a:ext cx="3107880" cy="2559240"/>
           </a:xfrm>
           <a:prstGeom prst="rect">
             <a:avLst/>
@@ -9816,7 +9807,7 @@
         <p:spPr>
           <a:xfrm>
             <a:off x="605520" y="118440"/>
-            <a:ext cx="8865000" cy="1472760"/>
+            <a:ext cx="8864640" cy="1472400"/>
           </a:xfrm>
           <a:prstGeom prst="rect">
             <a:avLst/>
@@ -9863,7 +9854,7 @@
         <p:spPr>
           <a:xfrm>
             <a:off x="605520" y="1764000"/>
-            <a:ext cx="8865000" cy="4786560"/>
+            <a:ext cx="8864640" cy="4786200"/>
           </a:xfrm>
           <a:prstGeom prst="rect">
             <a:avLst/>
@@ -9917,7 +9908,7 @@
         <p:spPr>
           <a:xfrm>
             <a:off x="4722480" y="2651760"/>
-            <a:ext cx="4969440" cy="4022640"/>
+            <a:ext cx="4969080" cy="4022280"/>
           </a:xfrm>
           <a:prstGeom prst="rect">
             <a:avLst/>
@@ -9936,7 +9927,7 @@
         <p:spPr>
           <a:xfrm>
             <a:off x="1227600" y="6804360"/>
-            <a:ext cx="2468160" cy="601560"/>
+            <a:ext cx="2467800" cy="601200"/>
           </a:xfrm>
           <a:prstGeom prst="rect">
             <a:avLst/>
@@ -9995,8 +9986,8 @@
         </p:nvSpPr>
         <p:spPr>
           <a:xfrm>
-            <a:off x="6716880" y="6802560"/>
-            <a:ext cx="1080720" cy="601560"/>
+            <a:off x="6287040" y="6802560"/>
+            <a:ext cx="1762200" cy="601200"/>
           </a:xfrm>
           <a:prstGeom prst="rect">
             <a:avLst/>
@@ -10015,6 +10006,7 @@
         <p:txBody>
           <a:bodyPr lIns="90000" rIns="90000" tIns="45000" bIns="45000"/>
           <a:p>
+            <a:pPr algn="ctr"/>
             <a:r>
               <a:rPr lang="en-US" strike="noStrike">
                 <a:solidFill>
@@ -10060,7 +10052,7 @@
         <p:spPr>
           <a:xfrm>
             <a:off x="480960" y="2651760"/>
-            <a:ext cx="3982320" cy="4022640"/>
+            <a:ext cx="3981960" cy="4022280"/>
           </a:xfrm>
           <a:prstGeom prst="rect">
             <a:avLst/>
@@ -10128,7 +10120,7 @@
         <p:spPr>
           <a:xfrm>
             <a:off x="605520" y="118440"/>
-            <a:ext cx="8865000" cy="1472760"/>
+            <a:ext cx="8864640" cy="1472400"/>
           </a:xfrm>
           <a:prstGeom prst="rect">
             <a:avLst/>
@@ -10175,7 +10167,7 @@
         <p:spPr>
           <a:xfrm>
             <a:off x="497520" y="2016000"/>
-            <a:ext cx="4331520" cy="4786560"/>
+            <a:ext cx="4331160" cy="4786200"/>
           </a:xfrm>
           <a:prstGeom prst="rect">
             <a:avLst/>
@@ -10223,27 +10215,6 @@
               <a:buFont typeface="Arial"/>
               <a:buChar char="•"/>
             </a:pPr>
-            <a:r>
-              <a:rPr lang="en-US" sz="2600" strike="noStrike">
-                <a:solidFill>
-                  <a:srgbClr val="595959"/>
-                </a:solidFill>
-                <a:latin typeface="News Gothic MT"/>
-                <a:ea typeface="DejaVu Sans"/>
-              </a:rPr>
-              <a:t>
-</a:t>
-            </a:r>
-            <a:r>
-              <a:rPr lang="en-US" sz="2600" strike="noStrike">
-                <a:solidFill>
-                  <a:srgbClr val="595959"/>
-                </a:solidFill>
-                <a:latin typeface="News Gothic MT"/>
-                <a:ea typeface="DejaVu Sans"/>
-              </a:rPr>
-              <a:t>CNN = </a:t>
-            </a:r>
             <a:endParaRPr/>
           </a:p>
           <a:p>
@@ -10263,7 +10234,7 @@
                 <a:latin typeface="News Gothic MT"/>
                 <a:ea typeface="DejaVu Sans"/>
               </a:rPr>
-              <a:t>image classifier,</a:t>
+              <a:t>CNN = </a:t>
             </a:r>
             <a:endParaRPr/>
           </a:p>
@@ -10284,7 +10255,7 @@
                 <a:latin typeface="News Gothic MT"/>
                 <a:ea typeface="DejaVu Sans"/>
               </a:rPr>
-              <a:t>feature extractor</a:t>
+              <a:t>image classifier,</a:t>
             </a:r>
             <a:endParaRPr/>
           </a:p>
@@ -10297,6 +10268,24 @@
               <a:buFont typeface="Arial"/>
               <a:buChar char="•"/>
             </a:pPr>
+            <a:r>
+              <a:rPr lang="en-US" sz="2600" strike="noStrike">
+                <a:solidFill>
+                  <a:srgbClr val="595959"/>
+                </a:solidFill>
+                <a:latin typeface="News Gothic MT"/>
+                <a:ea typeface="DejaVu Sans"/>
+              </a:rPr>
+              <a:t>feature extractor</a:t>
+            </a:r>
+            <a:endParaRPr/>
+          </a:p>
+          <a:p>
+            <a:pPr>
+              <a:lnSpc>
+                <a:spcPct val="100000"/>
+              </a:lnSpc>
+            </a:pPr>
             <a:endParaRPr/>
           </a:p>
           <a:p>
@@ -10358,7 +10347,7 @@
                 <a:latin typeface="News Gothic MT"/>
                 <a:ea typeface="DejaVu Sans"/>
               </a:rPr>
-              <a:t>the Imagenet dataset</a:t>
+              <a:t>the Imagenet </a:t>
             </a:r>
             <a:r>
               <a:rPr lang="en-US" sz="2600" strike="noStrike">
@@ -10371,6 +10360,27 @@
               <a:t>
 </a:t>
             </a:r>
+            <a:r>
+              <a:rPr lang="en-US" sz="2600" strike="noStrike">
+                <a:solidFill>
+                  <a:srgbClr val="595959"/>
+                </a:solidFill>
+                <a:latin typeface="News Gothic MT"/>
+                <a:ea typeface="DejaVu Sans"/>
+              </a:rPr>
+              <a:t>dataset</a:t>
+            </a:r>
+            <a:endParaRPr/>
+          </a:p>
+          <a:p>
+            <a:pPr>
+              <a:lnSpc>
+                <a:spcPct val="100000"/>
+              </a:lnSpc>
+              <a:buSzPct val="110000"/>
+              <a:buFont typeface="Arial"/>
+              <a:buChar char="•"/>
+            </a:pPr>
             <a:endParaRPr/>
           </a:p>
           <a:p>
@@ -10417,7 +10427,7 @@
         <p:spPr>
           <a:xfrm>
             <a:off x="4278240" y="2233440"/>
-            <a:ext cx="5391360" cy="3958560"/>
+            <a:ext cx="5391000" cy="3958200"/>
           </a:xfrm>
           <a:prstGeom prst="rect">
             <a:avLst/>

--- a/presentation.pptx
+++ b/presentation.pptx
@@ -204,7 +204,7 @@
           <a:bodyPr lIns="0" rIns="0" tIns="0" bIns="0" anchor="b"/>
           <a:p>
             <a:pPr algn="r"/>
-            <a:fld id="{A59EE07F-AEC8-4588-BF87-E1724FF26512}" type="slidenum">
+            <a:fld id="{F2CC9006-DCDF-40FA-862A-6D5941717551}" type="slidenum">
               <a:rPr lang="en-US" sz="1400">
                 <a:latin typeface="Times New Roman"/>
               </a:rPr>
@@ -250,7 +250,7 @@
         <p:spPr>
           <a:xfrm>
             <a:off x="777960" y="4778280"/>
-            <a:ext cx="6215040" cy="4524480"/>
+            <a:ext cx="6214680" cy="4524120"/>
           </a:xfrm>
           <a:prstGeom prst="rect">
             <a:avLst/>
@@ -278,7 +278,7 @@
         <p:spPr>
           <a:xfrm>
             <a:off x="4402080" y="9553680"/>
-            <a:ext cx="3367080" cy="501840"/>
+            <a:ext cx="3366720" cy="501480"/>
           </a:xfrm>
           <a:prstGeom prst="rect">
             <a:avLst/>
@@ -5746,7 +5746,7 @@
         <p:spPr>
           <a:xfrm>
             <a:off x="504000" y="301320"/>
-            <a:ext cx="9069480" cy="5849640"/>
+            <a:ext cx="9069120" cy="5849280"/>
           </a:xfrm>
           <a:prstGeom prst="rect">
             <a:avLst/>
@@ -5904,7 +5904,7 @@
         <p:spPr>
           <a:xfrm>
             <a:off x="605520" y="118440"/>
-            <a:ext cx="8864640" cy="1472400"/>
+            <a:ext cx="8864280" cy="1472040"/>
           </a:xfrm>
           <a:prstGeom prst="rect">
             <a:avLst/>
@@ -5951,7 +5951,7 @@
         <p:spPr>
           <a:xfrm>
             <a:off x="605520" y="1764000"/>
-            <a:ext cx="8864640" cy="4786200"/>
+            <a:ext cx="8864280" cy="4785840"/>
           </a:xfrm>
           <a:prstGeom prst="rect">
             <a:avLst/>
@@ -5971,6 +5971,9 @@
           <a:bodyPr lIns="100800" rIns="100800" tIns="50400" bIns="50400"/>
           <a:p>
             <a:pPr>
+              <a:lnSpc>
+                <a:spcPct val="100000"/>
+              </a:lnSpc>
               <a:buSzPct val="45000"/>
               <a:buFont typeface="StarSymbol"/>
               <a:buChar char=""/>
@@ -5992,9 +5995,9 @@
               <a:lnSpc>
                 <a:spcPct val="100000"/>
               </a:lnSpc>
-              <a:buSzPct val="110000"/>
-              <a:buFont typeface="Arial"/>
-              <a:buChar char="•"/>
+              <a:buSzPct val="45000"/>
+              <a:buFont typeface="StarSymbol"/>
+              <a:buChar char=""/>
             </a:pPr>
             <a:endParaRPr/>
           </a:p>
@@ -6003,9 +6006,9 @@
               <a:lnSpc>
                 <a:spcPct val="100000"/>
               </a:lnSpc>
-              <a:buSzPct val="110000"/>
-              <a:buFont typeface="Arial"/>
-              <a:buChar char="•"/>
+              <a:buSzPct val="45000"/>
+              <a:buFont typeface="StarSymbol"/>
+              <a:buChar char=""/>
             </a:pPr>
             <a:r>
               <a:rPr lang="en-US" sz="2600" strike="noStrike">
@@ -6034,7 +6037,7 @@
         <p:spPr>
           <a:xfrm>
             <a:off x="4647240" y="3044880"/>
-            <a:ext cx="5432400" cy="3598920"/>
+            <a:ext cx="5432040" cy="3598560"/>
           </a:xfrm>
           <a:prstGeom prst="rect">
             <a:avLst/>
@@ -6057,7 +6060,7 @@
         <p:spPr>
           <a:xfrm>
             <a:off x="91440" y="3344400"/>
-            <a:ext cx="4437360" cy="2833560"/>
+            <a:ext cx="4437000" cy="2833200"/>
           </a:xfrm>
           <a:prstGeom prst="rect">
             <a:avLst/>
@@ -6076,7 +6079,7 @@
         <p:spPr>
           <a:xfrm>
             <a:off x="0" y="7194960"/>
-            <a:ext cx="8707680" cy="363600"/>
+            <a:ext cx="8707320" cy="363240"/>
           </a:xfrm>
           <a:prstGeom prst="rect">
             <a:avLst/>
@@ -6172,7 +6175,7 @@
         <p:spPr>
           <a:xfrm>
             <a:off x="605520" y="118440"/>
-            <a:ext cx="8864640" cy="1472400"/>
+            <a:ext cx="8864280" cy="1472040"/>
           </a:xfrm>
           <a:prstGeom prst="rect">
             <a:avLst/>
@@ -6223,7 +6226,7 @@
         <p:spPr>
           <a:xfrm>
             <a:off x="41760" y="2027160"/>
-            <a:ext cx="5197320" cy="4685760"/>
+            <a:ext cx="5196960" cy="4685400"/>
           </a:xfrm>
           <a:prstGeom prst="rect">
             <a:avLst/>
@@ -6246,7 +6249,7 @@
         <p:spPr>
           <a:xfrm>
             <a:off x="4974840" y="2027160"/>
-            <a:ext cx="5146200" cy="4685760"/>
+            <a:ext cx="5145840" cy="4685400"/>
           </a:xfrm>
           <a:prstGeom prst="rect">
             <a:avLst/>
@@ -6314,7 +6317,7 @@
         <p:spPr>
           <a:xfrm>
             <a:off x="605520" y="118440"/>
-            <a:ext cx="8864640" cy="1472400"/>
+            <a:ext cx="8864280" cy="1472040"/>
           </a:xfrm>
           <a:prstGeom prst="rect">
             <a:avLst/>
@@ -6395,7 +6398,7 @@
         <p:spPr>
           <a:xfrm>
             <a:off x="0" y="2039040"/>
-            <a:ext cx="5029560" cy="4555440"/>
+            <a:ext cx="5029200" cy="4555080"/>
           </a:xfrm>
           <a:prstGeom prst="rect">
             <a:avLst/>
@@ -6418,7 +6421,7 @@
         <p:spPr>
           <a:xfrm>
             <a:off x="4917600" y="2039040"/>
-            <a:ext cx="5186160" cy="4555440"/>
+            <a:ext cx="5185800" cy="4555080"/>
           </a:xfrm>
           <a:prstGeom prst="rect">
             <a:avLst/>
@@ -6486,7 +6489,7 @@
         <p:spPr>
           <a:xfrm>
             <a:off x="605520" y="118440"/>
-            <a:ext cx="8864640" cy="1472400"/>
+            <a:ext cx="8864280" cy="1472040"/>
           </a:xfrm>
           <a:prstGeom prst="rect">
             <a:avLst/>
@@ -6537,7 +6540,7 @@
         <p:spPr>
           <a:xfrm>
             <a:off x="6023880" y="1692000"/>
-            <a:ext cx="3201840" cy="5729400"/>
+            <a:ext cx="3201480" cy="5729040"/>
           </a:xfrm>
           <a:prstGeom prst="rect">
             <a:avLst/>
@@ -6556,7 +6559,7 @@
         <p:spPr>
           <a:xfrm>
             <a:off x="317520" y="2052000"/>
-            <a:ext cx="6085080" cy="4786200"/>
+            <a:ext cx="6084720" cy="4785840"/>
           </a:xfrm>
           <a:prstGeom prst="rect">
             <a:avLst/>
@@ -6576,6 +6579,9 @@
           <a:bodyPr lIns="100800" rIns="100800" tIns="50400" bIns="50400"/>
           <a:p>
             <a:pPr>
+              <a:lnSpc>
+                <a:spcPct val="100000"/>
+              </a:lnSpc>
               <a:buSzPct val="45000"/>
               <a:buFont typeface="StarSymbol"/>
               <a:buChar char=""/>
@@ -6597,9 +6603,9 @@
               <a:lnSpc>
                 <a:spcPct val="100000"/>
               </a:lnSpc>
-              <a:buSzPct val="110000"/>
-              <a:buFont typeface="Arial"/>
-              <a:buChar char="•"/>
+              <a:buSzPct val="45000"/>
+              <a:buFont typeface="StarSymbol"/>
+              <a:buChar char=""/>
             </a:pPr>
             <a:endParaRPr/>
           </a:p>
@@ -6608,9 +6614,9 @@
               <a:lnSpc>
                 <a:spcPct val="100000"/>
               </a:lnSpc>
-              <a:buSzPct val="110000"/>
-              <a:buFont typeface="Arial"/>
-              <a:buChar char="•"/>
+              <a:buSzPct val="45000"/>
+              <a:buFont typeface="StarSymbol"/>
+              <a:buChar char=""/>
             </a:pPr>
             <a:r>
               <a:rPr lang="en-US" sz="2600" strike="noStrike">
@@ -6629,9 +6635,9 @@
               <a:lnSpc>
                 <a:spcPct val="100000"/>
               </a:lnSpc>
-              <a:buSzPct val="110000"/>
-              <a:buFont typeface="Arial"/>
-              <a:buChar char="•"/>
+              <a:buSzPct val="45000"/>
+              <a:buFont typeface="StarSymbol"/>
+              <a:buChar char=""/>
             </a:pPr>
             <a:r>
               <a:rPr lang="en-US" sz="2600" strike="noStrike">
@@ -6650,9 +6656,9 @@
               <a:lnSpc>
                 <a:spcPct val="100000"/>
               </a:lnSpc>
-              <a:buSzPct val="110000"/>
-              <a:buFont typeface="Arial"/>
-              <a:buChar char="•"/>
+              <a:buSzPct val="45000"/>
+              <a:buFont typeface="StarSymbol"/>
+              <a:buChar char=""/>
             </a:pPr>
             <a:endParaRPr/>
           </a:p>
@@ -6661,9 +6667,9 @@
               <a:lnSpc>
                 <a:spcPct val="100000"/>
               </a:lnSpc>
-              <a:buSzPct val="110000"/>
-              <a:buFont typeface="Arial"/>
-              <a:buChar char="•"/>
+              <a:buSzPct val="45000"/>
+              <a:buFont typeface="StarSymbol"/>
+              <a:buChar char=""/>
             </a:pPr>
             <a:r>
               <a:rPr lang="en-US" sz="2600" strike="noStrike">
@@ -6682,9 +6688,9 @@
               <a:lnSpc>
                 <a:spcPct val="100000"/>
               </a:lnSpc>
-              <a:buSzPct val="110000"/>
-              <a:buFont typeface="Arial"/>
-              <a:buChar char="•"/>
+              <a:buSzPct val="45000"/>
+              <a:buFont typeface="StarSymbol"/>
+              <a:buChar char=""/>
             </a:pPr>
             <a:r>
               <a:rPr lang="en-US" sz="2600" strike="noStrike">
@@ -6703,8 +6709,6 @@
               <a:lnSpc>
                 <a:spcPct val="100000"/>
               </a:lnSpc>
-              <a:buFont typeface="Arial"/>
-              <a:buChar char="•"/>
             </a:pPr>
             <a:endParaRPr/>
           </a:p>
@@ -6768,7 +6772,7 @@
         <p:spPr>
           <a:xfrm>
             <a:off x="605520" y="118440"/>
-            <a:ext cx="8864640" cy="1472400"/>
+            <a:ext cx="8864280" cy="1472040"/>
           </a:xfrm>
           <a:prstGeom prst="rect">
             <a:avLst/>
@@ -6819,7 +6823,7 @@
         <p:spPr>
           <a:xfrm>
             <a:off x="1423440" y="1715040"/>
-            <a:ext cx="7391520" cy="5636160"/>
+            <a:ext cx="7391160" cy="5635800"/>
           </a:xfrm>
           <a:prstGeom prst="rect">
             <a:avLst/>
@@ -6887,7 +6891,7 @@
         <p:spPr>
           <a:xfrm>
             <a:off x="605520" y="118440"/>
-            <a:ext cx="8864640" cy="1472400"/>
+            <a:ext cx="8864280" cy="1472040"/>
           </a:xfrm>
           <a:prstGeom prst="rect">
             <a:avLst/>
@@ -6948,7 +6952,7 @@
         <p:spPr>
           <a:xfrm>
             <a:off x="1324800" y="1620000"/>
-            <a:ext cx="7655760" cy="5761080"/>
+            <a:ext cx="7655400" cy="5760720"/>
           </a:xfrm>
           <a:prstGeom prst="rect">
             <a:avLst/>
@@ -7016,7 +7020,7 @@
         <p:spPr>
           <a:xfrm>
             <a:off x="605520" y="118440"/>
-            <a:ext cx="8864640" cy="1472400"/>
+            <a:ext cx="8864280" cy="1472040"/>
           </a:xfrm>
           <a:prstGeom prst="rect">
             <a:avLst/>
@@ -7063,7 +7067,7 @@
         <p:spPr>
           <a:xfrm>
             <a:off x="605520" y="1764000"/>
-            <a:ext cx="8864640" cy="4786200"/>
+            <a:ext cx="8864280" cy="4785840"/>
           </a:xfrm>
           <a:prstGeom prst="rect">
             <a:avLst/>
@@ -7083,9 +7087,9 @@
           <a:bodyPr lIns="100800" rIns="100800" tIns="50400" bIns="50400"/>
           <a:p>
             <a:pPr>
-              <a:buSzPct val="45000"/>
-              <a:buFont typeface="StarSymbol"/>
-              <a:buChar char=""/>
+              <a:lnSpc>
+                <a:spcPct val="100000"/>
+              </a:lnSpc>
             </a:pPr>
             <a:r>
               <a:rPr lang="en-US" sz="2400" strike="noStrike">
@@ -7104,9 +7108,6 @@
               <a:lnSpc>
                 <a:spcPct val="100000"/>
               </a:lnSpc>
-              <a:buSzPct val="110000"/>
-              <a:buFont typeface="Arial"/>
-              <a:buChar char="•"/>
             </a:pPr>
             <a:endParaRPr/>
           </a:p>
@@ -7136,9 +7137,6 @@
               <a:lnSpc>
                 <a:spcPct val="100000"/>
               </a:lnSpc>
-              <a:buSzPct val="110000"/>
-              <a:buFont typeface="Arial"/>
-              <a:buChar char="•"/>
             </a:pPr>
             <a:endParaRPr/>
           </a:p>
@@ -7210,9 +7208,6 @@
               <a:lnSpc>
                 <a:spcPct val="100000"/>
               </a:lnSpc>
-              <a:buSzPct val="110000"/>
-              <a:buFont typeface="Arial"/>
-              <a:buChar char="•"/>
             </a:pPr>
             <a:endParaRPr/>
           </a:p>
@@ -7256,7 +7251,7 @@
         <p:spPr>
           <a:xfrm>
             <a:off x="504000" y="6967440"/>
-            <a:ext cx="9575280" cy="365040"/>
+            <a:ext cx="9574920" cy="364680"/>
           </a:xfrm>
           <a:prstGeom prst="rect">
             <a:avLst/>
@@ -7352,7 +7347,7 @@
         <p:spPr>
           <a:xfrm>
             <a:off x="605520" y="118440"/>
-            <a:ext cx="8864640" cy="1472400"/>
+            <a:ext cx="8864280" cy="1472040"/>
           </a:xfrm>
           <a:prstGeom prst="rect">
             <a:avLst/>
@@ -7399,7 +7394,7 @@
         <p:spPr>
           <a:xfrm>
             <a:off x="605520" y="1764000"/>
-            <a:ext cx="8864640" cy="4786200"/>
+            <a:ext cx="8864280" cy="4785840"/>
           </a:xfrm>
           <a:prstGeom prst="rect">
             <a:avLst/>
@@ -7422,9 +7417,6 @@
               <a:lnSpc>
                 <a:spcPct val="100000"/>
               </a:lnSpc>
-              <a:buSzPct val="45000"/>
-              <a:buFont typeface="StarSymbol"/>
-              <a:buChar char=""/>
             </a:pPr>
             <a:r>
               <a:rPr lang="en-US" sz="2600" strike="noStrike">
@@ -7443,9 +7435,6 @@
               <a:lnSpc>
                 <a:spcPct val="100000"/>
               </a:lnSpc>
-              <a:buSzPct val="45000"/>
-              <a:buFont typeface="StarSymbol"/>
-              <a:buChar char=""/>
             </a:pPr>
             <a:r>
               <a:rPr lang="en-US" sz="2600" strike="noStrike">
@@ -7464,9 +7453,6 @@
               <a:lnSpc>
                 <a:spcPct val="100000"/>
               </a:lnSpc>
-              <a:buSzPct val="45000"/>
-              <a:buFont typeface="StarSymbol"/>
-              <a:buChar char=""/>
             </a:pPr>
             <a:endParaRPr/>
           </a:p>
@@ -7475,9 +7461,6 @@
               <a:lnSpc>
                 <a:spcPct val="100000"/>
               </a:lnSpc>
-              <a:buSzPct val="45000"/>
-              <a:buFont typeface="StarSymbol"/>
-              <a:buChar char=""/>
             </a:pPr>
             <a:r>
               <a:rPr lang="en-US" sz="2600" strike="noStrike">
@@ -7487,7 +7470,7 @@
                 <a:latin typeface="News Gothic MT"/>
                 <a:ea typeface="DejaVu Sans"/>
               </a:rPr>
-              <a:t>BoW with OverFeat also worked well</a:t>
+              <a:t>OverFeat features also worked well</a:t>
             </a:r>
             <a:endParaRPr/>
           </a:p>
@@ -7496,9 +7479,6 @@
               <a:lnSpc>
                 <a:spcPct val="100000"/>
               </a:lnSpc>
-              <a:buSzPct val="45000"/>
-              <a:buFont typeface="StarSymbol"/>
-              <a:buChar char=""/>
             </a:pPr>
             <a:endParaRPr/>
           </a:p>
@@ -7507,9 +7487,6 @@
               <a:lnSpc>
                 <a:spcPct val="100000"/>
               </a:lnSpc>
-              <a:buSzPct val="45000"/>
-              <a:buFont typeface="StarSymbol"/>
-              <a:buChar char=""/>
             </a:pPr>
             <a:r>
               <a:rPr lang="en-US" sz="2600" strike="noStrike">
@@ -7528,9 +7505,6 @@
               <a:lnSpc>
                 <a:spcPct val="100000"/>
               </a:lnSpc>
-              <a:buSzPct val="45000"/>
-              <a:buFont typeface="StarSymbol"/>
-              <a:buChar char=""/>
             </a:pPr>
             <a:endParaRPr/>
           </a:p>
@@ -7539,9 +7513,6 @@
               <a:lnSpc>
                 <a:spcPct val="100000"/>
               </a:lnSpc>
-              <a:buSzPct val="45000"/>
-              <a:buFont typeface="StarSymbol"/>
-              <a:buChar char=""/>
             </a:pPr>
             <a:r>
               <a:rPr lang="en-US" sz="2600" strike="noStrike">
@@ -7560,9 +7531,6 @@
               <a:lnSpc>
                 <a:spcPct val="100000"/>
               </a:lnSpc>
-              <a:buSzPct val="45000"/>
-              <a:buFont typeface="StarSymbol"/>
-              <a:buChar char=""/>
             </a:pPr>
             <a:endParaRPr/>
           </a:p>
@@ -7571,9 +7539,6 @@
               <a:lnSpc>
                 <a:spcPct val="100000"/>
               </a:lnSpc>
-              <a:buSzPct val="45000"/>
-              <a:buFont typeface="StarSymbol"/>
-              <a:buChar char=""/>
             </a:pPr>
             <a:r>
               <a:rPr lang="en-US" sz="2600" strike="noStrike">
@@ -7583,7 +7548,7 @@
                 <a:latin typeface="News Gothic MT"/>
                 <a:ea typeface="DejaVu Sans"/>
               </a:rPr>
-              <a:t>Different feature normalization methods?</a:t>
+              <a:t>Combinations of features from different CNN layers?</a:t>
             </a:r>
             <a:endParaRPr/>
           </a:p>
@@ -7592,9 +7557,6 @@
               <a:lnSpc>
                 <a:spcPct val="100000"/>
               </a:lnSpc>
-              <a:buSzPct val="45000"/>
-              <a:buFont typeface="StarSymbol"/>
-              <a:buChar char=""/>
             </a:pPr>
             <a:endParaRPr/>
           </a:p>
@@ -7603,9 +7565,6 @@
               <a:lnSpc>
                 <a:spcPct val="100000"/>
               </a:lnSpc>
-              <a:buSzPct val="45000"/>
-              <a:buFont typeface="StarSymbol"/>
-              <a:buChar char=""/>
             </a:pPr>
             <a:r>
               <a:rPr lang="en-US" sz="2600" strike="noStrike">
@@ -7679,7 +7638,7 @@
         <p:spPr>
           <a:xfrm>
             <a:off x="605520" y="118440"/>
-            <a:ext cx="8864640" cy="1472400"/>
+            <a:ext cx="8864280" cy="1472040"/>
           </a:xfrm>
           <a:prstGeom prst="rect">
             <a:avLst/>
@@ -7726,7 +7685,7 @@
         <p:spPr>
           <a:xfrm>
             <a:off x="605520" y="1764000"/>
-            <a:ext cx="8864640" cy="4786200"/>
+            <a:ext cx="8864280" cy="4785840"/>
           </a:xfrm>
           <a:prstGeom prst="rect">
             <a:avLst/>
@@ -7748,7 +7707,11 @@
             <a:endParaRPr/>
           </a:p>
           <a:p>
-            <a:pPr algn="ctr"/>
+            <a:pPr algn="ctr">
+              <a:lnSpc>
+                <a:spcPct val="100000"/>
+              </a:lnSpc>
+            </a:pPr>
             <a:r>
               <a:rPr lang="en-US" sz="2400" strike="noStrike">
                 <a:solidFill>
@@ -7810,6 +7773,32 @@
                 <a:ea typeface="DejaVu Sans"/>
               </a:rPr>
               <a:t>CAFFE: caffe.berkeleyvision.org/</a:t>
+            </a:r>
+            <a:endParaRPr/>
+          </a:p>
+          <a:p>
+            <a:pPr algn="ctr">
+              <a:lnSpc>
+                <a:spcPct val="100000"/>
+              </a:lnSpc>
+            </a:pPr>
+            <a:endParaRPr/>
+          </a:p>
+          <a:p>
+            <a:pPr algn="ctr">
+              <a:lnSpc>
+                <a:spcPct val="100000"/>
+              </a:lnSpc>
+            </a:pPr>
+            <a:r>
+              <a:rPr lang="en-US" sz="2400" strike="noStrike">
+                <a:solidFill>
+                  <a:srgbClr val="000000"/>
+                </a:solidFill>
+                <a:latin typeface="News Gothic MT"/>
+                <a:ea typeface="DejaVu Sans"/>
+              </a:rPr>
+              <a:t>CNN-Based Place Recognition: http://arxiv.org/pdf/1411.1509.pdf</a:t>
             </a:r>
             <a:endParaRPr/>
           </a:p>
@@ -7897,7 +7886,7 @@
         <p:spPr>
           <a:xfrm>
             <a:off x="605520" y="118440"/>
-            <a:ext cx="8864640" cy="1472400"/>
+            <a:ext cx="8864280" cy="1472040"/>
           </a:xfrm>
           <a:prstGeom prst="rect">
             <a:avLst/>
@@ -7944,7 +7933,7 @@
         <p:spPr>
           <a:xfrm>
             <a:off x="677520" y="2052000"/>
-            <a:ext cx="8864640" cy="4786200"/>
+            <a:ext cx="8864280" cy="4785840"/>
           </a:xfrm>
           <a:prstGeom prst="rect">
             <a:avLst/>
@@ -8044,9 +8033,6 @@
               <a:lnSpc>
                 <a:spcPct val="100000"/>
               </a:lnSpc>
-              <a:buSzPct val="110000"/>
-              <a:buFont typeface="Arial"/>
-              <a:buChar char="•"/>
             </a:pPr>
             <a:endParaRPr/>
           </a:p>
@@ -8076,9 +8062,6 @@
               <a:lnSpc>
                 <a:spcPct val="100000"/>
               </a:lnSpc>
-              <a:buSzPct val="110000"/>
-              <a:buFont typeface="Arial"/>
-              <a:buChar char="•"/>
             </a:pPr>
             <a:endParaRPr/>
           </a:p>
@@ -8108,9 +8091,6 @@
               <a:lnSpc>
                 <a:spcPct val="100000"/>
               </a:lnSpc>
-              <a:buSzPct val="110000"/>
-              <a:buFont typeface="Arial"/>
-              <a:buChar char="•"/>
             </a:pPr>
             <a:endParaRPr/>
           </a:p>
@@ -8215,7 +8195,7 @@
         <p:spPr>
           <a:xfrm>
             <a:off x="605520" y="118440"/>
-            <a:ext cx="8864640" cy="1472400"/>
+            <a:ext cx="8864280" cy="1472040"/>
           </a:xfrm>
           <a:prstGeom prst="rect">
             <a:avLst/>
@@ -8262,7 +8242,7 @@
         <p:spPr>
           <a:xfrm>
             <a:off x="389520" y="1764000"/>
-            <a:ext cx="4879800" cy="3904200"/>
+            <a:ext cx="4879440" cy="3903840"/>
           </a:xfrm>
           <a:prstGeom prst="rect">
             <a:avLst/>
@@ -8282,6 +8262,9 @@
           <a:bodyPr lIns="100800" rIns="100800" tIns="50400" bIns="50400"/>
           <a:p>
             <a:pPr>
+              <a:lnSpc>
+                <a:spcPct val="100000"/>
+              </a:lnSpc>
               <a:buSzPct val="45000"/>
               <a:buFont typeface="StarSymbol"/>
               <a:buChar char=""/>
@@ -8313,9 +8296,9 @@
               <a:lnSpc>
                 <a:spcPct val="100000"/>
               </a:lnSpc>
-              <a:buSzPct val="110000"/>
-              <a:buFont typeface="Arial"/>
-              <a:buChar char="•"/>
+              <a:buSzPct val="45000"/>
+              <a:buFont typeface="StarSymbol"/>
+              <a:buChar char=""/>
             </a:pPr>
             <a:endParaRPr/>
           </a:p>
@@ -8324,9 +8307,9 @@
               <a:lnSpc>
                 <a:spcPct val="100000"/>
               </a:lnSpc>
-              <a:buSzPct val="110000"/>
-              <a:buFont typeface="Arial"/>
-              <a:buChar char="•"/>
+              <a:buSzPct val="45000"/>
+              <a:buFont typeface="StarSymbol"/>
+              <a:buChar char=""/>
             </a:pPr>
             <a:r>
               <a:rPr lang="en-US" sz="2200" strike="noStrike">
@@ -8345,9 +8328,9 @@
               <a:lnSpc>
                 <a:spcPct val="100000"/>
               </a:lnSpc>
-              <a:buSzPct val="110000"/>
-              <a:buFont typeface="Arial"/>
-              <a:buChar char="•"/>
+              <a:buSzPct val="45000"/>
+              <a:buFont typeface="StarSymbol"/>
+              <a:buChar char=""/>
             </a:pPr>
             <a:endParaRPr/>
           </a:p>
@@ -8356,9 +8339,9 @@
               <a:lnSpc>
                 <a:spcPct val="100000"/>
               </a:lnSpc>
-              <a:buSzPct val="110000"/>
-              <a:buFont typeface="Arial"/>
-              <a:buChar char="•"/>
+              <a:buSzPct val="45000"/>
+              <a:buFont typeface="StarSymbol"/>
+              <a:buChar char=""/>
             </a:pPr>
             <a:r>
               <a:rPr lang="en-US" sz="2200" strike="noStrike">
@@ -8377,9 +8360,9 @@
               <a:lnSpc>
                 <a:spcPct val="100000"/>
               </a:lnSpc>
-              <a:buSzPct val="110000"/>
-              <a:buFont typeface="Arial"/>
-              <a:buChar char="•"/>
+              <a:buSzPct val="45000"/>
+              <a:buFont typeface="StarSymbol"/>
+              <a:buChar char=""/>
             </a:pPr>
             <a:endParaRPr/>
           </a:p>
@@ -8388,9 +8371,9 @@
               <a:lnSpc>
                 <a:spcPct val="100000"/>
               </a:lnSpc>
-              <a:buSzPct val="110000"/>
-              <a:buFont typeface="Arial"/>
-              <a:buChar char="•"/>
+              <a:buSzPct val="45000"/>
+              <a:buFont typeface="StarSymbol"/>
+              <a:buChar char=""/>
             </a:pPr>
             <a:r>
               <a:rPr lang="en-US" sz="2200" strike="noStrike">
@@ -8409,9 +8392,9 @@
               <a:lnSpc>
                 <a:spcPct val="100000"/>
               </a:lnSpc>
-              <a:buSzPct val="110000"/>
-              <a:buFont typeface="Arial"/>
-              <a:buChar char="•"/>
+              <a:buSzPct val="45000"/>
+              <a:buFont typeface="StarSymbol"/>
+              <a:buChar char=""/>
             </a:pPr>
             <a:r>
               <a:rPr lang="en-US" sz="2200" strike="noStrike">
@@ -8430,9 +8413,9 @@
               <a:lnSpc>
                 <a:spcPct val="100000"/>
               </a:lnSpc>
-              <a:buSzPct val="110000"/>
-              <a:buFont typeface="Arial"/>
-              <a:buChar char="•"/>
+              <a:buSzPct val="45000"/>
+              <a:buFont typeface="StarSymbol"/>
+              <a:buChar char=""/>
             </a:pPr>
             <a:r>
               <a:rPr lang="en-US" sz="2200" strike="noStrike">
@@ -8465,7 +8448,7 @@
         <p:spPr>
           <a:xfrm>
             <a:off x="321840" y="6850800"/>
-            <a:ext cx="9757080" cy="363600"/>
+            <a:ext cx="9756720" cy="363240"/>
           </a:xfrm>
           <a:prstGeom prst="rect">
             <a:avLst/>
@@ -8516,7 +8499,7 @@
         <p:spPr>
           <a:xfrm>
             <a:off x="5178960" y="1866600"/>
-            <a:ext cx="4512600" cy="4441680"/>
+            <a:ext cx="4512240" cy="4441320"/>
           </a:xfrm>
           <a:prstGeom prst="rect">
             <a:avLst/>
@@ -8588,7 +8571,7 @@
         <p:spPr>
           <a:xfrm>
             <a:off x="2226960" y="0"/>
-            <a:ext cx="5122440" cy="3657960"/>
+            <a:ext cx="5122080" cy="3657600"/>
           </a:xfrm>
           <a:prstGeom prst="rect">
             <a:avLst/>
@@ -8611,7 +8594,7 @@
         <p:spPr>
           <a:xfrm>
             <a:off x="2226960" y="3763800"/>
-            <a:ext cx="5122440" cy="3794400"/>
+            <a:ext cx="5122080" cy="3794040"/>
           </a:xfrm>
           <a:prstGeom prst="rect">
             <a:avLst/>
@@ -8807,7 +8790,7 @@
         <p:spPr>
           <a:xfrm>
             <a:off x="605520" y="118440"/>
-            <a:ext cx="8864640" cy="1472400"/>
+            <a:ext cx="8864280" cy="1472040"/>
           </a:xfrm>
           <a:prstGeom prst="rect">
             <a:avLst/>
@@ -8864,7 +8847,7 @@
         <p:spPr>
           <a:xfrm>
             <a:off x="317520" y="1836000"/>
-            <a:ext cx="5154120" cy="4599720"/>
+            <a:ext cx="5153760" cy="4599360"/>
           </a:xfrm>
           <a:prstGeom prst="rect">
             <a:avLst/>
@@ -8884,6 +8867,9 @@
           <a:bodyPr lIns="100800" rIns="100800" tIns="50400" bIns="50400"/>
           <a:p>
             <a:pPr>
+              <a:lnSpc>
+                <a:spcPct val="100000"/>
+              </a:lnSpc>
               <a:buSzPct val="45000"/>
               <a:buFont typeface="StarSymbol"/>
               <a:buChar char=""/>
@@ -9102,7 +9088,7 @@
             <a:endParaRPr/>
           </a:p>
           <a:p>
-            <a:pPr lvl="1">
+            <a:pPr>
               <a:lnSpc>
                 <a:spcPct val="100000"/>
               </a:lnSpc>
@@ -9123,7 +9109,7 @@
             <a:endParaRPr/>
           </a:p>
           <a:p>
-            <a:pPr lvl="1">
+            <a:pPr>
               <a:lnSpc>
                 <a:spcPct val="100000"/>
               </a:lnSpc>
@@ -9144,7 +9130,7 @@
             <a:endParaRPr/>
           </a:p>
           <a:p>
-            <a:pPr lvl="1">
+            <a:pPr>
               <a:lnSpc>
                 <a:spcPct val="100000"/>
               </a:lnSpc>
@@ -9179,7 +9165,7 @@
         <p:spPr>
           <a:xfrm>
             <a:off x="4771440" y="1972800"/>
-            <a:ext cx="4540680" cy="4884840"/>
+            <a:ext cx="4540320" cy="4884480"/>
           </a:xfrm>
           <a:prstGeom prst="rect">
             <a:avLst/>
@@ -9251,7 +9237,7 @@
         <p:spPr>
           <a:xfrm>
             <a:off x="2194560" y="0"/>
-            <a:ext cx="5759640" cy="3808440"/>
+            <a:ext cx="5759280" cy="3808080"/>
           </a:xfrm>
           <a:prstGeom prst="rect">
             <a:avLst/>
@@ -9274,7 +9260,7 @@
         <p:spPr>
           <a:xfrm>
             <a:off x="2194560" y="3914280"/>
-            <a:ext cx="5759640" cy="3643920"/>
+            <a:ext cx="5759280" cy="3643560"/>
           </a:xfrm>
           <a:prstGeom prst="rect">
             <a:avLst/>
@@ -9470,7 +9456,7 @@
         <p:spPr>
           <a:xfrm>
             <a:off x="605520" y="118440"/>
-            <a:ext cx="8864640" cy="1472400"/>
+            <a:ext cx="8864280" cy="1472040"/>
           </a:xfrm>
           <a:prstGeom prst="rect">
             <a:avLst/>
@@ -9517,7 +9503,7 @@
         <p:spPr>
           <a:xfrm>
             <a:off x="182880" y="2011680"/>
-            <a:ext cx="4205160" cy="3264120"/>
+            <a:ext cx="4204800" cy="3263760"/>
           </a:xfrm>
           <a:prstGeom prst="rect">
             <a:avLst/>
@@ -9537,6 +9523,9 @@
           <a:bodyPr lIns="100800" rIns="100800" tIns="50400" bIns="50400"/>
           <a:p>
             <a:pPr>
+              <a:lnSpc>
+                <a:spcPct val="100000"/>
+              </a:lnSpc>
               <a:buSzPct val="45000"/>
               <a:buFont typeface="StarSymbol"/>
               <a:buChar char=""/>
@@ -9558,9 +9547,9 @@
               <a:lnSpc>
                 <a:spcPct val="100000"/>
               </a:lnSpc>
-              <a:buSzPct val="110000"/>
-              <a:buFont typeface="Arial"/>
-              <a:buChar char="•"/>
+              <a:buSzPct val="45000"/>
+              <a:buFont typeface="StarSymbol"/>
+              <a:buChar char=""/>
             </a:pPr>
             <a:endParaRPr/>
           </a:p>
@@ -9569,9 +9558,9 @@
               <a:lnSpc>
                 <a:spcPct val="100000"/>
               </a:lnSpc>
-              <a:buSzPct val="110000"/>
-              <a:buFont typeface="Arial"/>
-              <a:buChar char="•"/>
+              <a:buSzPct val="45000"/>
+              <a:buFont typeface="StarSymbol"/>
+              <a:buChar char=""/>
             </a:pPr>
             <a:r>
               <a:rPr lang="en-US" sz="2200" strike="noStrike">
@@ -9610,9 +9599,9 @@
               <a:lnSpc>
                 <a:spcPct val="100000"/>
               </a:lnSpc>
-              <a:buSzPct val="110000"/>
-              <a:buFont typeface="Arial"/>
-              <a:buChar char="•"/>
+              <a:buSzPct val="45000"/>
+              <a:buFont typeface="StarSymbol"/>
+              <a:buChar char=""/>
             </a:pPr>
             <a:endParaRPr/>
           </a:p>
@@ -9621,9 +9610,9 @@
               <a:lnSpc>
                 <a:spcPct val="100000"/>
               </a:lnSpc>
-              <a:buSzPct val="110000"/>
-              <a:buFont typeface="Arial"/>
-              <a:buChar char="•"/>
+              <a:buSzPct val="45000"/>
+              <a:buFont typeface="StarSymbol"/>
+              <a:buChar char=""/>
             </a:pPr>
             <a:r>
               <a:rPr lang="en-US" sz="2200" strike="noStrike">
@@ -9642,9 +9631,9 @@
               <a:lnSpc>
                 <a:spcPct val="100000"/>
               </a:lnSpc>
-              <a:buSzPct val="110000"/>
-              <a:buFont typeface="Arial"/>
-              <a:buChar char="•"/>
+              <a:buSzPct val="45000"/>
+              <a:buFont typeface="StarSymbol"/>
+              <a:buChar char=""/>
             </a:pPr>
             <a:endParaRPr/>
           </a:p>
@@ -9653,9 +9642,9 @@
               <a:lnSpc>
                 <a:spcPct val="100000"/>
               </a:lnSpc>
-              <a:buSzPct val="110000"/>
-              <a:buFont typeface="Arial"/>
-              <a:buChar char="•"/>
+              <a:buSzPct val="45000"/>
+              <a:buFont typeface="StarSymbol"/>
+              <a:buChar char=""/>
             </a:pPr>
             <a:r>
               <a:rPr lang="en-US" sz="2200" strike="noStrike">
@@ -9674,9 +9663,9 @@
               <a:lnSpc>
                 <a:spcPct val="100000"/>
               </a:lnSpc>
-              <a:buSzPct val="110000"/>
-              <a:buFont typeface="Arial"/>
-              <a:buChar char="•"/>
+              <a:buSzPct val="45000"/>
+              <a:buFont typeface="StarSymbol"/>
+              <a:buChar char=""/>
             </a:pPr>
             <a:endParaRPr/>
           </a:p>
@@ -9685,9 +9674,9 @@
               <a:lnSpc>
                 <a:spcPct val="100000"/>
               </a:lnSpc>
-              <a:buSzPct val="110000"/>
-              <a:buFont typeface="Arial"/>
-              <a:buChar char="•"/>
+              <a:buSzPct val="45000"/>
+              <a:buFont typeface="StarSymbol"/>
+              <a:buChar char=""/>
             </a:pPr>
             <a:r>
               <a:rPr lang="en-US" sz="2200" strike="noStrike">
@@ -9716,7 +9705,7 @@
         <p:spPr>
           <a:xfrm>
             <a:off x="4754880" y="1828800"/>
-            <a:ext cx="4388040" cy="2925000"/>
+            <a:ext cx="4387680" cy="2924640"/>
           </a:xfrm>
           <a:prstGeom prst="rect">
             <a:avLst/>
@@ -9739,7 +9728,7 @@
         <p:spPr>
           <a:xfrm>
             <a:off x="5394960" y="4846320"/>
-            <a:ext cx="3107880" cy="2559240"/>
+            <a:ext cx="3107520" cy="2558880"/>
           </a:xfrm>
           <a:prstGeom prst="rect">
             <a:avLst/>
@@ -9807,7 +9796,7 @@
         <p:spPr>
           <a:xfrm>
             <a:off x="605520" y="118440"/>
-            <a:ext cx="8864640" cy="1472400"/>
+            <a:ext cx="8864280" cy="1472040"/>
           </a:xfrm>
           <a:prstGeom prst="rect">
             <a:avLst/>
@@ -9854,7 +9843,7 @@
         <p:spPr>
           <a:xfrm>
             <a:off x="605520" y="1764000"/>
-            <a:ext cx="8864640" cy="4786200"/>
+            <a:ext cx="8864280" cy="4785840"/>
           </a:xfrm>
           <a:prstGeom prst="rect">
             <a:avLst/>
@@ -9908,7 +9897,7 @@
         <p:spPr>
           <a:xfrm>
             <a:off x="4722480" y="2651760"/>
-            <a:ext cx="4969080" cy="4022280"/>
+            <a:ext cx="4968720" cy="4021920"/>
           </a:xfrm>
           <a:prstGeom prst="rect">
             <a:avLst/>
@@ -9927,7 +9916,7 @@
         <p:spPr>
           <a:xfrm>
             <a:off x="1227600" y="6804360"/>
-            <a:ext cx="2467800" cy="601200"/>
+            <a:ext cx="2467440" cy="600840"/>
           </a:xfrm>
           <a:prstGeom prst="rect">
             <a:avLst/>
@@ -9987,7 +9976,7 @@
         <p:spPr>
           <a:xfrm>
             <a:off x="6287040" y="6802560"/>
-            <a:ext cx="1762200" cy="601200"/>
+            <a:ext cx="1761840" cy="600840"/>
           </a:xfrm>
           <a:prstGeom prst="rect">
             <a:avLst/>
@@ -10006,7 +9995,11 @@
         <p:txBody>
           <a:bodyPr lIns="90000" rIns="90000" tIns="45000" bIns="45000"/>
           <a:p>
-            <a:pPr algn="ctr"/>
+            <a:pPr algn="ctr">
+              <a:lnSpc>
+                <a:spcPct val="100000"/>
+              </a:lnSpc>
+            </a:pPr>
             <a:r>
               <a:rPr lang="en-US" strike="noStrike">
                 <a:solidFill>
@@ -10052,7 +10045,7 @@
         <p:spPr>
           <a:xfrm>
             <a:off x="480960" y="2651760"/>
-            <a:ext cx="3981960" cy="4022280"/>
+            <a:ext cx="3981600" cy="4021920"/>
           </a:xfrm>
           <a:prstGeom prst="rect">
             <a:avLst/>
@@ -10120,7 +10113,7 @@
         <p:spPr>
           <a:xfrm>
             <a:off x="605520" y="118440"/>
-            <a:ext cx="8864640" cy="1472400"/>
+            <a:ext cx="8864280" cy="1472040"/>
           </a:xfrm>
           <a:prstGeom prst="rect">
             <a:avLst/>
@@ -10167,7 +10160,7 @@
         <p:spPr>
           <a:xfrm>
             <a:off x="497520" y="2016000"/>
-            <a:ext cx="4331160" cy="4786200"/>
+            <a:ext cx="4330800" cy="4785840"/>
           </a:xfrm>
           <a:prstGeom prst="rect">
             <a:avLst/>
@@ -10211,9 +10204,6 @@
               <a:lnSpc>
                 <a:spcPct val="100000"/>
               </a:lnSpc>
-              <a:buSzPct val="110000"/>
-              <a:buFont typeface="Arial"/>
-              <a:buChar char="•"/>
             </a:pPr>
             <a:endParaRPr/>
           </a:p>
@@ -10349,6 +10339,17 @@
               </a:rPr>
               <a:t>the Imagenet </a:t>
             </a:r>
+            <a:endParaRPr/>
+          </a:p>
+          <a:p>
+            <a:pPr>
+              <a:lnSpc>
+                <a:spcPct val="100000"/>
+              </a:lnSpc>
+              <a:buSzPct val="110000"/>
+              <a:buFont typeface="Arial"/>
+              <a:buChar char="•"/>
+            </a:pPr>
             <a:r>
               <a:rPr lang="en-US" sz="2600" strike="noStrike">
                 <a:solidFill>
@@ -10357,17 +10358,6 @@
                 <a:latin typeface="News Gothic MT"/>
                 <a:ea typeface="DejaVu Sans"/>
               </a:rPr>
-              <a:t>
-</a:t>
-            </a:r>
-            <a:r>
-              <a:rPr lang="en-US" sz="2600" strike="noStrike">
-                <a:solidFill>
-                  <a:srgbClr val="595959"/>
-                </a:solidFill>
-                <a:latin typeface="News Gothic MT"/>
-                <a:ea typeface="DejaVu Sans"/>
-              </a:rPr>
               <a:t>dataset</a:t>
             </a:r>
             <a:endParaRPr/>
@@ -10377,9 +10367,6 @@
               <a:lnSpc>
                 <a:spcPct val="100000"/>
               </a:lnSpc>
-              <a:buSzPct val="110000"/>
-              <a:buFont typeface="Arial"/>
-              <a:buChar char="•"/>
             </a:pPr>
             <a:endParaRPr/>
           </a:p>
@@ -10427,7 +10414,7 @@
         <p:spPr>
           <a:xfrm>
             <a:off x="4278240" y="2233440"/>
-            <a:ext cx="5391000" cy="3958200"/>
+            <a:ext cx="5390640" cy="3957840"/>
           </a:xfrm>
           <a:prstGeom prst="rect">
             <a:avLst/>
